--- a/slides/T320_kMeans.pptx
+++ b/slides/T320_kMeans.pptx
@@ -212,7 +212,7 @@
           <a:p>
             <a:fld id="{C3C82C08-3EFC-4473-8294-F0E229C19EFF}" type="datetimeFigureOut">
               <a:rPr lang="pt-BR" smtClean="0"/>
-              <a:t>23/06/2022</a:t>
+              <a:t>24/06/2022</a:t>
             </a:fld>
             <a:endParaRPr lang="pt-BR"/>
           </a:p>
@@ -1463,7 +1463,7 @@
           <a:p>
             <a:fld id="{221D0464-8C8A-49C0-859F-777E51766A35}" type="datetimeFigureOut">
               <a:rPr lang="pt-BR" smtClean="0"/>
-              <a:t>23/06/2022</a:t>
+              <a:t>24/06/2022</a:t>
             </a:fld>
             <a:endParaRPr lang="pt-BR"/>
           </a:p>
@@ -1633,7 +1633,7 @@
           <a:p>
             <a:fld id="{221D0464-8C8A-49C0-859F-777E51766A35}" type="datetimeFigureOut">
               <a:rPr lang="pt-BR" smtClean="0"/>
-              <a:t>23/06/2022</a:t>
+              <a:t>24/06/2022</a:t>
             </a:fld>
             <a:endParaRPr lang="pt-BR"/>
           </a:p>
@@ -1813,7 +1813,7 @@
           <a:p>
             <a:fld id="{221D0464-8C8A-49C0-859F-777E51766A35}" type="datetimeFigureOut">
               <a:rPr lang="pt-BR" smtClean="0"/>
-              <a:t>23/06/2022</a:t>
+              <a:t>24/06/2022</a:t>
             </a:fld>
             <a:endParaRPr lang="pt-BR"/>
           </a:p>
@@ -1983,7 +1983,7 @@
           <a:p>
             <a:fld id="{221D0464-8C8A-49C0-859F-777E51766A35}" type="datetimeFigureOut">
               <a:rPr lang="pt-BR" smtClean="0"/>
-              <a:t>23/06/2022</a:t>
+              <a:t>24/06/2022</a:t>
             </a:fld>
             <a:endParaRPr lang="pt-BR"/>
           </a:p>
@@ -2229,7 +2229,7 @@
           <a:p>
             <a:fld id="{221D0464-8C8A-49C0-859F-777E51766A35}" type="datetimeFigureOut">
               <a:rPr lang="pt-BR" smtClean="0"/>
-              <a:t>23/06/2022</a:t>
+              <a:t>24/06/2022</a:t>
             </a:fld>
             <a:endParaRPr lang="pt-BR"/>
           </a:p>
@@ -2461,7 +2461,7 @@
           <a:p>
             <a:fld id="{221D0464-8C8A-49C0-859F-777E51766A35}" type="datetimeFigureOut">
               <a:rPr lang="pt-BR" smtClean="0"/>
-              <a:t>23/06/2022</a:t>
+              <a:t>24/06/2022</a:t>
             </a:fld>
             <a:endParaRPr lang="pt-BR"/>
           </a:p>
@@ -2828,7 +2828,7 @@
           <a:p>
             <a:fld id="{221D0464-8C8A-49C0-859F-777E51766A35}" type="datetimeFigureOut">
               <a:rPr lang="pt-BR" smtClean="0"/>
-              <a:t>23/06/2022</a:t>
+              <a:t>24/06/2022</a:t>
             </a:fld>
             <a:endParaRPr lang="pt-BR"/>
           </a:p>
@@ -2946,7 +2946,7 @@
           <a:p>
             <a:fld id="{221D0464-8C8A-49C0-859F-777E51766A35}" type="datetimeFigureOut">
               <a:rPr lang="pt-BR" smtClean="0"/>
-              <a:t>23/06/2022</a:t>
+              <a:t>24/06/2022</a:t>
             </a:fld>
             <a:endParaRPr lang="pt-BR"/>
           </a:p>
@@ -3041,7 +3041,7 @@
           <a:p>
             <a:fld id="{221D0464-8C8A-49C0-859F-777E51766A35}" type="datetimeFigureOut">
               <a:rPr lang="pt-BR" smtClean="0"/>
-              <a:t>23/06/2022</a:t>
+              <a:t>24/06/2022</a:t>
             </a:fld>
             <a:endParaRPr lang="pt-BR"/>
           </a:p>
@@ -3318,7 +3318,7 @@
           <a:p>
             <a:fld id="{221D0464-8C8A-49C0-859F-777E51766A35}" type="datetimeFigureOut">
               <a:rPr lang="pt-BR" smtClean="0"/>
-              <a:t>23/06/2022</a:t>
+              <a:t>24/06/2022</a:t>
             </a:fld>
             <a:endParaRPr lang="pt-BR"/>
           </a:p>
@@ -3571,7 +3571,7 @@
           <a:p>
             <a:fld id="{221D0464-8C8A-49C0-859F-777E51766A35}" type="datetimeFigureOut">
               <a:rPr lang="pt-BR" smtClean="0"/>
-              <a:t>23/06/2022</a:t>
+              <a:t>24/06/2022</a:t>
             </a:fld>
             <a:endParaRPr lang="pt-BR"/>
           </a:p>
@@ -3784,7 +3784,7 @@
           <a:p>
             <a:fld id="{221D0464-8C8A-49C0-859F-777E51766A35}" type="datetimeFigureOut">
               <a:rPr lang="pt-BR" smtClean="0"/>
-              <a:t>23/06/2022</a:t>
+              <a:t>24/06/2022</a:t>
             </a:fld>
             <a:endParaRPr lang="pt-BR"/>
           </a:p>
@@ -4194,7 +4194,7 @@
           <p:cNvPr id="2" name="Título 1">
             <a:extLst>
               <a:ext uri="{FF2B5EF4-FFF2-40B4-BE49-F238E27FC236}">
-                <a16:creationId xmlns="" xmlns:a16="http://schemas.microsoft.com/office/drawing/2014/main" id="{32666AC8-2E17-4DB4-B0F5-60C640CCFD2E}"/>
+                <a16:creationId xmlns:a16="http://schemas.microsoft.com/office/drawing/2014/main" xmlns="" id="{32666AC8-2E17-4DB4-B0F5-60C640CCFD2E}"/>
               </a:ext>
             </a:extLst>
           </p:cNvPr>
@@ -4245,7 +4245,7 @@
           <p:cNvPr id="4" name="CaixaDeTexto 3">
             <a:extLst>
               <a:ext uri="{FF2B5EF4-FFF2-40B4-BE49-F238E27FC236}">
-                <a16:creationId xmlns="" xmlns:a16="http://schemas.microsoft.com/office/drawing/2014/main" id="{430EB894-B7D4-434C-9D1A-A14094D9BEEC}"/>
+                <a16:creationId xmlns:a16="http://schemas.microsoft.com/office/drawing/2014/main" xmlns="" id="{430EB894-B7D4-434C-9D1A-A14094D9BEEC}"/>
               </a:ext>
             </a:extLst>
           </p:cNvPr>
@@ -4286,7 +4286,7 @@
           <p:cNvPr id="1026" name="Picture 2" descr="Logo">
             <a:extLst>
               <a:ext uri="{FF2B5EF4-FFF2-40B4-BE49-F238E27FC236}">
-                <a16:creationId xmlns="" xmlns:a16="http://schemas.microsoft.com/office/drawing/2014/main" id="{3F2642E0-4F6A-4196-8F58-E77D36E9A33F}"/>
+                <a16:creationId xmlns:a16="http://schemas.microsoft.com/office/drawing/2014/main" xmlns="" id="{3F2642E0-4F6A-4196-8F58-E77D36E9A33F}"/>
               </a:ext>
             </a:extLst>
           </p:cNvPr>
@@ -4331,7 +4331,7 @@
           <p:cNvPr id="5122" name="Picture 2" descr="Image result for machine learning">
             <a:extLst>
               <a:ext uri="{FF2B5EF4-FFF2-40B4-BE49-F238E27FC236}">
-                <a16:creationId xmlns="" xmlns:a16="http://schemas.microsoft.com/office/drawing/2014/main" id="{810CE0A2-4102-44A6-A370-175E7896CDCB}"/>
+                <a16:creationId xmlns:a16="http://schemas.microsoft.com/office/drawing/2014/main" xmlns="" id="{810CE0A2-4102-44A6-A370-175E7896CDCB}"/>
               </a:ext>
             </a:extLst>
           </p:cNvPr>
@@ -4911,8 +4911,8 @@
           </a:p>
         </p:txBody>
       </p:sp>
-      <mc:AlternateContent xmlns:mc="http://schemas.openxmlformats.org/markup-compatibility/2006" xmlns:a14="http://schemas.microsoft.com/office/drawing/2010/main">
-        <mc:Choice Requires="a14">
+      <mc:AlternateContent xmlns:mc="http://schemas.openxmlformats.org/markup-compatibility/2006">
+        <mc:Choice xmlns:a14="http://schemas.microsoft.com/office/drawing/2010/main" Requires="a14">
           <p:sp>
             <p:nvSpPr>
               <p:cNvPr id="3" name="Espaço Reservado para Conteúdo 2"/>
@@ -4941,7 +4941,11 @@
                 </a:r>
                 <a:r>
                   <a:rPr lang="pt-BR" dirty="0" smtClean="0"/>
-                  <a:t>para inicializar os centroides escolhe </a:t>
+                  <a:t>para inicializar os centroides </a:t>
+                </a:r>
+                <a:r>
+                  <a:rPr lang="pt-BR" dirty="0" smtClean="0"/>
+                  <a:t>é escolher </a:t>
                 </a:r>
                 <a14:m>
                   <m:oMath xmlns:m="http://schemas.openxmlformats.org/officeDocument/2006/math">
@@ -4967,7 +4971,11 @@
                 </a:r>
                 <a:r>
                   <a:rPr lang="pt-BR" dirty="0"/>
-                  <a:t>aleatórios e os considera </a:t>
+                  <a:t>aleatórios e os </a:t>
+                </a:r>
+                <a:r>
+                  <a:rPr lang="pt-BR" dirty="0" smtClean="0"/>
+                  <a:t>considerar </a:t>
                 </a:r>
                 <a:r>
                   <a:rPr lang="pt-BR" dirty="0" smtClean="0"/>
@@ -5049,7 +5057,7 @@
             </p:txBody>
           </p:sp>
         </mc:Choice>
-        <mc:Fallback xmlns="">
+        <mc:Fallback>
           <p:sp>
             <p:nvSpPr>
               <p:cNvPr id="3" name="Espaço Reservado para Conteúdo 2"/>
@@ -5549,7 +5557,7 @@
           <p:cNvPr id="4" name="Título 1">
             <a:extLst>
               <a:ext uri="{FF2B5EF4-FFF2-40B4-BE49-F238E27FC236}">
-                <a16:creationId xmlns:a16="http://schemas.microsoft.com/office/drawing/2014/main" xmlns="" id="{32666AC8-2E17-4DB4-B0F5-60C640CCFD2E}"/>
+                <a16:creationId xmlns="" xmlns:a16="http://schemas.microsoft.com/office/drawing/2014/main" id="{32666AC8-2E17-4DB4-B0F5-60C640CCFD2E}"/>
               </a:ext>
             </a:extLst>
           </p:cNvPr>
@@ -5874,7 +5882,7 @@
           <p:cNvPr id="4" name="Título 1">
             <a:extLst>
               <a:ext uri="{FF2B5EF4-FFF2-40B4-BE49-F238E27FC236}">
-                <a16:creationId xmlns:a16="http://schemas.microsoft.com/office/drawing/2014/main" xmlns="" id="{32666AC8-2E17-4DB4-B0F5-60C640CCFD2E}"/>
+                <a16:creationId xmlns="" xmlns:a16="http://schemas.microsoft.com/office/drawing/2014/main" id="{32666AC8-2E17-4DB4-B0F5-60C640CCFD2E}"/>
               </a:ext>
             </a:extLst>
           </p:cNvPr>
@@ -5998,11 +6006,13 @@
         <p:spPr>
           <a:xfrm>
             <a:off x="838199" y="1825624"/>
-            <a:ext cx="10945091" cy="4803775"/>
+            <a:ext cx="11204865" cy="4803775"/>
           </a:xfrm>
         </p:spPr>
         <p:txBody>
-          <a:bodyPr/>
+          <a:bodyPr>
+            <a:normAutofit/>
+          </a:bodyPr>
           <a:lstStyle/>
           <a:p>
             <a:r>
@@ -6013,7 +6023,66 @@
           <a:p>
             <a:r>
               <a:rPr lang="pt-BR" dirty="0" smtClean="0"/>
-              <a:t>Hoje, aprenderemos sobre o algoritmo chamado de </a:t>
+              <a:t>Hoje, </a:t>
+            </a:r>
+            <a:r>
+              <a:rPr lang="pt-BR" dirty="0" smtClean="0"/>
+              <a:t>falaremos sobre </a:t>
+            </a:r>
+            <a:r>
+              <a:rPr lang="pt-BR" b="1" i="1" dirty="0" err="1" smtClean="0"/>
+              <a:t>clustering</a:t>
+            </a:r>
+            <a:r>
+              <a:rPr lang="pt-BR" dirty="0" smtClean="0"/>
+              <a:t>, que são algoritmos de </a:t>
+            </a:r>
+            <a:r>
+              <a:rPr lang="pt-BR" b="1" i="1" dirty="0" smtClean="0"/>
+              <a:t>aprendizado não-supervisionado</a:t>
+            </a:r>
+            <a:r>
+              <a:rPr lang="pt-BR" dirty="0" smtClean="0"/>
+              <a:t> que visam criar agrupamentos de dados (chamados de </a:t>
+            </a:r>
+            <a:r>
+              <a:rPr lang="pt-BR" b="1" i="1" dirty="0" smtClean="0"/>
+              <a:t>clusters </a:t>
+            </a:r>
+            <a:r>
+              <a:rPr lang="pt-BR" dirty="0" smtClean="0"/>
+              <a:t>ou</a:t>
+            </a:r>
+            <a:r>
+              <a:rPr lang="pt-BR" b="1" i="1" dirty="0" smtClean="0"/>
+              <a:t> grupos</a:t>
+            </a:r>
+            <a:r>
+              <a:rPr lang="pt-BR" dirty="0" smtClean="0"/>
+              <a:t>) segundo seu grau de semelhança. </a:t>
+            </a:r>
+            <a:endParaRPr lang="pt-BR" dirty="0" smtClean="0"/>
+          </a:p>
+          <a:p>
+            <a:r>
+              <a:rPr lang="pt-BR" dirty="0" smtClean="0"/>
+              <a:t>Em seguida, </a:t>
+            </a:r>
+            <a:r>
+              <a:rPr lang="pt-BR" dirty="0" smtClean="0"/>
+              <a:t>aprenderemos </a:t>
+            </a:r>
+            <a:r>
+              <a:rPr lang="pt-BR" dirty="0" smtClean="0"/>
+              <a:t>sobre </a:t>
+            </a:r>
+            <a:r>
+              <a:rPr lang="pt-BR" dirty="0" smtClean="0"/>
+              <a:t>o algoritmo </a:t>
+            </a:r>
+            <a:r>
+              <a:rPr lang="pt-BR" dirty="0" smtClean="0"/>
+              <a:t>chamado de </a:t>
             </a:r>
             <a:r>
               <a:rPr lang="pt-BR" b="1" i="1" dirty="0" smtClean="0"/>
@@ -6033,8 +6102,21 @@
             </a:r>
             <a:r>
               <a:rPr lang="pt-BR" dirty="0" smtClean="0"/>
-              <a:t>, em inglês) que segue o paradigma do aprendizado não-supervisionado.</a:t>
-            </a:r>
+              <a:t>, em inglês</a:t>
+            </a:r>
+            <a:r>
+              <a:rPr lang="pt-BR" dirty="0" smtClean="0"/>
+              <a:t>) que é um dos algoritmos mais simples de </a:t>
+            </a:r>
+            <a:r>
+              <a:rPr lang="pt-BR" b="1" i="1" dirty="0" err="1" smtClean="0"/>
+              <a:t>clustering</a:t>
+            </a:r>
+            <a:r>
+              <a:rPr lang="pt-BR" dirty="0" smtClean="0"/>
+              <a:t>.</a:t>
+            </a:r>
+            <a:endParaRPr lang="pt-BR" dirty="0" smtClean="0"/>
           </a:p>
         </p:txBody>
       </p:sp>
@@ -6163,7 +6245,11 @@
             </a:r>
             <a:r>
               <a:rPr lang="pt-BR" b="1" i="1" dirty="0"/>
-              <a:t>aprendizado não supervisionado </a:t>
+              <a:t>aprendizado </a:t>
+            </a:r>
+            <a:r>
+              <a:rPr lang="pt-BR" b="1" i="1" dirty="0" smtClean="0"/>
+              <a:t>não-supervisionado </a:t>
             </a:r>
             <a:r>
               <a:rPr lang="pt-BR" dirty="0"/>
@@ -6184,45 +6270,173 @@
           </a:p>
         </p:txBody>
       </p:sp>
-      <p:pic>
-        <p:nvPicPr>
-          <p:cNvPr id="3" name="Picture 2" descr="K-Means Clustering using Python. Welcome back guys! Hope you had a great… |  by Luigi Fiori | Medium"/>
-          <p:cNvPicPr>
-            <a:picLocks noChangeAspect="1" noChangeArrowheads="1"/>
-          </p:cNvPicPr>
+      <p:grpSp>
+        <p:nvGrpSpPr>
+          <p:cNvPr id="5" name="Grupo 4"/>
+          <p:cNvGrpSpPr/>
           <p:nvPr/>
-        </p:nvPicPr>
-        <p:blipFill rotWithShape="1">
-          <a:blip r:embed="rId3">
+        </p:nvGrpSpPr>
+        <p:grpSpPr>
+          <a:xfrm>
+            <a:off x="3115576" y="1347873"/>
+            <a:ext cx="5960847" cy="2029172"/>
+            <a:chOff x="3186691" y="4631401"/>
+            <a:chExt cx="5960847" cy="2029172"/>
+          </a:xfrm>
+        </p:grpSpPr>
+        <p:pic>
+          <p:nvPicPr>
+            <p:cNvPr id="6" name="Picture 2" descr="K-Means Clustering using Python. Welcome back guys! Hope you had a great… |  by Luigi Fiori | Medium"/>
+            <p:cNvPicPr>
+              <a:picLocks noChangeAspect="1" noChangeArrowheads="1"/>
+            </p:cNvPicPr>
+            <p:nvPr/>
+          </p:nvPicPr>
+          <p:blipFill rotWithShape="1">
+            <a:blip r:embed="rId3">
+              <a:extLst>
+                <a:ext uri="{28A0092B-C50C-407E-A947-70E740481C1C}">
+                  <a14:useLocalDpi xmlns:a14="http://schemas.microsoft.com/office/drawing/2010/main" val="0"/>
+                </a:ext>
+              </a:extLst>
+            </a:blip>
+            <a:srcRect l="1639" t="3709" r="55246" b="11854"/>
+            <a:stretch/>
+          </p:blipFill>
+          <p:spPr bwMode="auto">
+            <a:xfrm>
+              <a:off x="3186691" y="4631401"/>
+              <a:ext cx="2486746" cy="2029172"/>
+            </a:xfrm>
+            <a:prstGeom prst="rect">
+              <a:avLst/>
+            </a:prstGeom>
+            <a:noFill/>
             <a:extLst>
-              <a:ext uri="{28A0092B-C50C-407E-A947-70E740481C1C}">
-                <a14:useLocalDpi xmlns:a14="http://schemas.microsoft.com/office/drawing/2010/main" val="0"/>
+              <a:ext uri="{909E8E84-426E-40DD-AFC4-6F175D3DCCD1}">
+                <a14:hiddenFill xmlns:a14="http://schemas.microsoft.com/office/drawing/2010/main">
+                  <a:solidFill>
+                    <a:srgbClr val="FFFFFF"/>
+                  </a:solidFill>
+                </a14:hiddenFill>
               </a:ext>
             </a:extLst>
-          </a:blip>
-          <a:srcRect l="1639" t="3709" b="11854"/>
-          <a:stretch/>
-        </p:blipFill>
-        <p:spPr bwMode="auto">
-          <a:xfrm>
-            <a:off x="3259426" y="1285530"/>
-            <a:ext cx="5673147" cy="2029172"/>
-          </a:xfrm>
-          <a:prstGeom prst="rect">
-            <a:avLst/>
-          </a:prstGeom>
-          <a:noFill/>
-          <a:extLst>
-            <a:ext uri="{909E8E84-426E-40DD-AFC4-6F175D3DCCD1}">
-              <a14:hiddenFill xmlns:a14="http://schemas.microsoft.com/office/drawing/2010/main">
-                <a:solidFill>
-                  <a:srgbClr val="FFFFFF"/>
-                </a:solidFill>
-              </a14:hiddenFill>
-            </a:ext>
-          </a:extLst>
-        </p:spPr>
-      </p:pic>
+          </p:spPr>
+        </p:pic>
+        <p:sp>
+          <p:nvSpPr>
+            <p:cNvPr id="8" name="CaixaDeTexto 7"/>
+            <p:cNvSpPr txBox="1"/>
+            <p:nvPr/>
+          </p:nvSpPr>
+          <p:spPr>
+            <a:xfrm>
+              <a:off x="5584396" y="5199404"/>
+              <a:ext cx="1130804" cy="307777"/>
+            </a:xfrm>
+            <a:prstGeom prst="rect">
+              <a:avLst/>
+            </a:prstGeom>
+            <a:noFill/>
+          </p:spPr>
+          <p:txBody>
+            <a:bodyPr wrap="square" rtlCol="0">
+              <a:spAutoFit/>
+            </a:bodyPr>
+            <a:lstStyle/>
+            <a:p>
+              <a:pPr algn="ctr"/>
+              <a:r>
+                <a:rPr lang="pt-BR" sz="1400" b="1" dirty="0" err="1" smtClean="0"/>
+                <a:t>clustering</a:t>
+              </a:r>
+              <a:endParaRPr lang="en-US" sz="1400" b="1" dirty="0"/>
+            </a:p>
+          </p:txBody>
+        </p:sp>
+        <p:pic>
+          <p:nvPicPr>
+            <p:cNvPr id="9" name="Picture 2" descr="K-Means Clustering using Python. Welcome back guys! Hope you had a great… |  by Luigi Fiori | Medium"/>
+            <p:cNvPicPr>
+              <a:picLocks noChangeAspect="1" noChangeArrowheads="1"/>
+            </p:cNvPicPr>
+            <p:nvPr/>
+          </p:nvPicPr>
+          <p:blipFill rotWithShape="1">
+            <a:blip r:embed="rId3">
+              <a:extLst>
+                <a:ext uri="{28A0092B-C50C-407E-A947-70E740481C1C}">
+                  <a14:useLocalDpi xmlns:a14="http://schemas.microsoft.com/office/drawing/2010/main" val="0"/>
+                </a:ext>
+              </a:extLst>
+            </a:blip>
+            <a:srcRect l="56284" t="3709" b="11854"/>
+            <a:stretch/>
+          </p:blipFill>
+          <p:spPr bwMode="auto">
+            <a:xfrm>
+              <a:off x="6626158" y="4631401"/>
+              <a:ext cx="2521380" cy="2029172"/>
+            </a:xfrm>
+            <a:prstGeom prst="rect">
+              <a:avLst/>
+            </a:prstGeom>
+            <a:noFill/>
+            <a:extLst>
+              <a:ext uri="{909E8E84-426E-40DD-AFC4-6F175D3DCCD1}">
+                <a14:hiddenFill xmlns:a14="http://schemas.microsoft.com/office/drawing/2010/main">
+                  <a:solidFill>
+                    <a:srgbClr val="FFFFFF"/>
+                  </a:solidFill>
+                </a14:hiddenFill>
+              </a:ext>
+            </a:extLst>
+          </p:spPr>
+        </p:pic>
+        <p:sp>
+          <p:nvSpPr>
+            <p:cNvPr id="10" name="Seta para a direita 9"/>
+            <p:cNvSpPr/>
+            <p:nvPr/>
+          </p:nvSpPr>
+          <p:spPr>
+            <a:xfrm>
+              <a:off x="5802135" y="5507181"/>
+              <a:ext cx="695325" cy="581891"/>
+            </a:xfrm>
+            <a:prstGeom prst="rightArrow">
+              <a:avLst/>
+            </a:prstGeom>
+            <a:solidFill>
+              <a:srgbClr val="7030A0"/>
+            </a:solidFill>
+          </p:spPr>
+          <p:style>
+            <a:lnRef idx="2">
+              <a:schemeClr val="accent1">
+                <a:shade val="50000"/>
+              </a:schemeClr>
+            </a:lnRef>
+            <a:fillRef idx="1">
+              <a:schemeClr val="accent1"/>
+            </a:fillRef>
+            <a:effectRef idx="0">
+              <a:schemeClr val="accent1"/>
+            </a:effectRef>
+            <a:fontRef idx="minor">
+              <a:schemeClr val="lt1"/>
+            </a:fontRef>
+          </p:style>
+          <p:txBody>
+            <a:bodyPr rtlCol="0" anchor="ctr"/>
+            <a:lstStyle/>
+            <a:p>
+              <a:pPr algn="ctr"/>
+              <a:endParaRPr lang="en-US"/>
+            </a:p>
+          </p:txBody>
+        </p:sp>
+      </p:grpSp>
     </p:spTree>
     <p:extLst>
       <p:ext uri="{BB962C8B-B14F-4D97-AF65-F5344CB8AC3E}">
@@ -6345,8 +6559,12 @@
               <a:t>Os </a:t>
             </a:r>
             <a:r>
+              <a:rPr lang="pt-BR" b="1" i="1" dirty="0"/>
+              <a:t>centroides</a:t>
+            </a:r>
+            <a:r>
               <a:rPr lang="pt-BR" dirty="0"/>
-              <a:t>centroides desses </a:t>
+              <a:t> desses </a:t>
             </a:r>
             <a:r>
               <a:rPr lang="pt-BR" b="1" i="1" dirty="0" smtClean="0"/>
@@ -6483,8 +6701,8 @@
         </p:blipFill>
         <p:spPr bwMode="auto">
           <a:xfrm>
-            <a:off x="4119762" y="1027906"/>
-            <a:ext cx="3952476" cy="2962203"/>
+            <a:off x="4205603" y="1270875"/>
+            <a:ext cx="3780793" cy="2833534"/>
           </a:xfrm>
           <a:prstGeom prst="rect">
             <a:avLst/>
@@ -6594,8 +6812,16 @@
               <a:t>do </a:t>
             </a:r>
             <a:r>
+              <a:rPr lang="pt-BR" b="1" i="1" dirty="0"/>
+              <a:t>aprendizado </a:t>
+            </a:r>
+            <a:r>
+              <a:rPr lang="pt-BR" b="1" i="1" dirty="0" smtClean="0"/>
+              <a:t>não-supervisionado </a:t>
+            </a:r>
+            <a:r>
               <a:rPr lang="pt-BR" dirty="0"/>
-              <a:t>aprendizado não supervisionado é a </a:t>
+              <a:t>é a </a:t>
             </a:r>
             <a:r>
               <a:rPr lang="pt-BR" b="1" i="1" dirty="0" smtClean="0"/>
@@ -6927,39 +7153,35 @@
           <a:lstStyle/>
           <a:p>
             <a:r>
-              <a:rPr lang="en-US" dirty="0" err="1"/>
-              <a:t>Representando</a:t>
-            </a:r>
-            <a:r>
-              <a:rPr lang="en-US" dirty="0"/>
+              <a:rPr lang="en-US" dirty="0" smtClean="0"/>
+              <a:t>Como </a:t>
+            </a:r>
+            <a:r>
+              <a:rPr lang="en-US" dirty="0" err="1" smtClean="0"/>
+              <a:t>representar</a:t>
+            </a:r>
+            <a:r>
+              <a:rPr lang="en-US" dirty="0" smtClean="0"/>
               <a:t> </a:t>
             </a:r>
             <a:r>
+              <a:rPr lang="en-US" dirty="0" err="1" smtClean="0"/>
+              <a:t>os</a:t>
+            </a:r>
+            <a:r>
               <a:rPr lang="en-US" dirty="0" smtClean="0"/>
-              <a:t>clusters </a:t>
-            </a:r>
-            <a:r>
-              <a:rPr lang="en-US" dirty="0" err="1" smtClean="0"/>
-              <a:t>através</a:t>
+              <a:t> </a:t>
             </a:r>
             <a:r>
               <a:rPr lang="en-US" dirty="0" smtClean="0"/>
-              <a:t> de </a:t>
-            </a:r>
-            <a:r>
-              <a:rPr lang="en-US" dirty="0" err="1"/>
-              <a:t>c</a:t>
-            </a:r>
-            <a:r>
-              <a:rPr lang="en-US" dirty="0" err="1" smtClean="0"/>
-              <a:t>entroides</a:t>
+              <a:t>clusters?</a:t>
             </a:r>
             <a:endParaRPr lang="en-US" dirty="0"/>
           </a:p>
         </p:txBody>
       </p:sp>
-      <mc:AlternateContent xmlns:mc="http://schemas.openxmlformats.org/markup-compatibility/2006" xmlns:a14="http://schemas.microsoft.com/office/drawing/2010/main">
-        <mc:Choice Requires="a14">
+      <mc:AlternateContent xmlns:mc="http://schemas.openxmlformats.org/markup-compatibility/2006">
+        <mc:Choice xmlns:a14="http://schemas.microsoft.com/office/drawing/2010/main" Requires="a14">
           <p:sp>
             <p:nvSpPr>
               <p:cNvPr id="3" name="Espaço Reservado para Conteúdo 2"/>
@@ -6984,7 +7206,15 @@
               <a:p>
                 <a:r>
                   <a:rPr lang="pt-BR" dirty="0" smtClean="0"/>
-                  <a:t>Para começar, temos que decidir como os </a:t>
+                  <a:t>Para </a:t>
+                </a:r>
+                <a:r>
+                  <a:rPr lang="pt-BR" dirty="0" smtClean="0"/>
+                  <a:t>realizar a identificação, </a:t>
+                </a:r>
+                <a:r>
+                  <a:rPr lang="pt-BR" dirty="0" smtClean="0"/>
+                  <a:t>temos que decidir como os </a:t>
                 </a:r>
                 <a:r>
                   <a:rPr lang="pt-BR" b="1" i="1" dirty="0"/>
@@ -7030,7 +7260,15 @@
               <a:p>
                 <a:r>
                   <a:rPr lang="pt-BR" dirty="0"/>
-                  <a:t>Se todos os atributos forem numéricos, o </a:t>
+                  <a:t>Se </a:t>
+                </a:r>
+                <a:r>
+                  <a:rPr lang="pt-BR" dirty="0" smtClean="0"/>
+                  <a:t>os </a:t>
+                </a:r>
+                <a:r>
+                  <a:rPr lang="pt-BR" dirty="0"/>
+                  <a:t>atributos forem numéricos, o </a:t>
                 </a:r>
                 <a:r>
                   <a:rPr lang="pt-BR" b="1" i="1" dirty="0"/>
@@ -7046,23 +7284,26 @@
                 </a:r>
                 <a:r>
                   <a:rPr lang="pt-BR" b="1" i="1" dirty="0"/>
-                  <a:t>médias dos atributos individuais</a:t>
+                  <a:t>médias </a:t>
+                </a:r>
+                <a:r>
+                  <a:rPr lang="pt-BR" b="1" i="1" dirty="0"/>
+                  <a:t>individuais dos atributos</a:t>
                 </a:r>
                 <a:r>
                   <a:rPr lang="pt-BR" dirty="0" smtClean="0"/>
                   <a:t>.</a:t>
                 </a:r>
+                <a:endParaRPr lang="pt-BR" dirty="0" smtClean="0"/>
               </a:p>
               <a:p>
                 <a:r>
                   <a:rPr lang="pt-BR" dirty="0" smtClean="0"/>
-                  <a:t>Se os atributos não forem numéricos, devemos transformá-los.</a:t>
-                </a:r>
-              </a:p>
-              <a:p>
+                  <a:t>Por </a:t>
+                </a:r>
                 <a:r>
                   <a:rPr lang="pt-BR" dirty="0"/>
-                  <a:t>Por exemplo, </a:t>
+                  <a:t>exemplo, </a:t>
                 </a:r>
                 <a:r>
                   <a:rPr lang="pt-BR" dirty="0" smtClean="0"/>
@@ -7236,10 +7477,21 @@
                   <a:t>.</a:t>
                 </a:r>
               </a:p>
+              <a:p>
+                <a:r>
+                  <a:rPr lang="pt-BR" dirty="0"/>
+                  <a:t>Se os atributos não forem numéricos, devemos </a:t>
+                </a:r>
+                <a:r>
+                  <a:rPr lang="pt-BR" dirty="0" smtClean="0"/>
+                  <a:t>transformá-los em numéricos.</a:t>
+                </a:r>
+                <a:endParaRPr lang="pt-BR" dirty="0"/>
+              </a:p>
             </p:txBody>
           </p:sp>
         </mc:Choice>
-        <mc:Fallback xmlns="">
+        <mc:Fallback>
           <p:sp>
             <p:nvSpPr>
               <p:cNvPr id="3" name="Espaço Reservado para Conteúdo 2"/>
@@ -7258,7 +7510,7 @@
               <a:blipFill rotWithShape="0">
                 <a:blip r:embed="rId3"/>
                 <a:stretch>
-                  <a:fillRect l="-821" t="-2421" r="-1533"/>
+                  <a:fillRect l="-821" t="-2421" r="-657" b="-969"/>
                 </a:stretch>
               </a:blipFill>
             </p:spPr>
@@ -7415,12 +7667,13 @@
             </a:pPr>
             <a:r>
               <a:rPr lang="pt-BR" dirty="0"/>
-              <a:t>no outro, cada exemplo pode ser visto como representando seu próprio cluster de exemplo único</a:t>
+              <a:t>no outro, cada exemplo pode ser visto como representando seu próprio cluster </a:t>
             </a:r>
             <a:r>
               <a:rPr lang="pt-BR" dirty="0" smtClean="0"/>
-              <a:t>.</a:t>
-            </a:r>
+              <a:t>de um único exemplo.</a:t>
+            </a:r>
+            <a:endParaRPr lang="pt-BR" dirty="0" smtClean="0"/>
           </a:p>
           <a:p>
             <a:pPr>
@@ -7539,8 +7792,8 @@
           </a:p>
         </p:txBody>
       </p:sp>
-      <mc:AlternateContent xmlns:mc="http://schemas.openxmlformats.org/markup-compatibility/2006" xmlns:a14="http://schemas.microsoft.com/office/drawing/2010/main">
-        <mc:Choice Requires="a14">
+      <mc:AlternateContent xmlns:mc="http://schemas.openxmlformats.org/markup-compatibility/2006">
+        <mc:Choice xmlns:a14="http://schemas.microsoft.com/office/drawing/2010/main" Requires="a14">
           <p:sp>
             <p:nvSpPr>
               <p:cNvPr id="3" name="Espaço Reservado para Conteúdo 2"/>
@@ -7559,7 +7812,7 @@
             </p:spPr>
             <p:txBody>
               <a:bodyPr>
-                <a:normAutofit fontScale="92500" lnSpcReduction="10000"/>
+                <a:normAutofit fontScale="92500"/>
               </a:bodyPr>
               <a:lstStyle/>
               <a:p>
@@ -7604,8 +7857,13 @@
                 </a:r>
                 <a:r>
                   <a:rPr lang="pt-BR" dirty="0" smtClean="0"/>
-                  <a:t>vetores.</a:t>
-                </a:r>
+                  <a:t>vetores</a:t>
+                </a:r>
+                <a:r>
+                  <a:rPr lang="pt-BR" dirty="0" smtClean="0"/>
+                  <a:t>.</a:t>
+                </a:r>
+                <a:endParaRPr lang="pt-BR" dirty="0" smtClean="0"/>
               </a:p>
               <a:p>
                 <a:r>
@@ -7624,7 +7882,7 @@
                     </m:oMathParaPr>
                     <m:oMath xmlns:m="http://schemas.openxmlformats.org/officeDocument/2006/math">
                       <m:r>
-                        <a:rPr lang="pt-BR" b="0" i="1" smtClean="0">
+                        <a:rPr lang="pt-BR" sz="2600" b="0" i="1" smtClean="0">
                           <a:latin typeface="Cambria Math" panose="02040503050406030204" pitchFamily="18" charset="0"/>
                         </a:rPr>
                         <m:t>𝑑</m:t>
@@ -7632,26 +7890,26 @@
                       <m:d>
                         <m:dPr>
                           <m:ctrlPr>
-                            <a:rPr lang="pt-BR" b="0" i="1" smtClean="0">
+                            <a:rPr lang="pt-BR" sz="2600" b="0" i="1" smtClean="0">
                               <a:latin typeface="Cambria Math" panose="02040503050406030204" pitchFamily="18" charset="0"/>
                             </a:rPr>
                           </m:ctrlPr>
                         </m:dPr>
                         <m:e>
                           <m:r>
-                            <a:rPr lang="pt-BR" b="1" i="1" smtClean="0">
+                            <a:rPr lang="pt-BR" sz="2600" b="1" i="1" smtClean="0">
                               <a:latin typeface="Cambria Math" panose="02040503050406030204" pitchFamily="18" charset="0"/>
                             </a:rPr>
                             <m:t>𝒙</m:t>
                           </m:r>
                           <m:r>
-                            <a:rPr lang="pt-BR" b="0" i="1" smtClean="0">
+                            <a:rPr lang="pt-BR" sz="2600" b="0" i="1" smtClean="0">
                               <a:latin typeface="Cambria Math" panose="02040503050406030204" pitchFamily="18" charset="0"/>
                             </a:rPr>
                             <m:t>,</m:t>
                           </m:r>
                           <m:r>
-                            <a:rPr lang="pt-BR" b="1" i="1" smtClean="0">
+                            <a:rPr lang="pt-BR" sz="2600" b="1" i="1" smtClean="0">
                               <a:latin typeface="Cambria Math" panose="02040503050406030204" pitchFamily="18" charset="0"/>
                             </a:rPr>
                             <m:t>𝒚</m:t>
@@ -7659,7 +7917,7 @@
                         </m:e>
                       </m:d>
                       <m:r>
-                        <a:rPr lang="pt-BR" b="0" i="1" smtClean="0">
+                        <a:rPr lang="pt-BR" sz="2600" b="0" i="1" smtClean="0">
                           <a:latin typeface="Cambria Math" panose="02040503050406030204" pitchFamily="18" charset="0"/>
                         </a:rPr>
                         <m:t>=</m:t>
@@ -7668,7 +7926,7 @@
                         <m:radPr>
                           <m:degHide m:val="on"/>
                           <m:ctrlPr>
-                            <a:rPr lang="pt-BR" b="0" i="1" smtClean="0">
+                            <a:rPr lang="pt-BR" sz="2600" b="0" i="1" smtClean="0">
                               <a:latin typeface="Cambria Math" panose="02040503050406030204" pitchFamily="18" charset="0"/>
                             </a:rPr>
                           </m:ctrlPr>
@@ -7679,7 +7937,7 @@
                             <m:naryPr>
                               <m:chr m:val="∑"/>
                               <m:ctrlPr>
-                                <a:rPr lang="pt-BR" b="0" i="1" smtClean="0">
+                                <a:rPr lang="pt-BR" sz="2600" b="0" i="1" smtClean="0">
                                   <a:latin typeface="Cambria Math" panose="02040503050406030204" pitchFamily="18" charset="0"/>
                                 </a:rPr>
                               </m:ctrlPr>
@@ -7689,13 +7947,13 @@
                                 <m:rPr>
                                   <m:brk m:alnAt="23"/>
                                 </m:rPr>
-                                <a:rPr lang="pt-BR" b="0" i="1" smtClean="0">
+                                <a:rPr lang="pt-BR" sz="2600" b="0" i="1" smtClean="0">
                                   <a:latin typeface="Cambria Math" panose="02040503050406030204" pitchFamily="18" charset="0"/>
                                 </a:rPr>
                                 <m:t>𝑖</m:t>
                               </m:r>
                               <m:r>
-                                <a:rPr lang="pt-BR" b="0" i="1" smtClean="0">
+                                <a:rPr lang="pt-BR" sz="2600" b="0" i="1" smtClean="0">
                                   <a:latin typeface="Cambria Math" panose="02040503050406030204" pitchFamily="18" charset="0"/>
                                 </a:rPr>
                                 <m:t>=1</m:t>
@@ -7703,7 +7961,7 @@
                             </m:sub>
                             <m:sup>
                               <m:r>
-                                <a:rPr lang="pt-BR" b="0" i="1" smtClean="0">
+                                <a:rPr lang="pt-BR" sz="2600" b="0" i="1" smtClean="0">
                                   <a:latin typeface="Cambria Math" panose="02040503050406030204" pitchFamily="18" charset="0"/>
                                 </a:rPr>
                                 <m:t>𝐾</m:t>
@@ -7713,14 +7971,14 @@
                               <m:sSub>
                                 <m:sSubPr>
                                   <m:ctrlPr>
-                                    <a:rPr lang="pt-BR" b="0" i="1" smtClean="0">
+                                    <a:rPr lang="pt-BR" sz="2600" b="0" i="1" smtClean="0">
                                       <a:latin typeface="Cambria Math" panose="02040503050406030204" pitchFamily="18" charset="0"/>
                                     </a:rPr>
                                   </m:ctrlPr>
                                 </m:sSubPr>
                                 <m:e>
                                   <m:r>
-                                    <a:rPr lang="pt-BR" b="0" i="1" smtClean="0">
+                                    <a:rPr lang="pt-BR" sz="2600" b="0" i="1" smtClean="0">
                                       <a:latin typeface="Cambria Math" panose="02040503050406030204" pitchFamily="18" charset="0"/>
                                     </a:rPr>
                                     <m:t>𝑑</m:t>
@@ -7728,7 +7986,7 @@
                                 </m:e>
                                 <m:sub>
                                   <m:r>
-                                    <a:rPr lang="pt-BR" b="0" i="1" smtClean="0">
+                                    <a:rPr lang="pt-BR" sz="2600" b="0" i="1" smtClean="0">
                                       <a:latin typeface="Cambria Math" panose="02040503050406030204" pitchFamily="18" charset="0"/>
                                     </a:rPr>
                                     <m:t>𝑎</m:t>
@@ -7738,7 +7996,7 @@
                               <m:d>
                                 <m:dPr>
                                   <m:ctrlPr>
-                                    <a:rPr lang="pt-BR" b="0" i="1" smtClean="0">
+                                    <a:rPr lang="pt-BR" sz="2600" b="0" i="1" smtClean="0">
                                       <a:latin typeface="Cambria Math" panose="02040503050406030204" pitchFamily="18" charset="0"/>
                                     </a:rPr>
                                   </m:ctrlPr>
@@ -7747,14 +8005,14 @@
                                   <m:sSub>
                                     <m:sSubPr>
                                       <m:ctrlPr>
-                                        <a:rPr lang="pt-BR" b="0" i="1" smtClean="0">
+                                        <a:rPr lang="pt-BR" sz="2600" b="0" i="1" smtClean="0">
                                           <a:latin typeface="Cambria Math" panose="02040503050406030204" pitchFamily="18" charset="0"/>
                                         </a:rPr>
                                       </m:ctrlPr>
                                     </m:sSubPr>
                                     <m:e>
                                       <m:r>
-                                        <a:rPr lang="pt-BR" b="0" i="1" smtClean="0">
+                                        <a:rPr lang="pt-BR" sz="2600" b="0" i="1" smtClean="0">
                                           <a:latin typeface="Cambria Math" panose="02040503050406030204" pitchFamily="18" charset="0"/>
                                         </a:rPr>
                                         <m:t>𝑥</m:t>
@@ -7762,7 +8020,7 @@
                                     </m:e>
                                     <m:sub>
                                       <m:r>
-                                        <a:rPr lang="pt-BR" b="0" i="1" smtClean="0">
+                                        <a:rPr lang="pt-BR" sz="2600" b="0" i="1" smtClean="0">
                                           <a:latin typeface="Cambria Math" panose="02040503050406030204" pitchFamily="18" charset="0"/>
                                         </a:rPr>
                                         <m:t>𝑖</m:t>
@@ -7770,7 +8028,7 @@
                                     </m:sub>
                                   </m:sSub>
                                   <m:r>
-                                    <a:rPr lang="pt-BR" b="0" i="1" smtClean="0">
+                                    <a:rPr lang="pt-BR" sz="2600" b="0" i="1" smtClean="0">
                                       <a:latin typeface="Cambria Math" panose="02040503050406030204" pitchFamily="18" charset="0"/>
                                     </a:rPr>
                                     <m:t>,</m:t>
@@ -7778,14 +8036,14 @@
                                   <m:sSub>
                                     <m:sSubPr>
                                       <m:ctrlPr>
-                                        <a:rPr lang="pt-BR" i="1" smtClean="0">
+                                        <a:rPr lang="pt-BR" sz="2600" i="1" smtClean="0">
                                           <a:latin typeface="Cambria Math" panose="02040503050406030204" pitchFamily="18" charset="0"/>
                                         </a:rPr>
                                       </m:ctrlPr>
                                     </m:sSubPr>
                                     <m:e>
                                       <m:r>
-                                        <a:rPr lang="pt-BR" b="0" i="1" smtClean="0">
+                                        <a:rPr lang="pt-BR" sz="2600" b="0" i="1" smtClean="0">
                                           <a:latin typeface="Cambria Math" panose="02040503050406030204" pitchFamily="18" charset="0"/>
                                         </a:rPr>
                                         <m:t>𝑦</m:t>
@@ -7793,7 +8051,7 @@
                                     </m:e>
                                     <m:sub>
                                       <m:r>
-                                        <a:rPr lang="pt-BR" b="0" i="1" smtClean="0">
+                                        <a:rPr lang="pt-BR" sz="2600" b="0" i="1" smtClean="0">
                                           <a:latin typeface="Cambria Math" panose="02040503050406030204" pitchFamily="18" charset="0"/>
                                         </a:rPr>
                                         <m:t>𝑖</m:t>
@@ -7807,7 +8065,7 @@
                         </m:e>
                       </m:rad>
                       <m:r>
-                        <a:rPr lang="pt-BR" b="0" i="1" smtClean="0">
+                        <a:rPr lang="pt-BR" sz="2600" b="0" i="1" smtClean="0">
                           <a:latin typeface="Cambria Math" panose="02040503050406030204" pitchFamily="18" charset="0"/>
                         </a:rPr>
                         <m:t>,</m:t>
@@ -7815,7 +8073,7 @@
                     </m:oMath>
                   </m:oMathPara>
                 </a14:m>
-                <a:endParaRPr lang="pt-BR" dirty="0" smtClean="0"/>
+                <a:endParaRPr lang="pt-BR" sz="2600" dirty="0" smtClean="0"/>
               </a:p>
               <a:p>
                 <a:pPr marL="0" indent="0">
@@ -8413,7 +8671,7 @@
             </p:txBody>
           </p:sp>
         </mc:Choice>
-        <mc:Fallback xmlns="">
+        <mc:Fallback>
           <p:sp>
             <p:nvSpPr>
               <p:cNvPr id="3" name="Espaço Reservado para Conteúdo 2"/>
@@ -8432,7 +8690,7 @@
               <a:blipFill rotWithShape="0">
                 <a:blip r:embed="rId2"/>
                 <a:stretch>
-                  <a:fillRect l="-925" t="-2421" r="-1143"/>
+                  <a:fillRect l="-925" t="-1816" r="-1143" b="-1816"/>
                 </a:stretch>
               </a:blipFill>
             </p:spPr>
@@ -8511,8 +8769,8 @@
           </a:p>
         </p:txBody>
       </p:sp>
-      <mc:AlternateContent xmlns:mc="http://schemas.openxmlformats.org/markup-compatibility/2006" xmlns:a14="http://schemas.microsoft.com/office/drawing/2010/main">
-        <mc:Choice Requires="a14">
+      <mc:AlternateContent xmlns:mc="http://schemas.openxmlformats.org/markup-compatibility/2006">
+        <mc:Choice xmlns:a14="http://schemas.microsoft.com/office/drawing/2010/main" Requires="a14">
           <p:sp>
             <p:nvSpPr>
               <p:cNvPr id="3" name="Espaço Reservado para Conteúdo 2"/>
@@ -8523,7 +8781,12 @@
                 <p:ph idx="1"/>
               </p:nvPr>
             </p:nvSpPr>
-            <p:spPr/>
+            <p:spPr>
+              <a:xfrm>
+                <a:off x="838199" y="1825624"/>
+                <a:ext cx="10924309" cy="4710257"/>
+              </a:xfrm>
+            </p:spPr>
             <p:txBody>
               <a:bodyPr>
                 <a:normAutofit/>
@@ -8788,7 +9051,11 @@
                 </a14:m>
                 <a:r>
                   <a:rPr lang="pt-BR" dirty="0"/>
-                  <a:t>é a menor dessas distâncias, é </a:t>
+                  <a:t>é a menor dessas distâncias, </a:t>
+                </a:r>
+                <a:r>
+                  <a:rPr lang="pt-BR" dirty="0" smtClean="0"/>
+                  <a:t>então, é </a:t>
                 </a:r>
                 <a:r>
                   <a:rPr lang="pt-BR" dirty="0" smtClean="0"/>
@@ -8839,19 +9106,42 @@
                 </a14:m>
                 <a:r>
                   <a:rPr lang="pt-BR" dirty="0" smtClean="0"/>
-                  <a:t>.</a:t>
-                </a:r>
+                  <a:t>, ou seja, o </a:t>
+                </a:r>
+                <a14:m>
+                  <m:oMath xmlns:m="http://schemas.openxmlformats.org/officeDocument/2006/math">
+                    <m:r>
+                      <a:rPr lang="pt-BR" i="1">
+                        <a:latin typeface="Cambria Math" panose="02040503050406030204" pitchFamily="18" charset="0"/>
+                      </a:rPr>
+                      <m:t>𝑝</m:t>
+                    </m:r>
+                  </m:oMath>
+                </a14:m>
+                <a:r>
+                  <a:rPr lang="pt-BR" dirty="0" smtClean="0"/>
+                  <a:t>-ésimo cluster.</a:t>
+                </a:r>
+                <a:endParaRPr lang="pt-BR" dirty="0" smtClean="0"/>
               </a:p>
               <a:p>
                 <a:r>
                   <a:rPr lang="pt-BR" dirty="0" smtClean="0"/>
-                  <a:t>Portanto, escolhemos a menor distância para definir a qual cluster um exemplo pertence.</a:t>
+                  <a:t>Portanto, escolhemos a </a:t>
+                </a:r>
+                <a:r>
+                  <a:rPr lang="pt-BR" b="1" i="1" dirty="0" smtClean="0"/>
+                  <a:t>menor distância </a:t>
+                </a:r>
+                <a:r>
+                  <a:rPr lang="pt-BR" dirty="0" smtClean="0"/>
+                  <a:t>para definir a qual cluster um exemplo pertence.</a:t>
                 </a:r>
               </a:p>
             </p:txBody>
           </p:sp>
         </mc:Choice>
-        <mc:Fallback xmlns="">
+        <mc:Fallback>
           <p:sp>
             <p:nvSpPr>
               <p:cNvPr id="3" name="Espaço Reservado para Conteúdo 2"/>
@@ -8863,10 +9153,14 @@
               </p:nvPr>
             </p:nvSpPr>
             <p:spPr>
+              <a:xfrm>
+                <a:off x="838199" y="1825624"/>
+                <a:ext cx="10924309" cy="4710257"/>
+              </a:xfrm>
               <a:blipFill rotWithShape="0">
                 <a:blip r:embed="rId2"/>
                 <a:stretch>
-                  <a:fillRect l="-1043" t="-2241" r="-1913"/>
+                  <a:fillRect l="-948" t="-2070" r="-1171"/>
                 </a:stretch>
               </a:blipFill>
             </p:spPr>

--- a/slides/T320_kMeans.pptx
+++ b/slides/T320_kMeans.pptx
@@ -212,7 +212,7 @@
           <a:p>
             <a:fld id="{C3C82C08-3EFC-4473-8294-F0E229C19EFF}" type="datetimeFigureOut">
               <a:rPr lang="pt-BR" smtClean="0"/>
-              <a:t>24/06/2022</a:t>
+              <a:t>25/06/2022</a:t>
             </a:fld>
             <a:endParaRPr lang="pt-BR"/>
           </a:p>
@@ -1463,7 +1463,7 @@
           <a:p>
             <a:fld id="{221D0464-8C8A-49C0-859F-777E51766A35}" type="datetimeFigureOut">
               <a:rPr lang="pt-BR" smtClean="0"/>
-              <a:t>24/06/2022</a:t>
+              <a:t>25/06/2022</a:t>
             </a:fld>
             <a:endParaRPr lang="pt-BR"/>
           </a:p>
@@ -1633,7 +1633,7 @@
           <a:p>
             <a:fld id="{221D0464-8C8A-49C0-859F-777E51766A35}" type="datetimeFigureOut">
               <a:rPr lang="pt-BR" smtClean="0"/>
-              <a:t>24/06/2022</a:t>
+              <a:t>25/06/2022</a:t>
             </a:fld>
             <a:endParaRPr lang="pt-BR"/>
           </a:p>
@@ -1813,7 +1813,7 @@
           <a:p>
             <a:fld id="{221D0464-8C8A-49C0-859F-777E51766A35}" type="datetimeFigureOut">
               <a:rPr lang="pt-BR" smtClean="0"/>
-              <a:t>24/06/2022</a:t>
+              <a:t>25/06/2022</a:t>
             </a:fld>
             <a:endParaRPr lang="pt-BR"/>
           </a:p>
@@ -1983,7 +1983,7 @@
           <a:p>
             <a:fld id="{221D0464-8C8A-49C0-859F-777E51766A35}" type="datetimeFigureOut">
               <a:rPr lang="pt-BR" smtClean="0"/>
-              <a:t>24/06/2022</a:t>
+              <a:t>25/06/2022</a:t>
             </a:fld>
             <a:endParaRPr lang="pt-BR"/>
           </a:p>
@@ -2229,7 +2229,7 @@
           <a:p>
             <a:fld id="{221D0464-8C8A-49C0-859F-777E51766A35}" type="datetimeFigureOut">
               <a:rPr lang="pt-BR" smtClean="0"/>
-              <a:t>24/06/2022</a:t>
+              <a:t>25/06/2022</a:t>
             </a:fld>
             <a:endParaRPr lang="pt-BR"/>
           </a:p>
@@ -2461,7 +2461,7 @@
           <a:p>
             <a:fld id="{221D0464-8C8A-49C0-859F-777E51766A35}" type="datetimeFigureOut">
               <a:rPr lang="pt-BR" smtClean="0"/>
-              <a:t>24/06/2022</a:t>
+              <a:t>25/06/2022</a:t>
             </a:fld>
             <a:endParaRPr lang="pt-BR"/>
           </a:p>
@@ -2828,7 +2828,7 @@
           <a:p>
             <a:fld id="{221D0464-8C8A-49C0-859F-777E51766A35}" type="datetimeFigureOut">
               <a:rPr lang="pt-BR" smtClean="0"/>
-              <a:t>24/06/2022</a:t>
+              <a:t>25/06/2022</a:t>
             </a:fld>
             <a:endParaRPr lang="pt-BR"/>
           </a:p>
@@ -2946,7 +2946,7 @@
           <a:p>
             <a:fld id="{221D0464-8C8A-49C0-859F-777E51766A35}" type="datetimeFigureOut">
               <a:rPr lang="pt-BR" smtClean="0"/>
-              <a:t>24/06/2022</a:t>
+              <a:t>25/06/2022</a:t>
             </a:fld>
             <a:endParaRPr lang="pt-BR"/>
           </a:p>
@@ -3041,7 +3041,7 @@
           <a:p>
             <a:fld id="{221D0464-8C8A-49C0-859F-777E51766A35}" type="datetimeFigureOut">
               <a:rPr lang="pt-BR" smtClean="0"/>
-              <a:t>24/06/2022</a:t>
+              <a:t>25/06/2022</a:t>
             </a:fld>
             <a:endParaRPr lang="pt-BR"/>
           </a:p>
@@ -3318,7 +3318,7 @@
           <a:p>
             <a:fld id="{221D0464-8C8A-49C0-859F-777E51766A35}" type="datetimeFigureOut">
               <a:rPr lang="pt-BR" smtClean="0"/>
-              <a:t>24/06/2022</a:t>
+              <a:t>25/06/2022</a:t>
             </a:fld>
             <a:endParaRPr lang="pt-BR"/>
           </a:p>
@@ -3571,7 +3571,7 @@
           <a:p>
             <a:fld id="{221D0464-8C8A-49C0-859F-777E51766A35}" type="datetimeFigureOut">
               <a:rPr lang="pt-BR" smtClean="0"/>
-              <a:t>24/06/2022</a:t>
+              <a:t>25/06/2022</a:t>
             </a:fld>
             <a:endParaRPr lang="pt-BR"/>
           </a:p>
@@ -3784,7 +3784,7 @@
           <a:p>
             <a:fld id="{221D0464-8C8A-49C0-859F-777E51766A35}" type="datetimeFigureOut">
               <a:rPr lang="pt-BR" smtClean="0"/>
-              <a:t>24/06/2022</a:t>
+              <a:t>25/06/2022</a:t>
             </a:fld>
             <a:endParaRPr lang="pt-BR"/>
           </a:p>
@@ -4194,7 +4194,7 @@
           <p:cNvPr id="2" name="Título 1">
             <a:extLst>
               <a:ext uri="{FF2B5EF4-FFF2-40B4-BE49-F238E27FC236}">
-                <a16:creationId xmlns:a16="http://schemas.microsoft.com/office/drawing/2014/main" xmlns="" id="{32666AC8-2E17-4DB4-B0F5-60C640CCFD2E}"/>
+                <a16:creationId xmlns="" xmlns:a16="http://schemas.microsoft.com/office/drawing/2014/main" id="{32666AC8-2E17-4DB4-B0F5-60C640CCFD2E}"/>
               </a:ext>
             </a:extLst>
           </p:cNvPr>
@@ -4245,7 +4245,7 @@
           <p:cNvPr id="4" name="CaixaDeTexto 3">
             <a:extLst>
               <a:ext uri="{FF2B5EF4-FFF2-40B4-BE49-F238E27FC236}">
-                <a16:creationId xmlns:a16="http://schemas.microsoft.com/office/drawing/2014/main" xmlns="" id="{430EB894-B7D4-434C-9D1A-A14094D9BEEC}"/>
+                <a16:creationId xmlns="" xmlns:a16="http://schemas.microsoft.com/office/drawing/2014/main" id="{430EB894-B7D4-434C-9D1A-A14094D9BEEC}"/>
               </a:ext>
             </a:extLst>
           </p:cNvPr>
@@ -4286,7 +4286,7 @@
           <p:cNvPr id="1026" name="Picture 2" descr="Logo">
             <a:extLst>
               <a:ext uri="{FF2B5EF4-FFF2-40B4-BE49-F238E27FC236}">
-                <a16:creationId xmlns:a16="http://schemas.microsoft.com/office/drawing/2014/main" xmlns="" id="{3F2642E0-4F6A-4196-8F58-E77D36E9A33F}"/>
+                <a16:creationId xmlns="" xmlns:a16="http://schemas.microsoft.com/office/drawing/2014/main" id="{3F2642E0-4F6A-4196-8F58-E77D36E9A33F}"/>
               </a:ext>
             </a:extLst>
           </p:cNvPr>
@@ -4331,7 +4331,7 @@
           <p:cNvPr id="5122" name="Picture 2" descr="Image result for machine learning">
             <a:extLst>
               <a:ext uri="{FF2B5EF4-FFF2-40B4-BE49-F238E27FC236}">
-                <a16:creationId xmlns:a16="http://schemas.microsoft.com/office/drawing/2014/main" xmlns="" id="{810CE0A2-4102-44A6-A370-175E7896CDCB}"/>
+                <a16:creationId xmlns="" xmlns:a16="http://schemas.microsoft.com/office/drawing/2014/main" id="{810CE0A2-4102-44A6-A370-175E7896CDCB}"/>
               </a:ext>
             </a:extLst>
           </p:cNvPr>
@@ -4911,8 +4911,8 @@
           </a:p>
         </p:txBody>
       </p:sp>
-      <mc:AlternateContent xmlns:mc="http://schemas.openxmlformats.org/markup-compatibility/2006">
-        <mc:Choice xmlns:a14="http://schemas.microsoft.com/office/drawing/2010/main" Requires="a14">
+      <mc:AlternateContent xmlns:mc="http://schemas.openxmlformats.org/markup-compatibility/2006" xmlns:a14="http://schemas.microsoft.com/office/drawing/2010/main">
+        <mc:Choice Requires="a14">
           <p:sp>
             <p:nvSpPr>
               <p:cNvPr id="3" name="Espaço Reservado para Conteúdo 2"/>
@@ -4941,11 +4941,7 @@
                 </a:r>
                 <a:r>
                   <a:rPr lang="pt-BR" dirty="0" smtClean="0"/>
-                  <a:t>para inicializar os centroides </a:t>
-                </a:r>
-                <a:r>
-                  <a:rPr lang="pt-BR" dirty="0" smtClean="0"/>
-                  <a:t>é escolher </a:t>
+                  <a:t>para inicializar os centroides é escolher </a:t>
                 </a:r>
                 <a14:m>
                   <m:oMath xmlns:m="http://schemas.openxmlformats.org/officeDocument/2006/math">
@@ -4975,11 +4971,7 @@
                 </a:r>
                 <a:r>
                   <a:rPr lang="pt-BR" dirty="0" smtClean="0"/>
-                  <a:t>considerar </a:t>
-                </a:r>
-                <a:r>
-                  <a:rPr lang="pt-BR" dirty="0" smtClean="0"/>
-                  <a:t>como os centroides </a:t>
+                  <a:t>considerar como os centroides </a:t>
                 </a:r>
                 <a:r>
                   <a:rPr lang="pt-BR" dirty="0"/>
@@ -5057,7 +5049,7 @@
             </p:txBody>
           </p:sp>
         </mc:Choice>
-        <mc:Fallback>
+        <mc:Fallback xmlns="">
           <p:sp>
             <p:nvSpPr>
               <p:cNvPr id="3" name="Espaço Reservado para Conteúdo 2"/>
@@ -5426,11 +5418,19 @@
             </a:r>
             <a:r>
               <a:rPr lang="pt-BR" i="1" dirty="0" smtClean="0"/>
-              <a:t> k-Médias</a:t>
+              <a:t> </a:t>
+            </a:r>
+            <a:r>
+              <a:rPr lang="pt-BR" i="1" smtClean="0"/>
+              <a:t>Clustering</a:t>
+            </a:r>
+            <a:r>
+              <a:rPr lang="pt-BR" smtClean="0"/>
+              <a:t>” </a:t>
             </a:r>
             <a:r>
               <a:rPr lang="pt-BR" dirty="0" smtClean="0"/>
-              <a:t>” que se encontra no MS Teams.</a:t>
+              <a:t>que se encontra no MS Teams.</a:t>
             </a:r>
           </a:p>
           <a:p>
@@ -5557,7 +5557,7 @@
           <p:cNvPr id="4" name="Título 1">
             <a:extLst>
               <a:ext uri="{FF2B5EF4-FFF2-40B4-BE49-F238E27FC236}">
-                <a16:creationId xmlns="" xmlns:a16="http://schemas.microsoft.com/office/drawing/2014/main" id="{32666AC8-2E17-4DB4-B0F5-60C640CCFD2E}"/>
+                <a16:creationId xmlns:a16="http://schemas.microsoft.com/office/drawing/2014/main" xmlns="" id="{32666AC8-2E17-4DB4-B0F5-60C640CCFD2E}"/>
               </a:ext>
             </a:extLst>
           </p:cNvPr>
@@ -5882,7 +5882,7 @@
           <p:cNvPr id="4" name="Título 1">
             <a:extLst>
               <a:ext uri="{FF2B5EF4-FFF2-40B4-BE49-F238E27FC236}">
-                <a16:creationId xmlns="" xmlns:a16="http://schemas.microsoft.com/office/drawing/2014/main" id="{32666AC8-2E17-4DB4-B0F5-60C640CCFD2E}"/>
+                <a16:creationId xmlns:a16="http://schemas.microsoft.com/office/drawing/2014/main" xmlns="" id="{32666AC8-2E17-4DB4-B0F5-60C640CCFD2E}"/>
               </a:ext>
             </a:extLst>
           </p:cNvPr>
@@ -6023,11 +6023,7 @@
           <a:p>
             <a:r>
               <a:rPr lang="pt-BR" dirty="0" smtClean="0"/>
-              <a:t>Hoje, </a:t>
-            </a:r>
-            <a:r>
-              <a:rPr lang="pt-BR" dirty="0" smtClean="0"/>
-              <a:t>falaremos sobre </a:t>
+              <a:t>Hoje, falaremos sobre </a:t>
             </a:r>
             <a:r>
               <a:rPr lang="pt-BR" b="1" i="1" dirty="0" err="1" smtClean="0"/>
@@ -6061,28 +6057,11 @@
               <a:rPr lang="pt-BR" dirty="0" smtClean="0"/>
               <a:t>) segundo seu grau de semelhança. </a:t>
             </a:r>
-            <a:endParaRPr lang="pt-BR" dirty="0" smtClean="0"/>
           </a:p>
           <a:p>
             <a:r>
               <a:rPr lang="pt-BR" dirty="0" smtClean="0"/>
-              <a:t>Em seguida, </a:t>
-            </a:r>
-            <a:r>
-              <a:rPr lang="pt-BR" dirty="0" smtClean="0"/>
-              <a:t>aprenderemos </a:t>
-            </a:r>
-            <a:r>
-              <a:rPr lang="pt-BR" dirty="0" smtClean="0"/>
-              <a:t>sobre </a:t>
-            </a:r>
-            <a:r>
-              <a:rPr lang="pt-BR" dirty="0" smtClean="0"/>
-              <a:t>o algoritmo </a:t>
-            </a:r>
-            <a:r>
-              <a:rPr lang="pt-BR" dirty="0" smtClean="0"/>
-              <a:t>chamado de </a:t>
+              <a:t>Em seguida, aprenderemos sobre o algoritmo chamado de </a:t>
             </a:r>
             <a:r>
               <a:rPr lang="pt-BR" b="1" i="1" dirty="0" smtClean="0"/>
@@ -6102,11 +6081,7 @@
             </a:r>
             <a:r>
               <a:rPr lang="pt-BR" dirty="0" smtClean="0"/>
-              <a:t>, em inglês</a:t>
-            </a:r>
-            <a:r>
-              <a:rPr lang="pt-BR" dirty="0" smtClean="0"/>
-              <a:t>) que é um dos algoritmos mais simples de </a:t>
+              <a:t>, em inglês) que é um dos algoritmos mais simples de </a:t>
             </a:r>
             <a:r>
               <a:rPr lang="pt-BR" b="1" i="1" dirty="0" err="1" smtClean="0"/>
@@ -6116,7 +6091,6 @@
               <a:rPr lang="pt-BR" dirty="0" smtClean="0"/>
               <a:t>.</a:t>
             </a:r>
-            <a:endParaRPr lang="pt-BR" dirty="0" smtClean="0"/>
           </a:p>
         </p:txBody>
       </p:sp>
@@ -7170,18 +7144,14 @@
             </a:r>
             <a:r>
               <a:rPr lang="en-US" dirty="0" smtClean="0"/>
-              <a:t> </a:t>
-            </a:r>
-            <a:r>
-              <a:rPr lang="en-US" dirty="0" smtClean="0"/>
-              <a:t>clusters?</a:t>
+              <a:t> clusters?</a:t>
             </a:r>
             <a:endParaRPr lang="en-US" dirty="0"/>
           </a:p>
         </p:txBody>
       </p:sp>
-      <mc:AlternateContent xmlns:mc="http://schemas.openxmlformats.org/markup-compatibility/2006">
-        <mc:Choice xmlns:a14="http://schemas.microsoft.com/office/drawing/2010/main" Requires="a14">
+      <mc:AlternateContent xmlns:mc="http://schemas.openxmlformats.org/markup-compatibility/2006" xmlns:a14="http://schemas.microsoft.com/office/drawing/2010/main">
+        <mc:Choice Requires="a14">
           <p:sp>
             <p:nvSpPr>
               <p:cNvPr id="3" name="Espaço Reservado para Conteúdo 2"/>
@@ -7206,15 +7176,7 @@
               <a:p>
                 <a:r>
                   <a:rPr lang="pt-BR" dirty="0" smtClean="0"/>
-                  <a:t>Para </a:t>
-                </a:r>
-                <a:r>
-                  <a:rPr lang="pt-BR" dirty="0" smtClean="0"/>
-                  <a:t>realizar a identificação, </a:t>
-                </a:r>
-                <a:r>
-                  <a:rPr lang="pt-BR" dirty="0" smtClean="0"/>
-                  <a:t>temos que decidir como os </a:t>
+                  <a:t>Para realizar a identificação, temos que decidir como os </a:t>
                 </a:r>
                 <a:r>
                   <a:rPr lang="pt-BR" b="1" i="1" dirty="0"/>
@@ -7284,17 +7246,12 @@
                 </a:r>
                 <a:r>
                   <a:rPr lang="pt-BR" b="1" i="1" dirty="0"/>
-                  <a:t>médias </a:t>
-                </a:r>
-                <a:r>
-                  <a:rPr lang="pt-BR" b="1" i="1" dirty="0"/>
-                  <a:t>individuais dos atributos</a:t>
+                  <a:t>médias individuais dos atributos</a:t>
                 </a:r>
                 <a:r>
                   <a:rPr lang="pt-BR" dirty="0" smtClean="0"/>
                   <a:t>.</a:t>
                 </a:r>
-                <a:endParaRPr lang="pt-BR" dirty="0" smtClean="0"/>
               </a:p>
               <a:p>
                 <a:r>
@@ -7491,7 +7448,7 @@
             </p:txBody>
           </p:sp>
         </mc:Choice>
-        <mc:Fallback>
+        <mc:Fallback xmlns="">
           <p:sp>
             <p:nvSpPr>
               <p:cNvPr id="3" name="Espaço Reservado para Conteúdo 2"/>
@@ -7673,7 +7630,6 @@
               <a:rPr lang="pt-BR" dirty="0" smtClean="0"/>
               <a:t>de um único exemplo.</a:t>
             </a:r>
-            <a:endParaRPr lang="pt-BR" dirty="0" smtClean="0"/>
           </a:p>
           <a:p>
             <a:pPr>
@@ -7792,8 +7748,8 @@
           </a:p>
         </p:txBody>
       </p:sp>
-      <mc:AlternateContent xmlns:mc="http://schemas.openxmlformats.org/markup-compatibility/2006">
-        <mc:Choice xmlns:a14="http://schemas.microsoft.com/office/drawing/2010/main" Requires="a14">
+      <mc:AlternateContent xmlns:mc="http://schemas.openxmlformats.org/markup-compatibility/2006" xmlns:a14="http://schemas.microsoft.com/office/drawing/2010/main">
+        <mc:Choice Requires="a14">
           <p:sp>
             <p:nvSpPr>
               <p:cNvPr id="3" name="Espaço Reservado para Conteúdo 2"/>
@@ -7857,13 +7813,8 @@
                 </a:r>
                 <a:r>
                   <a:rPr lang="pt-BR" dirty="0" smtClean="0"/>
-                  <a:t>vetores</a:t>
-                </a:r>
-                <a:r>
-                  <a:rPr lang="pt-BR" dirty="0" smtClean="0"/>
-                  <a:t>.</a:t>
-                </a:r>
-                <a:endParaRPr lang="pt-BR" dirty="0" smtClean="0"/>
+                  <a:t>vetores.</a:t>
+                </a:r>
               </a:p>
               <a:p>
                 <a:r>
@@ -8671,7 +8622,7 @@
             </p:txBody>
           </p:sp>
         </mc:Choice>
-        <mc:Fallback>
+        <mc:Fallback xmlns="">
           <p:sp>
             <p:nvSpPr>
               <p:cNvPr id="3" name="Espaço Reservado para Conteúdo 2"/>
@@ -8769,8 +8720,8 @@
           </a:p>
         </p:txBody>
       </p:sp>
-      <mc:AlternateContent xmlns:mc="http://schemas.openxmlformats.org/markup-compatibility/2006">
-        <mc:Choice xmlns:a14="http://schemas.microsoft.com/office/drawing/2010/main" Requires="a14">
+      <mc:AlternateContent xmlns:mc="http://schemas.openxmlformats.org/markup-compatibility/2006" xmlns:a14="http://schemas.microsoft.com/office/drawing/2010/main">
+        <mc:Choice Requires="a14">
           <p:sp>
             <p:nvSpPr>
               <p:cNvPr id="3" name="Espaço Reservado para Conteúdo 2"/>
@@ -9055,11 +9006,7 @@
                 </a:r>
                 <a:r>
                   <a:rPr lang="pt-BR" dirty="0" smtClean="0"/>
-                  <a:t>então, é </a:t>
-                </a:r>
-                <a:r>
-                  <a:rPr lang="pt-BR" dirty="0" smtClean="0"/>
-                  <a:t>natural colocarmos </a:t>
+                  <a:t>então, é natural colocarmos </a:t>
                 </a:r>
                 <a14:m>
                   <m:oMath xmlns:m="http://schemas.openxmlformats.org/officeDocument/2006/math">
@@ -9122,7 +9069,6 @@
                   <a:rPr lang="pt-BR" dirty="0" smtClean="0"/>
                   <a:t>-ésimo cluster.</a:t>
                 </a:r>
-                <a:endParaRPr lang="pt-BR" dirty="0" smtClean="0"/>
               </a:p>
               <a:p>
                 <a:r>
@@ -9141,7 +9087,7 @@
             </p:txBody>
           </p:sp>
         </mc:Choice>
-        <mc:Fallback>
+        <mc:Fallback xmlns="">
           <p:sp>
             <p:nvSpPr>
               <p:cNvPr id="3" name="Espaço Reservado para Conteúdo 2"/>

--- a/slides/T320_kMeans.pptx
+++ b/slides/T320_kMeans.pptx
@@ -212,7 +212,7 @@
           <a:p>
             <a:fld id="{C3C82C08-3EFC-4473-8294-F0E229C19EFF}" type="datetimeFigureOut">
               <a:rPr lang="pt-BR" smtClean="0"/>
-              <a:t>25/06/2022</a:t>
+              <a:t>22/10/2023</a:t>
             </a:fld>
             <a:endParaRPr lang="pt-BR"/>
           </a:p>
@@ -276,35 +276,35 @@
           <a:p>
             <a:pPr lvl="0"/>
             <a:r>
-              <a:rPr lang="en-US" smtClean="0"/>
+              <a:rPr lang="en-US"/>
               <a:t>Click to edit Master text styles</a:t>
             </a:r>
           </a:p>
           <a:p>
             <a:pPr lvl="1"/>
             <a:r>
-              <a:rPr lang="en-US" smtClean="0"/>
+              <a:rPr lang="en-US"/>
               <a:t>Second level</a:t>
             </a:r>
           </a:p>
           <a:p>
             <a:pPr lvl="2"/>
             <a:r>
-              <a:rPr lang="en-US" smtClean="0"/>
+              <a:rPr lang="en-US"/>
               <a:t>Third level</a:t>
             </a:r>
           </a:p>
           <a:p>
             <a:pPr lvl="3"/>
             <a:r>
-              <a:rPr lang="en-US" smtClean="0"/>
+              <a:rPr lang="en-US"/>
               <a:t>Fourth level</a:t>
             </a:r>
           </a:p>
           <a:p>
             <a:pPr lvl="4"/>
             <a:r>
-              <a:rPr lang="en-US" smtClean="0"/>
+              <a:rPr lang="en-US"/>
               <a:t>Fifth level</a:t>
             </a:r>
             <a:endParaRPr lang="pt-BR"/>
@@ -625,7 +625,7 @@
               <a:tabLst/>
               <a:defRPr/>
             </a:pPr>
-            <a:endParaRPr lang="pt-BR" dirty="0" smtClean="0"/>
+            <a:endParaRPr lang="pt-BR" dirty="0"/>
           </a:p>
         </p:txBody>
       </p:sp>
@@ -727,51 +727,51 @@
               <a:defRPr/>
             </a:pPr>
             <a:r>
-              <a:rPr lang="en-US" dirty="0" smtClean="0"/>
+              <a:rPr lang="en-US" dirty="0"/>
               <a:t>C</a:t>
             </a:r>
             <a:r>
-              <a:rPr lang="pt-BR" dirty="0" err="1" smtClean="0"/>
+              <a:rPr lang="pt-BR" dirty="0" err="1"/>
               <a:t>entros</a:t>
             </a:r>
             <a:r>
-              <a:rPr lang="pt-BR" dirty="0" smtClean="0"/>
+              <a:rPr lang="pt-BR" dirty="0"/>
               <a:t> para redes Bayesianas ou de </a:t>
             </a:r>
             <a:r>
-              <a:rPr lang="en-US" dirty="0" err="1" smtClean="0"/>
+              <a:rPr lang="en-US" dirty="0" err="1"/>
               <a:t>Função</a:t>
             </a:r>
             <a:r>
-              <a:rPr lang="en-US" dirty="0" smtClean="0"/>
+              <a:rPr lang="en-US" dirty="0"/>
               <a:t> de base radial (</a:t>
             </a:r>
             <a:r>
-              <a:rPr lang="pt-BR" dirty="0" smtClean="0"/>
+              <a:rPr lang="pt-BR" dirty="0"/>
               <a:t>RBF): Os classificadores bayesianos e as redes de função de base radial operam com centros,</a:t>
             </a:r>
             <a:r>
-              <a:rPr lang="pt-BR" baseline="0" dirty="0" smtClean="0"/>
+              <a:rPr lang="pt-BR" baseline="0" dirty="0"/>
               <a:t> pois utilizam distribuições gaussianas. </a:t>
             </a:r>
             <a:r>
-              <a:rPr lang="pt-BR" dirty="0" smtClean="0"/>
+              <a:rPr lang="pt-BR" dirty="0"/>
               <a:t>Geralmente, os centros são identificados com os vetores de atributos dos exemplos individuais.</a:t>
             </a:r>
             <a:r>
-              <a:rPr lang="pt-BR" baseline="0" dirty="0" smtClean="0"/>
+              <a:rPr lang="pt-BR" baseline="0" dirty="0"/>
               <a:t> </a:t>
             </a:r>
             <a:r>
-              <a:rPr lang="pt-BR" dirty="0" smtClean="0"/>
+              <a:rPr lang="pt-BR" dirty="0"/>
               <a:t>No entanto, isso levaria a classificadores impraticavelmente grandes em domínios com milhões de exemplos. O engenheiro então prefere dividir o conjunto de treinamento em N clusters e identificar os centros gaussianos com os </a:t>
             </a:r>
             <a:r>
-              <a:rPr lang="pt-BR" dirty="0" err="1" smtClean="0"/>
+              <a:rPr lang="pt-BR" dirty="0" err="1"/>
               <a:t>centróides</a:t>
             </a:r>
             <a:r>
-              <a:rPr lang="pt-BR" dirty="0" smtClean="0"/>
+              <a:rPr lang="pt-BR" dirty="0"/>
               <a:t> dos clusters.</a:t>
             </a:r>
           </a:p>
@@ -794,11 +794,11 @@
               <a:defRPr/>
             </a:pPr>
             <a:r>
-              <a:rPr lang="pt-BR" dirty="0" smtClean="0"/>
+              <a:rPr lang="pt-BR" dirty="0"/>
               <a:t>Estimativas de valores de atributos desconhecidos : </a:t>
             </a:r>
             <a:r>
-              <a:rPr lang="pt-BR" sz="1200" b="0" i="0" kern="1200" dirty="0" smtClean="0">
+              <a:rPr lang="pt-BR" sz="1200" b="0" i="0" kern="1200" dirty="0">
                 <a:solidFill>
                   <a:schemeClr val="tx1"/>
                 </a:solidFill>
@@ -810,7 +810,7 @@
               <a:t>Existem</a:t>
             </a:r>
             <a:r>
-              <a:rPr lang="pt-BR" sz="1200" b="0" i="0" kern="1200" baseline="0" dirty="0" smtClean="0">
+              <a:rPr lang="pt-BR" sz="1200" b="0" i="0" kern="1200" baseline="0" dirty="0">
                 <a:solidFill>
                   <a:schemeClr val="tx1"/>
                 </a:solidFill>
@@ -822,7 +822,7 @@
               <a:t> casos onde </a:t>
             </a:r>
             <a:r>
-              <a:rPr lang="pt-BR" sz="1200" b="0" i="0" kern="1200" dirty="0" smtClean="0">
+              <a:rPr lang="pt-BR" sz="1200" b="0" i="0" kern="1200" dirty="0">
                 <a:solidFill>
                   <a:schemeClr val="tx1"/>
                 </a:solidFill>
@@ -834,7 +834,7 @@
               <a:t>alguns valores de atributos às vezes são desconhecidos.</a:t>
             </a:r>
             <a:r>
-              <a:rPr lang="pt-BR" sz="1200" b="0" i="0" kern="1200" baseline="0" dirty="0" smtClean="0">
+              <a:rPr lang="pt-BR" sz="1200" b="0" i="0" kern="1200" baseline="0" dirty="0">
                 <a:solidFill>
                   <a:schemeClr val="tx1"/>
                 </a:solidFill>
@@ -846,7 +846,7 @@
               <a:t> </a:t>
             </a:r>
             <a:r>
-              <a:rPr lang="pt-BR" sz="1200" b="0" i="0" kern="1200" dirty="0" smtClean="0">
+              <a:rPr lang="pt-BR" sz="1200" b="0" i="0" kern="1200" dirty="0">
                 <a:solidFill>
                   <a:schemeClr val="tx1"/>
                 </a:solidFill>
@@ -858,7 +858,7 @@
               <a:t>Uma forma simples de lidar com esta questão</a:t>
             </a:r>
             <a:r>
-              <a:rPr lang="pt-BR" sz="1200" b="0" i="0" kern="1200" baseline="0" dirty="0" smtClean="0">
+              <a:rPr lang="pt-BR" sz="1200" b="0" i="0" kern="1200" baseline="0" dirty="0">
                 <a:solidFill>
                   <a:schemeClr val="tx1"/>
                 </a:solidFill>
@@ -870,7 +870,7 @@
               <a:t> é usar a</a:t>
             </a:r>
             <a:r>
-              <a:rPr lang="pt-BR" sz="1200" b="0" i="0" kern="1200" dirty="0" smtClean="0">
+              <a:rPr lang="pt-BR" sz="1200" b="0" i="0" kern="1200" dirty="0">
                 <a:solidFill>
                   <a:schemeClr val="tx1"/>
                 </a:solidFill>
@@ -882,7 +882,7 @@
               <a:t> estimativa do valor ausente como sendo a média ou o valor mais frequente de um determinado cluster.</a:t>
             </a:r>
             <a:r>
-              <a:rPr lang="pt-BR" sz="1200" b="0" i="0" kern="1200" baseline="0" dirty="0" smtClean="0">
+              <a:rPr lang="pt-BR" sz="1200" b="0" i="0" kern="1200" baseline="0" dirty="0">
                 <a:solidFill>
                   <a:schemeClr val="tx1"/>
                 </a:solidFill>
@@ -894,7 +894,7 @@
               <a:t> Esta é uma abordagem </a:t>
             </a:r>
             <a:r>
-              <a:rPr lang="pt-BR" sz="1200" b="0" i="0" kern="1200" dirty="0" smtClean="0">
+              <a:rPr lang="pt-BR" sz="1200" b="0" i="0" kern="1200" dirty="0">
                 <a:solidFill>
                   <a:schemeClr val="tx1"/>
                 </a:solidFill>
@@ -925,7 +925,7 @@
               <a:defRPr/>
             </a:pPr>
             <a:r>
-              <a:rPr lang="pt-BR" dirty="0" smtClean="0"/>
+              <a:rPr lang="pt-BR" dirty="0"/>
               <a:t>ferramentas de visualização de dados multidimensionais</a:t>
             </a:r>
           </a:p>
@@ -948,11 +948,11 @@
               <a:defRPr/>
             </a:pPr>
             <a:r>
-              <a:rPr lang="pt-BR" dirty="0" smtClean="0"/>
+              <a:rPr lang="pt-BR" dirty="0"/>
               <a:t>Auxiliares para criação de classificadores mais simples: </a:t>
             </a:r>
             <a:r>
-              <a:rPr lang="pt-BR" sz="1200" b="0" i="0" kern="1200" dirty="0" smtClean="0">
+              <a:rPr lang="pt-BR" sz="1200" b="0" i="0" kern="1200" dirty="0">
                 <a:solidFill>
                   <a:schemeClr val="tx1"/>
                 </a:solidFill>
@@ -964,7 +964,7 @@
               <a:t>o conhecimento de clusters de dados pode ser útil no aprendizado supervisionado. É bastante comum que todos (ou quase todos) os exemplos em um cluster pertençam à mesma classe. Nesse caso, o desenvolvedor de um software de aprendizado supervisionado pode decidir primeiro identificar os clusters e depois rotular cada cluster (todos os exemplos que pertencem</a:t>
             </a:r>
             <a:r>
-              <a:rPr lang="pt-BR" sz="1200" b="0" i="0" kern="1200" baseline="0" dirty="0" smtClean="0">
+              <a:rPr lang="pt-BR" sz="1200" b="0" i="0" kern="1200" baseline="0" dirty="0">
                 <a:solidFill>
                   <a:schemeClr val="tx1"/>
                 </a:solidFill>
@@ -976,7 +976,7 @@
               <a:t> ao cluster)</a:t>
             </a:r>
             <a:r>
-              <a:rPr lang="pt-BR" sz="1200" b="0" i="0" kern="1200" dirty="0" smtClean="0">
+              <a:rPr lang="pt-BR" sz="1200" b="0" i="0" kern="1200" dirty="0">
                 <a:solidFill>
                   <a:schemeClr val="tx1"/>
                 </a:solidFill>
@@ -1172,7 +1172,7 @@
               <a:defRPr/>
             </a:pPr>
             <a:r>
-              <a:rPr lang="pt-BR" sz="1200" b="0" dirty="0" smtClean="0">
+              <a:rPr lang="pt-BR" sz="1200" b="0" dirty="0">
                 <a:solidFill>
                   <a:srgbClr val="00B0F0"/>
                 </a:solidFill>
@@ -1180,18 +1180,18 @@
               <a:t>E</a:t>
             </a:r>
             <a:r>
-              <a:rPr lang="pt-BR" dirty="0" smtClean="0"/>
+              <a:rPr lang="pt-BR" dirty="0"/>
               <a:t>xemplo:</a:t>
             </a:r>
             <a:r>
-              <a:rPr lang="pt-BR" baseline="0" dirty="0" smtClean="0"/>
+              <a:rPr lang="pt-BR" baseline="0" dirty="0"/>
               <a:t> </a:t>
             </a:r>
             <a:r>
-              <a:rPr lang="pt-BR" dirty="0" smtClean="0"/>
+              <a:rPr lang="pt-BR" dirty="0"/>
               <a:t>https://colab.research.google.com/github/zz4fap/t320_aprendizado_de_maquina/blob/main/notebooks/clustering/kmeans_example.ipynb</a:t>
             </a:r>
-            <a:endParaRPr lang="pt-BR" sz="1200" b="0" dirty="0" smtClean="0">
+            <a:endParaRPr lang="pt-BR" sz="1200" b="0" dirty="0">
               <a:solidFill>
                 <a:srgbClr val="00B0F0"/>
               </a:solidFill>
@@ -1283,11 +1283,11 @@
           <a:lstStyle/>
           <a:p>
             <a:r>
-              <a:rPr lang="pt-BR" sz="1200" b="1" dirty="0" smtClean="0"/>
+              <a:rPr lang="pt-BR" sz="1200" b="1" dirty="0"/>
               <a:t>Laboratório #1</a:t>
             </a:r>
             <a:r>
-              <a:rPr lang="pt-BR" sz="1200" dirty="0" smtClean="0"/>
+              <a:rPr lang="pt-BR" sz="1200" dirty="0"/>
               <a:t>: https://mybinder.org/v2/gh/zz4fap/t320_aprendizado_de_maquina/main?filepath=labs%2FLaboratorio1.ipynb</a:t>
             </a:r>
           </a:p>
@@ -1374,7 +1374,7 @@
           </a:lstStyle>
           <a:p>
             <a:r>
-              <a:rPr lang="en-US" smtClean="0"/>
+              <a:rPr lang="en-US"/>
               <a:t>Click to edit Master title style</a:t>
             </a:r>
             <a:endParaRPr lang="pt-BR"/>
@@ -1439,7 +1439,7 @@
           </a:lstStyle>
           <a:p>
             <a:r>
-              <a:rPr lang="en-US" smtClean="0"/>
+              <a:rPr lang="en-US"/>
               <a:t>Click to edit Master subtitle style</a:t>
             </a:r>
             <a:endParaRPr lang="pt-BR"/>
@@ -1463,7 +1463,7 @@
           <a:p>
             <a:fld id="{221D0464-8C8A-49C0-859F-777E51766A35}" type="datetimeFigureOut">
               <a:rPr lang="pt-BR" smtClean="0"/>
-              <a:t>25/06/2022</a:t>
+              <a:t>22/10/2023</a:t>
             </a:fld>
             <a:endParaRPr lang="pt-BR"/>
           </a:p>
@@ -1557,7 +1557,7 @@
           <a:lstStyle/>
           <a:p>
             <a:r>
-              <a:rPr lang="en-US" smtClean="0"/>
+              <a:rPr lang="en-US"/>
               <a:t>Click to edit Master title style</a:t>
             </a:r>
             <a:endParaRPr lang="pt-BR"/>
@@ -1581,35 +1581,35 @@
           <a:p>
             <a:pPr lvl="0"/>
             <a:r>
-              <a:rPr lang="en-US" smtClean="0"/>
+              <a:rPr lang="en-US"/>
               <a:t>Click to edit Master text styles</a:t>
             </a:r>
           </a:p>
           <a:p>
             <a:pPr lvl="1"/>
             <a:r>
-              <a:rPr lang="en-US" smtClean="0"/>
+              <a:rPr lang="en-US"/>
               <a:t>Second level</a:t>
             </a:r>
           </a:p>
           <a:p>
             <a:pPr lvl="2"/>
             <a:r>
-              <a:rPr lang="en-US" smtClean="0"/>
+              <a:rPr lang="en-US"/>
               <a:t>Third level</a:t>
             </a:r>
           </a:p>
           <a:p>
             <a:pPr lvl="3"/>
             <a:r>
-              <a:rPr lang="en-US" smtClean="0"/>
+              <a:rPr lang="en-US"/>
               <a:t>Fourth level</a:t>
             </a:r>
           </a:p>
           <a:p>
             <a:pPr lvl="4"/>
             <a:r>
-              <a:rPr lang="en-US" smtClean="0"/>
+              <a:rPr lang="en-US"/>
               <a:t>Fifth level</a:t>
             </a:r>
             <a:endParaRPr lang="pt-BR"/>
@@ -1633,7 +1633,7 @@
           <a:p>
             <a:fld id="{221D0464-8C8A-49C0-859F-777E51766A35}" type="datetimeFigureOut">
               <a:rPr lang="pt-BR" smtClean="0"/>
-              <a:t>25/06/2022</a:t>
+              <a:t>22/10/2023</a:t>
             </a:fld>
             <a:endParaRPr lang="pt-BR"/>
           </a:p>
@@ -1732,7 +1732,7 @@
           <a:lstStyle/>
           <a:p>
             <a:r>
-              <a:rPr lang="en-US" smtClean="0"/>
+              <a:rPr lang="en-US"/>
               <a:t>Click to edit Master title style</a:t>
             </a:r>
             <a:endParaRPr lang="pt-BR"/>
@@ -1761,35 +1761,35 @@
           <a:p>
             <a:pPr lvl="0"/>
             <a:r>
-              <a:rPr lang="en-US" smtClean="0"/>
+              <a:rPr lang="en-US"/>
               <a:t>Click to edit Master text styles</a:t>
             </a:r>
           </a:p>
           <a:p>
             <a:pPr lvl="1"/>
             <a:r>
-              <a:rPr lang="en-US" smtClean="0"/>
+              <a:rPr lang="en-US"/>
               <a:t>Second level</a:t>
             </a:r>
           </a:p>
           <a:p>
             <a:pPr lvl="2"/>
             <a:r>
-              <a:rPr lang="en-US" smtClean="0"/>
+              <a:rPr lang="en-US"/>
               <a:t>Third level</a:t>
             </a:r>
           </a:p>
           <a:p>
             <a:pPr lvl="3"/>
             <a:r>
-              <a:rPr lang="en-US" smtClean="0"/>
+              <a:rPr lang="en-US"/>
               <a:t>Fourth level</a:t>
             </a:r>
           </a:p>
           <a:p>
             <a:pPr lvl="4"/>
             <a:r>
-              <a:rPr lang="en-US" smtClean="0"/>
+              <a:rPr lang="en-US"/>
               <a:t>Fifth level</a:t>
             </a:r>
             <a:endParaRPr lang="pt-BR"/>
@@ -1813,7 +1813,7 @@
           <a:p>
             <a:fld id="{221D0464-8C8A-49C0-859F-777E51766A35}" type="datetimeFigureOut">
               <a:rPr lang="pt-BR" smtClean="0"/>
-              <a:t>25/06/2022</a:t>
+              <a:t>22/10/2023</a:t>
             </a:fld>
             <a:endParaRPr lang="pt-BR"/>
           </a:p>
@@ -1907,7 +1907,7 @@
           <a:lstStyle/>
           <a:p>
             <a:r>
-              <a:rPr lang="en-US" smtClean="0"/>
+              <a:rPr lang="en-US"/>
               <a:t>Click to edit Master title style</a:t>
             </a:r>
             <a:endParaRPr lang="pt-BR"/>
@@ -1931,35 +1931,35 @@
           <a:p>
             <a:pPr lvl="0"/>
             <a:r>
-              <a:rPr lang="en-US" smtClean="0"/>
+              <a:rPr lang="en-US"/>
               <a:t>Click to edit Master text styles</a:t>
             </a:r>
           </a:p>
           <a:p>
             <a:pPr lvl="1"/>
             <a:r>
-              <a:rPr lang="en-US" smtClean="0"/>
+              <a:rPr lang="en-US"/>
               <a:t>Second level</a:t>
             </a:r>
           </a:p>
           <a:p>
             <a:pPr lvl="2"/>
             <a:r>
-              <a:rPr lang="en-US" smtClean="0"/>
+              <a:rPr lang="en-US"/>
               <a:t>Third level</a:t>
             </a:r>
           </a:p>
           <a:p>
             <a:pPr lvl="3"/>
             <a:r>
-              <a:rPr lang="en-US" smtClean="0"/>
+              <a:rPr lang="en-US"/>
               <a:t>Fourth level</a:t>
             </a:r>
           </a:p>
           <a:p>
             <a:pPr lvl="4"/>
             <a:r>
-              <a:rPr lang="en-US" smtClean="0"/>
+              <a:rPr lang="en-US"/>
               <a:t>Fifth level</a:t>
             </a:r>
             <a:endParaRPr lang="pt-BR"/>
@@ -1983,7 +1983,7 @@
           <a:p>
             <a:fld id="{221D0464-8C8A-49C0-859F-777E51766A35}" type="datetimeFigureOut">
               <a:rPr lang="pt-BR" smtClean="0"/>
-              <a:t>25/06/2022</a:t>
+              <a:t>22/10/2023</a:t>
             </a:fld>
             <a:endParaRPr lang="pt-BR"/>
           </a:p>
@@ -2086,7 +2086,7 @@
           </a:lstStyle>
           <a:p>
             <a:r>
-              <a:rPr lang="en-US" smtClean="0"/>
+              <a:rPr lang="en-US"/>
               <a:t>Click to edit Master title style</a:t>
             </a:r>
             <a:endParaRPr lang="pt-BR"/>
@@ -2206,7 +2206,7 @@
           <a:p>
             <a:pPr lvl="0"/>
             <a:r>
-              <a:rPr lang="en-US" smtClean="0"/>
+              <a:rPr lang="en-US"/>
               <a:t>Click to edit Master text styles</a:t>
             </a:r>
           </a:p>
@@ -2229,7 +2229,7 @@
           <a:p>
             <a:fld id="{221D0464-8C8A-49C0-859F-777E51766A35}" type="datetimeFigureOut">
               <a:rPr lang="pt-BR" smtClean="0"/>
-              <a:t>25/06/2022</a:t>
+              <a:t>22/10/2023</a:t>
             </a:fld>
             <a:endParaRPr lang="pt-BR"/>
           </a:p>
@@ -2323,7 +2323,7 @@
           <a:lstStyle/>
           <a:p>
             <a:r>
-              <a:rPr lang="en-US" smtClean="0"/>
+              <a:rPr lang="en-US"/>
               <a:t>Click to edit Master title style</a:t>
             </a:r>
             <a:endParaRPr lang="pt-BR"/>
@@ -2352,35 +2352,35 @@
           <a:p>
             <a:pPr lvl="0"/>
             <a:r>
-              <a:rPr lang="en-US" smtClean="0"/>
+              <a:rPr lang="en-US"/>
               <a:t>Click to edit Master text styles</a:t>
             </a:r>
           </a:p>
           <a:p>
             <a:pPr lvl="1"/>
             <a:r>
-              <a:rPr lang="en-US" smtClean="0"/>
+              <a:rPr lang="en-US"/>
               <a:t>Second level</a:t>
             </a:r>
           </a:p>
           <a:p>
             <a:pPr lvl="2"/>
             <a:r>
-              <a:rPr lang="en-US" smtClean="0"/>
+              <a:rPr lang="en-US"/>
               <a:t>Third level</a:t>
             </a:r>
           </a:p>
           <a:p>
             <a:pPr lvl="3"/>
             <a:r>
-              <a:rPr lang="en-US" smtClean="0"/>
+              <a:rPr lang="en-US"/>
               <a:t>Fourth level</a:t>
             </a:r>
           </a:p>
           <a:p>
             <a:pPr lvl="4"/>
             <a:r>
-              <a:rPr lang="en-US" smtClean="0"/>
+              <a:rPr lang="en-US"/>
               <a:t>Fifth level</a:t>
             </a:r>
             <a:endParaRPr lang="pt-BR"/>
@@ -2409,35 +2409,35 @@
           <a:p>
             <a:pPr lvl="0"/>
             <a:r>
-              <a:rPr lang="en-US" smtClean="0"/>
+              <a:rPr lang="en-US"/>
               <a:t>Click to edit Master text styles</a:t>
             </a:r>
           </a:p>
           <a:p>
             <a:pPr lvl="1"/>
             <a:r>
-              <a:rPr lang="en-US" smtClean="0"/>
+              <a:rPr lang="en-US"/>
               <a:t>Second level</a:t>
             </a:r>
           </a:p>
           <a:p>
             <a:pPr lvl="2"/>
             <a:r>
-              <a:rPr lang="en-US" smtClean="0"/>
+              <a:rPr lang="en-US"/>
               <a:t>Third level</a:t>
             </a:r>
           </a:p>
           <a:p>
             <a:pPr lvl="3"/>
             <a:r>
-              <a:rPr lang="en-US" smtClean="0"/>
+              <a:rPr lang="en-US"/>
               <a:t>Fourth level</a:t>
             </a:r>
           </a:p>
           <a:p>
             <a:pPr lvl="4"/>
             <a:r>
-              <a:rPr lang="en-US" smtClean="0"/>
+              <a:rPr lang="en-US"/>
               <a:t>Fifth level</a:t>
             </a:r>
             <a:endParaRPr lang="pt-BR"/>
@@ -2461,7 +2461,7 @@
           <a:p>
             <a:fld id="{221D0464-8C8A-49C0-859F-777E51766A35}" type="datetimeFigureOut">
               <a:rPr lang="pt-BR" smtClean="0"/>
-              <a:t>25/06/2022</a:t>
+              <a:t>22/10/2023</a:t>
             </a:fld>
             <a:endParaRPr lang="pt-BR"/>
           </a:p>
@@ -2560,7 +2560,7 @@
           <a:lstStyle/>
           <a:p>
             <a:r>
-              <a:rPr lang="en-US" smtClean="0"/>
+              <a:rPr lang="en-US"/>
               <a:t>Click to edit Master title style</a:t>
             </a:r>
             <a:endParaRPr lang="pt-BR"/>
@@ -2626,7 +2626,7 @@
           <a:p>
             <a:pPr lvl="0"/>
             <a:r>
-              <a:rPr lang="en-US" smtClean="0"/>
+              <a:rPr lang="en-US"/>
               <a:t>Click to edit Master text styles</a:t>
             </a:r>
           </a:p>
@@ -2654,35 +2654,35 @@
           <a:p>
             <a:pPr lvl="0"/>
             <a:r>
-              <a:rPr lang="en-US" smtClean="0"/>
+              <a:rPr lang="en-US"/>
               <a:t>Click to edit Master text styles</a:t>
             </a:r>
           </a:p>
           <a:p>
             <a:pPr lvl="1"/>
             <a:r>
-              <a:rPr lang="en-US" smtClean="0"/>
+              <a:rPr lang="en-US"/>
               <a:t>Second level</a:t>
             </a:r>
           </a:p>
           <a:p>
             <a:pPr lvl="2"/>
             <a:r>
-              <a:rPr lang="en-US" smtClean="0"/>
+              <a:rPr lang="en-US"/>
               <a:t>Third level</a:t>
             </a:r>
           </a:p>
           <a:p>
             <a:pPr lvl="3"/>
             <a:r>
-              <a:rPr lang="en-US" smtClean="0"/>
+              <a:rPr lang="en-US"/>
               <a:t>Fourth level</a:t>
             </a:r>
           </a:p>
           <a:p>
             <a:pPr lvl="4"/>
             <a:r>
-              <a:rPr lang="en-US" smtClean="0"/>
+              <a:rPr lang="en-US"/>
               <a:t>Fifth level</a:t>
             </a:r>
             <a:endParaRPr lang="pt-BR"/>
@@ -2748,7 +2748,7 @@
           <a:p>
             <a:pPr lvl="0"/>
             <a:r>
-              <a:rPr lang="en-US" smtClean="0"/>
+              <a:rPr lang="en-US"/>
               <a:t>Click to edit Master text styles</a:t>
             </a:r>
           </a:p>
@@ -2776,35 +2776,35 @@
           <a:p>
             <a:pPr lvl="0"/>
             <a:r>
-              <a:rPr lang="en-US" smtClean="0"/>
+              <a:rPr lang="en-US"/>
               <a:t>Click to edit Master text styles</a:t>
             </a:r>
           </a:p>
           <a:p>
             <a:pPr lvl="1"/>
             <a:r>
-              <a:rPr lang="en-US" smtClean="0"/>
+              <a:rPr lang="en-US"/>
               <a:t>Second level</a:t>
             </a:r>
           </a:p>
           <a:p>
             <a:pPr lvl="2"/>
             <a:r>
-              <a:rPr lang="en-US" smtClean="0"/>
+              <a:rPr lang="en-US"/>
               <a:t>Third level</a:t>
             </a:r>
           </a:p>
           <a:p>
             <a:pPr lvl="3"/>
             <a:r>
-              <a:rPr lang="en-US" smtClean="0"/>
+              <a:rPr lang="en-US"/>
               <a:t>Fourth level</a:t>
             </a:r>
           </a:p>
           <a:p>
             <a:pPr lvl="4"/>
             <a:r>
-              <a:rPr lang="en-US" smtClean="0"/>
+              <a:rPr lang="en-US"/>
               <a:t>Fifth level</a:t>
             </a:r>
             <a:endParaRPr lang="pt-BR"/>
@@ -2828,7 +2828,7 @@
           <a:p>
             <a:fld id="{221D0464-8C8A-49C0-859F-777E51766A35}" type="datetimeFigureOut">
               <a:rPr lang="pt-BR" smtClean="0"/>
-              <a:t>25/06/2022</a:t>
+              <a:t>22/10/2023</a:t>
             </a:fld>
             <a:endParaRPr lang="pt-BR"/>
           </a:p>
@@ -2922,7 +2922,7 @@
           <a:lstStyle/>
           <a:p>
             <a:r>
-              <a:rPr lang="en-US" smtClean="0"/>
+              <a:rPr lang="en-US"/>
               <a:t>Click to edit Master title style</a:t>
             </a:r>
             <a:endParaRPr lang="pt-BR"/>
@@ -2946,7 +2946,7 @@
           <a:p>
             <a:fld id="{221D0464-8C8A-49C0-859F-777E51766A35}" type="datetimeFigureOut">
               <a:rPr lang="pt-BR" smtClean="0"/>
-              <a:t>25/06/2022</a:t>
+              <a:t>22/10/2023</a:t>
             </a:fld>
             <a:endParaRPr lang="pt-BR"/>
           </a:p>
@@ -3041,7 +3041,7 @@
           <a:p>
             <a:fld id="{221D0464-8C8A-49C0-859F-777E51766A35}" type="datetimeFigureOut">
               <a:rPr lang="pt-BR" smtClean="0"/>
-              <a:t>25/06/2022</a:t>
+              <a:t>22/10/2023</a:t>
             </a:fld>
             <a:endParaRPr lang="pt-BR"/>
           </a:p>
@@ -3144,7 +3144,7 @@
           </a:lstStyle>
           <a:p>
             <a:r>
-              <a:rPr lang="en-US" smtClean="0"/>
+              <a:rPr lang="en-US"/>
               <a:t>Click to edit Master title style</a:t>
             </a:r>
             <a:endParaRPr lang="pt-BR"/>
@@ -3201,35 +3201,35 @@
           <a:p>
             <a:pPr lvl="0"/>
             <a:r>
-              <a:rPr lang="en-US" smtClean="0"/>
+              <a:rPr lang="en-US"/>
               <a:t>Click to edit Master text styles</a:t>
             </a:r>
           </a:p>
           <a:p>
             <a:pPr lvl="1"/>
             <a:r>
-              <a:rPr lang="en-US" smtClean="0"/>
+              <a:rPr lang="en-US"/>
               <a:t>Second level</a:t>
             </a:r>
           </a:p>
           <a:p>
             <a:pPr lvl="2"/>
             <a:r>
-              <a:rPr lang="en-US" smtClean="0"/>
+              <a:rPr lang="en-US"/>
               <a:t>Third level</a:t>
             </a:r>
           </a:p>
           <a:p>
             <a:pPr lvl="3"/>
             <a:r>
-              <a:rPr lang="en-US" smtClean="0"/>
+              <a:rPr lang="en-US"/>
               <a:t>Fourth level</a:t>
             </a:r>
           </a:p>
           <a:p>
             <a:pPr lvl="4"/>
             <a:r>
-              <a:rPr lang="en-US" smtClean="0"/>
+              <a:rPr lang="en-US"/>
               <a:t>Fifth level</a:t>
             </a:r>
             <a:endParaRPr lang="pt-BR"/>
@@ -3295,7 +3295,7 @@
           <a:p>
             <a:pPr lvl="0"/>
             <a:r>
-              <a:rPr lang="en-US" smtClean="0"/>
+              <a:rPr lang="en-US"/>
               <a:t>Click to edit Master text styles</a:t>
             </a:r>
           </a:p>
@@ -3318,7 +3318,7 @@
           <a:p>
             <a:fld id="{221D0464-8C8A-49C0-859F-777E51766A35}" type="datetimeFigureOut">
               <a:rPr lang="pt-BR" smtClean="0"/>
-              <a:t>25/06/2022</a:t>
+              <a:t>22/10/2023</a:t>
             </a:fld>
             <a:endParaRPr lang="pt-BR"/>
           </a:p>
@@ -3421,7 +3421,7 @@
           </a:lstStyle>
           <a:p>
             <a:r>
-              <a:rPr lang="en-US" smtClean="0"/>
+              <a:rPr lang="en-US"/>
               <a:t>Click to edit Master title style</a:t>
             </a:r>
             <a:endParaRPr lang="pt-BR"/>
@@ -3548,7 +3548,7 @@
           <a:p>
             <a:pPr lvl="0"/>
             <a:r>
-              <a:rPr lang="en-US" smtClean="0"/>
+              <a:rPr lang="en-US"/>
               <a:t>Click to edit Master text styles</a:t>
             </a:r>
           </a:p>
@@ -3571,7 +3571,7 @@
           <a:p>
             <a:fld id="{221D0464-8C8A-49C0-859F-777E51766A35}" type="datetimeFigureOut">
               <a:rPr lang="pt-BR" smtClean="0"/>
-              <a:t>25/06/2022</a:t>
+              <a:t>22/10/2023</a:t>
             </a:fld>
             <a:endParaRPr lang="pt-BR"/>
           </a:p>
@@ -3680,7 +3680,7 @@
           <a:lstStyle/>
           <a:p>
             <a:r>
-              <a:rPr lang="en-US" smtClean="0"/>
+              <a:rPr lang="en-US"/>
               <a:t>Click to edit Master title style</a:t>
             </a:r>
             <a:endParaRPr lang="pt-BR"/>
@@ -3714,35 +3714,35 @@
           <a:p>
             <a:pPr lvl="0"/>
             <a:r>
-              <a:rPr lang="en-US" smtClean="0"/>
+              <a:rPr lang="en-US"/>
               <a:t>Click to edit Master text styles</a:t>
             </a:r>
           </a:p>
           <a:p>
             <a:pPr lvl="1"/>
             <a:r>
-              <a:rPr lang="en-US" smtClean="0"/>
+              <a:rPr lang="en-US"/>
               <a:t>Second level</a:t>
             </a:r>
           </a:p>
           <a:p>
             <a:pPr lvl="2"/>
             <a:r>
-              <a:rPr lang="en-US" smtClean="0"/>
+              <a:rPr lang="en-US"/>
               <a:t>Third level</a:t>
             </a:r>
           </a:p>
           <a:p>
             <a:pPr lvl="3"/>
             <a:r>
-              <a:rPr lang="en-US" smtClean="0"/>
+              <a:rPr lang="en-US"/>
               <a:t>Fourth level</a:t>
             </a:r>
           </a:p>
           <a:p>
             <a:pPr lvl="4"/>
             <a:r>
-              <a:rPr lang="en-US" smtClean="0"/>
+              <a:rPr lang="en-US"/>
               <a:t>Fifth level</a:t>
             </a:r>
             <a:endParaRPr lang="pt-BR"/>
@@ -3784,7 +3784,7 @@
           <a:p>
             <a:fld id="{221D0464-8C8A-49C0-859F-777E51766A35}" type="datetimeFigureOut">
               <a:rPr lang="pt-BR" smtClean="0"/>
-              <a:t>25/06/2022</a:t>
+              <a:t>22/10/2023</a:t>
             </a:fld>
             <a:endParaRPr lang="pt-BR"/>
           </a:p>
@@ -4194,7 +4194,7 @@
           <p:cNvPr id="2" name="Título 1">
             <a:extLst>
               <a:ext uri="{FF2B5EF4-FFF2-40B4-BE49-F238E27FC236}">
-                <a16:creationId xmlns="" xmlns:a16="http://schemas.microsoft.com/office/drawing/2014/main" id="{32666AC8-2E17-4DB4-B0F5-60C640CCFD2E}"/>
+                <a16:creationId xmlns:a16="http://schemas.microsoft.com/office/drawing/2014/main" id="{32666AC8-2E17-4DB4-B0F5-60C640CCFD2E}"/>
               </a:ext>
             </a:extLst>
           </p:cNvPr>
@@ -4219,24 +4219,15 @@
           <a:p>
             <a:r>
               <a:rPr lang="pt-BR" sz="5400" dirty="0"/>
-              <a:t>T320 - Introdução ao Aprendizado de Máquina II</a:t>
-            </a:r>
-            <a:r>
-              <a:rPr lang="pt-BR" sz="5400" dirty="0" smtClean="0"/>
-              <a:t>:</a:t>
-            </a:r>
-            <a:r>
-              <a:rPr lang="pt-BR" dirty="0"/>
-              <a:t/>
+              <a:t>T320 - Introdução ao Aprendizado de Máquina II:</a:t>
             </a:r>
             <a:br>
               <a:rPr lang="pt-BR" dirty="0"/>
             </a:br>
             <a:r>
-              <a:rPr lang="pt-BR" b="1" i="1" dirty="0" smtClean="0"/>
+              <a:rPr lang="pt-BR" b="1" i="1" dirty="0"/>
               <a:t>k-Médias</a:t>
             </a:r>
-            <a:endParaRPr lang="pt-BR" b="1" i="1" dirty="0"/>
           </a:p>
         </p:txBody>
       </p:sp>
@@ -4245,7 +4236,7 @@
           <p:cNvPr id="4" name="CaixaDeTexto 3">
             <a:extLst>
               <a:ext uri="{FF2B5EF4-FFF2-40B4-BE49-F238E27FC236}">
-                <a16:creationId xmlns="" xmlns:a16="http://schemas.microsoft.com/office/drawing/2014/main" id="{430EB894-B7D4-434C-9D1A-A14094D9BEEC}"/>
+                <a16:creationId xmlns:a16="http://schemas.microsoft.com/office/drawing/2014/main" id="{430EB894-B7D4-434C-9D1A-A14094D9BEEC}"/>
               </a:ext>
             </a:extLst>
           </p:cNvPr>
@@ -4286,7 +4277,7 @@
           <p:cNvPr id="1026" name="Picture 2" descr="Logo">
             <a:extLst>
               <a:ext uri="{FF2B5EF4-FFF2-40B4-BE49-F238E27FC236}">
-                <a16:creationId xmlns="" xmlns:a16="http://schemas.microsoft.com/office/drawing/2014/main" id="{3F2642E0-4F6A-4196-8F58-E77D36E9A33F}"/>
+                <a16:creationId xmlns:a16="http://schemas.microsoft.com/office/drawing/2014/main" id="{3F2642E0-4F6A-4196-8F58-E77D36E9A33F}"/>
               </a:ext>
             </a:extLst>
           </p:cNvPr>
@@ -4331,7 +4322,7 @@
           <p:cNvPr id="5122" name="Picture 2" descr="Image result for machine learning">
             <a:extLst>
               <a:ext uri="{FF2B5EF4-FFF2-40B4-BE49-F238E27FC236}">
-                <a16:creationId xmlns="" xmlns:a16="http://schemas.microsoft.com/office/drawing/2014/main" id="{810CE0A2-4102-44A6-A370-175E7896CDCB}"/>
+                <a16:creationId xmlns:a16="http://schemas.microsoft.com/office/drawing/2014/main" id="{810CE0A2-4102-44A6-A370-175E7896CDCB}"/>
               </a:ext>
             </a:extLst>
           </p:cNvPr>
@@ -4418,14 +4409,10 @@
           <a:p>
             <a:r>
               <a:rPr lang="pt-BR" dirty="0"/>
-              <a:t>k</a:t>
-            </a:r>
-            <a:r>
-              <a:rPr lang="pt-BR" dirty="0" smtClean="0"/>
-              <a:t>-</a:t>
-            </a:r>
-            <a:r>
-              <a:rPr lang="pt-BR" dirty="0" err="1" smtClean="0"/>
+              <a:t>k-</a:t>
+            </a:r>
+            <a:r>
+              <a:rPr lang="pt-BR" dirty="0" err="1"/>
               <a:t>Means</a:t>
             </a:r>
             <a:endParaRPr lang="en-US" dirty="0"/>
@@ -4457,21 +4444,13 @@
               <a:lstStyle/>
               <a:p>
                 <a:r>
-                  <a:rPr lang="pt-BR" dirty="0" smtClean="0"/>
-                  <a:t>É talvez </a:t>
-                </a:r>
-                <a:r>
                   <a:rPr lang="pt-BR" dirty="0"/>
-                  <a:t>o algoritmo mais simples para </a:t>
-                </a:r>
-                <a:r>
-                  <a:rPr lang="pt-BR" dirty="0" smtClean="0"/>
-                  <a:t>identificação de clusters. </a:t>
+                  <a:t>É talvez o algoritmo mais simples para identificação de clusters. </a:t>
                 </a:r>
               </a:p>
               <a:p>
                 <a:r>
-                  <a:rPr lang="pt-BR" dirty="0" smtClean="0"/>
+                  <a:rPr lang="pt-BR" dirty="0"/>
                   <a:t>O </a:t>
                 </a:r>
                 <a14:m>
@@ -4497,12 +4476,8 @@
                   </m:oMath>
                 </a14:m>
                 <a:r>
-                  <a:rPr lang="pt-BR" dirty="0" smtClean="0"/>
-                  <a:t> </a:t>
-                </a:r>
-                <a:r>
                   <a:rPr lang="pt-BR" dirty="0"/>
-                  <a:t>no nome denota o número </a:t>
+                  <a:t> no nome denota o número </a:t>
                 </a:r>
                 <a:r>
                   <a:rPr lang="pt-BR" b="1" i="1" dirty="0"/>
@@ -4510,52 +4485,20 @@
                 </a:r>
                 <a:r>
                   <a:rPr lang="pt-BR" dirty="0"/>
-                  <a:t> de </a:t>
-                </a:r>
-                <a:r>
-                  <a:rPr lang="pt-BR" dirty="0" smtClean="0"/>
-                  <a:t>clusters, ou seja, o número de clusters é um </a:t>
-                </a:r>
-                <a:r>
-                  <a:rPr lang="pt-BR" dirty="0"/>
-                  <a:t>parâmetro </a:t>
-                </a:r>
-                <a:r>
-                  <a:rPr lang="pt-BR" dirty="0" smtClean="0"/>
-                  <a:t>definido pelo </a:t>
-                </a:r>
-                <a:r>
-                  <a:rPr lang="pt-BR" dirty="0"/>
-                  <a:t>usuário</a:t>
-                </a:r>
-                <a:r>
-                  <a:rPr lang="pt-BR" dirty="0" smtClean="0"/>
-                  <a:t>.</a:t>
+                  <a:t> de clusters, ou seja, o número de clusters é um parâmetro definido pelo usuário.</a:t>
                 </a:r>
               </a:p>
               <a:p>
                 <a:r>
                   <a:rPr lang="pt-BR" dirty="0"/>
-                  <a:t>O </a:t>
-                </a:r>
-                <a:r>
-                  <a:rPr lang="pt-BR" dirty="0" smtClean="0"/>
-                  <a:t>pseudocódigo </a:t>
-                </a:r>
-                <a:r>
-                  <a:rPr lang="pt-BR" dirty="0"/>
-                  <a:t>do algoritmo </a:t>
-                </a:r>
-                <a:r>
-                  <a:rPr lang="pt-BR" dirty="0" smtClean="0"/>
-                  <a:t>é mostrado abaixo.</a:t>
+                  <a:t>O pseudocódigo do algoritmo é mostrado abaixo.</a:t>
                 </a:r>
               </a:p>
               <a:p>
                 <a:endParaRPr lang="pt-BR" dirty="0"/>
               </a:p>
               <a:p>
-                <a:endParaRPr lang="pt-BR" dirty="0" smtClean="0"/>
+                <a:endParaRPr lang="pt-BR" dirty="0"/>
               </a:p>
               <a:p>
                 <a:endParaRPr lang="pt-BR" dirty="0"/>
@@ -4564,16 +4507,12 @@
                 <a:pPr marL="0" indent="0">
                   <a:buNone/>
                 </a:pPr>
-                <a:endParaRPr lang="pt-BR" dirty="0" smtClean="0"/>
+                <a:endParaRPr lang="pt-BR" dirty="0"/>
               </a:p>
               <a:p>
                 <a:r>
-                  <a:rPr lang="pt-BR" dirty="0" smtClean="0"/>
-                  <a:t>O </a:t>
-                </a:r>
-                <a:r>
                   <a:rPr lang="pt-BR" dirty="0"/>
-                  <a:t>algoritmo </a:t>
+                  <a:t>O algoritmo </a:t>
                 </a:r>
                 <a:r>
                   <a:rPr lang="pt-BR" dirty="0" err="1"/>
@@ -4581,13 +4520,8 @@
                 </a:r>
                 <a:r>
                   <a:rPr lang="pt-BR" dirty="0"/>
-                  <a:t> chega a uma situação em que cada exemplo se encontra no cluster mais próximo, de modo que, a partir deste momento</a:t>
+                  <a:t> chega a uma situação em que cada exemplo se encontra no cluster mais próximo, de modo que, a partir deste momento, os centroides não mudem mais.</a:t>
                 </a:r>
-                <a:r>
-                  <a:rPr lang="pt-BR" dirty="0" smtClean="0"/>
-                  <a:t>, os centroides não mudem mais.</a:t>
-                </a:r>
-                <a:endParaRPr lang="pt-BR" dirty="0"/>
               </a:p>
             </p:txBody>
           </p:sp>
@@ -4660,7 +4594,7 @@
               <a:lstStyle/>
               <a:p>
                 <a:r>
-                  <a:rPr lang="pt-BR" sz="1600" b="1" dirty="0" smtClean="0"/>
+                  <a:rPr lang="pt-BR" sz="1600" b="1" dirty="0"/>
                   <a:t>Entradas</a:t>
                 </a:r>
                 <a:r>
@@ -4689,11 +4623,11 @@
                   <a:buAutoNum type="arabicPeriod"/>
                 </a:pPr>
                 <a:r>
-                  <a:rPr lang="pt-BR" sz="1600" b="1" dirty="0" smtClean="0"/>
+                  <a:rPr lang="pt-BR" sz="1600" b="1" dirty="0"/>
                   <a:t>Defina</a:t>
                 </a:r>
                 <a:r>
-                  <a:rPr lang="pt-BR" sz="1600" dirty="0" smtClean="0"/>
+                  <a:rPr lang="pt-BR" sz="1600" dirty="0"/>
                   <a:t> </a:t>
                 </a:r>
                 <a14:m>
@@ -4717,7 +4651,7 @@
                   <a:buAutoNum type="arabicPeriod"/>
                 </a:pPr>
                 <a:r>
-                  <a:rPr lang="pt-BR" sz="1600" b="1" dirty="0" smtClean="0"/>
+                  <a:rPr lang="pt-BR" sz="1600" b="1" dirty="0"/>
                   <a:t>Repita</a:t>
                 </a:r>
               </a:p>
@@ -4727,7 +4661,7 @@
                   <a:buAutoNum type="alphaLcParenR"/>
                 </a:pPr>
                 <a:r>
-                  <a:rPr lang="pt-BR" sz="1600" dirty="0" smtClean="0"/>
+                  <a:rPr lang="pt-BR" sz="1600" dirty="0"/>
                   <a:t>Calcule a distância de cada exemplo, </a:t>
                 </a:r>
                 <a14:m>
@@ -4753,12 +4687,8 @@
                   </m:oMath>
                 </a14:m>
                 <a:r>
-                  <a:rPr lang="pt-BR" sz="1600" dirty="0" smtClean="0"/>
-                  <a:t>para </a:t>
-                </a:r>
-                <a:r>
                   <a:rPr lang="pt-BR" sz="1600" dirty="0"/>
-                  <a:t>cada um dos </a:t>
+                  <a:t>para cada um dos </a:t>
                 </a:r>
                 <a14:m>
                   <m:oMath xmlns:m="http://schemas.openxmlformats.org/officeDocument/2006/math">
@@ -4772,11 +4702,7 @@
                 </a14:m>
                 <a:r>
                   <a:rPr lang="pt-BR" sz="1600" dirty="0"/>
-                  <a:t> </a:t>
-                </a:r>
-                <a:r>
-                  <a:rPr lang="pt-BR" sz="1600" dirty="0" smtClean="0"/>
-                  <a:t>centroides e atribua cada exemplo ao cluster mais próximo.</a:t>
+                  <a:t> centroides e atribua cada exemplo ao cluster mais próximo.</a:t>
                 </a:r>
               </a:p>
               <a:p>
@@ -4785,7 +4711,7 @@
                   <a:buAutoNum type="alphaLcParenR"/>
                 </a:pPr>
                 <a:r>
-                  <a:rPr lang="pt-BR" sz="1600" dirty="0" smtClean="0"/>
+                  <a:rPr lang="pt-BR" sz="1600" dirty="0"/>
                   <a:t>Calcule o novo centroide de cada cluster.</a:t>
                 </a:r>
               </a:p>
@@ -4795,20 +4721,12 @@
                   <a:buAutoNum type="arabicPeriod"/>
                 </a:pPr>
                 <a:r>
-                  <a:rPr lang="pt-BR" sz="1600" b="1" dirty="0" smtClean="0"/>
+                  <a:rPr lang="pt-BR" sz="1600" b="1" dirty="0"/>
                   <a:t>Enquanto </a:t>
                 </a:r>
                 <a:r>
-                  <a:rPr lang="pt-BR" sz="1600" dirty="0" smtClean="0"/>
-                  <a:t>as </a:t>
-                </a:r>
-                <a:r>
                   <a:rPr lang="pt-BR" sz="1600" dirty="0"/>
-                  <a:t>posições </a:t>
-                </a:r>
-                <a:r>
-                  <a:rPr lang="pt-BR" sz="1600" dirty="0" smtClean="0"/>
-                  <a:t>dos centroides continuarem mudando.</a:t>
+                  <a:t>as posições dos centroides continuarem mudando.</a:t>
                 </a:r>
               </a:p>
             </p:txBody>
@@ -4904,7 +4822,7 @@
           <a:lstStyle/>
           <a:p>
             <a:r>
-              <a:rPr lang="pt-BR" dirty="0" smtClean="0"/>
+              <a:rPr lang="pt-BR" dirty="0"/>
               <a:t>Como inicializar os centroides? </a:t>
             </a:r>
             <a:endParaRPr lang="en-US" dirty="0"/>
@@ -4937,11 +4855,7 @@
               <a:p>
                 <a:r>
                   <a:rPr lang="pt-BR" dirty="0"/>
-                  <a:t>O procedimento mais simples </a:t>
-                </a:r>
-                <a:r>
-                  <a:rPr lang="pt-BR" dirty="0" smtClean="0"/>
-                  <a:t>para inicializar os centroides é escolher </a:t>
+                  <a:t>O procedimento mais simples para inicializar os centroides é escolher </a:t>
                 </a:r>
                 <a14:m>
                   <m:oMath xmlns:m="http://schemas.openxmlformats.org/officeDocument/2006/math">
@@ -4954,97 +4868,33 @@
                   </m:oMath>
                 </a14:m>
                 <a:r>
-                  <a:rPr lang="pt-BR" dirty="0" smtClean="0"/>
-                  <a:t> </a:t>
-                </a:r>
-                <a:r>
                   <a:rPr lang="pt-BR" dirty="0"/>
-                  <a:t>exemplos </a:t>
-                </a:r>
-                <a:r>
-                  <a:rPr lang="pt-BR" dirty="0" smtClean="0"/>
-                  <a:t>de treinamento </a:t>
-                </a:r>
-                <a:r>
-                  <a:rPr lang="pt-BR" dirty="0"/>
-                  <a:t>aleatórios e os </a:t>
-                </a:r>
-                <a:r>
-                  <a:rPr lang="pt-BR" dirty="0" smtClean="0"/>
-                  <a:t>considerar como os centroides </a:t>
-                </a:r>
-                <a:r>
-                  <a:rPr lang="pt-BR" dirty="0"/>
-                  <a:t>iniciais</a:t>
-                </a:r>
-                <a:r>
-                  <a:rPr lang="pt-BR" dirty="0" smtClean="0"/>
-                  <a:t>.</a:t>
-                </a:r>
-                <a:endParaRPr lang="pt-BR" dirty="0"/>
-              </a:p>
-              <a:p>
-                <a:r>
-                  <a:rPr lang="pt-BR" dirty="0" smtClean="0"/>
-                  <a:t>Os </a:t>
-                </a:r>
-                <a:r>
-                  <a:rPr lang="pt-BR" dirty="0"/>
-                  <a:t>clusters iniciais são então criados associando cada um dos exemplos ao seu </a:t>
-                </a:r>
-                <a:r>
-                  <a:rPr lang="pt-BR" dirty="0" smtClean="0"/>
-                  <a:t>centroide mais </a:t>
-                </a:r>
-                <a:r>
-                  <a:rPr lang="pt-BR" dirty="0"/>
-                  <a:t>próximo</a:t>
-                </a:r>
-                <a:r>
-                  <a:rPr lang="pt-BR" dirty="0" smtClean="0"/>
-                  <a:t>.</a:t>
+                  <a:t> exemplos de treinamento aleatórios e os considerar como os centroides iniciais.</a:t>
                 </a:r>
               </a:p>
               <a:p>
                 <a:r>
-                  <a:rPr lang="pt-BR" dirty="0" smtClean="0"/>
-                  <a:t>O número de transferências de um exemplo de um cluster para outro depende dos </a:t>
+                  <a:rPr lang="pt-BR" dirty="0"/>
+                  <a:t>Os clusters iniciais são então criados associando cada um dos exemplos ao seu centroide mais próximo.</a:t>
                 </a:r>
-                <a:r>
-                  <a:rPr lang="pt-BR" dirty="0"/>
-                  <a:t>centroides </a:t>
-                </a:r>
-                <a:r>
-                  <a:rPr lang="pt-BR" dirty="0" smtClean="0"/>
-                  <a:t>iniciais</a:t>
-                </a:r>
-                <a:r>
-                  <a:rPr lang="pt-BR" dirty="0"/>
-                  <a:t>.</a:t>
-                </a:r>
-                <a:endParaRPr lang="pt-BR" dirty="0" smtClean="0"/>
               </a:p>
               <a:p>
                 <a:r>
-                  <a:rPr lang="pt-BR" dirty="0" smtClean="0"/>
-                  <a:t>Se os centroides iniciais já forem perfeitos, nenhum exemplo precisa ser atribuído a outro cluster e o algoritmo é encerado.</a:t>
+                  <a:rPr lang="pt-BR" dirty="0"/>
+                  <a:t>O número de transferências de um exemplo de um cluster para outro depende dos centroides iniciais.</a:t>
                 </a:r>
-                <a:endParaRPr lang="pt-BR" dirty="0"/>
               </a:p>
               <a:p>
                 <a:r>
-                  <a:rPr lang="pt-BR" dirty="0" smtClean="0"/>
-                  <a:t>Portanto, a </a:t>
+                  <a:rPr lang="pt-BR" dirty="0"/>
+                  <a:t>Se os centroides iniciais já forem perfeitos, nenhum exemplo precisa ser atribuído a outro cluster e o algoritmo é encerado.</a:t>
                 </a:r>
+              </a:p>
+              <a:p>
                 <a:r>
                   <a:rPr lang="pt-BR" dirty="0"/>
-                  <a:t>inicialização é importante no sentido de que um ponto de partida melhor garante que a solução seja encontrada mais </a:t>
+                  <a:t>Portanto, a inicialização é importante no sentido de que um ponto de partida melhor garante que a solução seja encontrada mais rápido.</a:t>
                 </a:r>
-                <a:r>
-                  <a:rPr lang="pt-BR" dirty="0" smtClean="0"/>
-                  <a:t>rápido.</a:t>
-                </a:r>
-                <a:endParaRPr lang="pt-BR" dirty="0"/>
               </a:p>
             </p:txBody>
           </p:sp>
@@ -5133,15 +4983,15 @@
           <a:lstStyle/>
           <a:p>
             <a:r>
-              <a:rPr lang="pt-BR" dirty="0" err="1" smtClean="0"/>
+              <a:rPr lang="pt-BR" dirty="0" err="1"/>
               <a:t>SciKit-Learn</a:t>
             </a:r>
             <a:r>
-              <a:rPr lang="pt-BR" dirty="0" smtClean="0"/>
+              <a:rPr lang="pt-BR" dirty="0"/>
               <a:t>: k-</a:t>
             </a:r>
             <a:r>
-              <a:rPr lang="pt-BR" dirty="0" err="1" smtClean="0"/>
+              <a:rPr lang="pt-BR" dirty="0" err="1"/>
               <a:t>Means</a:t>
             </a:r>
             <a:endParaRPr lang="en-US" dirty="0"/>
@@ -5231,14 +5081,10 @@
             <a:pPr algn="ctr"/>
             <a:r>
               <a:rPr lang="pt-BR" sz="2000" b="1" dirty="0"/>
-              <a:t>k</a:t>
-            </a:r>
-            <a:r>
-              <a:rPr lang="pt-BR" sz="2000" b="1" dirty="0" smtClean="0"/>
-              <a:t>-</a:t>
-            </a:r>
-            <a:r>
-              <a:rPr lang="pt-BR" sz="2000" b="1" dirty="0" err="1" smtClean="0"/>
+              <a:t>k-</a:t>
+            </a:r>
+            <a:r>
+              <a:rPr lang="pt-BR" sz="2000" b="1" dirty="0" err="1"/>
               <a:t>Means</a:t>
             </a:r>
             <a:endParaRPr lang="en-US" sz="2000" b="1" dirty="0"/>
@@ -5313,13 +5159,13 @@
               <a:defRPr/>
             </a:pPr>
             <a:r>
-              <a:rPr lang="pt-BR" dirty="0" smtClean="0">
+              <a:rPr lang="pt-BR" dirty="0">
                 <a:hlinkClick r:id="rId5"/>
               </a:rPr>
               <a:t>Exemplo: </a:t>
             </a:r>
             <a:r>
-              <a:rPr lang="pt-BR" dirty="0" err="1" smtClean="0">
+              <a:rPr lang="pt-BR" dirty="0" err="1">
                 <a:hlinkClick r:id="rId5"/>
               </a:rPr>
               <a:t>kmeans_example.ipynb</a:t>
@@ -5378,10 +5224,9 @@
           <a:lstStyle/>
           <a:p>
             <a:r>
-              <a:rPr lang="pt-BR" dirty="0" smtClean="0"/>
+              <a:rPr lang="pt-BR" dirty="0"/>
               <a:t>Tarefas</a:t>
             </a:r>
-            <a:endParaRPr lang="pt-BR" dirty="0"/>
           </a:p>
         </p:txBody>
       </p:sp>
@@ -5401,53 +5246,37 @@
           <a:lstStyle/>
           <a:p>
             <a:r>
-              <a:rPr lang="pt-BR" b="1" dirty="0" smtClean="0"/>
+              <a:rPr lang="pt-BR" b="1" dirty="0"/>
               <a:t>Quiz</a:t>
             </a:r>
             <a:r>
-              <a:rPr lang="pt-BR" dirty="0" smtClean="0"/>
+              <a:rPr lang="pt-BR" dirty="0"/>
               <a:t>: “</a:t>
             </a:r>
             <a:r>
-              <a:rPr lang="pt-BR" i="1" dirty="0" smtClean="0"/>
-              <a:t>T320 </a:t>
-            </a:r>
-            <a:r>
               <a:rPr lang="pt-BR" i="1" dirty="0"/>
-              <a:t>- Quiz -</a:t>
-            </a:r>
-            <a:r>
-              <a:rPr lang="pt-BR" i="1" dirty="0" smtClean="0"/>
-              <a:t> </a:t>
-            </a:r>
-            <a:r>
-              <a:rPr lang="pt-BR" i="1" smtClean="0"/>
-              <a:t>Clustering</a:t>
-            </a:r>
-            <a:r>
-              <a:rPr lang="pt-BR" smtClean="0"/>
-              <a:t>” </a:t>
-            </a:r>
-            <a:r>
-              <a:rPr lang="pt-BR" dirty="0" smtClean="0"/>
-              <a:t>que se encontra no MS Teams.</a:t>
-            </a:r>
-          </a:p>
-          <a:p>
-            <a:r>
-              <a:rPr lang="pt-BR" b="1" dirty="0" smtClean="0"/>
+              <a:t>T320 - Quiz - Clustering</a:t>
+            </a:r>
+            <a:r>
+              <a:rPr lang="pt-BR" dirty="0"/>
+              <a:t>” que se encontra no MS Teams.</a:t>
+            </a:r>
+          </a:p>
+          <a:p>
+            <a:r>
+              <a:rPr lang="pt-BR" b="1" dirty="0"/>
               <a:t>Exercício Prático</a:t>
             </a:r>
             <a:r>
-              <a:rPr lang="pt-BR" dirty="0" smtClean="0"/>
+              <a:rPr lang="pt-BR" dirty="0"/>
               <a:t>: </a:t>
             </a:r>
             <a:r>
-              <a:rPr lang="pt-BR" b="1" dirty="0" smtClean="0"/>
+              <a:rPr lang="pt-BR" b="1" dirty="0"/>
               <a:t>Laboratório #???</a:t>
             </a:r>
             <a:r>
-              <a:rPr lang="pt-BR" dirty="0" smtClean="0"/>
+              <a:rPr lang="pt-BR" dirty="0"/>
               <a:t>.</a:t>
             </a:r>
           </a:p>
@@ -5471,47 +5300,19 @@
               <a:rPr lang="pt-BR" dirty="0">
                 <a:hlinkClick r:id="rId3"/>
               </a:rPr>
-              <a:t>Instruções para resolução e entrega dos laboratórios</a:t>
-            </a:r>
-            <a:r>
-              <a:rPr lang="pt-BR" dirty="0"/>
+              <a:t>Instruções para resolução e entrega dos </a:t>
+            </a:r>
+            <a:r>
+              <a:rPr lang="pt-BR">
+                <a:hlinkClick r:id="rId3"/>
+              </a:rPr>
+              <a:t>laboratórios</a:t>
+            </a:r>
+            <a:r>
+              <a:rPr lang="pt-BR"/>
               <a:t>.</a:t>
             </a:r>
-          </a:p>
-          <a:p>
-            <a:pPr lvl="1"/>
-            <a:r>
-              <a:rPr lang="pt-BR" b="1" dirty="0" smtClean="0">
-                <a:solidFill>
-                  <a:srgbClr val="FF0000"/>
-                </a:solidFill>
-              </a:rPr>
-              <a:t>Atividades podem </a:t>
-            </a:r>
-            <a:r>
-              <a:rPr lang="pt-BR" b="1" dirty="0">
-                <a:solidFill>
-                  <a:srgbClr val="FF0000"/>
-                </a:solidFill>
-              </a:rPr>
-              <a:t>ser </a:t>
-            </a:r>
-            <a:r>
-              <a:rPr lang="pt-BR" b="1" dirty="0" smtClean="0">
-                <a:solidFill>
-                  <a:srgbClr val="FF0000"/>
-                </a:solidFill>
-              </a:rPr>
-              <a:t>feitas </a:t>
-            </a:r>
-            <a:r>
-              <a:rPr lang="pt-BR" b="1" dirty="0">
-                <a:solidFill>
-                  <a:srgbClr val="FF0000"/>
-                </a:solidFill>
-              </a:rPr>
-              <a:t>em grupo, mas as entregas devem ser individuais.</a:t>
-            </a:r>
+            <a:endParaRPr lang="pt-BR" dirty="0"/>
           </a:p>
         </p:txBody>
       </p:sp>
@@ -5525,13 +5326,6 @@
   <p:clrMapOvr>
     <a:masterClrMapping/>
   </p:clrMapOvr>
-  <p:timing>
-    <p:tnLst>
-      <p:par>
-        <p:cTn id="1" dur="indefinite" restart="never" nodeType="tmRoot"/>
-      </p:par>
-    </p:tnLst>
-  </p:timing>
 </p:sld>
 </file>
 
@@ -5557,7 +5351,7 @@
           <p:cNvPr id="4" name="Título 1">
             <a:extLst>
               <a:ext uri="{FF2B5EF4-FFF2-40B4-BE49-F238E27FC236}">
-                <a16:creationId xmlns:a16="http://schemas.microsoft.com/office/drawing/2014/main" xmlns="" id="{32666AC8-2E17-4DB4-B0F5-60C640CCFD2E}"/>
+                <a16:creationId xmlns:a16="http://schemas.microsoft.com/office/drawing/2014/main" id="{32666AC8-2E17-4DB4-B0F5-60C640CCFD2E}"/>
               </a:ext>
             </a:extLst>
           </p:cNvPr>
@@ -5617,13 +5411,6 @@
   <p:clrMapOvr>
     <a:masterClrMapping/>
   </p:clrMapOvr>
-  <p:timing>
-    <p:tnLst>
-      <p:par>
-        <p:cTn id="1" dur="indefinite" restart="never" nodeType="tmRoot"/>
-      </p:par>
-    </p:tnLst>
-  </p:timing>
 </p:sld>
 </file>
 
@@ -5882,7 +5669,7 @@
           <p:cNvPr id="4" name="Título 1">
             <a:extLst>
               <a:ext uri="{FF2B5EF4-FFF2-40B4-BE49-F238E27FC236}">
-                <a16:creationId xmlns:a16="http://schemas.microsoft.com/office/drawing/2014/main" xmlns="" id="{32666AC8-2E17-4DB4-B0F5-60C640CCFD2E}"/>
+                <a16:creationId xmlns:a16="http://schemas.microsoft.com/office/drawing/2014/main" id="{32666AC8-2E17-4DB4-B0F5-60C640CCFD2E}"/>
               </a:ext>
             </a:extLst>
           </p:cNvPr>
@@ -5926,10 +5713,9 @@
           <a:p>
             <a:pPr algn="ctr"/>
             <a:r>
-              <a:rPr lang="pt-BR" sz="6600" dirty="0" smtClean="0"/>
+              <a:rPr lang="pt-BR" sz="6600" dirty="0"/>
               <a:t>Figuras</a:t>
             </a:r>
-            <a:endParaRPr lang="pt-BR" sz="6600" dirty="0"/>
           </a:p>
         </p:txBody>
       </p:sp>
@@ -5943,13 +5729,6 @@
   <p:clrMapOvr>
     <a:masterClrMapping/>
   </p:clrMapOvr>
-  <p:timing>
-    <p:tnLst>
-      <p:par>
-        <p:cTn id="1" dur="indefinite" restart="never" nodeType="tmRoot"/>
-      </p:par>
-    </p:tnLst>
-  </p:timing>
 </p:sld>
 </file>
 
@@ -5986,7 +5765,7 @@
           <a:lstStyle/>
           <a:p>
             <a:r>
-              <a:rPr lang="pt-BR" dirty="0" smtClean="0"/>
+              <a:rPr lang="pt-BR" dirty="0"/>
               <a:t>Recapitulando</a:t>
             </a:r>
             <a:endParaRPr lang="en-US" dirty="0"/>
@@ -6016,79 +5795,79 @@
           <a:lstStyle/>
           <a:p>
             <a:r>
-              <a:rPr lang="pt-BR" dirty="0" smtClean="0"/>
+              <a:rPr lang="pt-BR" dirty="0"/>
               <a:t>Até o momento, todos os algoritmos que aprendemos seguiam o paradigma do aprendizado supervisionado.</a:t>
             </a:r>
           </a:p>
           <a:p>
             <a:r>
-              <a:rPr lang="pt-BR" dirty="0" smtClean="0"/>
+              <a:rPr lang="pt-BR" dirty="0"/>
               <a:t>Hoje, falaremos sobre </a:t>
             </a:r>
             <a:r>
-              <a:rPr lang="pt-BR" b="1" i="1" dirty="0" err="1" smtClean="0"/>
+              <a:rPr lang="pt-BR" b="1" i="1" dirty="0" err="1"/>
               <a:t>clustering</a:t>
             </a:r>
             <a:r>
-              <a:rPr lang="pt-BR" dirty="0" smtClean="0"/>
+              <a:rPr lang="pt-BR" dirty="0"/>
               <a:t>, que são algoritmos de </a:t>
             </a:r>
             <a:r>
-              <a:rPr lang="pt-BR" b="1" i="1" dirty="0" smtClean="0"/>
+              <a:rPr lang="pt-BR" b="1" i="1" dirty="0"/>
               <a:t>aprendizado não-supervisionado</a:t>
             </a:r>
             <a:r>
-              <a:rPr lang="pt-BR" dirty="0" smtClean="0"/>
+              <a:rPr lang="pt-BR" dirty="0"/>
               <a:t> que visam criar agrupamentos de dados (chamados de </a:t>
             </a:r>
             <a:r>
-              <a:rPr lang="pt-BR" b="1" i="1" dirty="0" smtClean="0"/>
+              <a:rPr lang="pt-BR" b="1" i="1" dirty="0"/>
               <a:t>clusters </a:t>
             </a:r>
             <a:r>
-              <a:rPr lang="pt-BR" dirty="0" smtClean="0"/>
+              <a:rPr lang="pt-BR" dirty="0"/>
               <a:t>ou</a:t>
             </a:r>
             <a:r>
-              <a:rPr lang="pt-BR" b="1" i="1" dirty="0" smtClean="0"/>
+              <a:rPr lang="pt-BR" b="1" i="1" dirty="0"/>
               <a:t> grupos</a:t>
             </a:r>
             <a:r>
-              <a:rPr lang="pt-BR" dirty="0" smtClean="0"/>
+              <a:rPr lang="pt-BR" dirty="0"/>
               <a:t>) segundo seu grau de semelhança. </a:t>
             </a:r>
           </a:p>
           <a:p>
             <a:r>
-              <a:rPr lang="pt-BR" dirty="0" smtClean="0"/>
+              <a:rPr lang="pt-BR" dirty="0"/>
               <a:t>Em seguida, aprenderemos sobre o algoritmo chamado de </a:t>
             </a:r>
             <a:r>
-              <a:rPr lang="pt-BR" b="1" i="1" dirty="0" smtClean="0"/>
+              <a:rPr lang="pt-BR" b="1" i="1" dirty="0"/>
               <a:t>k-Médias</a:t>
             </a:r>
             <a:r>
-              <a:rPr lang="pt-BR" dirty="0" smtClean="0"/>
+              <a:rPr lang="pt-BR" dirty="0"/>
               <a:t> (ou </a:t>
             </a:r>
             <a:r>
-              <a:rPr lang="pt-BR" b="1" i="1" dirty="0" smtClean="0"/>
+              <a:rPr lang="pt-BR" b="1" i="1" dirty="0"/>
               <a:t>k-</a:t>
             </a:r>
             <a:r>
-              <a:rPr lang="pt-BR" b="1" i="1" dirty="0" err="1" smtClean="0"/>
+              <a:rPr lang="pt-BR" b="1" i="1" dirty="0" err="1"/>
               <a:t>Means</a:t>
             </a:r>
             <a:r>
-              <a:rPr lang="pt-BR" dirty="0" smtClean="0"/>
+              <a:rPr lang="pt-BR" dirty="0"/>
               <a:t>, em inglês) que é um dos algoritmos mais simples de </a:t>
             </a:r>
             <a:r>
-              <a:rPr lang="pt-BR" b="1" i="1" dirty="0" err="1" smtClean="0"/>
+              <a:rPr lang="pt-BR" b="1" i="1" dirty="0" err="1"/>
               <a:t>clustering</a:t>
             </a:r>
             <a:r>
-              <a:rPr lang="pt-BR" dirty="0" smtClean="0"/>
+              <a:rPr lang="pt-BR" dirty="0"/>
               <a:t>.</a:t>
             </a:r>
           </a:p>
@@ -6140,10 +5919,9 @@
           <a:lstStyle/>
           <a:p>
             <a:r>
-              <a:rPr lang="pt-BR" dirty="0" smtClean="0"/>
+              <a:rPr lang="pt-BR" dirty="0"/>
               <a:t>Motivação</a:t>
             </a:r>
-            <a:endParaRPr lang="pt-BR" dirty="0"/>
           </a:p>
         </p:txBody>
       </p:sp>
@@ -6170,30 +5948,14 @@
           <a:lstStyle/>
           <a:p>
             <a:r>
-              <a:rPr lang="pt-BR" dirty="0" smtClean="0"/>
-              <a:t>O que podemos fazer se </a:t>
-            </a:r>
-            <a:r>
               <a:rPr lang="pt-BR" dirty="0"/>
-              <a:t>não tivermos informações sobre as classes (i.e., rótulos) a que pertencem os exemplos de </a:t>
-            </a:r>
-            <a:r>
-              <a:rPr lang="pt-BR" dirty="0" smtClean="0"/>
-              <a:t>entrada?</a:t>
-            </a:r>
-          </a:p>
-          <a:p>
-            <a:r>
-              <a:rPr lang="pt-BR" dirty="0" smtClean="0"/>
-              <a:t>Veremos que informações </a:t>
-            </a:r>
+              <a:t>O que podemos fazer se não tivermos informações sobre as classes (i.e., rótulos) a que pertencem os exemplos de entrada?</a:t>
+            </a:r>
+          </a:p>
+          <a:p>
             <a:r>
               <a:rPr lang="pt-BR" dirty="0"/>
-              <a:t>úteis podem ser obtidas mesmo de exemplos cujas classes não são conhecidas</a:t>
-            </a:r>
-            <a:r>
-              <a:rPr lang="pt-BR" dirty="0" smtClean="0"/>
-              <a:t>.</a:t>
+              <a:t>Veremos que informações úteis podem ser obtidas mesmo de exemplos cujas classes não são conhecidas.</a:t>
             </a:r>
           </a:p>
           <a:p>
@@ -6219,11 +5981,7 @@
             </a:r>
             <a:r>
               <a:rPr lang="pt-BR" b="1" i="1" dirty="0"/>
-              <a:t>aprendizado </a:t>
-            </a:r>
-            <a:r>
-              <a:rPr lang="pt-BR" b="1" i="1" dirty="0" smtClean="0"/>
-              <a:t>não-supervisionado </a:t>
+              <a:t>aprendizado não-supervisionado </a:t>
             </a:r>
             <a:r>
               <a:rPr lang="pt-BR" dirty="0"/>
@@ -6321,7 +6079,7 @@
             <a:p>
               <a:pPr algn="ctr"/>
               <a:r>
-                <a:rPr lang="pt-BR" sz="1400" b="1" dirty="0" err="1" smtClean="0"/>
+                <a:rPr lang="pt-BR" sz="1400" b="1" dirty="0" err="1"/>
                 <a:t>clustering</a:t>
               </a:r>
               <a:endParaRPr lang="en-US" sz="1400" b="1" dirty="0"/>
@@ -6421,13 +6179,6 @@
   <p:clrMapOvr>
     <a:masterClrMapping/>
   </p:clrMapOvr>
-  <p:timing>
-    <p:tnLst>
-      <p:par>
-        <p:cTn id="1" dur="indefinite" restart="never" nodeType="tmRoot"/>
-      </p:par>
-    </p:tnLst>
-  </p:timing>
 </p:sld>
 </file>
 
@@ -6464,10 +6215,9 @@
           <a:lstStyle/>
           <a:p>
             <a:r>
-              <a:rPr lang="pt-BR" dirty="0" smtClean="0"/>
+              <a:rPr lang="pt-BR" dirty="0"/>
               <a:t>Motivação</a:t>
             </a:r>
-            <a:endParaRPr lang="pt-BR" dirty="0"/>
           </a:p>
         </p:txBody>
       </p:sp>
@@ -6495,11 +6245,7 @@
           <a:p>
             <a:r>
               <a:rPr lang="pt-BR" dirty="0"/>
-              <a:t>Talvez a tarefa mais popular </a:t>
-            </a:r>
-            <a:r>
-              <a:rPr lang="pt-BR" dirty="0" smtClean="0"/>
-              <a:t>dos algoritmos deste paradigma seja a procura por </a:t>
+              <a:t>Talvez a tarefa mais popular dos algoritmos deste paradigma seja a procura por </a:t>
             </a:r>
             <a:r>
               <a:rPr lang="pt-BR" b="1" i="1" dirty="0"/>
@@ -6525,11 +6271,10 @@
               <a:rPr lang="pt-BR" dirty="0"/>
               <a:t>. </a:t>
             </a:r>
-            <a:endParaRPr lang="pt-BR" dirty="0" smtClean="0"/>
-          </a:p>
-          <a:p>
-            <a:r>
-              <a:rPr lang="pt-BR" dirty="0" smtClean="0"/>
+          </a:p>
+          <a:p>
+            <a:r>
+              <a:rPr lang="pt-BR" dirty="0"/>
               <a:t>Os </a:t>
             </a:r>
             <a:r>
@@ -6541,18 +6286,13 @@
               <a:t> desses </a:t>
             </a:r>
             <a:r>
-              <a:rPr lang="pt-BR" b="1" i="1" dirty="0" smtClean="0"/>
+              <a:rPr lang="pt-BR" b="1" i="1" dirty="0"/>
               <a:t>clusters</a:t>
             </a:r>
             <a:r>
-              <a:rPr lang="pt-BR" dirty="0" smtClean="0"/>
-              <a:t> podem </a:t>
-            </a:r>
-            <a:r>
               <a:rPr lang="pt-BR" dirty="0"/>
-              <a:t>então ser usados ​​como </a:t>
-            </a:r>
-            <a:endParaRPr lang="pt-BR" dirty="0" smtClean="0"/>
+              <a:t> podem então ser usados ​​como </a:t>
+            </a:r>
           </a:p>
           <a:p>
             <a:pPr lvl="1">
@@ -6561,38 +6301,18 @@
             </a:pPr>
             <a:r>
               <a:rPr lang="pt-BR" dirty="0"/>
-              <a:t>centros </a:t>
-            </a:r>
-            <a:r>
-              <a:rPr lang="pt-BR" dirty="0" smtClean="0"/>
-              <a:t>para redes Bayesianas </a:t>
+              <a:t>centros para redes Bayesianas ou de </a:t>
+            </a:r>
+            <a:r>
+              <a:rPr lang="en-US" dirty="0" err="1"/>
+              <a:t>Função</a:t>
+            </a:r>
+            <a:r>
+              <a:rPr lang="en-US" dirty="0"/>
+              <a:t> de base radial (</a:t>
             </a:r>
             <a:r>
               <a:rPr lang="pt-BR" dirty="0"/>
-              <a:t>ou </a:t>
-            </a:r>
-            <a:r>
-              <a:rPr lang="pt-BR" dirty="0" smtClean="0"/>
-              <a:t>de </a:t>
-            </a:r>
-            <a:r>
-              <a:rPr lang="en-US" dirty="0" err="1" smtClean="0"/>
-              <a:t>Função</a:t>
-            </a:r>
-            <a:r>
-              <a:rPr lang="en-US" dirty="0" smtClean="0"/>
-              <a:t> </a:t>
-            </a:r>
-            <a:r>
-              <a:rPr lang="en-US" dirty="0"/>
-              <a:t>de base radial</a:t>
-            </a:r>
-            <a:r>
-              <a:rPr lang="en-US" dirty="0" smtClean="0"/>
-              <a:t> (</a:t>
-            </a:r>
-            <a:r>
-              <a:rPr lang="pt-BR" dirty="0" smtClean="0"/>
               <a:t>RBF), </a:t>
             </a:r>
           </a:p>
@@ -6602,16 +6322,8 @@
               <a:buChar char="§"/>
             </a:pPr>
             <a:r>
-              <a:rPr lang="pt-BR" dirty="0" smtClean="0"/>
-              <a:t>estimativas de </a:t>
-            </a:r>
-            <a:r>
               <a:rPr lang="pt-BR" dirty="0"/>
-              <a:t>valores de atributos </a:t>
-            </a:r>
-            <a:r>
-              <a:rPr lang="pt-BR" dirty="0" smtClean="0"/>
-              <a:t>desconhecidos (ou ausentes),</a:t>
+              <a:t>estimativas de valores de atributos desconhecidos (ou ausentes),</a:t>
             </a:r>
           </a:p>
           <a:p>
@@ -6620,22 +6332,9 @@
               <a:buChar char="§"/>
             </a:pPr>
             <a:r>
-              <a:rPr lang="pt-BR" dirty="0" smtClean="0"/>
-              <a:t>ferramentas </a:t>
-            </a:r>
-            <a:r>
               <a:rPr lang="pt-BR" dirty="0"/>
-              <a:t>de visualização de dados </a:t>
-            </a:r>
-            <a:r>
-              <a:rPr lang="pt-BR" dirty="0" smtClean="0"/>
-              <a:t>multidimensionais</a:t>
-            </a:r>
-            <a:r>
-              <a:rPr lang="pt-BR" dirty="0"/>
-              <a:t>,</a:t>
-            </a:r>
-            <a:endParaRPr lang="pt-BR" dirty="0" smtClean="0"/>
+              <a:t>ferramentas de visualização de dados multidimensionais,</a:t>
+            </a:r>
           </a:p>
           <a:p>
             <a:pPr lvl="1">
@@ -6644,13 +6343,8 @@
             </a:pPr>
             <a:r>
               <a:rPr lang="pt-BR" dirty="0"/>
-              <a:t>a</a:t>
-            </a:r>
-            <a:r>
-              <a:rPr lang="pt-BR" dirty="0" smtClean="0"/>
-              <a:t>uxiliares para criação de classificadores mais simples.</a:t>
-            </a:r>
-            <a:endParaRPr lang="pt-BR" dirty="0"/>
+              <a:t>auxiliares para criação de classificadores mais simples.</a:t>
+            </a:r>
           </a:p>
         </p:txBody>
       </p:sp>
@@ -6703,13 +6397,6 @@
   <p:clrMapOvr>
     <a:masterClrMapping/>
   </p:clrMapOvr>
-  <p:timing>
-    <p:tnLst>
-      <p:par>
-        <p:cTn id="1" dur="indefinite" restart="never" nodeType="tmRoot"/>
-      </p:par>
-    </p:tnLst>
-  </p:timing>
 </p:sld>
 </file>
 
@@ -6746,14 +6433,13 @@
           <a:lstStyle/>
           <a:p>
             <a:r>
-              <a:rPr lang="en-US" dirty="0" err="1" smtClean="0"/>
+              <a:rPr lang="en-US" dirty="0" err="1"/>
               <a:t>Identificação</a:t>
             </a:r>
             <a:r>
-              <a:rPr lang="en-US" dirty="0" smtClean="0"/>
+              <a:rPr lang="en-US" dirty="0"/>
               <a:t> de clusters</a:t>
             </a:r>
-            <a:endParaRPr lang="en-US" dirty="0"/>
           </a:p>
         </p:txBody>
       </p:sp>
@@ -6779,87 +6465,51 @@
           <a:p>
             <a:r>
               <a:rPr lang="pt-BR" dirty="0"/>
-              <a:t>A tarefa fundamental </a:t>
-            </a:r>
-            <a:r>
-              <a:rPr lang="pt-BR" dirty="0" smtClean="0"/>
-              <a:t>do </a:t>
+              <a:t>A tarefa fundamental do </a:t>
             </a:r>
             <a:r>
               <a:rPr lang="pt-BR" b="1" i="1" dirty="0"/>
-              <a:t>aprendizado </a:t>
-            </a:r>
-            <a:r>
-              <a:rPr lang="pt-BR" b="1" i="1" dirty="0" smtClean="0"/>
-              <a:t>não-supervisionado </a:t>
+              <a:t>aprendizado não-supervisionado </a:t>
             </a:r>
             <a:r>
               <a:rPr lang="pt-BR" dirty="0"/>
               <a:t>é a </a:t>
             </a:r>
             <a:r>
-              <a:rPr lang="pt-BR" b="1" i="1" dirty="0" smtClean="0"/>
+              <a:rPr lang="pt-BR" b="1" i="1" dirty="0"/>
               <a:t>identificação de clusters</a:t>
             </a:r>
             <a:r>
-              <a:rPr lang="pt-BR" dirty="0" smtClean="0"/>
+              <a:rPr lang="pt-BR" dirty="0"/>
               <a:t>. </a:t>
             </a:r>
           </a:p>
           <a:p>
             <a:r>
-              <a:rPr lang="pt-BR" dirty="0" smtClean="0"/>
-              <a:t>Nessa tarefa, </a:t>
-            </a:r>
-            <a:r>
               <a:rPr lang="pt-BR" dirty="0"/>
-              <a:t>a entrada é um conjunto </a:t>
-            </a:r>
-            <a:r>
-              <a:rPr lang="pt-BR" dirty="0" smtClean="0"/>
-              <a:t>de vetores de atributo (i.e., exemplos), </a:t>
+              <a:t>Nessa tarefa, a entrada é um conjunto de vetores de atributo (i.e., exemplos), </a:t>
             </a:r>
             <a:r>
               <a:rPr lang="pt-BR" b="1" i="1" dirty="0"/>
-              <a:t>mas sem </a:t>
-            </a:r>
-            <a:r>
-              <a:rPr lang="pt-BR" b="1" i="1" dirty="0" smtClean="0"/>
-              <a:t>rótulos</a:t>
-            </a:r>
-            <a:r>
-              <a:rPr lang="pt-BR" dirty="0" smtClean="0"/>
+              <a:t>mas sem rótulos</a:t>
+            </a:r>
+            <a:r>
+              <a:rPr lang="pt-BR" dirty="0"/>
               <a:t>. </a:t>
             </a:r>
           </a:p>
           <a:p>
             <a:r>
-              <a:rPr lang="pt-BR" dirty="0" smtClean="0"/>
-              <a:t>A </a:t>
-            </a:r>
-            <a:r>
               <a:rPr lang="pt-BR" dirty="0"/>
-              <a:t>saída é um conjunto </a:t>
-            </a:r>
-            <a:r>
-              <a:rPr lang="pt-BR" dirty="0" smtClean="0"/>
-              <a:t>com os </a:t>
-            </a:r>
-            <a:r>
-              <a:rPr lang="pt-BR" b="1" i="1" dirty="0" smtClean="0"/>
+              <a:t>A saída é um conjunto com os </a:t>
+            </a:r>
+            <a:r>
+              <a:rPr lang="pt-BR" b="1" i="1" dirty="0"/>
               <a:t>clusters</a:t>
             </a:r>
             <a:r>
-              <a:rPr lang="pt-BR" dirty="0" smtClean="0"/>
-              <a:t> a que pertencem cada um dos </a:t>
-            </a:r>
-            <a:r>
               <a:rPr lang="pt-BR" dirty="0"/>
-              <a:t>exemplos</a:t>
-            </a:r>
-            <a:r>
-              <a:rPr lang="pt-BR" dirty="0" smtClean="0"/>
-              <a:t>.</a:t>
+              <a:t> a que pertencem cada um dos exemplos.</a:t>
             </a:r>
           </a:p>
         </p:txBody>
@@ -6941,7 +6591,7 @@
             <a:p>
               <a:pPr algn="ctr"/>
               <a:r>
-                <a:rPr lang="pt-BR" sz="1400" b="1" dirty="0" err="1" smtClean="0"/>
+                <a:rPr lang="pt-BR" sz="1400" b="1" dirty="0" err="1"/>
                 <a:t>clustering</a:t>
               </a:r>
               <a:endParaRPr lang="en-US" sz="1400" b="1" dirty="0"/>
@@ -7054,30 +6704,13 @@
           <a:p>
             <a:pPr algn="ctr"/>
             <a:r>
-              <a:rPr lang="pt-BR" b="1" dirty="0" smtClean="0"/>
+              <a:rPr lang="pt-BR" b="1" dirty="0"/>
               <a:t>OBS</a:t>
             </a:r>
             <a:r>
-              <a:rPr lang="pt-BR" dirty="0" smtClean="0"/>
-              <a:t>.: A </a:t>
-            </a:r>
-            <a:r>
               <a:rPr lang="pt-BR" dirty="0"/>
-              <a:t>identificação visual de </a:t>
-            </a:r>
-            <a:r>
-              <a:rPr lang="pt-BR" dirty="0" smtClean="0"/>
-              <a:t>clusters em </a:t>
-            </a:r>
-            <a:r>
-              <a:rPr lang="pt-BR" dirty="0"/>
-              <a:t>um espaço bidimensional é fácil, mas em quatro ou mais </a:t>
-            </a:r>
-            <a:r>
-              <a:rPr lang="pt-BR" dirty="0" smtClean="0"/>
-              <a:t>dimensões isso já não é mais possível. Nesses casos, apenas algoritmos de identificação de clusters conseguem agrupar os dados. </a:t>
-            </a:r>
-            <a:endParaRPr lang="pt-BR" dirty="0"/>
+              <a:t>.: A identificação visual de clusters em um espaço bidimensional é fácil, mas em quatro ou mais dimensões isso já não é mais possível. Nesses casos, apenas algoritmos de identificação de clusters conseguem agrupar os dados. </a:t>
+            </a:r>
           </a:p>
         </p:txBody>
       </p:sp>
@@ -7127,26 +6760,25 @@
           <a:lstStyle/>
           <a:p>
             <a:r>
-              <a:rPr lang="en-US" dirty="0" smtClean="0"/>
+              <a:rPr lang="en-US" dirty="0"/>
               <a:t>Como </a:t>
             </a:r>
             <a:r>
-              <a:rPr lang="en-US" dirty="0" err="1" smtClean="0"/>
+              <a:rPr lang="en-US" dirty="0" err="1"/>
               <a:t>representar</a:t>
             </a:r>
             <a:r>
-              <a:rPr lang="en-US" dirty="0" smtClean="0"/>
+              <a:rPr lang="en-US" dirty="0"/>
               <a:t> </a:t>
             </a:r>
             <a:r>
-              <a:rPr lang="en-US" dirty="0" err="1" smtClean="0"/>
+              <a:rPr lang="en-US" dirty="0" err="1"/>
               <a:t>os</a:t>
             </a:r>
             <a:r>
-              <a:rPr lang="en-US" dirty="0" smtClean="0"/>
+              <a:rPr lang="en-US" dirty="0"/>
               <a:t> clusters?</a:t>
             </a:r>
-            <a:endParaRPr lang="en-US" dirty="0"/>
           </a:p>
         </p:txBody>
       </p:sp>
@@ -7175,7 +6807,7 @@
               <a:lstStyle/>
               <a:p>
                 <a:r>
-                  <a:rPr lang="pt-BR" dirty="0" smtClean="0"/>
+                  <a:rPr lang="pt-BR" dirty="0"/>
                   <a:t>Para realizar a identificação, temos que decidir como os </a:t>
                 </a:r>
                 <a:r>
@@ -7184,53 +6816,33 @@
                 </a:r>
                 <a:r>
                   <a:rPr lang="pt-BR" dirty="0"/>
-                  <a:t> serão </a:t>
-                </a:r>
-                <a:r>
-                  <a:rPr lang="pt-BR" dirty="0" smtClean="0"/>
-                  <a:t>representados.</a:t>
+                  <a:t> serão representados.</a:t>
                 </a:r>
               </a:p>
               <a:p>
                 <a:r>
-                  <a:rPr lang="pt-BR" dirty="0" smtClean="0"/>
+                  <a:rPr lang="pt-BR" dirty="0"/>
                   <a:t>Existem algumas opções como a localização dos clusters, tamanhos, limites, etc.</a:t>
                 </a:r>
               </a:p>
               <a:p>
                 <a:r>
-                  <a:rPr lang="pt-BR" dirty="0" smtClean="0"/>
-                  <a:t>Porém, </a:t>
+                  <a:rPr lang="pt-BR" dirty="0"/>
+                  <a:t>Porém, a abordagem mais simples usa os </a:t>
+                </a:r>
+                <a:r>
+                  <a:rPr lang="pt-BR" b="1" i="1" dirty="0"/>
+                  <a:t>centroides </a:t>
                 </a:r>
                 <a:r>
                   <a:rPr lang="pt-BR" dirty="0"/>
-                  <a:t>a abordagem mais </a:t>
-                </a:r>
-                <a:r>
-                  <a:rPr lang="pt-BR" dirty="0" smtClean="0"/>
-                  <a:t>simples usa os </a:t>
-                </a:r>
-                <a:r>
-                  <a:rPr lang="pt-BR" b="1" i="1" dirty="0" smtClean="0"/>
-                  <a:t>centroides </a:t>
-                </a:r>
-                <a:r>
-                  <a:rPr lang="pt-BR" dirty="0" smtClean="0"/>
                   <a:t>(i.e., centros) dos clusters.</a:t>
                 </a:r>
               </a:p>
               <a:p>
                 <a:r>
                   <a:rPr lang="pt-BR" dirty="0"/>
-                  <a:t>Se </a:t>
-                </a:r>
-                <a:r>
-                  <a:rPr lang="pt-BR" dirty="0" smtClean="0"/>
-                  <a:t>os </a:t>
-                </a:r>
-                <a:r>
-                  <a:rPr lang="pt-BR" dirty="0"/>
-                  <a:t>atributos forem numéricos, o </a:t>
+                  <a:t>Se os atributos forem numéricos, o </a:t>
                 </a:r>
                 <a:r>
                   <a:rPr lang="pt-BR" b="1" i="1" dirty="0"/>
@@ -7238,61 +6850,45 @@
                 </a:r>
                 <a:r>
                   <a:rPr lang="pt-BR" dirty="0"/>
-                  <a:t> é </a:t>
-                </a:r>
-                <a:r>
-                  <a:rPr lang="pt-BR" dirty="0" smtClean="0"/>
-                  <a:t>obtido através das </a:t>
+                  <a:t> é obtido através das </a:t>
                 </a:r>
                 <a:r>
                   <a:rPr lang="pt-BR" b="1" i="1" dirty="0"/>
                   <a:t>médias individuais dos atributos</a:t>
                 </a:r>
                 <a:r>
-                  <a:rPr lang="pt-BR" dirty="0" smtClean="0"/>
+                  <a:rPr lang="pt-BR" dirty="0"/>
                   <a:t>.</a:t>
                 </a:r>
               </a:p>
               <a:p>
                 <a:r>
-                  <a:rPr lang="pt-BR" dirty="0" smtClean="0"/>
-                  <a:t>Por </a:t>
+                  <a:rPr lang="pt-BR" dirty="0"/>
+                  <a:t>Por exemplo, suponhamos os seguintes </a:t>
+                </a:r>
+                <a:r>
+                  <a:rPr lang="pt-BR" b="1" i="1" dirty="0"/>
+                  <a:t>vetores de atributos </a:t>
                 </a:r>
                 <a:r>
                   <a:rPr lang="pt-BR" dirty="0"/>
-                  <a:t>exemplo, </a:t>
-                </a:r>
-                <a:r>
-                  <a:rPr lang="pt-BR" dirty="0" smtClean="0"/>
-                  <a:t>suponhamos os </a:t>
-                </a:r>
-                <a:r>
-                  <a:rPr lang="pt-BR" dirty="0"/>
-                  <a:t>seguintes </a:t>
-                </a:r>
-                <a:r>
-                  <a:rPr lang="pt-BR" b="1" i="1" dirty="0" smtClean="0"/>
-                  <a:t>vetores de atributos </a:t>
-                </a:r>
-                <a:r>
-                  <a:rPr lang="pt-BR" dirty="0" smtClean="0"/>
                   <a:t>em um espaço bidimensional: (2, 5), (1, 4), (3, 6).</a:t>
                 </a:r>
               </a:p>
               <a:p>
                 <a:r>
-                  <a:rPr lang="pt-BR" dirty="0" smtClean="0"/>
+                  <a:rPr lang="pt-BR" dirty="0"/>
                   <a:t>Nesse caso, o </a:t>
                 </a:r>
                 <a:r>
-                  <a:rPr lang="pt-BR" b="1" i="1" dirty="0" smtClean="0"/>
+                  <a:rPr lang="pt-BR" b="1" i="1" dirty="0"/>
                   <a:t>centroide</a:t>
                 </a:r>
                 <a:r>
-                  <a:rPr lang="pt-BR" dirty="0" smtClean="0"/>
+                  <a:rPr lang="pt-BR" dirty="0"/>
                   <a:t> é representado pelo vetor (2, 5), pois</a:t>
                 </a:r>
-                <a:endParaRPr lang="en-US" dirty="0" smtClean="0"/>
+                <a:endParaRPr lang="en-US" dirty="0"/>
               </a:p>
               <a:p>
                 <a:pPr lvl="1">
@@ -7301,11 +6897,7 @@
                 </a:pPr>
                 <a:r>
                   <a:rPr lang="pt-BR" dirty="0"/>
-                  <a:t>A</a:t>
-                </a:r>
-                <a:r>
-                  <a:rPr lang="pt-BR" dirty="0" smtClean="0"/>
-                  <a:t> média do primeiro atributo é  </a:t>
+                  <a:t>A média do primeiro atributo é  </a:t>
                 </a:r>
                 <a14:m>
                   <m:oMath xmlns:m="http://schemas.openxmlformats.org/officeDocument/2006/math">
@@ -7343,7 +6935,7 @@
                   </m:oMath>
                 </a14:m>
                 <a:r>
-                  <a:rPr lang="pt-BR" b="0" dirty="0" smtClean="0"/>
+                  <a:rPr lang="pt-BR" b="0" dirty="0"/>
                   <a:t>.</a:t>
                 </a:r>
               </a:p>
@@ -7354,15 +6946,7 @@
                 </a:pPr>
                 <a:r>
                   <a:rPr lang="pt-BR" dirty="0"/>
-                  <a:t>A média do </a:t>
-                </a:r>
-                <a:r>
-                  <a:rPr lang="pt-BR" dirty="0" smtClean="0"/>
-                  <a:t>segundo atributo </a:t>
-                </a:r>
-                <a:r>
-                  <a:rPr lang="pt-BR" dirty="0"/>
-                  <a:t>é </a:t>
+                  <a:t>A média do segundo atributo é </a:t>
                 </a:r>
                 <a14:m>
                   <m:oMath xmlns:m="http://schemas.openxmlformats.org/officeDocument/2006/math">
@@ -7430,20 +7014,15 @@
                   </m:oMath>
                 </a14:m>
                 <a:r>
-                  <a:rPr lang="pt-BR" dirty="0" smtClean="0"/>
+                  <a:rPr lang="pt-BR" dirty="0"/>
                   <a:t>.</a:t>
                 </a:r>
               </a:p>
               <a:p>
                 <a:r>
                   <a:rPr lang="pt-BR" dirty="0"/>
-                  <a:t>Se os atributos não forem numéricos, devemos </a:t>
+                  <a:t>Se os atributos não forem numéricos, devemos transformá-los em numéricos.</a:t>
                 </a:r>
-                <a:r>
-                  <a:rPr lang="pt-BR" dirty="0" smtClean="0"/>
-                  <a:t>transformá-los em numéricos.</a:t>
-                </a:r>
-                <a:endParaRPr lang="pt-BR" dirty="0"/>
               </a:p>
             </p:txBody>
           </p:sp>
@@ -7573,31 +7152,22 @@
               <a:rPr lang="pt-BR" dirty="0"/>
               <a:t>: cada exemplo deve pertencer a um e apenas a um cluster. </a:t>
             </a:r>
-            <a:endParaRPr lang="pt-BR" dirty="0" smtClean="0"/>
-          </a:p>
-          <a:p>
-            <a:r>
-              <a:rPr lang="pt-BR" dirty="0" smtClean="0"/>
-              <a:t>Porém, </a:t>
-            </a:r>
+          </a:p>
+          <a:p>
             <a:r>
               <a:rPr lang="pt-BR" dirty="0"/>
-              <a:t>dentro do mesmo cluster, os exemplos devem estar relativamente próximos uns dos outros </a:t>
-            </a:r>
-            <a:r>
-              <a:rPr lang="pt-BR" dirty="0" smtClean="0"/>
-              <a:t>e distantes dos exemplos dos outros clusters.</a:t>
-            </a:r>
-          </a:p>
-          <a:p>
-            <a:r>
-              <a:rPr lang="pt-BR" dirty="0" smtClean="0"/>
+              <a:t>Porém, dentro do mesmo cluster, os exemplos devem estar relativamente próximos uns dos outros e distantes dos exemplos dos outros clusters.</a:t>
+            </a:r>
+          </a:p>
+          <a:p>
+            <a:r>
+              <a:rPr lang="pt-BR" dirty="0"/>
               <a:t>Aí surge uma dúvida. Quantos clusters um conjunto de exemplos contém?</a:t>
             </a:r>
           </a:p>
           <a:p>
             <a:r>
-              <a:rPr lang="pt-BR" dirty="0" smtClean="0"/>
+              <a:rPr lang="pt-BR" dirty="0"/>
               <a:t>Na figura acima conseguimos identificar três clusters. </a:t>
             </a:r>
           </a:p>
@@ -7624,11 +7194,7 @@
             </a:pPr>
             <a:r>
               <a:rPr lang="pt-BR" dirty="0"/>
-              <a:t>no outro, cada exemplo pode ser visto como representando seu próprio cluster </a:t>
-            </a:r>
-            <a:r>
-              <a:rPr lang="pt-BR" dirty="0" smtClean="0"/>
-              <a:t>de um único exemplo.</a:t>
+              <a:t>no outro, cada exemplo pode ser visto como representando seu próprio cluster de um único exemplo.</a:t>
             </a:r>
           </a:p>
           <a:p>
@@ -7638,13 +7204,8 @@
             </a:pPr>
             <a:r>
               <a:rPr lang="pt-BR" dirty="0"/>
-              <a:t>Implementações práticas geralmente evitam esse problema pedindo ao usuário que forneça o número de clusters</a:t>
-            </a:r>
-            <a:r>
-              <a:rPr lang="pt-BR" dirty="0" smtClean="0"/>
-              <a:t>.</a:t>
-            </a:r>
-            <a:endParaRPr lang="pt-BR" dirty="0"/>
+              <a:t>Implementações práticas geralmente evitam esse problema pedindo ao usuário que forneça o número de clusters.</a:t>
+            </a:r>
           </a:p>
         </p:txBody>
       </p:sp>
@@ -7741,7 +7302,7 @@
               <a:t> </a:t>
             </a:r>
             <a:r>
-              <a:rPr lang="en-US" dirty="0" err="1" smtClean="0"/>
+              <a:rPr lang="en-US" dirty="0" err="1"/>
               <a:t>distâncias</a:t>
             </a:r>
             <a:endParaRPr lang="en-US" dirty="0"/>
@@ -7773,12 +7334,8 @@
               <a:lstStyle/>
               <a:p>
                 <a:r>
-                  <a:rPr lang="pt-BR" dirty="0" smtClean="0"/>
-                  <a:t>Algoritmos para identificação de clusters </a:t>
-                </a:r>
-                <a:r>
                   <a:rPr lang="pt-BR" dirty="0"/>
-                  <a:t>geralmente precisam de um mecanismo para </a:t>
+                  <a:t>Algoritmos para identificação de clusters geralmente precisam de um mecanismo para </a:t>
                 </a:r>
                 <a:r>
                   <a:rPr lang="pt-BR" b="1" i="1" dirty="0"/>
@@ -7786,21 +7343,12 @@
                 </a:r>
                 <a:r>
                   <a:rPr lang="pt-BR" dirty="0"/>
-                  <a:t>entre um exemplo e </a:t>
+                  <a:t>entre um exemplo e o centroide de um cluster. </a:t>
                 </a:r>
-                <a:r>
-                  <a:rPr lang="pt-BR" dirty="0" smtClean="0"/>
-                  <a:t>o centroide de um </a:t>
-                </a:r>
-                <a:r>
-                  <a:rPr lang="pt-BR" dirty="0"/>
-                  <a:t>cluster. </a:t>
-                </a:r>
-                <a:endParaRPr lang="pt-BR" dirty="0" smtClean="0"/>
               </a:p>
               <a:p>
                 <a:r>
-                  <a:rPr lang="pt-BR" dirty="0" smtClean="0"/>
+                  <a:rPr lang="pt-BR" dirty="0"/>
                   <a:t>Uma forma de fazer isso quando os atributos são contínuos é usar a </a:t>
                 </a:r>
                 <a:r>
@@ -7809,16 +7357,12 @@
                 </a:r>
                 <a:r>
                   <a:rPr lang="pt-BR" dirty="0"/>
-                  <a:t>entre os dois </a:t>
-                </a:r>
-                <a:r>
-                  <a:rPr lang="pt-BR" dirty="0" smtClean="0"/>
-                  <a:t>vetores.</a:t>
+                  <a:t>entre os dois vetores.</a:t>
                 </a:r>
               </a:p>
               <a:p>
                 <a:r>
-                  <a:rPr lang="pt-BR" dirty="0" smtClean="0"/>
+                  <a:rPr lang="pt-BR" dirty="0"/>
                   <a:t>Para exemplos com atributos discretos ou uma mistura de ambos, usamos uma equação mais geral para calcular as distâncias:</a:t>
                 </a:r>
               </a:p>
@@ -8024,7 +7568,7 @@
                     </m:oMath>
                   </m:oMathPara>
                 </a14:m>
-                <a:endParaRPr lang="pt-BR" sz="2600" dirty="0" smtClean="0"/>
+                <a:endParaRPr lang="pt-BR" sz="2600" dirty="0"/>
               </a:p>
               <a:p>
                 <a:pPr marL="0" indent="0">
@@ -8032,11 +7576,7 @@
                 </a:pPr>
                 <a:r>
                   <a:rPr lang="pt-BR" dirty="0"/>
-                  <a:t>o</a:t>
-                </a:r>
-                <a:r>
-                  <a:rPr lang="pt-BR" dirty="0" smtClean="0"/>
-                  <a:t>nde </a:t>
+                  <a:t>onde </a:t>
                 </a:r>
                 <a14:m>
                   <m:oMath xmlns:m="http://schemas.openxmlformats.org/officeDocument/2006/math">
@@ -8049,7 +7589,7 @@
                   </m:oMath>
                 </a14:m>
                 <a:r>
-                  <a:rPr lang="pt-BR" dirty="0" smtClean="0"/>
+                  <a:rPr lang="pt-BR" dirty="0"/>
                   <a:t> é o número de atributos, </a:t>
                 </a:r>
                 <a14:m>
@@ -8241,7 +7781,7 @@
                   </m:oMath>
                 </a14:m>
                 <a:r>
-                  <a:rPr lang="pt-BR" dirty="0" smtClean="0"/>
+                  <a:rPr lang="pt-BR" dirty="0"/>
                   <a:t> para atributos contínuos e </a:t>
                 </a:r>
                 <a14:m>
@@ -8425,7 +7965,7 @@
                   </m:oMath>
                 </a14:m>
                 <a:r>
-                  <a:rPr lang="pt-BR" dirty="0" smtClean="0"/>
+                  <a:rPr lang="pt-BR" dirty="0"/>
                   <a:t> e </a:t>
                 </a:r>
                 <a14:m>
@@ -8615,7 +8155,7 @@
                   </m:oMath>
                 </a14:m>
                 <a:r>
-                  <a:rPr lang="pt-BR" dirty="0" smtClean="0"/>
+                  <a:rPr lang="pt-BR" dirty="0"/>
                   <a:t> para atributos discretos.</a:t>
                 </a:r>
               </a:p>
@@ -8670,13 +8210,6 @@
   <p:clrMapOvr>
     <a:masterClrMapping/>
   </p:clrMapOvr>
-  <p:timing>
-    <p:tnLst>
-      <p:par>
-        <p:cTn id="1" dur="indefinite" restart="never" nodeType="tmRoot"/>
-      </p:par>
-    </p:tnLst>
-  </p:timing>
 </p:sld>
 </file>
 
@@ -8745,7 +8278,7 @@
               <a:lstStyle/>
               <a:p>
                 <a:r>
-                  <a:rPr lang="pt-BR" dirty="0" smtClean="0"/>
+                  <a:rPr lang="pt-BR" dirty="0"/>
                   <a:t>Vamos supor que existam </a:t>
                 </a:r>
                 <a14:m>
@@ -8759,7 +8292,7 @@
                   </m:oMath>
                 </a14:m>
                 <a:r>
-                  <a:rPr lang="pt-BR" dirty="0" smtClean="0"/>
+                  <a:rPr lang="pt-BR" dirty="0"/>
                   <a:t> clusters cujos centroides são denotados por </a:t>
                 </a:r>
                 <a14:m>
@@ -8845,13 +8378,13 @@
                   </m:oMath>
                 </a14:m>
                 <a:r>
-                  <a:rPr lang="pt-BR" dirty="0" smtClean="0"/>
+                  <a:rPr lang="pt-BR" dirty="0"/>
                   <a:t>.</a:t>
                 </a:r>
               </a:p>
               <a:p>
                 <a:r>
-                  <a:rPr lang="pt-BR" dirty="0" smtClean="0"/>
+                  <a:rPr lang="pt-BR" dirty="0"/>
                   <a:t>Um exemplo </a:t>
                 </a:r>
                 <a14:m>
@@ -8865,7 +8398,7 @@
                   </m:oMath>
                 </a14:m>
                 <a:r>
-                  <a:rPr lang="pt-BR" dirty="0" smtClean="0"/>
+                  <a:rPr lang="pt-BR" dirty="0"/>
                   <a:t> tem uma certa distância </a:t>
                 </a:r>
                 <a14:m>
@@ -8927,13 +8460,13 @@
                   </m:oMath>
                 </a14:m>
                 <a:r>
-                  <a:rPr lang="pt-BR" dirty="0" smtClean="0"/>
+                  <a:rPr lang="pt-BR" dirty="0"/>
                   <a:t> para cada centroide.</a:t>
                 </a:r>
               </a:p>
               <a:p>
                 <a:r>
-                  <a:rPr lang="pt-BR" dirty="0" smtClean="0"/>
+                  <a:rPr lang="pt-BR" dirty="0"/>
                   <a:t>Se </a:t>
                 </a:r>
                 <a14:m>
@@ -9002,11 +8535,7 @@
                 </a14:m>
                 <a:r>
                   <a:rPr lang="pt-BR" dirty="0"/>
-                  <a:t>é a menor dessas distâncias, </a:t>
-                </a:r>
-                <a:r>
-                  <a:rPr lang="pt-BR" dirty="0" smtClean="0"/>
-                  <a:t>então, é natural colocarmos </a:t>
+                  <a:t>é a menor dessas distâncias, então, é natural colocarmos </a:t>
                 </a:r>
                 <a14:m>
                   <m:oMath xmlns:m="http://schemas.openxmlformats.org/officeDocument/2006/math">
@@ -9019,7 +8548,7 @@
                   </m:oMath>
                 </a14:m>
                 <a:r>
-                  <a:rPr lang="pt-BR" dirty="0" smtClean="0"/>
+                  <a:rPr lang="pt-BR" dirty="0"/>
                   <a:t> como pertencente ao centroide </a:t>
                 </a:r>
                 <a14:m>
@@ -9052,7 +8581,7 @@
                   </m:oMath>
                 </a14:m>
                 <a:r>
-                  <a:rPr lang="pt-BR" dirty="0" smtClean="0"/>
+                  <a:rPr lang="pt-BR" dirty="0"/>
                   <a:t>, ou seja, o </a:t>
                 </a:r>
                 <a14:m>
@@ -9066,21 +8595,21 @@
                   </m:oMath>
                 </a14:m>
                 <a:r>
-                  <a:rPr lang="pt-BR" dirty="0" smtClean="0"/>
+                  <a:rPr lang="pt-BR" dirty="0"/>
                   <a:t>-ésimo cluster.</a:t>
                 </a:r>
               </a:p>
               <a:p>
                 <a:r>
-                  <a:rPr lang="pt-BR" dirty="0" smtClean="0"/>
+                  <a:rPr lang="pt-BR" dirty="0"/>
                   <a:t>Portanto, escolhemos a </a:t>
                 </a:r>
                 <a:r>
-                  <a:rPr lang="pt-BR" b="1" i="1" dirty="0" smtClean="0"/>
+                  <a:rPr lang="pt-BR" b="1" i="1" dirty="0"/>
                   <a:t>menor distância </a:t>
                 </a:r>
                 <a:r>
-                  <a:rPr lang="pt-BR" dirty="0" smtClean="0"/>
+                  <a:rPr lang="pt-BR" dirty="0"/>
                   <a:t>para definir a qual cluster um exemplo pertence.</a:t>
                 </a:r>
               </a:p>

--- a/slides/T320_kMeans.pptx
+++ b/slides/T320_kMeans.pptx
@@ -5,25 +5,30 @@
     <p:sldMasterId id="2147483648" r:id="rId1"/>
   </p:sldMasterIdLst>
   <p:notesMasterIdLst>
-    <p:notesMasterId r:id="rId18"/>
+    <p:notesMasterId r:id="rId23"/>
   </p:notesMasterIdLst>
   <p:sldIdLst>
     <p:sldId id="257" r:id="rId2"/>
     <p:sldId id="284" r:id="rId3"/>
     <p:sldId id="258" r:id="rId4"/>
-    <p:sldId id="286" r:id="rId5"/>
-    <p:sldId id="285" r:id="rId6"/>
-    <p:sldId id="287" r:id="rId7"/>
-    <p:sldId id="288" r:id="rId8"/>
-    <p:sldId id="289" r:id="rId9"/>
-    <p:sldId id="290" r:id="rId10"/>
-    <p:sldId id="291" r:id="rId11"/>
-    <p:sldId id="292" r:id="rId12"/>
-    <p:sldId id="293" r:id="rId13"/>
-    <p:sldId id="283" r:id="rId14"/>
-    <p:sldId id="269" r:id="rId15"/>
-    <p:sldId id="265" r:id="rId16"/>
-    <p:sldId id="271" r:id="rId17"/>
+    <p:sldId id="294" r:id="rId5"/>
+    <p:sldId id="286" r:id="rId6"/>
+    <p:sldId id="285" r:id="rId7"/>
+    <p:sldId id="287" r:id="rId8"/>
+    <p:sldId id="296" r:id="rId9"/>
+    <p:sldId id="288" r:id="rId10"/>
+    <p:sldId id="297" r:id="rId11"/>
+    <p:sldId id="298" r:id="rId12"/>
+    <p:sldId id="289" r:id="rId13"/>
+    <p:sldId id="290" r:id="rId14"/>
+    <p:sldId id="291" r:id="rId15"/>
+    <p:sldId id="292" r:id="rId16"/>
+    <p:sldId id="299" r:id="rId17"/>
+    <p:sldId id="293" r:id="rId18"/>
+    <p:sldId id="283" r:id="rId19"/>
+    <p:sldId id="269" r:id="rId20"/>
+    <p:sldId id="265" r:id="rId21"/>
+    <p:sldId id="271" r:id="rId22"/>
   </p:sldIdLst>
   <p:sldSz cx="12192000" cy="6858000"/>
   <p:notesSz cx="6858000" cy="9144000"/>
@@ -212,7 +217,7 @@
           <a:p>
             <a:fld id="{C3C82C08-3EFC-4473-8294-F0E229C19EFF}" type="datetimeFigureOut">
               <a:rPr lang="pt-BR" smtClean="0"/>
-              <a:t>22/10/2023</a:t>
+              <a:t>30/11/2024</a:t>
             </a:fld>
             <a:endParaRPr lang="pt-BR"/>
           </a:p>
@@ -670,7 +675,13 @@
   <p:cSld>
     <p:spTree>
       <p:nvGrpSpPr>
-        <p:cNvPr id="1" name=""/>
+        <p:cNvPr id="1" name="">
+          <a:extLst>
+            <a:ext uri="{FF2B5EF4-FFF2-40B4-BE49-F238E27FC236}">
+              <a16:creationId xmlns:a16="http://schemas.microsoft.com/office/drawing/2014/main" id="{BFE637E2-97BB-CFD3-DBB7-5EC561A4F1C5}"/>
+            </a:ext>
+          </a:extLst>
+        </p:cNvPr>
         <p:cNvGrpSpPr/>
         <p:nvPr/>
       </p:nvGrpSpPr>
@@ -684,7 +695,13 @@
       </p:grpSpPr>
       <p:sp>
         <p:nvSpPr>
-          <p:cNvPr id="2" name="Slide Image Placeholder 1"/>
+          <p:cNvPr id="2" name="Slide Image Placeholder 1">
+            <a:extLst>
+              <a:ext uri="{FF2B5EF4-FFF2-40B4-BE49-F238E27FC236}">
+                <a16:creationId xmlns:a16="http://schemas.microsoft.com/office/drawing/2014/main" id="{4ED7BD22-361E-0DCE-46D8-42A9C128E592}"/>
+              </a:ext>
+            </a:extLst>
+          </p:cNvPr>
           <p:cNvSpPr>
             <a:spLocks noGrp="1" noRot="1" noChangeAspect="1"/>
           </p:cNvSpPr>
@@ -696,7 +713,13 @@
       </p:sp>
       <p:sp>
         <p:nvSpPr>
-          <p:cNvPr id="3" name="Notes Placeholder 2"/>
+          <p:cNvPr id="3" name="Notes Placeholder 2">
+            <a:extLst>
+              <a:ext uri="{FF2B5EF4-FFF2-40B4-BE49-F238E27FC236}">
+                <a16:creationId xmlns:a16="http://schemas.microsoft.com/office/drawing/2014/main" id="{A845AE5E-1008-C289-F444-04515B31A21D}"/>
+              </a:ext>
+            </a:extLst>
+          </p:cNvPr>
           <p:cNvSpPr>
             <a:spLocks noGrp="1"/>
           </p:cNvSpPr>
@@ -709,7 +732,7 @@
           <a:bodyPr/>
           <a:lstStyle/>
           <a:p>
-            <a:pPr marL="171450" marR="0" lvl="0" indent="-171450" algn="l" defTabSz="914400" rtl="0" eaLnBrk="1" fontAlgn="auto" latinLnBrk="0" hangingPunct="1">
+            <a:pPr marL="0" marR="0" lvl="0" indent="0" algn="l" defTabSz="914400" rtl="0" eaLnBrk="1" fontAlgn="auto" latinLnBrk="0" hangingPunct="1">
               <a:lnSpc>
                 <a:spcPct val="100000"/>
               </a:lnSpc>
@@ -721,278 +744,24 @@
               </a:spcAft>
               <a:buClrTx/>
               <a:buSzTx/>
-              <a:buFont typeface="Arial" panose="020B0604020202020204" pitchFamily="34" charset="0"/>
-              <a:buChar char="•"/>
+              <a:buFontTx/>
+              <a:buNone/>
               <a:tabLst/>
               <a:defRPr/>
             </a:pPr>
-            <a:r>
-              <a:rPr lang="en-US" dirty="0"/>
-              <a:t>C</a:t>
-            </a:r>
-            <a:r>
-              <a:rPr lang="pt-BR" dirty="0" err="1"/>
-              <a:t>entros</a:t>
-            </a:r>
-            <a:r>
-              <a:rPr lang="pt-BR" dirty="0"/>
-              <a:t> para redes Bayesianas ou de </a:t>
-            </a:r>
-            <a:r>
-              <a:rPr lang="en-US" dirty="0" err="1"/>
-              <a:t>Função</a:t>
-            </a:r>
-            <a:r>
-              <a:rPr lang="en-US" dirty="0"/>
-              <a:t> de base radial (</a:t>
-            </a:r>
-            <a:r>
-              <a:rPr lang="pt-BR" dirty="0"/>
-              <a:t>RBF): Os classificadores bayesianos e as redes de função de base radial operam com centros,</a:t>
-            </a:r>
-            <a:r>
-              <a:rPr lang="pt-BR" baseline="0" dirty="0"/>
-              <a:t> pois utilizam distribuições gaussianas. </a:t>
-            </a:r>
-            <a:r>
-              <a:rPr lang="pt-BR" dirty="0"/>
-              <a:t>Geralmente, os centros são identificados com os vetores de atributos dos exemplos individuais.</a:t>
-            </a:r>
-            <a:r>
-              <a:rPr lang="pt-BR" baseline="0" dirty="0"/>
-              <a:t> </a:t>
-            </a:r>
-            <a:r>
-              <a:rPr lang="pt-BR" dirty="0"/>
-              <a:t>No entanto, isso levaria a classificadores impraticavelmente grandes em domínios com milhões de exemplos. O engenheiro então prefere dividir o conjunto de treinamento em N clusters e identificar os centros gaussianos com os </a:t>
-            </a:r>
-            <a:r>
-              <a:rPr lang="pt-BR" dirty="0" err="1"/>
-              <a:t>centróides</a:t>
-            </a:r>
-            <a:r>
-              <a:rPr lang="pt-BR" dirty="0"/>
-              <a:t> dos clusters.</a:t>
-            </a:r>
-          </a:p>
-          <a:p>
-            <a:pPr marL="171450" marR="0" lvl="0" indent="-171450" algn="l" defTabSz="914400" rtl="0" eaLnBrk="1" fontAlgn="auto" latinLnBrk="0" hangingPunct="1">
-              <a:lnSpc>
-                <a:spcPct val="100000"/>
-              </a:lnSpc>
-              <a:spcBef>
-                <a:spcPts val="0"/>
-              </a:spcBef>
-              <a:spcAft>
-                <a:spcPts val="0"/>
-              </a:spcAft>
-              <a:buClrTx/>
-              <a:buSzTx/>
-              <a:buFont typeface="Arial" panose="020B0604020202020204" pitchFamily="34" charset="0"/>
-              <a:buChar char="•"/>
-              <a:tabLst/>
-              <a:defRPr/>
-            </a:pPr>
-            <a:r>
-              <a:rPr lang="pt-BR" dirty="0"/>
-              <a:t>Estimativas de valores de atributos desconhecidos : </a:t>
-            </a:r>
-            <a:r>
-              <a:rPr lang="pt-BR" sz="1200" b="0" i="0" kern="1200" dirty="0">
-                <a:solidFill>
-                  <a:schemeClr val="tx1"/>
-                </a:solidFill>
-                <a:effectLst/>
-                <a:latin typeface="+mn-lt"/>
-                <a:ea typeface="+mn-ea"/>
-                <a:cs typeface="+mn-cs"/>
-              </a:rPr>
-              <a:t>Existem</a:t>
-            </a:r>
-            <a:r>
-              <a:rPr lang="pt-BR" sz="1200" b="0" i="0" kern="1200" baseline="0" dirty="0">
-                <a:solidFill>
-                  <a:schemeClr val="tx1"/>
-                </a:solidFill>
-                <a:effectLst/>
-                <a:latin typeface="+mn-lt"/>
-                <a:ea typeface="+mn-ea"/>
-                <a:cs typeface="+mn-cs"/>
-              </a:rPr>
-              <a:t> casos onde </a:t>
-            </a:r>
-            <a:r>
-              <a:rPr lang="pt-BR" sz="1200" b="0" i="0" kern="1200" dirty="0">
-                <a:solidFill>
-                  <a:schemeClr val="tx1"/>
-                </a:solidFill>
-                <a:effectLst/>
-                <a:latin typeface="+mn-lt"/>
-                <a:ea typeface="+mn-ea"/>
-                <a:cs typeface="+mn-cs"/>
-              </a:rPr>
-              <a:t>alguns valores de atributos às vezes são desconhecidos.</a:t>
-            </a:r>
-            <a:r>
-              <a:rPr lang="pt-BR" sz="1200" b="0" i="0" kern="1200" baseline="0" dirty="0">
-                <a:solidFill>
-                  <a:schemeClr val="tx1"/>
-                </a:solidFill>
-                <a:effectLst/>
-                <a:latin typeface="+mn-lt"/>
-                <a:ea typeface="+mn-ea"/>
-                <a:cs typeface="+mn-cs"/>
-              </a:rPr>
-              <a:t> </a:t>
-            </a:r>
-            <a:r>
-              <a:rPr lang="pt-BR" sz="1200" b="0" i="0" kern="1200" dirty="0">
-                <a:solidFill>
-                  <a:schemeClr val="tx1"/>
-                </a:solidFill>
-                <a:effectLst/>
-                <a:latin typeface="+mn-lt"/>
-                <a:ea typeface="+mn-ea"/>
-                <a:cs typeface="+mn-cs"/>
-              </a:rPr>
-              <a:t>Uma forma simples de lidar com esta questão</a:t>
-            </a:r>
-            <a:r>
-              <a:rPr lang="pt-BR" sz="1200" b="0" i="0" kern="1200" baseline="0" dirty="0">
-                <a:solidFill>
-                  <a:schemeClr val="tx1"/>
-                </a:solidFill>
-                <a:effectLst/>
-                <a:latin typeface="+mn-lt"/>
-                <a:ea typeface="+mn-ea"/>
-                <a:cs typeface="+mn-cs"/>
-              </a:rPr>
-              <a:t> é usar a</a:t>
-            </a:r>
-            <a:r>
-              <a:rPr lang="pt-BR" sz="1200" b="0" i="0" kern="1200" dirty="0">
-                <a:solidFill>
-                  <a:schemeClr val="tx1"/>
-                </a:solidFill>
-                <a:effectLst/>
-                <a:latin typeface="+mn-lt"/>
-                <a:ea typeface="+mn-ea"/>
-                <a:cs typeface="+mn-cs"/>
-              </a:rPr>
-              <a:t> estimativa do valor ausente como sendo a média ou o valor mais frequente de um determinado cluster.</a:t>
-            </a:r>
-            <a:r>
-              <a:rPr lang="pt-BR" sz="1200" b="0" i="0" kern="1200" baseline="0" dirty="0">
-                <a:solidFill>
-                  <a:schemeClr val="tx1"/>
-                </a:solidFill>
-                <a:effectLst/>
-                <a:latin typeface="+mn-lt"/>
-                <a:ea typeface="+mn-ea"/>
-                <a:cs typeface="+mn-cs"/>
-              </a:rPr>
-              <a:t> Esta é uma abordagem </a:t>
-            </a:r>
-            <a:r>
-              <a:rPr lang="pt-BR" sz="1200" b="0" i="0" kern="1200" dirty="0">
-                <a:solidFill>
-                  <a:schemeClr val="tx1"/>
-                </a:solidFill>
-                <a:effectLst/>
-                <a:latin typeface="+mn-lt"/>
-                <a:ea typeface="+mn-ea"/>
-                <a:cs typeface="+mn-cs"/>
-              </a:rPr>
-              <a:t>mais sólida porque usa mais informações sobre a natureza do domínio.</a:t>
-            </a:r>
-          </a:p>
-          <a:p>
-            <a:pPr marL="171450" marR="0" lvl="0" indent="-171450" algn="l" defTabSz="914400" rtl="0" eaLnBrk="1" fontAlgn="auto" latinLnBrk="0" hangingPunct="1">
-              <a:lnSpc>
-                <a:spcPct val="100000"/>
-              </a:lnSpc>
-              <a:spcBef>
-                <a:spcPts val="0"/>
-              </a:spcBef>
-              <a:spcAft>
-                <a:spcPts val="0"/>
-              </a:spcAft>
-              <a:buClrTx/>
-              <a:buSzTx/>
-              <a:buFont typeface="Arial" panose="020B0604020202020204" pitchFamily="34" charset="0"/>
-              <a:buChar char="•"/>
-              <a:tabLst/>
-              <a:defRPr/>
-            </a:pPr>
-            <a:r>
-              <a:rPr lang="pt-BR" dirty="0"/>
-              <a:t>ferramentas de visualização de dados multidimensionais</a:t>
-            </a:r>
-          </a:p>
-          <a:p>
-            <a:pPr marL="171450" marR="0" lvl="0" indent="-171450" algn="l" defTabSz="914400" rtl="0" eaLnBrk="1" fontAlgn="auto" latinLnBrk="0" hangingPunct="1">
-              <a:lnSpc>
-                <a:spcPct val="100000"/>
-              </a:lnSpc>
-              <a:spcBef>
-                <a:spcPts val="0"/>
-              </a:spcBef>
-              <a:spcAft>
-                <a:spcPts val="0"/>
-              </a:spcAft>
-              <a:buClrTx/>
-              <a:buSzTx/>
-              <a:buFont typeface="Arial" panose="020B0604020202020204" pitchFamily="34" charset="0"/>
-              <a:buChar char="•"/>
-              <a:tabLst/>
-              <a:defRPr/>
-            </a:pPr>
-            <a:r>
-              <a:rPr lang="pt-BR" dirty="0"/>
-              <a:t>Auxiliares para criação de classificadores mais simples: </a:t>
-            </a:r>
-            <a:r>
-              <a:rPr lang="pt-BR" sz="1200" b="0" i="0" kern="1200" dirty="0">
-                <a:solidFill>
-                  <a:schemeClr val="tx1"/>
-                </a:solidFill>
-                <a:effectLst/>
-                <a:latin typeface="+mn-lt"/>
-                <a:ea typeface="+mn-ea"/>
-                <a:cs typeface="+mn-cs"/>
-              </a:rPr>
-              <a:t>o conhecimento de clusters de dados pode ser útil no aprendizado supervisionado. É bastante comum que todos (ou quase todos) os exemplos em um cluster pertençam à mesma classe. Nesse caso, o desenvolvedor de um software de aprendizado supervisionado pode decidir primeiro identificar os clusters e depois rotular cada cluster (todos os exemplos que pertencem</a:t>
-            </a:r>
-            <a:r>
-              <a:rPr lang="pt-BR" sz="1200" b="0" i="0" kern="1200" baseline="0" dirty="0">
-                <a:solidFill>
-                  <a:schemeClr val="tx1"/>
-                </a:solidFill>
-                <a:effectLst/>
-                <a:latin typeface="+mn-lt"/>
-                <a:ea typeface="+mn-ea"/>
-                <a:cs typeface="+mn-cs"/>
-              </a:rPr>
-              <a:t> ao cluster)</a:t>
-            </a:r>
-            <a:r>
-              <a:rPr lang="pt-BR" sz="1200" b="0" i="0" kern="1200" dirty="0">
-                <a:solidFill>
-                  <a:schemeClr val="tx1"/>
-                </a:solidFill>
-                <a:effectLst/>
-                <a:latin typeface="+mn-lt"/>
-                <a:ea typeface="+mn-ea"/>
-                <a:cs typeface="+mn-cs"/>
-              </a:rPr>
-              <a:t> com sua classe dominante.</a:t>
-            </a:r>
-          </a:p>
-        </p:txBody>
-      </p:sp>
-      <p:sp>
-        <p:nvSpPr>
-          <p:cNvPr id="4" name="Slide Number Placeholder 3"/>
+            <a:endParaRPr lang="pt-BR" dirty="0"/>
+          </a:p>
+        </p:txBody>
+      </p:sp>
+      <p:sp>
+        <p:nvSpPr>
+          <p:cNvPr id="4" name="Slide Number Placeholder 3">
+            <a:extLst>
+              <a:ext uri="{FF2B5EF4-FFF2-40B4-BE49-F238E27FC236}">
+                <a16:creationId xmlns:a16="http://schemas.microsoft.com/office/drawing/2014/main" id="{64C5BAB2-4C6F-96F0-D4ED-0C66FFB4872B}"/>
+              </a:ext>
+            </a:extLst>
+          </p:cNvPr>
           <p:cNvSpPr>
             <a:spLocks noGrp="1"/>
           </p:cNvSpPr>
@@ -1016,7 +785,7 @@
     </p:spTree>
     <p:extLst>
       <p:ext uri="{BB962C8B-B14F-4D97-AF65-F5344CB8AC3E}">
-        <p14:creationId xmlns:p14="http://schemas.microsoft.com/office/powerpoint/2010/main" val="2248288649"/>
+        <p14:creationId xmlns:p14="http://schemas.microsoft.com/office/powerpoint/2010/main" val="2508298284"/>
       </p:ext>
     </p:extLst>
   </p:cSld>
@@ -1045,7 +814,7 @@
       </p:grpSpPr>
       <p:sp>
         <p:nvSpPr>
-          <p:cNvPr id="2" name="Espaço Reservado para Imagem de Slide 1"/>
+          <p:cNvPr id="2" name="Slide Image Placeholder 1"/>
           <p:cNvSpPr>
             <a:spLocks noGrp="1" noRot="1" noChangeAspect="1"/>
           </p:cNvSpPr>
@@ -1057,7 +826,7 @@
       </p:sp>
       <p:sp>
         <p:nvSpPr>
-          <p:cNvPr id="3" name="Espaço Reservado para Anotações 2"/>
+          <p:cNvPr id="3" name="Notes Placeholder 2"/>
           <p:cNvSpPr>
             <a:spLocks noGrp="1"/>
           </p:cNvSpPr>
@@ -1070,13 +839,598 @@
           <a:bodyPr/>
           <a:lstStyle/>
           <a:p>
+            <a:r>
+              <a:rPr lang="pt-BR" dirty="0"/>
+              <a:t>Em </a:t>
+            </a:r>
+            <a:r>
+              <a:rPr lang="pt-BR" b="1" dirty="0"/>
+              <a:t>clusterização</a:t>
+            </a:r>
+            <a:r>
+              <a:rPr lang="pt-BR" dirty="0"/>
+              <a:t>, um </a:t>
+            </a:r>
+            <a:r>
+              <a:rPr lang="pt-BR" b="1" dirty="0"/>
+              <a:t>centroide</a:t>
+            </a:r>
+            <a:r>
+              <a:rPr lang="pt-BR" dirty="0"/>
+              <a:t> é o ponto central de um grupo (cluster) de dados. Ele representa a "média" das amostras dentro do cluster, sendo um ponto de referência que pode ser usado para definir a posição do cluster no espaço de características.</a:t>
+            </a:r>
+          </a:p>
+          <a:p>
+            <a:r>
+              <a:rPr lang="pt-BR" b="1" dirty="0"/>
+              <a:t>Características principais:</a:t>
+            </a:r>
+          </a:p>
+          <a:p>
+            <a:pPr>
+              <a:buFont typeface="Arial" panose="020B0604020202020204" pitchFamily="34" charset="0"/>
+              <a:buChar char="•"/>
+            </a:pPr>
+            <a:r>
+              <a:rPr lang="pt-BR" dirty="0"/>
+              <a:t>O centroide é geralmente calculado como a </a:t>
+            </a:r>
+            <a:r>
+              <a:rPr lang="pt-BR" b="1" dirty="0"/>
+              <a:t>média aritmética</a:t>
+            </a:r>
+            <a:r>
+              <a:rPr lang="pt-BR" dirty="0"/>
+              <a:t> das coordenadas de todos os pontos do cluster.</a:t>
+            </a:r>
+          </a:p>
+          <a:p>
+            <a:pPr>
+              <a:buFont typeface="Arial" panose="020B0604020202020204" pitchFamily="34" charset="0"/>
+              <a:buChar char="•"/>
+            </a:pPr>
+            <a:r>
+              <a:rPr lang="pt-BR" dirty="0"/>
+              <a:t>No caso de algoritmos como </a:t>
+            </a:r>
+            <a:r>
+              <a:rPr lang="pt-BR" b="1" dirty="0"/>
+              <a:t>K-</a:t>
+            </a:r>
+            <a:r>
+              <a:rPr lang="pt-BR" b="1" dirty="0" err="1"/>
+              <a:t>Means</a:t>
+            </a:r>
+            <a:r>
+              <a:rPr lang="pt-BR" dirty="0"/>
+              <a:t>, os centroides são ajustados iterativamente até que os clusters se estabilizem ou atinjam um critério de parada.</a:t>
+            </a:r>
+          </a:p>
+          <a:p>
+            <a:pPr>
+              <a:buFont typeface="Arial" panose="020B0604020202020204" pitchFamily="34" charset="0"/>
+              <a:buChar char="•"/>
+            </a:pPr>
+            <a:r>
+              <a:rPr lang="pt-BR" dirty="0"/>
+              <a:t>O centroide </a:t>
+            </a:r>
+            <a:r>
+              <a:rPr lang="pt-BR" b="1" dirty="0"/>
+              <a:t>não precisa ser um ponto real</a:t>
+            </a:r>
+            <a:r>
+              <a:rPr lang="pt-BR" dirty="0"/>
+              <a:t> no conjunto de dados; ele pode estar em uma posição intermediária entre os pontos.</a:t>
+            </a:r>
+          </a:p>
+          <a:p>
+            <a:r>
+              <a:rPr lang="pt-BR" b="1" dirty="0"/>
+              <a:t>Cálculo do centroide:</a:t>
+            </a:r>
+          </a:p>
+          <a:p>
+            <a:r>
+              <a:rPr lang="pt-BR" dirty="0"/>
+              <a:t>Se o cluster contém </a:t>
+            </a:r>
+            <a:r>
+              <a:rPr lang="pt-BR" dirty="0" err="1"/>
+              <a:t>nn</a:t>
+            </a:r>
+            <a:r>
+              <a:rPr lang="pt-BR" dirty="0"/>
+              <a:t> pontos de dimensão </a:t>
+            </a:r>
+            <a:r>
+              <a:rPr lang="pt-BR" dirty="0" err="1"/>
+              <a:t>dd</a:t>
+            </a:r>
+            <a:r>
+              <a:rPr lang="pt-BR" dirty="0"/>
+              <a:t>, as coordenadas do centroide são calculadas como:</a:t>
+            </a:r>
+          </a:p>
+          <a:p>
+            <a:r>
+              <a:rPr lang="pt-BR" dirty="0"/>
+              <a:t>Centroide=(1n∑i=1nxi1,1n∑i=1nxi2,…,1n∑i=1nxid)\</a:t>
+            </a:r>
+            <a:r>
+              <a:rPr lang="pt-BR" dirty="0" err="1"/>
+              <a:t>text</a:t>
+            </a:r>
+            <a:r>
+              <a:rPr lang="pt-BR" dirty="0"/>
+              <a:t>{Centroide} = \</a:t>
+            </a:r>
+            <a:r>
+              <a:rPr lang="pt-BR" dirty="0" err="1"/>
+              <a:t>left</a:t>
+            </a:r>
+            <a:r>
+              <a:rPr lang="pt-BR" dirty="0"/>
+              <a:t>( \</a:t>
+            </a:r>
+            <a:r>
+              <a:rPr lang="pt-BR" dirty="0" err="1"/>
+              <a:t>frac</a:t>
+            </a:r>
+            <a:r>
+              <a:rPr lang="pt-BR" dirty="0"/>
+              <a:t>{1}{n} \sum_{i=1}^{n} x_{i1}, \</a:t>
+            </a:r>
+            <a:r>
+              <a:rPr lang="pt-BR" dirty="0" err="1"/>
+              <a:t>frac</a:t>
+            </a:r>
+            <a:r>
+              <a:rPr lang="pt-BR" dirty="0"/>
+              <a:t>{1}{n} \sum_{i=1}^{n} x_{i2}, \</a:t>
+            </a:r>
+            <a:r>
+              <a:rPr lang="pt-BR" dirty="0" err="1"/>
+              <a:t>ldots</a:t>
+            </a:r>
+            <a:r>
+              <a:rPr lang="pt-BR" dirty="0"/>
+              <a:t>, \</a:t>
+            </a:r>
+            <a:r>
+              <a:rPr lang="pt-BR" dirty="0" err="1"/>
+              <a:t>frac</a:t>
+            </a:r>
+            <a:r>
+              <a:rPr lang="pt-BR" dirty="0"/>
+              <a:t>{1}{n} \sum_{i=1}^{n} x_{id} \</a:t>
+            </a:r>
+            <a:r>
+              <a:rPr lang="pt-BR" dirty="0" err="1"/>
+              <a:t>right</a:t>
+            </a:r>
+            <a:r>
+              <a:rPr lang="pt-BR" dirty="0"/>
+              <a:t>) </a:t>
+            </a:r>
+            <a:r>
+              <a:rPr lang="pt-BR" b="1" dirty="0"/>
+              <a:t>Aplicações:</a:t>
+            </a:r>
+          </a:p>
+          <a:p>
+            <a:pPr>
+              <a:buFont typeface="Arial" panose="020B0604020202020204" pitchFamily="34" charset="0"/>
+              <a:buChar char="•"/>
+            </a:pPr>
+            <a:r>
+              <a:rPr lang="pt-BR" dirty="0"/>
+              <a:t>Serve como ponto de referência para determinar quais amostras pertencem a um cluster (calculando distâncias em algoritmos como K-</a:t>
+            </a:r>
+            <a:r>
+              <a:rPr lang="pt-BR" dirty="0" err="1"/>
+              <a:t>Means</a:t>
+            </a:r>
+            <a:r>
+              <a:rPr lang="pt-BR" dirty="0"/>
+              <a:t>).</a:t>
+            </a:r>
+          </a:p>
+          <a:p>
+            <a:pPr>
+              <a:buFont typeface="Arial" panose="020B0604020202020204" pitchFamily="34" charset="0"/>
+              <a:buChar char="•"/>
+            </a:pPr>
+            <a:r>
+              <a:rPr lang="pt-BR" dirty="0"/>
+              <a:t>Ajuda na interpretação dos clusters ao indicar a "localização média" de seus elementos.</a:t>
+            </a:r>
+          </a:p>
+          <a:p>
+            <a:r>
+              <a:rPr lang="pt-BR" b="1" dirty="0"/>
+              <a:t>Observação:</a:t>
+            </a:r>
+          </a:p>
+          <a:p>
+            <a:r>
+              <a:rPr lang="pt-BR" dirty="0"/>
+              <a:t>Em algoritmos baseados em densidade, como </a:t>
+            </a:r>
+            <a:r>
+              <a:rPr lang="pt-BR" b="1" dirty="0"/>
+              <a:t>DBSCAN</a:t>
+            </a:r>
+            <a:r>
+              <a:rPr lang="pt-BR" dirty="0"/>
+              <a:t>, o conceito de centroide pode não ser tão relevante, já que esses métodos não dependem de cálculos baseados na média dos pontos, mas na densidade local.</a:t>
+            </a:r>
+          </a:p>
+          <a:p>
+            <a:pPr marL="0" marR="0" lvl="0" indent="0" algn="l" defTabSz="914400" rtl="0" eaLnBrk="1" fontAlgn="auto" latinLnBrk="0" hangingPunct="1">
+              <a:lnSpc>
+                <a:spcPct val="100000"/>
+              </a:lnSpc>
+              <a:spcBef>
+                <a:spcPts val="0"/>
+              </a:spcBef>
+              <a:spcAft>
+                <a:spcPts val="0"/>
+              </a:spcAft>
+              <a:buClrTx/>
+              <a:buSzTx/>
+              <a:buFont typeface="Arial" panose="020B0604020202020204" pitchFamily="34" charset="0"/>
+              <a:buNone/>
+              <a:tabLst/>
+              <a:defRPr/>
+            </a:pPr>
             <a:endParaRPr lang="en-US" dirty="0"/>
           </a:p>
-        </p:txBody>
-      </p:sp>
-      <p:sp>
-        <p:nvSpPr>
-          <p:cNvPr id="4" name="Espaço Reservado para Número de Slide 3"/>
+          <a:p>
+            <a:pPr marL="0" marR="0" lvl="0" indent="0" algn="l" defTabSz="914400" rtl="0" eaLnBrk="1" fontAlgn="auto" latinLnBrk="0" hangingPunct="1">
+              <a:lnSpc>
+                <a:spcPct val="100000"/>
+              </a:lnSpc>
+              <a:spcBef>
+                <a:spcPts val="0"/>
+              </a:spcBef>
+              <a:spcAft>
+                <a:spcPts val="0"/>
+              </a:spcAft>
+              <a:buClrTx/>
+              <a:buSzTx/>
+              <a:buFont typeface="Arial" panose="020B0604020202020204" pitchFamily="34" charset="0"/>
+              <a:buNone/>
+              <a:tabLst/>
+              <a:defRPr/>
+            </a:pPr>
+            <a:endParaRPr lang="en-US" dirty="0"/>
+          </a:p>
+          <a:p>
+            <a:pPr marL="0" marR="0" lvl="0" indent="0" algn="l" defTabSz="914400" rtl="0" eaLnBrk="1" fontAlgn="auto" latinLnBrk="0" hangingPunct="1">
+              <a:lnSpc>
+                <a:spcPct val="100000"/>
+              </a:lnSpc>
+              <a:spcBef>
+                <a:spcPts val="0"/>
+              </a:spcBef>
+              <a:spcAft>
+                <a:spcPts val="0"/>
+              </a:spcAft>
+              <a:buClrTx/>
+              <a:buSzTx/>
+              <a:buFont typeface="Arial" panose="020B0604020202020204" pitchFamily="34" charset="0"/>
+              <a:buNone/>
+              <a:tabLst/>
+              <a:defRPr/>
+            </a:pPr>
+            <a:endParaRPr lang="en-US" dirty="0"/>
+          </a:p>
+          <a:p>
+            <a:pPr marL="0" marR="0" lvl="0" indent="0" algn="l" defTabSz="914400" rtl="0" eaLnBrk="1" fontAlgn="auto" latinLnBrk="0" hangingPunct="1">
+              <a:lnSpc>
+                <a:spcPct val="100000"/>
+              </a:lnSpc>
+              <a:spcBef>
+                <a:spcPts val="0"/>
+              </a:spcBef>
+              <a:spcAft>
+                <a:spcPts val="0"/>
+              </a:spcAft>
+              <a:buClrTx/>
+              <a:buSzTx/>
+              <a:buFont typeface="Arial" panose="020B0604020202020204" pitchFamily="34" charset="0"/>
+              <a:buNone/>
+              <a:tabLst/>
+              <a:defRPr/>
+            </a:pPr>
+            <a:endParaRPr lang="en-US" dirty="0"/>
+          </a:p>
+          <a:p>
+            <a:pPr marL="171450" marR="0" lvl="0" indent="-171450" algn="l" defTabSz="914400" rtl="0" eaLnBrk="1" fontAlgn="auto" latinLnBrk="0" hangingPunct="1">
+              <a:lnSpc>
+                <a:spcPct val="100000"/>
+              </a:lnSpc>
+              <a:spcBef>
+                <a:spcPts val="0"/>
+              </a:spcBef>
+              <a:spcAft>
+                <a:spcPts val="0"/>
+              </a:spcAft>
+              <a:buClrTx/>
+              <a:buSzTx/>
+              <a:buFont typeface="Arial" panose="020B0604020202020204" pitchFamily="34" charset="0"/>
+              <a:buChar char="•"/>
+              <a:tabLst/>
+              <a:defRPr/>
+            </a:pPr>
+            <a:r>
+              <a:rPr lang="en-US" dirty="0"/>
+              <a:t>C</a:t>
+            </a:r>
+            <a:r>
+              <a:rPr lang="pt-BR" dirty="0" err="1"/>
+              <a:t>entros</a:t>
+            </a:r>
+            <a:r>
+              <a:rPr lang="pt-BR" dirty="0"/>
+              <a:t> para redes Bayesianas ou de </a:t>
+            </a:r>
+            <a:r>
+              <a:rPr lang="en-US" dirty="0" err="1"/>
+              <a:t>Função</a:t>
+            </a:r>
+            <a:r>
+              <a:rPr lang="en-US" dirty="0"/>
+              <a:t> de base radial (</a:t>
+            </a:r>
+            <a:r>
+              <a:rPr lang="pt-BR" dirty="0"/>
+              <a:t>RBF): Os classificadores bayesianos e as redes de função de base radial operam com centros,</a:t>
+            </a:r>
+            <a:r>
+              <a:rPr lang="pt-BR" baseline="0" dirty="0"/>
+              <a:t> pois utilizam distribuições gaussianas. </a:t>
+            </a:r>
+            <a:r>
+              <a:rPr lang="pt-BR" dirty="0"/>
+              <a:t>Geralmente, os centros são identificados com os vetores de atributos dos exemplos individuais.</a:t>
+            </a:r>
+            <a:r>
+              <a:rPr lang="pt-BR" baseline="0" dirty="0"/>
+              <a:t> </a:t>
+            </a:r>
+            <a:r>
+              <a:rPr lang="pt-BR" dirty="0"/>
+              <a:t>No entanto, isso levaria a classificadores impraticavelmente grandes em domínios com milhões de exemplos. O engenheiro então prefere dividir o conjunto de treinamento em N clusters e identificar os centros gaussianos com os </a:t>
+            </a:r>
+            <a:r>
+              <a:rPr lang="pt-BR" dirty="0" err="1"/>
+              <a:t>centróides</a:t>
+            </a:r>
+            <a:r>
+              <a:rPr lang="pt-BR" dirty="0"/>
+              <a:t> dos clusters.</a:t>
+            </a:r>
+          </a:p>
+          <a:p>
+            <a:pPr marL="171450" marR="0" lvl="0" indent="-171450" algn="l" defTabSz="914400" rtl="0" eaLnBrk="1" fontAlgn="auto" latinLnBrk="0" hangingPunct="1">
+              <a:lnSpc>
+                <a:spcPct val="100000"/>
+              </a:lnSpc>
+              <a:spcBef>
+                <a:spcPts val="0"/>
+              </a:spcBef>
+              <a:spcAft>
+                <a:spcPts val="0"/>
+              </a:spcAft>
+              <a:buClrTx/>
+              <a:buSzTx/>
+              <a:buFont typeface="Arial" panose="020B0604020202020204" pitchFamily="34" charset="0"/>
+              <a:buChar char="•"/>
+              <a:tabLst/>
+              <a:defRPr/>
+            </a:pPr>
+            <a:r>
+              <a:rPr lang="pt-BR" dirty="0"/>
+              <a:t>Estimativas de valores de atributos desconhecidos : </a:t>
+            </a:r>
+            <a:r>
+              <a:rPr lang="pt-BR" sz="1200" b="0" i="0" kern="1200" dirty="0">
+                <a:solidFill>
+                  <a:schemeClr val="tx1"/>
+                </a:solidFill>
+                <a:effectLst/>
+                <a:latin typeface="+mn-lt"/>
+                <a:ea typeface="+mn-ea"/>
+                <a:cs typeface="+mn-cs"/>
+              </a:rPr>
+              <a:t>Existem</a:t>
+            </a:r>
+            <a:r>
+              <a:rPr lang="pt-BR" sz="1200" b="0" i="0" kern="1200" baseline="0" dirty="0">
+                <a:solidFill>
+                  <a:schemeClr val="tx1"/>
+                </a:solidFill>
+                <a:effectLst/>
+                <a:latin typeface="+mn-lt"/>
+                <a:ea typeface="+mn-ea"/>
+                <a:cs typeface="+mn-cs"/>
+              </a:rPr>
+              <a:t> casos onde </a:t>
+            </a:r>
+            <a:r>
+              <a:rPr lang="pt-BR" sz="1200" b="0" i="0" kern="1200" dirty="0">
+                <a:solidFill>
+                  <a:schemeClr val="tx1"/>
+                </a:solidFill>
+                <a:effectLst/>
+                <a:latin typeface="+mn-lt"/>
+                <a:ea typeface="+mn-ea"/>
+                <a:cs typeface="+mn-cs"/>
+              </a:rPr>
+              <a:t>alguns valores de atributos às vezes são desconhecidos.</a:t>
+            </a:r>
+            <a:r>
+              <a:rPr lang="pt-BR" sz="1200" b="0" i="0" kern="1200" baseline="0" dirty="0">
+                <a:solidFill>
+                  <a:schemeClr val="tx1"/>
+                </a:solidFill>
+                <a:effectLst/>
+                <a:latin typeface="+mn-lt"/>
+                <a:ea typeface="+mn-ea"/>
+                <a:cs typeface="+mn-cs"/>
+              </a:rPr>
+              <a:t> </a:t>
+            </a:r>
+            <a:r>
+              <a:rPr lang="pt-BR" sz="1200" b="0" i="0" kern="1200" dirty="0">
+                <a:solidFill>
+                  <a:schemeClr val="tx1"/>
+                </a:solidFill>
+                <a:effectLst/>
+                <a:latin typeface="+mn-lt"/>
+                <a:ea typeface="+mn-ea"/>
+                <a:cs typeface="+mn-cs"/>
+              </a:rPr>
+              <a:t>Uma forma simples de lidar com esta questão</a:t>
+            </a:r>
+            <a:r>
+              <a:rPr lang="pt-BR" sz="1200" b="0" i="0" kern="1200" baseline="0" dirty="0">
+                <a:solidFill>
+                  <a:schemeClr val="tx1"/>
+                </a:solidFill>
+                <a:effectLst/>
+                <a:latin typeface="+mn-lt"/>
+                <a:ea typeface="+mn-ea"/>
+                <a:cs typeface="+mn-cs"/>
+              </a:rPr>
+              <a:t> é usar a</a:t>
+            </a:r>
+            <a:r>
+              <a:rPr lang="pt-BR" sz="1200" b="0" i="0" kern="1200" dirty="0">
+                <a:solidFill>
+                  <a:schemeClr val="tx1"/>
+                </a:solidFill>
+                <a:effectLst/>
+                <a:latin typeface="+mn-lt"/>
+                <a:ea typeface="+mn-ea"/>
+                <a:cs typeface="+mn-cs"/>
+              </a:rPr>
+              <a:t> estimativa do valor ausente como sendo a média ou o valor mais frequente de um determinado cluster.</a:t>
+            </a:r>
+            <a:r>
+              <a:rPr lang="pt-BR" sz="1200" b="0" i="0" kern="1200" baseline="0" dirty="0">
+                <a:solidFill>
+                  <a:schemeClr val="tx1"/>
+                </a:solidFill>
+                <a:effectLst/>
+                <a:latin typeface="+mn-lt"/>
+                <a:ea typeface="+mn-ea"/>
+                <a:cs typeface="+mn-cs"/>
+              </a:rPr>
+              <a:t> Esta é uma abordagem </a:t>
+            </a:r>
+            <a:r>
+              <a:rPr lang="pt-BR" sz="1200" b="0" i="0" kern="1200" dirty="0">
+                <a:solidFill>
+                  <a:schemeClr val="tx1"/>
+                </a:solidFill>
+                <a:effectLst/>
+                <a:latin typeface="+mn-lt"/>
+                <a:ea typeface="+mn-ea"/>
+                <a:cs typeface="+mn-cs"/>
+              </a:rPr>
+              <a:t>mais sólida porque usa mais informações sobre a natureza do domínio.</a:t>
+            </a:r>
+          </a:p>
+          <a:p>
+            <a:pPr marL="171450" marR="0" lvl="0" indent="-171450" algn="l" defTabSz="914400" rtl="0" eaLnBrk="1" fontAlgn="auto" latinLnBrk="0" hangingPunct="1">
+              <a:lnSpc>
+                <a:spcPct val="100000"/>
+              </a:lnSpc>
+              <a:spcBef>
+                <a:spcPts val="0"/>
+              </a:spcBef>
+              <a:spcAft>
+                <a:spcPts val="0"/>
+              </a:spcAft>
+              <a:buClrTx/>
+              <a:buSzTx/>
+              <a:buFont typeface="Arial" panose="020B0604020202020204" pitchFamily="34" charset="0"/>
+              <a:buChar char="•"/>
+              <a:tabLst/>
+              <a:defRPr/>
+            </a:pPr>
+            <a:r>
+              <a:rPr lang="pt-BR" dirty="0"/>
+              <a:t>ferramentas de visualização de dados multidimensionais</a:t>
+            </a:r>
+          </a:p>
+          <a:p>
+            <a:pPr marL="171450" marR="0" lvl="0" indent="-171450" algn="l" defTabSz="914400" rtl="0" eaLnBrk="1" fontAlgn="auto" latinLnBrk="0" hangingPunct="1">
+              <a:lnSpc>
+                <a:spcPct val="100000"/>
+              </a:lnSpc>
+              <a:spcBef>
+                <a:spcPts val="0"/>
+              </a:spcBef>
+              <a:spcAft>
+                <a:spcPts val="0"/>
+              </a:spcAft>
+              <a:buClrTx/>
+              <a:buSzTx/>
+              <a:buFont typeface="Arial" panose="020B0604020202020204" pitchFamily="34" charset="0"/>
+              <a:buChar char="•"/>
+              <a:tabLst/>
+              <a:defRPr/>
+            </a:pPr>
+            <a:r>
+              <a:rPr lang="pt-BR" dirty="0"/>
+              <a:t>Auxiliares para criação de classificadores mais simples: </a:t>
+            </a:r>
+            <a:r>
+              <a:rPr lang="pt-BR" sz="1200" b="0" i="0" kern="1200" dirty="0">
+                <a:solidFill>
+                  <a:schemeClr val="tx1"/>
+                </a:solidFill>
+                <a:effectLst/>
+                <a:latin typeface="+mn-lt"/>
+                <a:ea typeface="+mn-ea"/>
+                <a:cs typeface="+mn-cs"/>
+              </a:rPr>
+              <a:t>o conhecimento de clusters de dados pode ser útil no aprendizado supervisionado. É bastante comum que todos (ou quase todos) os exemplos em um cluster pertençam à mesma classe. Nesse caso, o desenvolvedor de um software de aprendizado supervisionado pode decidir primeiro identificar os clusters e depois rotular cada cluster (todos os exemplos que pertencem</a:t>
+            </a:r>
+            <a:r>
+              <a:rPr lang="pt-BR" sz="1200" b="0" i="0" kern="1200" baseline="0" dirty="0">
+                <a:solidFill>
+                  <a:schemeClr val="tx1"/>
+                </a:solidFill>
+                <a:effectLst/>
+                <a:latin typeface="+mn-lt"/>
+                <a:ea typeface="+mn-ea"/>
+                <a:cs typeface="+mn-cs"/>
+              </a:rPr>
+              <a:t> ao cluster)</a:t>
+            </a:r>
+            <a:r>
+              <a:rPr lang="pt-BR" sz="1200" b="0" i="0" kern="1200" dirty="0">
+                <a:solidFill>
+                  <a:schemeClr val="tx1"/>
+                </a:solidFill>
+                <a:effectLst/>
+                <a:latin typeface="+mn-lt"/>
+                <a:ea typeface="+mn-ea"/>
+                <a:cs typeface="+mn-cs"/>
+              </a:rPr>
+              <a:t> com sua classe dominante.</a:t>
+            </a:r>
+          </a:p>
+        </p:txBody>
+      </p:sp>
+      <p:sp>
+        <p:nvSpPr>
+          <p:cNvPr id="4" name="Slide Number Placeholder 3"/>
           <p:cNvSpPr>
             <a:spLocks noGrp="1"/>
           </p:cNvSpPr>
@@ -1091,7 +1445,7 @@
           <a:p>
             <a:fld id="{F430A2A4-8C14-4B1A-AD48-7B6401078BF7}" type="slidenum">
               <a:rPr lang="pt-BR" smtClean="0"/>
-              <a:t>6</a:t>
+              <a:t>5</a:t>
             </a:fld>
             <a:endParaRPr lang="pt-BR"/>
           </a:p>
@@ -1100,7 +1454,7 @@
     </p:spTree>
     <p:extLst>
       <p:ext uri="{BB962C8B-B14F-4D97-AF65-F5344CB8AC3E}">
-        <p14:creationId xmlns:p14="http://schemas.microsoft.com/office/powerpoint/2010/main" val="4076858274"/>
+        <p14:creationId xmlns:p14="http://schemas.microsoft.com/office/powerpoint/2010/main" val="2248288649"/>
       </p:ext>
     </p:extLst>
   </p:cSld>
@@ -1154,6 +1508,652 @@
           <a:bodyPr/>
           <a:lstStyle/>
           <a:p>
+            <a:endParaRPr lang="en-US" dirty="0"/>
+          </a:p>
+        </p:txBody>
+      </p:sp>
+      <p:sp>
+        <p:nvSpPr>
+          <p:cNvPr id="4" name="Espaço Reservado para Número de Slide 3"/>
+          <p:cNvSpPr>
+            <a:spLocks noGrp="1"/>
+          </p:cNvSpPr>
+          <p:nvPr>
+            <p:ph type="sldNum" sz="quarter" idx="10"/>
+          </p:nvPr>
+        </p:nvSpPr>
+        <p:spPr/>
+        <p:txBody>
+          <a:bodyPr/>
+          <a:lstStyle/>
+          <a:p>
+            <a:fld id="{F430A2A4-8C14-4B1A-AD48-7B6401078BF7}" type="slidenum">
+              <a:rPr lang="pt-BR" smtClean="0"/>
+              <a:t>7</a:t>
+            </a:fld>
+            <a:endParaRPr lang="pt-BR"/>
+          </a:p>
+        </p:txBody>
+      </p:sp>
+    </p:spTree>
+    <p:extLst>
+      <p:ext uri="{BB962C8B-B14F-4D97-AF65-F5344CB8AC3E}">
+        <p14:creationId xmlns:p14="http://schemas.microsoft.com/office/powerpoint/2010/main" val="4076858274"/>
+      </p:ext>
+    </p:extLst>
+  </p:cSld>
+  <p:clrMapOvr>
+    <a:masterClrMapping/>
+  </p:clrMapOvr>
+</p:notes>
+</file>
+
+<file path=ppt/notesSlides/notesSlide6.xml><?xml version="1.0" encoding="utf-8"?>
+<p:notes xmlns:a="http://schemas.openxmlformats.org/drawingml/2006/main" xmlns:r="http://schemas.openxmlformats.org/officeDocument/2006/relationships" xmlns:p="http://schemas.openxmlformats.org/presentationml/2006/main">
+  <p:cSld>
+    <p:spTree>
+      <p:nvGrpSpPr>
+        <p:cNvPr id="1" name="">
+          <a:extLst>
+            <a:ext uri="{FF2B5EF4-FFF2-40B4-BE49-F238E27FC236}">
+              <a16:creationId xmlns:a16="http://schemas.microsoft.com/office/drawing/2014/main" id="{D98F69D2-AA2F-1FAB-FC58-E17B9F051FEC}"/>
+            </a:ext>
+          </a:extLst>
+        </p:cNvPr>
+        <p:cNvGrpSpPr/>
+        <p:nvPr/>
+      </p:nvGrpSpPr>
+      <p:grpSpPr>
+        <a:xfrm>
+          <a:off x="0" y="0"/>
+          <a:ext cx="0" cy="0"/>
+          <a:chOff x="0" y="0"/>
+          <a:chExt cx="0" cy="0"/>
+        </a:xfrm>
+      </p:grpSpPr>
+      <p:sp>
+        <p:nvSpPr>
+          <p:cNvPr id="2" name="Espaço Reservado para Imagem de Slide 1">
+            <a:extLst>
+              <a:ext uri="{FF2B5EF4-FFF2-40B4-BE49-F238E27FC236}">
+                <a16:creationId xmlns:a16="http://schemas.microsoft.com/office/drawing/2014/main" id="{BFA38404-D7C9-03F2-A7E5-10C0EFC8F190}"/>
+              </a:ext>
+            </a:extLst>
+          </p:cNvPr>
+          <p:cNvSpPr>
+            <a:spLocks noGrp="1" noRot="1" noChangeAspect="1"/>
+          </p:cNvSpPr>
+          <p:nvPr>
+            <p:ph type="sldImg"/>
+          </p:nvPr>
+        </p:nvSpPr>
+        <p:spPr/>
+      </p:sp>
+      <p:sp>
+        <p:nvSpPr>
+          <p:cNvPr id="3" name="Espaço Reservado para Anotações 2">
+            <a:extLst>
+              <a:ext uri="{FF2B5EF4-FFF2-40B4-BE49-F238E27FC236}">
+                <a16:creationId xmlns:a16="http://schemas.microsoft.com/office/drawing/2014/main" id="{5A8313F1-5D52-52B4-46D0-20D6D6D5149A}"/>
+              </a:ext>
+            </a:extLst>
+          </p:cNvPr>
+          <p:cNvSpPr>
+            <a:spLocks noGrp="1"/>
+          </p:cNvSpPr>
+          <p:nvPr>
+            <p:ph type="body" idx="1"/>
+          </p:nvPr>
+        </p:nvSpPr>
+        <p:spPr/>
+        <p:txBody>
+          <a:bodyPr/>
+          <a:lstStyle/>
+          <a:p>
+            <a:endParaRPr lang="en-US" dirty="0"/>
+          </a:p>
+        </p:txBody>
+      </p:sp>
+      <p:sp>
+        <p:nvSpPr>
+          <p:cNvPr id="4" name="Espaço Reservado para Número de Slide 3">
+            <a:extLst>
+              <a:ext uri="{FF2B5EF4-FFF2-40B4-BE49-F238E27FC236}">
+                <a16:creationId xmlns:a16="http://schemas.microsoft.com/office/drawing/2014/main" id="{428A95A6-CC49-168A-C37A-1C6EB3B93225}"/>
+              </a:ext>
+            </a:extLst>
+          </p:cNvPr>
+          <p:cNvSpPr>
+            <a:spLocks noGrp="1"/>
+          </p:cNvSpPr>
+          <p:nvPr>
+            <p:ph type="sldNum" sz="quarter" idx="10"/>
+          </p:nvPr>
+        </p:nvSpPr>
+        <p:spPr/>
+        <p:txBody>
+          <a:bodyPr/>
+          <a:lstStyle/>
+          <a:p>
+            <a:fld id="{F430A2A4-8C14-4B1A-AD48-7B6401078BF7}" type="slidenum">
+              <a:rPr lang="pt-BR" smtClean="0"/>
+              <a:t>8</a:t>
+            </a:fld>
+            <a:endParaRPr lang="pt-BR"/>
+          </a:p>
+        </p:txBody>
+      </p:sp>
+    </p:spTree>
+    <p:extLst>
+      <p:ext uri="{BB962C8B-B14F-4D97-AF65-F5344CB8AC3E}">
+        <p14:creationId xmlns:p14="http://schemas.microsoft.com/office/powerpoint/2010/main" val="2545804501"/>
+      </p:ext>
+    </p:extLst>
+  </p:cSld>
+  <p:clrMapOvr>
+    <a:masterClrMapping/>
+  </p:clrMapOvr>
+</p:notes>
+</file>
+
+<file path=ppt/notesSlides/notesSlide7.xml><?xml version="1.0" encoding="utf-8"?>
+<p:notes xmlns:a="http://schemas.openxmlformats.org/drawingml/2006/main" xmlns:r="http://schemas.openxmlformats.org/officeDocument/2006/relationships" xmlns:p="http://schemas.openxmlformats.org/presentationml/2006/main">
+  <p:cSld>
+    <p:spTree>
+      <p:nvGrpSpPr>
+        <p:cNvPr id="1" name=""/>
+        <p:cNvGrpSpPr/>
+        <p:nvPr/>
+      </p:nvGrpSpPr>
+      <p:grpSpPr>
+        <a:xfrm>
+          <a:off x="0" y="0"/>
+          <a:ext cx="0" cy="0"/>
+          <a:chOff x="0" y="0"/>
+          <a:chExt cx="0" cy="0"/>
+        </a:xfrm>
+      </p:grpSpPr>
+      <p:sp>
+        <p:nvSpPr>
+          <p:cNvPr id="2" name="Espaço Reservado para Imagem de Slide 1"/>
+          <p:cNvSpPr>
+            <a:spLocks noGrp="1" noRot="1" noChangeAspect="1"/>
+          </p:cNvSpPr>
+          <p:nvPr>
+            <p:ph type="sldImg"/>
+          </p:nvPr>
+        </p:nvSpPr>
+        <p:spPr/>
+      </p:sp>
+      <p:sp>
+        <p:nvSpPr>
+          <p:cNvPr id="3" name="Espaço Reservado para Anotações 2"/>
+          <p:cNvSpPr>
+            <a:spLocks noGrp="1"/>
+          </p:cNvSpPr>
+          <p:nvPr>
+            <p:ph type="body" idx="1"/>
+          </p:nvPr>
+        </p:nvSpPr>
+        <p:spPr/>
+        <p:txBody>
+          <a:bodyPr/>
+          <a:lstStyle/>
+          <a:p>
+            <a:r>
+              <a:rPr lang="pt-BR" dirty="0"/>
+              <a:t>O K-</a:t>
+            </a:r>
+            <a:r>
+              <a:rPr lang="pt-BR" dirty="0" err="1"/>
+              <a:t>Means</a:t>
+            </a:r>
+            <a:r>
+              <a:rPr lang="pt-BR" dirty="0"/>
+              <a:t> encerra o treinamento com base em </a:t>
+            </a:r>
+            <a:r>
+              <a:rPr lang="pt-BR" b="1" dirty="0"/>
+              <a:t>critérios de convergência</a:t>
+            </a:r>
+            <a:r>
+              <a:rPr lang="pt-BR" dirty="0"/>
+              <a:t> que indicam quando o algoritmo atingiu um estado estável ou suficiente para parar. Esses critérios incluem:</a:t>
+            </a:r>
+          </a:p>
+          <a:p>
+            <a:r>
+              <a:rPr lang="pt-BR" b="1" dirty="0"/>
+              <a:t>1. Estabilização dos Centroides</a:t>
+            </a:r>
+          </a:p>
+          <a:p>
+            <a:pPr>
+              <a:buFont typeface="Arial" panose="020B0604020202020204" pitchFamily="34" charset="0"/>
+              <a:buChar char="•"/>
+            </a:pPr>
+            <a:r>
+              <a:rPr lang="pt-BR" dirty="0"/>
+              <a:t>O algoritmo para quando os </a:t>
+            </a:r>
+            <a:r>
+              <a:rPr lang="pt-BR" b="1" dirty="0"/>
+              <a:t>centroides não se movem mais significativamente</a:t>
+            </a:r>
+            <a:r>
+              <a:rPr lang="pt-BR" dirty="0"/>
+              <a:t> entre iterações.</a:t>
+            </a:r>
+          </a:p>
+          <a:p>
+            <a:pPr>
+              <a:buFont typeface="Arial" panose="020B0604020202020204" pitchFamily="34" charset="0"/>
+              <a:buChar char="•"/>
+            </a:pPr>
+            <a:r>
+              <a:rPr lang="pt-BR" dirty="0"/>
+              <a:t>Concretamente, isso significa que os deslocamentos dos centroides são menores que um limite pré-definido (ϵ\</a:t>
+            </a:r>
+            <a:r>
+              <a:rPr lang="pt-BR" dirty="0" err="1"/>
+              <a:t>epsilon</a:t>
+            </a:r>
+            <a:r>
+              <a:rPr lang="pt-BR" dirty="0"/>
+              <a:t>).</a:t>
+            </a:r>
+          </a:p>
+          <a:p>
+            <a:r>
+              <a:rPr lang="pt-BR" dirty="0"/>
+              <a:t>∥novo centroide−antigo centroide∥&lt;ϵ\|\</a:t>
+            </a:r>
+            <a:r>
+              <a:rPr lang="pt-BR" dirty="0" err="1"/>
+              <a:t>text</a:t>
+            </a:r>
+            <a:r>
+              <a:rPr lang="pt-BR" dirty="0"/>
+              <a:t>{novo centroide} - \</a:t>
+            </a:r>
+            <a:r>
+              <a:rPr lang="pt-BR" dirty="0" err="1"/>
+              <a:t>text</a:t>
+            </a:r>
+            <a:r>
+              <a:rPr lang="pt-BR" dirty="0"/>
+              <a:t>{antigo centroide}\| &lt; \</a:t>
+            </a:r>
+            <a:r>
+              <a:rPr lang="pt-BR" dirty="0" err="1"/>
+              <a:t>epsilon</a:t>
+            </a:r>
+            <a:r>
+              <a:rPr lang="pt-BR" dirty="0"/>
+              <a:t> </a:t>
+            </a:r>
+            <a:r>
+              <a:rPr lang="pt-BR" b="1" dirty="0"/>
+              <a:t>2. Estabilização das Atribuições de Cluster</a:t>
+            </a:r>
+          </a:p>
+          <a:p>
+            <a:pPr>
+              <a:buFont typeface="Arial" panose="020B0604020202020204" pitchFamily="34" charset="0"/>
+              <a:buChar char="•"/>
+            </a:pPr>
+            <a:r>
+              <a:rPr lang="pt-BR" dirty="0"/>
+              <a:t>Se os pontos não mudarem de cluster entre iterações, o K-</a:t>
+            </a:r>
+            <a:r>
+              <a:rPr lang="pt-BR" dirty="0" err="1"/>
+              <a:t>Means</a:t>
+            </a:r>
+            <a:r>
+              <a:rPr lang="pt-BR" dirty="0"/>
+              <a:t> considera que atingiu a convergência.</a:t>
+            </a:r>
+          </a:p>
+          <a:p>
+            <a:r>
+              <a:rPr lang="pt-BR" b="1" dirty="0"/>
+              <a:t>3. Número Máximo de Iterações</a:t>
+            </a:r>
+          </a:p>
+          <a:p>
+            <a:pPr>
+              <a:buFont typeface="Arial" panose="020B0604020202020204" pitchFamily="34" charset="0"/>
+              <a:buChar char="•"/>
+            </a:pPr>
+            <a:r>
+              <a:rPr lang="pt-BR" dirty="0"/>
+              <a:t>Um limite máximo de iterações pode ser imposto (</a:t>
+            </a:r>
+            <a:r>
+              <a:rPr lang="pt-BR" dirty="0" err="1"/>
+              <a:t>max_itermax</a:t>
+            </a:r>
+            <a:r>
+              <a:rPr lang="pt-BR" dirty="0"/>
+              <a:t>\_iter) para evitar que o algoritmo continue indefinidamente, especialmente em casos em que a convergência é difícil de alcançar.</a:t>
+            </a:r>
+          </a:p>
+          <a:p>
+            <a:r>
+              <a:rPr lang="pt-BR" b="1" dirty="0"/>
+              <a:t>4. Convergência da Função Objetivo</a:t>
+            </a:r>
+          </a:p>
+          <a:p>
+            <a:pPr>
+              <a:buFont typeface="Arial" panose="020B0604020202020204" pitchFamily="34" charset="0"/>
+              <a:buChar char="•"/>
+            </a:pPr>
+            <a:r>
+              <a:rPr lang="pt-BR" dirty="0"/>
+              <a:t>O algoritmo minimiza a </a:t>
+            </a:r>
+            <a:r>
+              <a:rPr lang="pt-BR" b="1" dirty="0"/>
+              <a:t>soma dos erros quadráticos </a:t>
+            </a:r>
+            <a:r>
+              <a:rPr lang="pt-BR" b="1" dirty="0" err="1"/>
+              <a:t>intra-cluster</a:t>
+            </a:r>
+            <a:r>
+              <a:rPr lang="pt-BR" b="1" dirty="0"/>
+              <a:t> (WSS)</a:t>
+            </a:r>
+            <a:r>
+              <a:rPr lang="pt-BR" dirty="0"/>
+              <a:t>, definida como:</a:t>
+            </a:r>
+          </a:p>
+          <a:p>
+            <a:pPr>
+              <a:buFont typeface="Arial" panose="020B0604020202020204" pitchFamily="34" charset="0"/>
+              <a:buChar char="•"/>
+            </a:pPr>
+            <a:r>
+              <a:rPr lang="pt-BR" dirty="0"/>
+              <a:t>WSS=∑i=1k∑x∈Ci∥x−μi∥2\</a:t>
+            </a:r>
+            <a:r>
+              <a:rPr lang="pt-BR" dirty="0" err="1"/>
+              <a:t>text</a:t>
+            </a:r>
+            <a:r>
+              <a:rPr lang="pt-BR" dirty="0"/>
+              <a:t>{WSS} = \sum_{i=1}^{k} \sum_{x \in </a:t>
+            </a:r>
+            <a:r>
+              <a:rPr lang="pt-BR" dirty="0" err="1"/>
+              <a:t>C_i</a:t>
+            </a:r>
+            <a:r>
+              <a:rPr lang="pt-BR" dirty="0"/>
+              <a:t>} \|\</a:t>
+            </a:r>
+            <a:r>
+              <a:rPr lang="pt-BR" dirty="0" err="1"/>
+              <a:t>mathbf</a:t>
+            </a:r>
+            <a:r>
+              <a:rPr lang="pt-BR" dirty="0"/>
+              <a:t>{x} - \</a:t>
+            </a:r>
+            <a:r>
+              <a:rPr lang="pt-BR" dirty="0" err="1"/>
+              <a:t>mu_i</a:t>
+            </a:r>
+            <a:r>
+              <a:rPr lang="pt-BR" dirty="0"/>
+              <a:t>\|^2 O K-</a:t>
+            </a:r>
+            <a:r>
+              <a:rPr lang="pt-BR" dirty="0" err="1"/>
+              <a:t>Means</a:t>
+            </a:r>
+            <a:r>
+              <a:rPr lang="pt-BR" dirty="0"/>
+              <a:t> para quando a redução no WSSWSS entre iterações consecutivas é menor que um limiar (Δ\Delta).</a:t>
+            </a:r>
+          </a:p>
+          <a:p>
+            <a:r>
+              <a:rPr lang="pt-BR" b="1" dirty="0"/>
+              <a:t>Processo Geral:</a:t>
+            </a:r>
+          </a:p>
+          <a:p>
+            <a:pPr>
+              <a:buFont typeface="+mj-lt"/>
+              <a:buAutoNum type="arabicPeriod"/>
+            </a:pPr>
+            <a:r>
+              <a:rPr lang="pt-BR" b="1" dirty="0"/>
+              <a:t>Inicialização</a:t>
+            </a:r>
+            <a:r>
+              <a:rPr lang="pt-BR" dirty="0"/>
+              <a:t>: Escolher </a:t>
+            </a:r>
+            <a:r>
+              <a:rPr lang="pt-BR" dirty="0" err="1"/>
+              <a:t>kk</a:t>
+            </a:r>
+            <a:r>
+              <a:rPr lang="pt-BR" dirty="0"/>
+              <a:t> centroides iniciais (aleatoriamente ou por métodos como K-</a:t>
+            </a:r>
+            <a:r>
+              <a:rPr lang="pt-BR" dirty="0" err="1"/>
+              <a:t>Means</a:t>
+            </a:r>
+            <a:r>
+              <a:rPr lang="pt-BR" dirty="0"/>
+              <a:t>++).</a:t>
+            </a:r>
+          </a:p>
+          <a:p>
+            <a:pPr>
+              <a:buFont typeface="+mj-lt"/>
+              <a:buAutoNum type="arabicPeriod"/>
+            </a:pPr>
+            <a:r>
+              <a:rPr lang="pt-BR" b="1" dirty="0"/>
+              <a:t>Passo de Atribuição</a:t>
+            </a:r>
+            <a:r>
+              <a:rPr lang="pt-BR" dirty="0"/>
+              <a:t>: Atribuir cada ponto ao cluster mais próximo (com base na distância, normalmente Euclidiana).</a:t>
+            </a:r>
+          </a:p>
+          <a:p>
+            <a:pPr>
+              <a:buFont typeface="+mj-lt"/>
+              <a:buAutoNum type="arabicPeriod"/>
+            </a:pPr>
+            <a:r>
+              <a:rPr lang="pt-BR" b="1" dirty="0"/>
+              <a:t>Passo de Atualização</a:t>
+            </a:r>
+            <a:r>
+              <a:rPr lang="pt-BR" dirty="0"/>
+              <a:t>: Recalcular os centroides como a média dos pontos atribuídos a cada cluster.</a:t>
+            </a:r>
+          </a:p>
+          <a:p>
+            <a:pPr>
+              <a:buFont typeface="+mj-lt"/>
+              <a:buAutoNum type="arabicPeriod"/>
+            </a:pPr>
+            <a:r>
+              <a:rPr lang="pt-BR" b="1" dirty="0"/>
+              <a:t>Verificação do Critério de Parada</a:t>
+            </a:r>
+            <a:r>
+              <a:rPr lang="pt-BR" dirty="0"/>
+              <a:t>: Verificar se algum dos critérios acima foi atendido. Caso contrário, repetir os passos 2 e 3.</a:t>
+            </a:r>
+          </a:p>
+          <a:p>
+            <a:r>
+              <a:rPr lang="pt-BR" b="1" dirty="0"/>
+              <a:t>Convergência e Garantias</a:t>
+            </a:r>
+          </a:p>
+          <a:p>
+            <a:pPr>
+              <a:buFont typeface="Arial" panose="020B0604020202020204" pitchFamily="34" charset="0"/>
+              <a:buChar char="•"/>
+            </a:pPr>
+            <a:r>
+              <a:rPr lang="pt-BR" dirty="0"/>
+              <a:t>O K-</a:t>
+            </a:r>
+            <a:r>
+              <a:rPr lang="pt-BR" dirty="0" err="1"/>
+              <a:t>Means</a:t>
+            </a:r>
+            <a:r>
+              <a:rPr lang="pt-BR" dirty="0"/>
+              <a:t> </a:t>
+            </a:r>
+            <a:r>
+              <a:rPr lang="pt-BR" b="1" dirty="0"/>
+              <a:t>sempre converge</a:t>
+            </a:r>
+            <a:r>
+              <a:rPr lang="pt-BR" dirty="0"/>
+              <a:t>, mas pode parar em mínimos locais (não garante o ótimo global).</a:t>
+            </a:r>
+          </a:p>
+          <a:p>
+            <a:pPr>
+              <a:buFont typeface="Arial" panose="020B0604020202020204" pitchFamily="34" charset="0"/>
+              <a:buChar char="•"/>
+            </a:pPr>
+            <a:r>
+              <a:rPr lang="pt-BR" dirty="0"/>
+              <a:t>Para melhorar a convergência, pode-se: </a:t>
+            </a:r>
+          </a:p>
+          <a:p>
+            <a:pPr marL="742950" lvl="1" indent="-285750">
+              <a:buFont typeface="Arial" panose="020B0604020202020204" pitchFamily="34" charset="0"/>
+              <a:buChar char="•"/>
+            </a:pPr>
+            <a:r>
+              <a:rPr lang="pt-BR" dirty="0"/>
+              <a:t>Usar inicialização inteligente (como K-</a:t>
+            </a:r>
+            <a:r>
+              <a:rPr lang="pt-BR" dirty="0" err="1"/>
+              <a:t>Means</a:t>
+            </a:r>
+            <a:r>
+              <a:rPr lang="pt-BR" dirty="0"/>
+              <a:t>++).</a:t>
+            </a:r>
+          </a:p>
+          <a:p>
+            <a:pPr marL="742950" lvl="1" indent="-285750">
+              <a:buFont typeface="Arial" panose="020B0604020202020204" pitchFamily="34" charset="0"/>
+              <a:buChar char="•"/>
+            </a:pPr>
+            <a:r>
+              <a:rPr lang="pt-BR" dirty="0"/>
+              <a:t>Executar o algoritmo várias vezes com diferentes inicializações e escolher o melhor resultado.</a:t>
+            </a:r>
+          </a:p>
+          <a:p>
+            <a:endParaRPr lang="pt-BR" dirty="0"/>
+          </a:p>
+        </p:txBody>
+      </p:sp>
+      <p:sp>
+        <p:nvSpPr>
+          <p:cNvPr id="4" name="Espaço Reservado para Número de Slide 3"/>
+          <p:cNvSpPr>
+            <a:spLocks noGrp="1"/>
+          </p:cNvSpPr>
+          <p:nvPr>
+            <p:ph type="sldNum" sz="quarter" idx="5"/>
+          </p:nvPr>
+        </p:nvSpPr>
+        <p:spPr/>
+        <p:txBody>
+          <a:bodyPr/>
+          <a:lstStyle/>
+          <a:p>
+            <a:fld id="{F430A2A4-8C14-4B1A-AD48-7B6401078BF7}" type="slidenum">
+              <a:rPr lang="pt-BR" smtClean="0"/>
+              <a:t>14</a:t>
+            </a:fld>
+            <a:endParaRPr lang="pt-BR"/>
+          </a:p>
+        </p:txBody>
+      </p:sp>
+    </p:spTree>
+    <p:extLst>
+      <p:ext uri="{BB962C8B-B14F-4D97-AF65-F5344CB8AC3E}">
+        <p14:creationId xmlns:p14="http://schemas.microsoft.com/office/powerpoint/2010/main" val="3481659351"/>
+      </p:ext>
+    </p:extLst>
+  </p:cSld>
+  <p:clrMapOvr>
+    <a:masterClrMapping/>
+  </p:clrMapOvr>
+</p:notes>
+</file>
+
+<file path=ppt/notesSlides/notesSlide8.xml><?xml version="1.0" encoding="utf-8"?>
+<p:notes xmlns:a="http://schemas.openxmlformats.org/drawingml/2006/main" xmlns:r="http://schemas.openxmlformats.org/officeDocument/2006/relationships" xmlns:p="http://schemas.openxmlformats.org/presentationml/2006/main">
+  <p:cSld>
+    <p:spTree>
+      <p:nvGrpSpPr>
+        <p:cNvPr id="1" name=""/>
+        <p:cNvGrpSpPr/>
+        <p:nvPr/>
+      </p:nvGrpSpPr>
+      <p:grpSpPr>
+        <a:xfrm>
+          <a:off x="0" y="0"/>
+          <a:ext cx="0" cy="0"/>
+          <a:chOff x="0" y="0"/>
+          <a:chExt cx="0" cy="0"/>
+        </a:xfrm>
+      </p:grpSpPr>
+      <p:sp>
+        <p:nvSpPr>
+          <p:cNvPr id="2" name="Espaço Reservado para Imagem de Slide 1"/>
+          <p:cNvSpPr>
+            <a:spLocks noGrp="1" noRot="1" noChangeAspect="1"/>
+          </p:cNvSpPr>
+          <p:nvPr>
+            <p:ph type="sldImg"/>
+          </p:nvPr>
+        </p:nvSpPr>
+        <p:spPr/>
+      </p:sp>
+      <p:sp>
+        <p:nvSpPr>
+          <p:cNvPr id="3" name="Espaço Reservado para Anotações 2"/>
+          <p:cNvSpPr>
+            <a:spLocks noGrp="1"/>
+          </p:cNvSpPr>
+          <p:nvPr>
+            <p:ph type="body" idx="1"/>
+          </p:nvPr>
+        </p:nvSpPr>
+        <p:spPr/>
+        <p:txBody>
+          <a:bodyPr/>
+          <a:lstStyle/>
+          <a:p>
             <a:pPr marL="0" marR="0" lvl="0" indent="0" algn="l" defTabSz="914400" rtl="0" eaLnBrk="1" fontAlgn="auto" latinLnBrk="0" hangingPunct="1">
               <a:lnSpc>
                 <a:spcPct val="100000"/>
@@ -1191,6 +2191,25 @@
               <a:rPr lang="pt-BR" dirty="0"/>
               <a:t>https://colab.research.google.com/github/zz4fap/t320_aprendizado_de_maquina/blob/main/notebooks/clustering/kmeans_example.ipynb</a:t>
             </a:r>
+          </a:p>
+          <a:p>
+            <a:pPr marL="0" marR="0" lvl="0" indent="0" algn="l" defTabSz="914400" rtl="0" eaLnBrk="1" fontAlgn="auto" latinLnBrk="0" hangingPunct="1">
+              <a:lnSpc>
+                <a:spcPct val="100000"/>
+              </a:lnSpc>
+              <a:spcBef>
+                <a:spcPts val="0"/>
+              </a:spcBef>
+              <a:spcAft>
+                <a:spcPts val="0"/>
+              </a:spcAft>
+              <a:buClrTx/>
+              <a:buSzTx/>
+              <a:buFontTx/>
+              <a:buNone/>
+              <a:tabLst/>
+              <a:defRPr/>
+            </a:pPr>
             <a:endParaRPr lang="pt-BR" sz="1200" b="0" dirty="0">
               <a:solidFill>
                 <a:srgbClr val="00B0F0"/>
@@ -1198,6 +2217,550 @@
             </a:endParaRPr>
           </a:p>
           <a:p>
+            <a:pPr marL="0" marR="0" lvl="0" indent="0" algn="l" defTabSz="914400" rtl="0" eaLnBrk="1" fontAlgn="auto" latinLnBrk="0" hangingPunct="1">
+              <a:lnSpc>
+                <a:spcPct val="100000"/>
+              </a:lnSpc>
+              <a:spcBef>
+                <a:spcPts val="0"/>
+              </a:spcBef>
+              <a:spcAft>
+                <a:spcPts val="0"/>
+              </a:spcAft>
+              <a:buClrTx/>
+              <a:buSzTx/>
+              <a:buFontTx/>
+              <a:buNone/>
+              <a:tabLst/>
+              <a:defRPr/>
+            </a:pPr>
+            <a:endParaRPr lang="pt-BR" sz="1200" b="0" dirty="0">
+              <a:solidFill>
+                <a:srgbClr val="00B0F0"/>
+              </a:solidFill>
+            </a:endParaRPr>
+          </a:p>
+          <a:p>
+            <a:r>
+              <a:rPr lang="pt-BR" dirty="0"/>
+              <a:t>Identificar o melhor número de clusters (</a:t>
+            </a:r>
+            <a:r>
+              <a:rPr lang="pt-BR" dirty="0" err="1"/>
+              <a:t>kk</a:t>
+            </a:r>
+            <a:r>
+              <a:rPr lang="pt-BR" dirty="0"/>
+              <a:t>) no K-</a:t>
+            </a:r>
+            <a:r>
+              <a:rPr lang="pt-BR" dirty="0" err="1"/>
+              <a:t>Means</a:t>
+            </a:r>
+            <a:r>
+              <a:rPr lang="pt-BR" dirty="0"/>
+              <a:t> é um passo fundamental para garantir a eficiência e a utilidade da clusterização. Existem várias abordagens para determinar o valor ideal de </a:t>
+            </a:r>
+            <a:r>
+              <a:rPr lang="pt-BR" dirty="0" err="1"/>
+              <a:t>kk</a:t>
+            </a:r>
+            <a:r>
+              <a:rPr lang="pt-BR" dirty="0"/>
+              <a:t>. As mais comuns incluem:</a:t>
+            </a:r>
+          </a:p>
+          <a:p>
+            <a:r>
+              <a:rPr lang="pt-BR" b="1" dirty="0"/>
+              <a:t>1. Método do Cotovelo (</a:t>
+            </a:r>
+            <a:r>
+              <a:rPr lang="pt-BR" b="1" dirty="0" err="1"/>
+              <a:t>Elbow</a:t>
+            </a:r>
+            <a:r>
+              <a:rPr lang="pt-BR" b="1" dirty="0"/>
+              <a:t> </a:t>
+            </a:r>
+            <a:r>
+              <a:rPr lang="pt-BR" b="1" dirty="0" err="1"/>
+              <a:t>Method</a:t>
+            </a:r>
+            <a:r>
+              <a:rPr lang="pt-BR" b="1" dirty="0"/>
+              <a:t>)</a:t>
+            </a:r>
+          </a:p>
+          <a:p>
+            <a:r>
+              <a:rPr lang="pt-BR" dirty="0"/>
+              <a:t>Este método analisa a variação da </a:t>
+            </a:r>
+            <a:r>
+              <a:rPr lang="pt-BR" b="1" dirty="0"/>
+              <a:t>inércia </a:t>
+            </a:r>
+            <a:r>
+              <a:rPr lang="pt-BR" b="1" dirty="0" err="1"/>
+              <a:t>intra-cluster</a:t>
+            </a:r>
+            <a:r>
+              <a:rPr lang="pt-BR" dirty="0"/>
+              <a:t> (ou soma dos erros quadráticos dentro dos clusters, WSSWSS) à medida que o número de clusters aumenta.</a:t>
+            </a:r>
+          </a:p>
+          <a:p>
+            <a:r>
+              <a:rPr lang="pt-BR" b="1" dirty="0"/>
+              <a:t>Passos:</a:t>
+            </a:r>
+          </a:p>
+          <a:p>
+            <a:pPr>
+              <a:buFont typeface="+mj-lt"/>
+              <a:buAutoNum type="arabicPeriod"/>
+            </a:pPr>
+            <a:r>
+              <a:rPr lang="pt-BR" dirty="0"/>
+              <a:t>Execute o K-</a:t>
+            </a:r>
+            <a:r>
+              <a:rPr lang="pt-BR" dirty="0" err="1"/>
+              <a:t>Means</a:t>
+            </a:r>
+            <a:r>
+              <a:rPr lang="pt-BR" dirty="0"/>
+              <a:t> com diferentes valores de </a:t>
+            </a:r>
+            <a:r>
+              <a:rPr lang="pt-BR" dirty="0" err="1"/>
+              <a:t>kk</a:t>
+            </a:r>
+            <a:r>
+              <a:rPr lang="pt-BR" dirty="0"/>
+              <a:t> (por exemplo, k=1k=1 a k=10k=10).</a:t>
+            </a:r>
+          </a:p>
+          <a:p>
+            <a:pPr>
+              <a:buFont typeface="+mj-lt"/>
+              <a:buAutoNum type="arabicPeriod"/>
+            </a:pPr>
+            <a:r>
+              <a:rPr lang="pt-BR" dirty="0"/>
+              <a:t>Calcule o WSSWSS para cada valor de </a:t>
+            </a:r>
+            <a:r>
+              <a:rPr lang="pt-BR" dirty="0" err="1"/>
+              <a:t>kk</a:t>
+            </a:r>
+            <a:r>
+              <a:rPr lang="pt-BR" dirty="0"/>
+              <a:t>.</a:t>
+            </a:r>
+          </a:p>
+          <a:p>
+            <a:pPr>
+              <a:buFont typeface="+mj-lt"/>
+              <a:buAutoNum type="arabicPeriod"/>
+            </a:pPr>
+            <a:r>
+              <a:rPr lang="pt-BR" dirty="0"/>
+              <a:t>Trace um gráfico do WSSWSS em função de </a:t>
+            </a:r>
+            <a:r>
+              <a:rPr lang="pt-BR" dirty="0" err="1"/>
+              <a:t>kk</a:t>
+            </a:r>
+            <a:r>
+              <a:rPr lang="pt-BR" dirty="0"/>
+              <a:t>.</a:t>
+            </a:r>
+          </a:p>
+          <a:p>
+            <a:pPr>
+              <a:buFont typeface="+mj-lt"/>
+              <a:buAutoNum type="arabicPeriod"/>
+            </a:pPr>
+            <a:r>
+              <a:rPr lang="pt-BR" dirty="0"/>
+              <a:t>Identifique o "cotovelo" no gráfico — o ponto onde a redução no WSSWSS se torna menos significativa.</a:t>
+            </a:r>
+          </a:p>
+          <a:p>
+            <a:r>
+              <a:rPr lang="pt-BR" b="1" dirty="0"/>
+              <a:t>Observação:</a:t>
+            </a:r>
+          </a:p>
+          <a:p>
+            <a:r>
+              <a:rPr lang="pt-BR" dirty="0"/>
+              <a:t>O "cotovelo" indica que aumentar </a:t>
+            </a:r>
+            <a:r>
+              <a:rPr lang="pt-BR" dirty="0" err="1"/>
+              <a:t>kk</a:t>
+            </a:r>
+            <a:r>
+              <a:rPr lang="pt-BR" dirty="0"/>
+              <a:t> além desse ponto não resulta em uma melhoria substancial na compactação dos clusters.</a:t>
+            </a:r>
+          </a:p>
+          <a:p>
+            <a:r>
+              <a:rPr lang="pt-BR" b="1" dirty="0"/>
+              <a:t>2. Coeficiente de Silhueta (</a:t>
+            </a:r>
+            <a:r>
+              <a:rPr lang="pt-BR" b="1" dirty="0" err="1"/>
+              <a:t>Silhouette</a:t>
+            </a:r>
+            <a:r>
+              <a:rPr lang="pt-BR" b="1" dirty="0"/>
+              <a:t> Score)</a:t>
+            </a:r>
+          </a:p>
+          <a:p>
+            <a:r>
+              <a:rPr lang="pt-BR" dirty="0"/>
+              <a:t>O coeficiente de silhueta avalia a </a:t>
+            </a:r>
+            <a:r>
+              <a:rPr lang="pt-BR" b="1" dirty="0"/>
+              <a:t>qualidade da clusterização</a:t>
+            </a:r>
+            <a:r>
+              <a:rPr lang="pt-BR" dirty="0"/>
+              <a:t>, considerando a coesão dentro dos clusters e a separação entre eles.</a:t>
+            </a:r>
+          </a:p>
+          <a:p>
+            <a:pPr>
+              <a:buFont typeface="Arial" panose="020B0604020202020204" pitchFamily="34" charset="0"/>
+              <a:buChar char="•"/>
+            </a:pPr>
+            <a:r>
+              <a:rPr lang="pt-BR" dirty="0"/>
+              <a:t>s=b−</a:t>
+            </a:r>
+            <a:r>
+              <a:rPr lang="pt-BR" dirty="0" err="1"/>
+              <a:t>amax</a:t>
+            </a:r>
+            <a:r>
+              <a:rPr lang="pt-BR" dirty="0"/>
+              <a:t>⁡(</a:t>
+            </a:r>
+            <a:r>
+              <a:rPr lang="pt-BR" dirty="0" err="1"/>
+              <a:t>a,b</a:t>
+            </a:r>
+            <a:r>
+              <a:rPr lang="pt-BR" dirty="0"/>
+              <a:t>)s = \</a:t>
+            </a:r>
+            <a:r>
+              <a:rPr lang="pt-BR" dirty="0" err="1"/>
+              <a:t>frac</a:t>
+            </a:r>
+            <a:r>
+              <a:rPr lang="pt-BR" dirty="0"/>
+              <a:t>{b - a}{\</a:t>
+            </a:r>
+            <a:r>
+              <a:rPr lang="pt-BR" dirty="0" err="1"/>
+              <a:t>max</a:t>
+            </a:r>
+            <a:r>
+              <a:rPr lang="pt-BR" dirty="0"/>
+              <a:t>(a, b)} aa: distância média de um ponto para os outros pontos do mesmo cluster.</a:t>
+            </a:r>
+          </a:p>
+          <a:p>
+            <a:pPr>
+              <a:buFont typeface="Arial" panose="020B0604020202020204" pitchFamily="34" charset="0"/>
+              <a:buChar char="•"/>
+            </a:pPr>
+            <a:r>
+              <a:rPr lang="pt-BR" dirty="0" err="1"/>
+              <a:t>bb</a:t>
+            </a:r>
+            <a:r>
+              <a:rPr lang="pt-BR" dirty="0"/>
+              <a:t>: distância média de um ponto para os pontos do cluster mais próximo.</a:t>
+            </a:r>
+          </a:p>
+          <a:p>
+            <a:r>
+              <a:rPr lang="pt-BR" b="1" dirty="0"/>
+              <a:t>Passos:</a:t>
+            </a:r>
+          </a:p>
+          <a:p>
+            <a:pPr>
+              <a:buFont typeface="+mj-lt"/>
+              <a:buAutoNum type="arabicPeriod"/>
+            </a:pPr>
+            <a:r>
+              <a:rPr lang="pt-BR" dirty="0"/>
+              <a:t>Execute o K-</a:t>
+            </a:r>
+            <a:r>
+              <a:rPr lang="pt-BR" dirty="0" err="1"/>
+              <a:t>Means</a:t>
+            </a:r>
+            <a:r>
+              <a:rPr lang="pt-BR" dirty="0"/>
+              <a:t> para diferentes valores de </a:t>
+            </a:r>
+            <a:r>
+              <a:rPr lang="pt-BR" dirty="0" err="1"/>
+              <a:t>kk</a:t>
+            </a:r>
+            <a:r>
+              <a:rPr lang="pt-BR" dirty="0"/>
+              <a:t>.</a:t>
+            </a:r>
+          </a:p>
+          <a:p>
+            <a:pPr>
+              <a:buFont typeface="+mj-lt"/>
+              <a:buAutoNum type="arabicPeriod"/>
+            </a:pPr>
+            <a:r>
+              <a:rPr lang="pt-BR" dirty="0"/>
+              <a:t>Calcule o coeficiente de silhueta para cada ponto e, em seguida, a média para o conjunto.</a:t>
+            </a:r>
+          </a:p>
+          <a:p>
+            <a:pPr>
+              <a:buFont typeface="+mj-lt"/>
+              <a:buAutoNum type="arabicPeriod"/>
+            </a:pPr>
+            <a:r>
+              <a:rPr lang="pt-BR" dirty="0"/>
+              <a:t>Escolha </a:t>
+            </a:r>
+            <a:r>
+              <a:rPr lang="pt-BR" dirty="0" err="1"/>
+              <a:t>kk</a:t>
+            </a:r>
+            <a:r>
+              <a:rPr lang="pt-BR" dirty="0"/>
+              <a:t> que maximize o valor médio do coeficiente de silhueta.</a:t>
+            </a:r>
+          </a:p>
+          <a:p>
+            <a:r>
+              <a:rPr lang="pt-BR" b="1" dirty="0"/>
+              <a:t>3. Critério Gap </a:t>
+            </a:r>
+            <a:r>
+              <a:rPr lang="pt-BR" b="1" dirty="0" err="1"/>
+              <a:t>Statistic</a:t>
+            </a:r>
+            <a:endParaRPr lang="pt-BR" b="1" dirty="0"/>
+          </a:p>
+          <a:p>
+            <a:r>
+              <a:rPr lang="pt-BR" dirty="0"/>
+              <a:t>Este método compara a dispersão dos clusters no conjunto de dados com uma dispersão esperada de um conjunto de dados gerado aleatoriamente.</a:t>
+            </a:r>
+          </a:p>
+          <a:p>
+            <a:r>
+              <a:rPr lang="pt-BR" b="1" dirty="0"/>
+              <a:t>Passos:</a:t>
+            </a:r>
+          </a:p>
+          <a:p>
+            <a:pPr>
+              <a:buFont typeface="+mj-lt"/>
+              <a:buAutoNum type="arabicPeriod"/>
+            </a:pPr>
+            <a:r>
+              <a:rPr lang="pt-BR" dirty="0"/>
+              <a:t>Execute o K-</a:t>
+            </a:r>
+            <a:r>
+              <a:rPr lang="pt-BR" dirty="0" err="1"/>
+              <a:t>Means</a:t>
+            </a:r>
+            <a:r>
+              <a:rPr lang="pt-BR" dirty="0"/>
+              <a:t> para diferentes valores de </a:t>
+            </a:r>
+            <a:r>
+              <a:rPr lang="pt-BR" dirty="0" err="1"/>
+              <a:t>kk</a:t>
+            </a:r>
+            <a:r>
+              <a:rPr lang="pt-BR" dirty="0"/>
+              <a:t> no conjunto de dados real.</a:t>
+            </a:r>
+          </a:p>
+          <a:p>
+            <a:pPr>
+              <a:buFont typeface="+mj-lt"/>
+              <a:buAutoNum type="arabicPeriod"/>
+            </a:pPr>
+            <a:r>
+              <a:rPr lang="pt-BR" dirty="0"/>
+              <a:t>Gere um conjunto de dados aleatório com a mesma distribuição e calcule a dispersão dos clusters.</a:t>
+            </a:r>
+          </a:p>
+          <a:p>
+            <a:pPr>
+              <a:buFont typeface="+mj-lt"/>
+              <a:buAutoNum type="arabicPeriod"/>
+            </a:pPr>
+            <a:r>
+              <a:rPr lang="pt-BR" dirty="0"/>
+              <a:t>Compare as dispersões e encontre </a:t>
+            </a:r>
+            <a:r>
+              <a:rPr lang="pt-BR" dirty="0" err="1"/>
+              <a:t>kk</a:t>
+            </a:r>
+            <a:r>
+              <a:rPr lang="pt-BR" dirty="0"/>
+              <a:t> que maximize a diferença (gap) entre os dois conjuntos.</a:t>
+            </a:r>
+          </a:p>
+          <a:p>
+            <a:r>
+              <a:rPr lang="pt-BR" b="1" dirty="0"/>
+              <a:t>4. Validação Cruzada</a:t>
+            </a:r>
+          </a:p>
+          <a:p>
+            <a:r>
+              <a:rPr lang="pt-BR" dirty="0"/>
+              <a:t>Divida o conjunto de dados em subconjuntos e avalie a consistência dos clusters em diferentes amostras.</a:t>
+            </a:r>
+          </a:p>
+          <a:p>
+            <a:r>
+              <a:rPr lang="pt-BR" b="1" dirty="0"/>
+              <a:t>5. Métodos Automáticos, como X-</a:t>
+            </a:r>
+            <a:r>
+              <a:rPr lang="pt-BR" b="1" dirty="0" err="1"/>
+              <a:t>Means</a:t>
+            </a:r>
+            <a:r>
+              <a:rPr lang="pt-BR" b="1" dirty="0"/>
+              <a:t> e G-</a:t>
+            </a:r>
+            <a:r>
+              <a:rPr lang="pt-BR" b="1" dirty="0" err="1"/>
+              <a:t>Means</a:t>
+            </a:r>
+            <a:endParaRPr lang="pt-BR" b="1" dirty="0"/>
+          </a:p>
+          <a:p>
+            <a:pPr>
+              <a:buFont typeface="Arial" panose="020B0604020202020204" pitchFamily="34" charset="0"/>
+              <a:buChar char="•"/>
+            </a:pPr>
+            <a:r>
+              <a:rPr lang="pt-BR" b="1" dirty="0"/>
+              <a:t>X-</a:t>
+            </a:r>
+            <a:r>
+              <a:rPr lang="pt-BR" b="1" dirty="0" err="1"/>
+              <a:t>Means</a:t>
+            </a:r>
+            <a:r>
+              <a:rPr lang="pt-BR" dirty="0"/>
+              <a:t>: Extensão do K-</a:t>
+            </a:r>
+            <a:r>
+              <a:rPr lang="pt-BR" dirty="0" err="1"/>
+              <a:t>Means</a:t>
+            </a:r>
+            <a:r>
+              <a:rPr lang="pt-BR" dirty="0"/>
+              <a:t> que escolhe automaticamente </a:t>
+            </a:r>
+            <a:r>
+              <a:rPr lang="pt-BR" dirty="0" err="1"/>
+              <a:t>kk</a:t>
+            </a:r>
+            <a:r>
+              <a:rPr lang="pt-BR" dirty="0"/>
+              <a:t> otimizando o critério Bayesiano.</a:t>
+            </a:r>
+          </a:p>
+          <a:p>
+            <a:pPr>
+              <a:buFont typeface="Arial" panose="020B0604020202020204" pitchFamily="34" charset="0"/>
+              <a:buChar char="•"/>
+            </a:pPr>
+            <a:r>
+              <a:rPr lang="pt-BR" b="1" dirty="0"/>
+              <a:t>G-</a:t>
+            </a:r>
+            <a:r>
+              <a:rPr lang="pt-BR" b="1" dirty="0" err="1"/>
+              <a:t>Means</a:t>
+            </a:r>
+            <a:r>
+              <a:rPr lang="pt-BR" dirty="0"/>
+              <a:t>: Usa testes estatísticos para determinar se os clusters seguem uma distribuição gaussiana.</a:t>
+            </a:r>
+          </a:p>
+          <a:p>
+            <a:r>
+              <a:rPr lang="pt-BR" b="1" dirty="0"/>
+              <a:t>Considerações:</a:t>
+            </a:r>
+          </a:p>
+          <a:p>
+            <a:pPr>
+              <a:buFont typeface="Arial" panose="020B0604020202020204" pitchFamily="34" charset="0"/>
+              <a:buChar char="•"/>
+            </a:pPr>
+            <a:r>
+              <a:rPr lang="pt-BR" b="1" dirty="0"/>
+              <a:t>Dimensão dos dados</a:t>
+            </a:r>
+            <a:r>
+              <a:rPr lang="pt-BR" dirty="0"/>
+              <a:t>: Em alta dimensionalidade, os métodos podem se tornar menos claros devido à maldição da dimensionalidade.</a:t>
+            </a:r>
+          </a:p>
+          <a:p>
+            <a:pPr>
+              <a:buFont typeface="Arial" panose="020B0604020202020204" pitchFamily="34" charset="0"/>
+              <a:buChar char="•"/>
+            </a:pPr>
+            <a:r>
+              <a:rPr lang="pt-BR" b="1" dirty="0"/>
+              <a:t>Interpretação</a:t>
+            </a:r>
+            <a:r>
+              <a:rPr lang="pt-BR" dirty="0"/>
+              <a:t>: O número de clusters deve fazer sentido no contexto do problema, além de ser estatisticamente válido.</a:t>
+            </a:r>
+          </a:p>
+          <a:p>
+            <a:r>
+              <a:rPr lang="pt-BR" dirty="0"/>
+              <a:t>Combinar múltiplos métodos pode ser útil para confirmar a escolha do melhor </a:t>
+            </a:r>
+            <a:r>
+              <a:rPr lang="pt-BR" dirty="0" err="1"/>
+              <a:t>kk</a:t>
+            </a:r>
+            <a:r>
+              <a:rPr lang="pt-BR" dirty="0"/>
+              <a:t>.</a:t>
+            </a:r>
+          </a:p>
+          <a:p>
             <a:endParaRPr lang="en-US" dirty="0"/>
           </a:p>
         </p:txBody>
@@ -1219,7 +2782,7 @@
           <a:p>
             <a:fld id="{F430A2A4-8C14-4B1A-AD48-7B6401078BF7}" type="slidenum">
               <a:rPr lang="pt-BR" smtClean="0"/>
-              <a:t>12</a:t>
+              <a:t>17</a:t>
             </a:fld>
             <a:endParaRPr lang="pt-BR"/>
           </a:p>
@@ -1238,7 +2801,7 @@
 </p:notes>
 </file>
 
-<file path=ppt/notesSlides/notesSlide6.xml><?xml version="1.0" encoding="utf-8"?>
+<file path=ppt/notesSlides/notesSlide9.xml><?xml version="1.0" encoding="utf-8"?>
 <p:notes xmlns:a="http://schemas.openxmlformats.org/drawingml/2006/main" xmlns:r="http://schemas.openxmlformats.org/officeDocument/2006/relationships" xmlns:p="http://schemas.openxmlformats.org/presentationml/2006/main">
   <p:cSld>
     <p:spTree>
@@ -1313,7 +2876,7 @@
           <a:p>
             <a:fld id="{6FC8D850-966F-45A6-8DE7-15B891E7D40D}" type="slidenum">
               <a:rPr lang="pt-BR" smtClean="0"/>
-              <a:t>13</a:t>
+              <a:t>18</a:t>
             </a:fld>
             <a:endParaRPr lang="pt-BR"/>
           </a:p>
@@ -1463,7 +3026,7 @@
           <a:p>
             <a:fld id="{221D0464-8C8A-49C0-859F-777E51766A35}" type="datetimeFigureOut">
               <a:rPr lang="pt-BR" smtClean="0"/>
-              <a:t>22/10/2023</a:t>
+              <a:t>30/11/2024</a:t>
             </a:fld>
             <a:endParaRPr lang="pt-BR"/>
           </a:p>
@@ -1633,7 +3196,7 @@
           <a:p>
             <a:fld id="{221D0464-8C8A-49C0-859F-777E51766A35}" type="datetimeFigureOut">
               <a:rPr lang="pt-BR" smtClean="0"/>
-              <a:t>22/10/2023</a:t>
+              <a:t>30/11/2024</a:t>
             </a:fld>
             <a:endParaRPr lang="pt-BR"/>
           </a:p>
@@ -1813,7 +3376,7 @@
           <a:p>
             <a:fld id="{221D0464-8C8A-49C0-859F-777E51766A35}" type="datetimeFigureOut">
               <a:rPr lang="pt-BR" smtClean="0"/>
-              <a:t>22/10/2023</a:t>
+              <a:t>30/11/2024</a:t>
             </a:fld>
             <a:endParaRPr lang="pt-BR"/>
           </a:p>
@@ -1983,7 +3546,7 @@
           <a:p>
             <a:fld id="{221D0464-8C8A-49C0-859F-777E51766A35}" type="datetimeFigureOut">
               <a:rPr lang="pt-BR" smtClean="0"/>
-              <a:t>22/10/2023</a:t>
+              <a:t>30/11/2024</a:t>
             </a:fld>
             <a:endParaRPr lang="pt-BR"/>
           </a:p>
@@ -2229,7 +3792,7 @@
           <a:p>
             <a:fld id="{221D0464-8C8A-49C0-859F-777E51766A35}" type="datetimeFigureOut">
               <a:rPr lang="pt-BR" smtClean="0"/>
-              <a:t>22/10/2023</a:t>
+              <a:t>30/11/2024</a:t>
             </a:fld>
             <a:endParaRPr lang="pt-BR"/>
           </a:p>
@@ -2461,7 +4024,7 @@
           <a:p>
             <a:fld id="{221D0464-8C8A-49C0-859F-777E51766A35}" type="datetimeFigureOut">
               <a:rPr lang="pt-BR" smtClean="0"/>
-              <a:t>22/10/2023</a:t>
+              <a:t>30/11/2024</a:t>
             </a:fld>
             <a:endParaRPr lang="pt-BR"/>
           </a:p>
@@ -2828,7 +4391,7 @@
           <a:p>
             <a:fld id="{221D0464-8C8A-49C0-859F-777E51766A35}" type="datetimeFigureOut">
               <a:rPr lang="pt-BR" smtClean="0"/>
-              <a:t>22/10/2023</a:t>
+              <a:t>30/11/2024</a:t>
             </a:fld>
             <a:endParaRPr lang="pt-BR"/>
           </a:p>
@@ -2946,7 +4509,7 @@
           <a:p>
             <a:fld id="{221D0464-8C8A-49C0-859F-777E51766A35}" type="datetimeFigureOut">
               <a:rPr lang="pt-BR" smtClean="0"/>
-              <a:t>22/10/2023</a:t>
+              <a:t>30/11/2024</a:t>
             </a:fld>
             <a:endParaRPr lang="pt-BR"/>
           </a:p>
@@ -3041,7 +4604,7 @@
           <a:p>
             <a:fld id="{221D0464-8C8A-49C0-859F-777E51766A35}" type="datetimeFigureOut">
               <a:rPr lang="pt-BR" smtClean="0"/>
-              <a:t>22/10/2023</a:t>
+              <a:t>30/11/2024</a:t>
             </a:fld>
             <a:endParaRPr lang="pt-BR"/>
           </a:p>
@@ -3318,7 +4881,7 @@
           <a:p>
             <a:fld id="{221D0464-8C8A-49C0-859F-777E51766A35}" type="datetimeFigureOut">
               <a:rPr lang="pt-BR" smtClean="0"/>
-              <a:t>22/10/2023</a:t>
+              <a:t>30/11/2024</a:t>
             </a:fld>
             <a:endParaRPr lang="pt-BR"/>
           </a:p>
@@ -3571,7 +5134,7 @@
           <a:p>
             <a:fld id="{221D0464-8C8A-49C0-859F-777E51766A35}" type="datetimeFigureOut">
               <a:rPr lang="pt-BR" smtClean="0"/>
-              <a:t>22/10/2023</a:t>
+              <a:t>30/11/2024</a:t>
             </a:fld>
             <a:endParaRPr lang="pt-BR"/>
           </a:p>
@@ -3784,7 +5347,7 @@
           <a:p>
             <a:fld id="{221D0464-8C8A-49C0-859F-777E51766A35}" type="datetimeFigureOut">
               <a:rPr lang="pt-BR" smtClean="0"/>
-              <a:t>22/10/2023</a:t>
+              <a:t>30/11/2024</a:t>
             </a:fld>
             <a:endParaRPr lang="pt-BR"/>
           </a:p>
@@ -4380,7 +5943,13 @@
   <p:cSld>
     <p:spTree>
       <p:nvGrpSpPr>
-        <p:cNvPr id="1" name=""/>
+        <p:cNvPr id="1" name="">
+          <a:extLst>
+            <a:ext uri="{FF2B5EF4-FFF2-40B4-BE49-F238E27FC236}">
+              <a16:creationId xmlns:a16="http://schemas.microsoft.com/office/drawing/2014/main" id="{36D1FDFF-84F9-A395-CDB0-AC77470C24F7}"/>
+            </a:ext>
+          </a:extLst>
+        </p:cNvPr>
         <p:cNvGrpSpPr/>
         <p:nvPr/>
       </p:nvGrpSpPr>
@@ -4394,7 +5963,13 @@
       </p:grpSpPr>
       <p:sp>
         <p:nvSpPr>
-          <p:cNvPr id="2" name="Título 1"/>
+          <p:cNvPr id="2" name="Título 1">
+            <a:extLst>
+              <a:ext uri="{FF2B5EF4-FFF2-40B4-BE49-F238E27FC236}">
+                <a16:creationId xmlns:a16="http://schemas.microsoft.com/office/drawing/2014/main" id="{CA82907A-6417-D3C2-265A-0FFD53046E99}"/>
+              </a:ext>
+            </a:extLst>
+          </p:cNvPr>
           <p:cNvSpPr>
             <a:spLocks noGrp="1"/>
           </p:cNvSpPr>
@@ -4409,377 +5984,152 @@
           <a:p>
             <a:r>
               <a:rPr lang="pt-BR" dirty="0"/>
-              <a:t>k-</a:t>
-            </a:r>
-            <a:r>
-              <a:rPr lang="pt-BR" dirty="0" err="1"/>
-              <a:t>Means</a:t>
+              <a:t>Quantos devem ser os clusters?</a:t>
             </a:r>
             <a:endParaRPr lang="en-US" dirty="0"/>
           </a:p>
         </p:txBody>
       </p:sp>
-      <mc:AlternateContent xmlns:mc="http://schemas.openxmlformats.org/markup-compatibility/2006" xmlns:a14="http://schemas.microsoft.com/office/drawing/2010/main">
-        <mc:Choice Requires="a14">
-          <p:sp>
-            <p:nvSpPr>
-              <p:cNvPr id="3" name="Espaço Reservado para Conteúdo 2"/>
-              <p:cNvSpPr>
-                <a:spLocks noGrp="1"/>
-              </p:cNvSpPr>
-              <p:nvPr>
-                <p:ph idx="1"/>
-              </p:nvPr>
-            </p:nvSpPr>
-            <p:spPr>
-              <a:xfrm>
-                <a:off x="838199" y="1825624"/>
-                <a:ext cx="11152909" cy="5032375"/>
-              </a:xfrm>
-            </p:spPr>
-            <p:txBody>
-              <a:bodyPr>
-                <a:normAutofit lnSpcReduction="10000"/>
-              </a:bodyPr>
-              <a:lstStyle/>
-              <a:p>
-                <a:r>
-                  <a:rPr lang="pt-BR" dirty="0"/>
-                  <a:t>É talvez o algoritmo mais simples para identificação de clusters. </a:t>
-                </a:r>
-              </a:p>
-              <a:p>
-                <a:r>
-                  <a:rPr lang="pt-BR" dirty="0"/>
-                  <a:t>O </a:t>
-                </a:r>
-                <a14:m>
-                  <m:oMath xmlns:m="http://schemas.openxmlformats.org/officeDocument/2006/math">
-                    <m:r>
-                      <a:rPr lang="pt-BR">
-                        <a:latin typeface="Cambria Math" panose="02040503050406030204" pitchFamily="18" charset="0"/>
-                      </a:rPr>
-                      <m:t>"</m:t>
-                    </m:r>
-                    <m:r>
-                      <a:rPr lang="pt-BR" b="0" i="1" smtClean="0">
-                        <a:latin typeface="Cambria Math" panose="02040503050406030204" pitchFamily="18" charset="0"/>
-                      </a:rPr>
-                      <m:t>𝑘</m:t>
-                    </m:r>
-                    <m:r>
-                      <a:rPr lang="pt-BR" b="0" i="1" smtClean="0">
-                        <a:latin typeface="Cambria Math" panose="02040503050406030204" pitchFamily="18" charset="0"/>
-                      </a:rPr>
-                      <m:t>"</m:t>
-                    </m:r>
-                  </m:oMath>
-                </a14:m>
-                <a:r>
-                  <a:rPr lang="pt-BR" dirty="0"/>
-                  <a:t> no nome denota o número </a:t>
-                </a:r>
-                <a:r>
-                  <a:rPr lang="pt-BR" b="1" i="1" dirty="0"/>
-                  <a:t>solicitado</a:t>
-                </a:r>
-                <a:r>
-                  <a:rPr lang="pt-BR" dirty="0"/>
-                  <a:t> de clusters, ou seja, o número de clusters é um parâmetro definido pelo usuário.</a:t>
-                </a:r>
-              </a:p>
-              <a:p>
-                <a:r>
-                  <a:rPr lang="pt-BR" dirty="0"/>
-                  <a:t>O pseudocódigo do algoritmo é mostrado abaixo.</a:t>
-                </a:r>
-              </a:p>
-              <a:p>
-                <a:endParaRPr lang="pt-BR" dirty="0"/>
-              </a:p>
-              <a:p>
-                <a:endParaRPr lang="pt-BR" dirty="0"/>
-              </a:p>
-              <a:p>
-                <a:endParaRPr lang="pt-BR" dirty="0"/>
-              </a:p>
-              <a:p>
-                <a:pPr marL="0" indent="0">
-                  <a:buNone/>
-                </a:pPr>
-                <a:endParaRPr lang="pt-BR" dirty="0"/>
-              </a:p>
-              <a:p>
-                <a:r>
-                  <a:rPr lang="pt-BR" dirty="0"/>
-                  <a:t>O algoritmo </a:t>
-                </a:r>
-                <a:r>
-                  <a:rPr lang="pt-BR" dirty="0" err="1"/>
-                  <a:t>garantidamente</a:t>
-                </a:r>
-                <a:r>
-                  <a:rPr lang="pt-BR" dirty="0"/>
-                  <a:t> chega a uma situação em que cada exemplo se encontra no cluster mais próximo, de modo que, a partir deste momento, os centroides não mudem mais.</a:t>
-                </a:r>
-              </a:p>
-            </p:txBody>
-          </p:sp>
-        </mc:Choice>
-        <mc:Fallback xmlns="">
-          <p:sp>
-            <p:nvSpPr>
-              <p:cNvPr id="3" name="Espaço Reservado para Conteúdo 2"/>
-              <p:cNvSpPr>
-                <a:spLocks noGrp="1" noRot="1" noChangeAspect="1" noMove="1" noResize="1" noEditPoints="1" noAdjustHandles="1" noChangeArrowheads="1" noChangeShapeType="1" noTextEdit="1"/>
-              </p:cNvSpPr>
-              <p:nvPr>
-                <p:ph idx="1"/>
-              </p:nvPr>
-            </p:nvSpPr>
-            <p:spPr>
-              <a:xfrm>
-                <a:off x="838199" y="1825624"/>
-                <a:ext cx="11152909" cy="5032375"/>
-              </a:xfrm>
-              <a:blipFill rotWithShape="0">
-                <a:blip r:embed="rId2"/>
-                <a:stretch>
-                  <a:fillRect l="-929" t="-2663" r="-1148"/>
-                </a:stretch>
-              </a:blipFill>
-            </p:spPr>
-            <p:txBody>
-              <a:bodyPr/>
-              <a:lstStyle/>
-              <a:p>
-                <a:r>
-                  <a:rPr lang="en-US">
-                    <a:noFill/>
-                  </a:rPr>
-                  <a:t> </a:t>
-                </a:r>
-              </a:p>
-            </p:txBody>
-          </p:sp>
-        </mc:Fallback>
-      </mc:AlternateContent>
-      <mc:AlternateContent xmlns:mc="http://schemas.openxmlformats.org/markup-compatibility/2006" xmlns:a14="http://schemas.microsoft.com/office/drawing/2010/main">
-        <mc:Choice Requires="a14">
-          <p:sp>
-            <p:nvSpPr>
-              <p:cNvPr id="4" name="TextBox 4"/>
-              <p:cNvSpPr txBox="1"/>
-              <p:nvPr/>
-            </p:nvSpPr>
-            <p:spPr>
-              <a:xfrm>
-                <a:off x="2079214" y="3542976"/>
-                <a:ext cx="8670878" cy="1815882"/>
-              </a:xfrm>
-              <a:prstGeom prst="rect">
-                <a:avLst/>
-              </a:prstGeom>
-              <a:noFill/>
-              <a:ln>
+      <p:sp>
+        <p:nvSpPr>
+          <p:cNvPr id="3" name="Espaço Reservado para Conteúdo 2">
+            <a:extLst>
+              <a:ext uri="{FF2B5EF4-FFF2-40B4-BE49-F238E27FC236}">
+                <a16:creationId xmlns:a16="http://schemas.microsoft.com/office/drawing/2014/main" id="{3C767761-7363-3966-1F66-B32029649DCD}"/>
+              </a:ext>
+            </a:extLst>
+          </p:cNvPr>
+          <p:cNvSpPr>
+            <a:spLocks noGrp="1"/>
+          </p:cNvSpPr>
+          <p:nvPr>
+            <p:ph idx="1"/>
+          </p:nvPr>
+        </p:nvSpPr>
+        <p:spPr>
+          <a:xfrm>
+            <a:off x="4942114" y="1690688"/>
+            <a:ext cx="7121731" cy="5167311"/>
+          </a:xfrm>
+        </p:spPr>
+        <p:txBody>
+          <a:bodyPr>
+            <a:normAutofit/>
+          </a:bodyPr>
+          <a:lstStyle/>
+          <a:p>
+            <a:r>
+              <a:rPr lang="pt-BR" dirty="0"/>
+              <a:t>Na figura conseguimos identificar visualmente três clusters. </a:t>
+            </a:r>
+          </a:p>
+          <a:p>
+            <a:r>
+              <a:rPr lang="pt-BR" dirty="0"/>
+              <a:t>No entanto, o número de opções existentes não se limita a essa única possibilidade: </a:t>
+            </a:r>
+          </a:p>
+          <a:p>
+            <a:pPr lvl="1">
+              <a:buFont typeface="Wingdings" panose="05000000000000000000" pitchFamily="2" charset="2"/>
+              <a:buChar char="§"/>
+            </a:pPr>
+            <a:r>
+              <a:rPr lang="pt-BR" dirty="0"/>
+              <a:t>em um extremo, todo o conjunto de dados pode ser pensado como formando um grande cluster; </a:t>
+            </a:r>
+          </a:p>
+          <a:p>
+            <a:pPr lvl="1">
+              <a:buFont typeface="Wingdings" panose="05000000000000000000" pitchFamily="2" charset="2"/>
+              <a:buChar char="§"/>
+            </a:pPr>
+            <a:r>
+              <a:rPr lang="pt-BR" dirty="0"/>
+              <a:t>no outro, cada exemplo pode ser visto como representando seu próprio cluster de um único exemplo.</a:t>
+            </a:r>
+          </a:p>
+          <a:p>
+            <a:pPr>
+              <a:buFont typeface="Wingdings" panose="05000000000000000000" pitchFamily="2" charset="2"/>
+              <a:buChar char="§"/>
+            </a:pPr>
+            <a:r>
+              <a:rPr lang="pt-BR" b="1" i="1" dirty="0">
                 <a:solidFill>
-                  <a:schemeClr val="tx1"/>
+                  <a:srgbClr val="7030A0"/>
                 </a:solidFill>
-              </a:ln>
-            </p:spPr>
-            <p:txBody>
-              <a:bodyPr wrap="square" rtlCol="0">
-                <a:spAutoFit/>
-              </a:bodyPr>
-              <a:lstStyle/>
-              <a:p>
-                <a:r>
-                  <a:rPr lang="pt-BR" sz="1600" b="1" dirty="0"/>
-                  <a:t>Entradas</a:t>
-                </a:r>
-                <a:r>
-                  <a:rPr lang="pt-BR" sz="1600" dirty="0"/>
-                  <a:t>: conjunto de exemplos e número de clusters, </a:t>
-                </a:r>
-                <a14:m>
-                  <m:oMath xmlns:m="http://schemas.openxmlformats.org/officeDocument/2006/math">
-                    <m:r>
-                      <a:rPr lang="pt-BR" sz="1600" i="1">
-                        <a:latin typeface="Cambria Math" panose="02040503050406030204" pitchFamily="18" charset="0"/>
-                      </a:rPr>
-                      <m:t>𝑘</m:t>
-                    </m:r>
-                  </m:oMath>
-                </a14:m>
-                <a:r>
-                  <a:rPr lang="pt-BR" sz="1600" dirty="0"/>
-                  <a:t>. </a:t>
-                </a:r>
-                <a:endParaRPr lang="pt-BR" sz="1600" b="1" dirty="0"/>
-              </a:p>
-              <a:p>
-                <a:pPr marL="342900" indent="-342900">
-                  <a:buFont typeface="+mj-lt"/>
-                  <a:buAutoNum type="arabicPeriod"/>
-                </a:pPr>
-                <a:r>
-                  <a:rPr lang="pt-BR" sz="1600" b="1" dirty="0"/>
-                  <a:t>Defina</a:t>
-                </a:r>
-                <a:r>
-                  <a:rPr lang="pt-BR" sz="1600" dirty="0"/>
-                  <a:t> </a:t>
-                </a:r>
-                <a14:m>
-                  <m:oMath xmlns:m="http://schemas.openxmlformats.org/officeDocument/2006/math">
-                    <m:r>
-                      <a:rPr lang="pt-BR" sz="1600" i="1">
-                        <a:latin typeface="Cambria Math" panose="02040503050406030204" pitchFamily="18" charset="0"/>
-                      </a:rPr>
-                      <m:t>𝑘</m:t>
-                    </m:r>
-                  </m:oMath>
-                </a14:m>
-                <a:r>
-                  <a:rPr lang="pt-BR" sz="1600" dirty="0"/>
-                  <a:t> centroides iniciais (os centroides representam e definem o número de clusters).</a:t>
-                </a:r>
-              </a:p>
-              <a:p>
-                <a:pPr marL="342900" indent="-342900">
-                  <a:buFont typeface="+mj-lt"/>
-                  <a:buAutoNum type="arabicPeriod"/>
-                </a:pPr>
-                <a:r>
-                  <a:rPr lang="pt-BR" sz="1600" b="1" dirty="0"/>
-                  <a:t>Repita</a:t>
-                </a:r>
-              </a:p>
-              <a:p>
-                <a:pPr marL="800100" lvl="1" indent="-342900">
-                  <a:buFont typeface="+mj-lt"/>
-                  <a:buAutoNum type="alphaLcParenR"/>
-                </a:pPr>
-                <a:r>
-                  <a:rPr lang="pt-BR" sz="1600" dirty="0"/>
-                  <a:t>Calcule a distância de cada exemplo, </a:t>
-                </a:r>
-                <a14:m>
-                  <m:oMath xmlns:m="http://schemas.openxmlformats.org/officeDocument/2006/math">
-                    <m:r>
-                      <a:rPr lang="pt-BR" sz="1600" b="1" i="1">
-                        <a:latin typeface="Cambria Math" panose="02040503050406030204" pitchFamily="18" charset="0"/>
-                      </a:rPr>
-                      <m:t>𝒙</m:t>
-                    </m:r>
-                    <m:r>
-                      <a:rPr lang="pt-BR" sz="1600" b="1" i="1" smtClean="0">
-                        <a:latin typeface="Cambria Math" panose="02040503050406030204" pitchFamily="18" charset="0"/>
-                      </a:rPr>
-                      <m:t>,</m:t>
-                    </m:r>
-                    <m:r>
-                      <a:rPr lang="pt-BR" sz="1600" b="1" i="1">
-                        <a:latin typeface="Cambria Math" panose="02040503050406030204" pitchFamily="18" charset="0"/>
-                      </a:rPr>
-                      <m:t> </m:t>
-                    </m:r>
-                  </m:oMath>
-                </a14:m>
-                <a:r>
-                  <a:rPr lang="pt-BR" sz="1600" dirty="0"/>
-                  <a:t>para cada um dos </a:t>
-                </a:r>
-                <a14:m>
-                  <m:oMath xmlns:m="http://schemas.openxmlformats.org/officeDocument/2006/math">
-                    <m:r>
-                      <a:rPr lang="pt-BR" sz="1600" i="1">
-                        <a:latin typeface="Cambria Math" panose="02040503050406030204" pitchFamily="18" charset="0"/>
-                      </a:rPr>
-                      <m:t>𝑘</m:t>
-                    </m:r>
-                  </m:oMath>
-                </a14:m>
-                <a:r>
-                  <a:rPr lang="pt-BR" sz="1600" dirty="0"/>
-                  <a:t> centroides e atribua cada exemplo ao cluster mais próximo.</a:t>
-                </a:r>
-              </a:p>
-              <a:p>
-                <a:pPr marL="800100" lvl="1" indent="-342900">
-                  <a:buFont typeface="+mj-lt"/>
-                  <a:buAutoNum type="alphaLcParenR"/>
-                </a:pPr>
-                <a:r>
-                  <a:rPr lang="pt-BR" sz="1600" dirty="0"/>
-                  <a:t>Calcule o novo centroide de cada cluster.</a:t>
-                </a:r>
-              </a:p>
-              <a:p>
-                <a:pPr marL="342900" indent="-342900">
-                  <a:buFont typeface="+mj-lt"/>
-                  <a:buAutoNum type="arabicPeriod"/>
-                </a:pPr>
-                <a:r>
-                  <a:rPr lang="pt-BR" sz="1600" b="1" dirty="0"/>
-                  <a:t>Enquanto </a:t>
-                </a:r>
-                <a:r>
-                  <a:rPr lang="pt-BR" sz="1600" dirty="0"/>
-                  <a:t>as posições dos centroides continuarem mudando.</a:t>
-                </a:r>
-              </a:p>
-            </p:txBody>
-          </p:sp>
-        </mc:Choice>
-        <mc:Fallback xmlns="">
-          <p:sp>
-            <p:nvSpPr>
-              <p:cNvPr id="4" name="TextBox 4"/>
-              <p:cNvSpPr txBox="1">
-                <a:spLocks noRot="1" noChangeAspect="1" noMove="1" noResize="1" noEditPoints="1" noAdjustHandles="1" noChangeArrowheads="1" noChangeShapeType="1" noTextEdit="1"/>
-              </p:cNvSpPr>
-              <p:nvPr/>
-            </p:nvSpPr>
-            <p:spPr>
-              <a:xfrm>
-                <a:off x="2079214" y="3542976"/>
-                <a:ext cx="8670878" cy="1815882"/>
-              </a:xfrm>
-              <a:prstGeom prst="rect">
-                <a:avLst/>
-              </a:prstGeom>
-              <a:blipFill rotWithShape="0">
-                <a:blip r:embed="rId3"/>
-                <a:stretch>
-                  <a:fillRect l="-281" t="-667" b="-3000"/>
-                </a:stretch>
-              </a:blipFill>
-              <a:ln>
+              </a:rPr>
+              <a:t>Implementações</a:t>
+            </a:r>
+            <a:r>
+              <a:rPr lang="pt-BR" dirty="0"/>
+              <a:t> práticas geralmente evitam esse problema pedindo ao </a:t>
+            </a:r>
+            <a:r>
+              <a:rPr lang="pt-BR" b="1" i="1" dirty="0">
                 <a:solidFill>
-                  <a:schemeClr val="tx1"/>
+                  <a:srgbClr val="7030A0"/>
                 </a:solidFill>
-              </a:ln>
-            </p:spPr>
-            <p:txBody>
-              <a:bodyPr/>
-              <a:lstStyle/>
-              <a:p>
-                <a:r>
-                  <a:rPr lang="en-US">
-                    <a:noFill/>
-                  </a:rPr>
-                  <a:t> </a:t>
-                </a:r>
-              </a:p>
-            </p:txBody>
-          </p:sp>
-        </mc:Fallback>
-      </mc:AlternateContent>
+              </a:rPr>
+              <a:t>usuário que forneça o número de clusters</a:t>
+            </a:r>
+            <a:r>
+              <a:rPr lang="pt-BR" dirty="0"/>
+              <a:t>.</a:t>
+            </a:r>
+          </a:p>
+        </p:txBody>
+      </p:sp>
+      <p:pic>
+        <p:nvPicPr>
+          <p:cNvPr id="5" name="Picture 2" descr="K-Means Clustering using Python. Welcome back guys! Hope you had a great… |  by Luigi Fiori | Medium">
+            <a:extLst>
+              <a:ext uri="{FF2B5EF4-FFF2-40B4-BE49-F238E27FC236}">
+                <a16:creationId xmlns:a16="http://schemas.microsoft.com/office/drawing/2014/main" id="{079377DD-55D2-BED3-3BB3-D573A6F13921}"/>
+              </a:ext>
+            </a:extLst>
+          </p:cNvPr>
+          <p:cNvPicPr>
+            <a:picLocks noChangeAspect="1" noChangeArrowheads="1"/>
+          </p:cNvPicPr>
+          <p:nvPr/>
+        </p:nvPicPr>
+        <p:blipFill rotWithShape="1">
+          <a:blip r:embed="rId2">
+            <a:extLst>
+              <a:ext uri="{28A0092B-C50C-407E-A947-70E740481C1C}">
+                <a14:useLocalDpi xmlns:a14="http://schemas.microsoft.com/office/drawing/2010/main" val="0"/>
+              </a:ext>
+            </a:extLst>
+          </a:blip>
+          <a:srcRect l="1639" t="12047" r="55246" b="11854"/>
+          <a:stretch/>
+        </p:blipFill>
+        <p:spPr bwMode="auto">
+          <a:xfrm>
+            <a:off x="838200" y="2562584"/>
+            <a:ext cx="3694477" cy="2716989"/>
+          </a:xfrm>
+          <a:prstGeom prst="rect">
+            <a:avLst/>
+          </a:prstGeom>
+          <a:noFill/>
+          <a:extLst>
+            <a:ext uri="{909E8E84-426E-40DD-AFC4-6F175D3DCCD1}">
+              <a14:hiddenFill xmlns:a14="http://schemas.microsoft.com/office/drawing/2010/main">
+                <a:solidFill>
+                  <a:srgbClr val="FFFFFF"/>
+                </a:solidFill>
+              </a14:hiddenFill>
+            </a:ext>
+          </a:extLst>
+        </p:spPr>
+      </p:pic>
     </p:spTree>
     <p:extLst>
       <p:ext uri="{BB962C8B-B14F-4D97-AF65-F5344CB8AC3E}">
-        <p14:creationId xmlns:p14="http://schemas.microsoft.com/office/powerpoint/2010/main" val="2317123538"/>
+        <p14:creationId xmlns:p14="http://schemas.microsoft.com/office/powerpoint/2010/main" val="2054730646"/>
       </p:ext>
     </p:extLst>
   </p:cSld>
@@ -4794,7 +6144,13 @@
   <p:cSld>
     <p:spTree>
       <p:nvGrpSpPr>
-        <p:cNvPr id="1" name=""/>
+        <p:cNvPr id="1" name="">
+          <a:extLst>
+            <a:ext uri="{FF2B5EF4-FFF2-40B4-BE49-F238E27FC236}">
+              <a16:creationId xmlns:a16="http://schemas.microsoft.com/office/drawing/2014/main" id="{654994D8-D711-9C2A-C202-7BAD7B93F7EE}"/>
+            </a:ext>
+          </a:extLst>
+        </p:cNvPr>
         <p:cNvGrpSpPr/>
         <p:nvPr/>
       </p:nvGrpSpPr>
@@ -4808,7 +6164,13 @@
       </p:grpSpPr>
       <p:sp>
         <p:nvSpPr>
-          <p:cNvPr id="2" name="Título 1"/>
+          <p:cNvPr id="2" name="Título 1">
+            <a:extLst>
+              <a:ext uri="{FF2B5EF4-FFF2-40B4-BE49-F238E27FC236}">
+                <a16:creationId xmlns:a16="http://schemas.microsoft.com/office/drawing/2014/main" id="{FA636E4B-196C-922B-890C-6917F63A065D}"/>
+              </a:ext>
+            </a:extLst>
+          </p:cNvPr>
           <p:cNvSpPr>
             <a:spLocks noGrp="1"/>
           </p:cNvSpPr>
@@ -4822,125 +6184,163 @@
           <a:lstStyle/>
           <a:p>
             <a:r>
-              <a:rPr lang="pt-BR" dirty="0"/>
-              <a:t>Como inicializar os centroides? </a:t>
+              <a:rPr lang="en-US" dirty="0" err="1"/>
+              <a:t>Medindo</a:t>
+            </a:r>
+            <a:r>
+              <a:rPr lang="en-US" dirty="0"/>
+              <a:t> </a:t>
+            </a:r>
+            <a:r>
+              <a:rPr lang="en-US" dirty="0" err="1"/>
+              <a:t>distâncias</a:t>
             </a:r>
             <a:endParaRPr lang="en-US" dirty="0"/>
           </a:p>
         </p:txBody>
       </p:sp>
-      <mc:AlternateContent xmlns:mc="http://schemas.openxmlformats.org/markup-compatibility/2006" xmlns:a14="http://schemas.microsoft.com/office/drawing/2010/main">
-        <mc:Choice Requires="a14">
-          <p:sp>
-            <p:nvSpPr>
-              <p:cNvPr id="3" name="Espaço Reservado para Conteúdo 2"/>
-              <p:cNvSpPr>
-                <a:spLocks noGrp="1"/>
-              </p:cNvSpPr>
-              <p:nvPr>
-                <p:ph idx="1"/>
-              </p:nvPr>
-            </p:nvSpPr>
-            <p:spPr>
-              <a:xfrm>
-                <a:off x="838199" y="1825625"/>
-                <a:ext cx="11152909" cy="4949248"/>
-              </a:xfrm>
-            </p:spPr>
-            <p:txBody>
-              <a:bodyPr>
-                <a:normAutofit/>
-              </a:bodyPr>
-              <a:lstStyle/>
-              <a:p>
-                <a:r>
-                  <a:rPr lang="pt-BR" dirty="0"/>
-                  <a:t>O procedimento mais simples para inicializar os centroides é escolher </a:t>
-                </a:r>
-                <a14:m>
-                  <m:oMath xmlns:m="http://schemas.openxmlformats.org/officeDocument/2006/math">
-                    <m:r>
-                      <a:rPr lang="pt-BR" i="1">
-                        <a:latin typeface="Cambria Math" panose="02040503050406030204" pitchFamily="18" charset="0"/>
-                      </a:rPr>
-                      <m:t>𝑘</m:t>
-                    </m:r>
-                  </m:oMath>
-                </a14:m>
-                <a:r>
-                  <a:rPr lang="pt-BR" dirty="0"/>
-                  <a:t> exemplos de treinamento aleatórios e os considerar como os centroides iniciais.</a:t>
-                </a:r>
-              </a:p>
-              <a:p>
-                <a:r>
-                  <a:rPr lang="pt-BR" dirty="0"/>
-                  <a:t>Os clusters iniciais são então criados associando cada um dos exemplos ao seu centroide mais próximo.</a:t>
-                </a:r>
-              </a:p>
-              <a:p>
-                <a:r>
-                  <a:rPr lang="pt-BR" dirty="0"/>
-                  <a:t>O número de transferências de um exemplo de um cluster para outro depende dos centroides iniciais.</a:t>
-                </a:r>
-              </a:p>
-              <a:p>
-                <a:r>
-                  <a:rPr lang="pt-BR" dirty="0"/>
-                  <a:t>Se os centroides iniciais já forem perfeitos, nenhum exemplo precisa ser atribuído a outro cluster e o algoritmo é encerado.</a:t>
-                </a:r>
-              </a:p>
-              <a:p>
-                <a:r>
-                  <a:rPr lang="pt-BR" dirty="0"/>
-                  <a:t>Portanto, a inicialização é importante no sentido de que um ponto de partida melhor garante que a solução seja encontrada mais rápido.</a:t>
-                </a:r>
-              </a:p>
-            </p:txBody>
-          </p:sp>
-        </mc:Choice>
-        <mc:Fallback xmlns="">
-          <p:sp>
-            <p:nvSpPr>
-              <p:cNvPr id="3" name="Espaço Reservado para Conteúdo 2"/>
-              <p:cNvSpPr>
-                <a:spLocks noGrp="1" noRot="1" noChangeAspect="1" noMove="1" noResize="1" noEditPoints="1" noAdjustHandles="1" noChangeArrowheads="1" noChangeShapeType="1" noTextEdit="1"/>
-              </p:cNvSpPr>
-              <p:nvPr>
-                <p:ph idx="1"/>
-              </p:nvPr>
-            </p:nvSpPr>
-            <p:spPr>
-              <a:xfrm>
-                <a:off x="838199" y="1825625"/>
-                <a:ext cx="11152909" cy="4949248"/>
-              </a:xfrm>
-              <a:blipFill rotWithShape="0">
-                <a:blip r:embed="rId2"/>
-                <a:stretch>
-                  <a:fillRect l="-929" t="-1970" r="-1475" b="-985"/>
-                </a:stretch>
-              </a:blipFill>
-            </p:spPr>
-            <p:txBody>
-              <a:bodyPr/>
-              <a:lstStyle/>
-              <a:p>
-                <a:r>
-                  <a:rPr lang="en-US">
-                    <a:noFill/>
-                  </a:rPr>
-                  <a:t> </a:t>
-                </a:r>
-              </a:p>
-            </p:txBody>
-          </p:sp>
-        </mc:Fallback>
-      </mc:AlternateContent>
+      <p:sp>
+        <p:nvSpPr>
+          <p:cNvPr id="3" name="Espaço Reservado para Conteúdo 2">
+            <a:extLst>
+              <a:ext uri="{FF2B5EF4-FFF2-40B4-BE49-F238E27FC236}">
+                <a16:creationId xmlns:a16="http://schemas.microsoft.com/office/drawing/2014/main" id="{1FCDFA83-D279-17E3-E2CD-6E304EAF637F}"/>
+              </a:ext>
+            </a:extLst>
+          </p:cNvPr>
+          <p:cNvSpPr>
+            <a:spLocks noGrp="1"/>
+          </p:cNvSpPr>
+          <p:nvPr>
+            <p:ph idx="1"/>
+          </p:nvPr>
+        </p:nvSpPr>
+        <p:spPr>
+          <a:xfrm>
+            <a:off x="5769429" y="1825624"/>
+            <a:ext cx="6263244" cy="5032375"/>
+          </a:xfrm>
+        </p:spPr>
+        <p:txBody>
+          <a:bodyPr>
+            <a:normAutofit/>
+          </a:bodyPr>
+          <a:lstStyle/>
+          <a:p>
+            <a:r>
+              <a:rPr lang="pt-BR" dirty="0"/>
+              <a:t>Algoritmos para identificação de clusters geralmente precisam de uma </a:t>
+            </a:r>
+            <a:r>
+              <a:rPr lang="pt-BR" b="1" i="1" dirty="0">
+                <a:solidFill>
+                  <a:srgbClr val="7030A0"/>
+                </a:solidFill>
+              </a:rPr>
+              <a:t>métrica para avaliar a </a:t>
+            </a:r>
+            <a:r>
+              <a:rPr lang="pt-BR" b="1" i="1" dirty="0">
+                <a:solidFill>
+                  <a:srgbClr val="00B050"/>
+                </a:solidFill>
+              </a:rPr>
+              <a:t>distância</a:t>
+            </a:r>
+            <a:r>
+              <a:rPr lang="pt-BR" b="1" i="1" dirty="0">
+                <a:solidFill>
+                  <a:srgbClr val="7030A0"/>
+                </a:solidFill>
+              </a:rPr>
+              <a:t> entre um exemplo e o centroide</a:t>
+            </a:r>
+            <a:r>
+              <a:rPr lang="pt-BR" dirty="0"/>
+              <a:t> de um cluster. </a:t>
+            </a:r>
+          </a:p>
+          <a:p>
+            <a:r>
+              <a:rPr lang="pt-BR" dirty="0"/>
+              <a:t>Uma forma de fazer isso quando os atributos são </a:t>
+            </a:r>
+            <a:r>
+              <a:rPr lang="pt-BR" b="1" i="1" dirty="0">
+                <a:solidFill>
+                  <a:schemeClr val="accent5"/>
+                </a:solidFill>
+              </a:rPr>
+              <a:t>contínuos ou discretos </a:t>
+            </a:r>
+            <a:r>
+              <a:rPr lang="pt-BR" dirty="0"/>
+              <a:t>é usar a </a:t>
+            </a:r>
+            <a:r>
+              <a:rPr lang="pt-BR" b="1" i="1" dirty="0">
+                <a:solidFill>
+                  <a:srgbClr val="00B050"/>
+                </a:solidFill>
+              </a:rPr>
+              <a:t>distância euclidiana </a:t>
+            </a:r>
+            <a:r>
+              <a:rPr lang="pt-BR" dirty="0"/>
+              <a:t>entre os dois vetores.</a:t>
+            </a:r>
+          </a:p>
+        </p:txBody>
+      </p:sp>
+      <p:pic>
+        <p:nvPicPr>
+          <p:cNvPr id="3074" name="Picture 2" descr="Quantum machine learning: distance estimation for k-means clustering | by  Sashwat Anagolum | Towards Data Science">
+            <a:extLst>
+              <a:ext uri="{FF2B5EF4-FFF2-40B4-BE49-F238E27FC236}">
+                <a16:creationId xmlns:a16="http://schemas.microsoft.com/office/drawing/2014/main" id="{EE37D2FB-B661-E3F3-5FAE-2D65997FAF56}"/>
+              </a:ext>
+            </a:extLst>
+          </p:cNvPr>
+          <p:cNvPicPr>
+            <a:picLocks noChangeAspect="1" noChangeArrowheads="1"/>
+          </p:cNvPicPr>
+          <p:nvPr/>
+        </p:nvPicPr>
+        <p:blipFill rotWithShape="1">
+          <a:blip r:embed="rId2">
+            <a:extLst>
+              <a:ext uri="{28A0092B-C50C-407E-A947-70E740481C1C}">
+                <a14:useLocalDpi xmlns:a14="http://schemas.microsoft.com/office/drawing/2010/main" val="0"/>
+              </a:ext>
+            </a:extLst>
+          </a:blip>
+          <a:srcRect l="3750" t="11979" r="8929"/>
+          <a:stretch/>
+        </p:blipFill>
+        <p:spPr bwMode="auto">
+          <a:xfrm>
+            <a:off x="838200" y="2202317"/>
+            <a:ext cx="4487974" cy="3392940"/>
+          </a:xfrm>
+          <a:prstGeom prst="rect">
+            <a:avLst/>
+          </a:prstGeom>
+          <a:noFill/>
+          <a:extLst>
+            <a:ext uri="{909E8E84-426E-40DD-AFC4-6F175D3DCCD1}">
+              <a14:hiddenFill xmlns:a14="http://schemas.microsoft.com/office/drawing/2010/main">
+                <a:solidFill>
+                  <a:srgbClr val="FFFFFF"/>
+                </a:solidFill>
+              </a14:hiddenFill>
+            </a:ext>
+          </a:extLst>
+        </p:spPr>
+      </p:pic>
     </p:spTree>
     <p:extLst>
       <p:ext uri="{BB962C8B-B14F-4D97-AF65-F5344CB8AC3E}">
-        <p14:creationId xmlns:p14="http://schemas.microsoft.com/office/powerpoint/2010/main" val="3945627550"/>
+        <p14:creationId xmlns:p14="http://schemas.microsoft.com/office/powerpoint/2010/main" val="847345513"/>
       </p:ext>
     </p:extLst>
   </p:cSld>
@@ -4983,1789 +6383,8 @@
           <a:lstStyle/>
           <a:p>
             <a:r>
-              <a:rPr lang="pt-BR" dirty="0" err="1"/>
-              <a:t>SciKit-Learn</a:t>
-            </a:r>
-            <a:r>
-              <a:rPr lang="pt-BR" dirty="0"/>
-              <a:t>: k-</a:t>
-            </a:r>
-            <a:r>
-              <a:rPr lang="pt-BR" dirty="0" err="1"/>
-              <a:t>Means</a:t>
-            </a:r>
-            <a:endParaRPr lang="en-US" dirty="0"/>
-          </a:p>
-        </p:txBody>
-      </p:sp>
-      <p:pic>
-        <p:nvPicPr>
-          <p:cNvPr id="6" name="Imagem 5"/>
-          <p:cNvPicPr>
-            <a:picLocks noChangeAspect="1"/>
-          </p:cNvPicPr>
-          <p:nvPr/>
-        </p:nvPicPr>
-        <p:blipFill rotWithShape="1">
-          <a:blip r:embed="rId3">
-            <a:extLst>
-              <a:ext uri="{28A0092B-C50C-407E-A947-70E740481C1C}">
-                <a14:useLocalDpi xmlns:a14="http://schemas.microsoft.com/office/drawing/2010/main" val="0"/>
-              </a:ext>
-            </a:extLst>
-          </a:blip>
-          <a:srcRect t="11075" r="9212"/>
-          <a:stretch/>
-        </p:blipFill>
-        <p:spPr>
-          <a:xfrm>
-            <a:off x="645742" y="2410691"/>
-            <a:ext cx="4248376" cy="2774144"/>
-          </a:xfrm>
-          <a:prstGeom prst="rect">
-            <a:avLst/>
-          </a:prstGeom>
-        </p:spPr>
-      </p:pic>
-      <p:pic>
-        <p:nvPicPr>
-          <p:cNvPr id="7" name="Imagem 6"/>
-          <p:cNvPicPr>
-            <a:picLocks noChangeAspect="1"/>
-          </p:cNvPicPr>
-          <p:nvPr/>
-        </p:nvPicPr>
-        <p:blipFill rotWithShape="1">
-          <a:blip r:embed="rId4">
-            <a:extLst>
-              <a:ext uri="{28A0092B-C50C-407E-A947-70E740481C1C}">
-                <a14:useLocalDpi xmlns:a14="http://schemas.microsoft.com/office/drawing/2010/main" val="0"/>
-              </a:ext>
-            </a:extLst>
-          </a:blip>
-          <a:srcRect t="11359" r="9402"/>
-          <a:stretch/>
-        </p:blipFill>
-        <p:spPr>
-          <a:xfrm>
-            <a:off x="6722898" y="2410691"/>
-            <a:ext cx="4239511" cy="2765280"/>
-          </a:xfrm>
-          <a:prstGeom prst="rect">
-            <a:avLst/>
-          </a:prstGeom>
-        </p:spPr>
-      </p:pic>
-      <p:sp>
-        <p:nvSpPr>
-          <p:cNvPr id="8" name="CaixaDeTexto 7"/>
-          <p:cNvSpPr txBox="1"/>
-          <p:nvPr/>
-        </p:nvSpPr>
-        <p:spPr>
-          <a:xfrm>
-            <a:off x="5091120" y="2905640"/>
-            <a:ext cx="1573319" cy="400110"/>
-          </a:xfrm>
-          <a:prstGeom prst="rect">
-            <a:avLst/>
-          </a:prstGeom>
-          <a:noFill/>
-        </p:spPr>
-        <p:txBody>
-          <a:bodyPr wrap="square" rtlCol="0">
-            <a:spAutoFit/>
-          </a:bodyPr>
-          <a:lstStyle/>
-          <a:p>
-            <a:pPr algn="ctr"/>
-            <a:r>
-              <a:rPr lang="pt-BR" sz="2000" b="1" dirty="0"/>
-              <a:t>k-</a:t>
-            </a:r>
-            <a:r>
-              <a:rPr lang="pt-BR" sz="2000" b="1" dirty="0" err="1"/>
-              <a:t>Means</a:t>
-            </a:r>
-            <a:endParaRPr lang="en-US" sz="2000" b="1" dirty="0"/>
-          </a:p>
-        </p:txBody>
-      </p:sp>
-      <p:sp>
-        <p:nvSpPr>
-          <p:cNvPr id="9" name="Seta para a direita 8"/>
-          <p:cNvSpPr/>
-          <p:nvPr/>
-        </p:nvSpPr>
-        <p:spPr>
-          <a:xfrm>
-            <a:off x="5416920" y="3305750"/>
-            <a:ext cx="921721" cy="623453"/>
-          </a:xfrm>
-          <a:prstGeom prst="rightArrow">
-            <a:avLst/>
-          </a:prstGeom>
-          <a:solidFill>
-            <a:srgbClr val="7030A0"/>
-          </a:solidFill>
-        </p:spPr>
-        <p:style>
-          <a:lnRef idx="2">
-            <a:schemeClr val="accent1">
-              <a:shade val="50000"/>
-            </a:schemeClr>
-          </a:lnRef>
-          <a:fillRef idx="1">
-            <a:schemeClr val="accent1"/>
-          </a:fillRef>
-          <a:effectRef idx="0">
-            <a:schemeClr val="accent1"/>
-          </a:effectRef>
-          <a:fontRef idx="minor">
-            <a:schemeClr val="lt1"/>
-          </a:fontRef>
-        </p:style>
-        <p:txBody>
-          <a:bodyPr rtlCol="0" anchor="ctr"/>
-          <a:lstStyle/>
-          <a:p>
-            <a:pPr algn="ctr"/>
-            <a:endParaRPr lang="en-US"/>
-          </a:p>
-        </p:txBody>
-      </p:sp>
-      <p:sp>
-        <p:nvSpPr>
-          <p:cNvPr id="10" name="Retângulo 9"/>
-          <p:cNvSpPr/>
-          <p:nvPr/>
-        </p:nvSpPr>
-        <p:spPr>
-          <a:xfrm>
-            <a:off x="4312228" y="5711308"/>
-            <a:ext cx="3314882" cy="369332"/>
-          </a:xfrm>
-          <a:prstGeom prst="rect">
-            <a:avLst/>
-          </a:prstGeom>
-        </p:spPr>
-        <p:txBody>
-          <a:bodyPr wrap="none">
-            <a:spAutoFit/>
-          </a:bodyPr>
-          <a:lstStyle/>
-          <a:p>
-            <a:pPr lvl="0">
-              <a:defRPr/>
-            </a:pPr>
-            <a:r>
-              <a:rPr lang="pt-BR" dirty="0">
-                <a:hlinkClick r:id="rId5"/>
-              </a:rPr>
-              <a:t>Exemplo: </a:t>
-            </a:r>
-            <a:r>
-              <a:rPr lang="pt-BR" dirty="0" err="1">
-                <a:hlinkClick r:id="rId5"/>
-              </a:rPr>
-              <a:t>kmeans_example.ipynb</a:t>
-            </a:r>
-            <a:endParaRPr lang="pt-BR" dirty="0">
-              <a:solidFill>
-                <a:srgbClr val="00B0F0"/>
-              </a:solidFill>
-            </a:endParaRPr>
-          </a:p>
-        </p:txBody>
-      </p:sp>
-    </p:spTree>
-    <p:extLst>
-      <p:ext uri="{BB962C8B-B14F-4D97-AF65-F5344CB8AC3E}">
-        <p14:creationId xmlns:p14="http://schemas.microsoft.com/office/powerpoint/2010/main" val="1312467314"/>
-      </p:ext>
-    </p:extLst>
-  </p:cSld>
-  <p:clrMapOvr>
-    <a:masterClrMapping/>
-  </p:clrMapOvr>
-</p:sld>
-</file>
-
-<file path=ppt/slides/slide13.xml><?xml version="1.0" encoding="utf-8"?>
-<p:sld xmlns:a="http://schemas.openxmlformats.org/drawingml/2006/main" xmlns:r="http://schemas.openxmlformats.org/officeDocument/2006/relationships" xmlns:p="http://schemas.openxmlformats.org/presentationml/2006/main">
-  <p:cSld>
-    <p:spTree>
-      <p:nvGrpSpPr>
-        <p:cNvPr id="1" name=""/>
-        <p:cNvGrpSpPr/>
-        <p:nvPr/>
-      </p:nvGrpSpPr>
-      <p:grpSpPr>
-        <a:xfrm>
-          <a:off x="0" y="0"/>
-          <a:ext cx="0" cy="0"/>
-          <a:chOff x="0" y="0"/>
-          <a:chExt cx="0" cy="0"/>
-        </a:xfrm>
-      </p:grpSpPr>
-      <p:sp>
-        <p:nvSpPr>
-          <p:cNvPr id="2" name="Title 1"/>
-          <p:cNvSpPr>
-            <a:spLocks noGrp="1"/>
-          </p:cNvSpPr>
-          <p:nvPr>
-            <p:ph type="title"/>
-          </p:nvPr>
-        </p:nvSpPr>
-        <p:spPr/>
-        <p:txBody>
-          <a:bodyPr/>
-          <a:lstStyle/>
-          <a:p>
-            <a:r>
-              <a:rPr lang="pt-BR" dirty="0"/>
-              <a:t>Tarefas</a:t>
-            </a:r>
-          </a:p>
-        </p:txBody>
-      </p:sp>
-      <p:sp>
-        <p:nvSpPr>
-          <p:cNvPr id="3" name="Content Placeholder 2"/>
-          <p:cNvSpPr>
-            <a:spLocks noGrp="1"/>
-          </p:cNvSpPr>
-          <p:nvPr>
-            <p:ph idx="1"/>
-          </p:nvPr>
-        </p:nvSpPr>
-        <p:spPr/>
-        <p:txBody>
-          <a:bodyPr/>
-          <a:lstStyle/>
-          <a:p>
-            <a:r>
-              <a:rPr lang="pt-BR" b="1" dirty="0"/>
-              <a:t>Quiz</a:t>
-            </a:r>
-            <a:r>
-              <a:rPr lang="pt-BR" dirty="0"/>
-              <a:t>: “</a:t>
-            </a:r>
-            <a:r>
-              <a:rPr lang="pt-BR" i="1" dirty="0"/>
-              <a:t>T320 - Quiz - Clustering</a:t>
-            </a:r>
-            <a:r>
-              <a:rPr lang="pt-BR" dirty="0"/>
-              <a:t>” que se encontra no MS Teams.</a:t>
-            </a:r>
-          </a:p>
-          <a:p>
-            <a:r>
-              <a:rPr lang="pt-BR" b="1" dirty="0"/>
-              <a:t>Exercício Prático</a:t>
-            </a:r>
-            <a:r>
-              <a:rPr lang="pt-BR" dirty="0"/>
-              <a:t>: </a:t>
-            </a:r>
-            <a:r>
-              <a:rPr lang="pt-BR" b="1" dirty="0"/>
-              <a:t>Laboratório #???</a:t>
-            </a:r>
-            <a:r>
-              <a:rPr lang="pt-BR" dirty="0"/>
-              <a:t>.</a:t>
-            </a:r>
-          </a:p>
-          <a:p>
-            <a:pPr lvl="1"/>
-            <a:r>
-              <a:rPr lang="pt-BR" dirty="0"/>
-              <a:t>Pode ser baixado do MS Teams ou do GitHub.</a:t>
-            </a:r>
-          </a:p>
-          <a:p>
-            <a:pPr lvl="1"/>
-            <a:r>
-              <a:rPr lang="pt-BR" dirty="0"/>
-              <a:t>Pode ser respondido através do link acima (na nuvem) ou localmente.</a:t>
-            </a:r>
-          </a:p>
-          <a:p>
-            <a:pPr lvl="1"/>
-            <a:r>
-              <a:rPr lang="pt-BR" dirty="0">
-                <a:hlinkClick r:id="rId3"/>
-              </a:rPr>
-              <a:t>Instruções para resolução e entrega dos </a:t>
-            </a:r>
-            <a:r>
-              <a:rPr lang="pt-BR">
-                <a:hlinkClick r:id="rId3"/>
-              </a:rPr>
-              <a:t>laboratórios</a:t>
-            </a:r>
-            <a:r>
-              <a:rPr lang="pt-BR"/>
-              <a:t>.</a:t>
-            </a:r>
-            <a:endParaRPr lang="pt-BR" dirty="0"/>
-          </a:p>
-        </p:txBody>
-      </p:sp>
-    </p:spTree>
-    <p:extLst>
-      <p:ext uri="{BB962C8B-B14F-4D97-AF65-F5344CB8AC3E}">
-        <p14:creationId xmlns:p14="http://schemas.microsoft.com/office/powerpoint/2010/main" val="1713161608"/>
-      </p:ext>
-    </p:extLst>
-  </p:cSld>
-  <p:clrMapOvr>
-    <a:masterClrMapping/>
-  </p:clrMapOvr>
-</p:sld>
-</file>
-
-<file path=ppt/slides/slide14.xml><?xml version="1.0" encoding="utf-8"?>
-<p:sld xmlns:a="http://schemas.openxmlformats.org/drawingml/2006/main" xmlns:r="http://schemas.openxmlformats.org/officeDocument/2006/relationships" xmlns:p="http://schemas.openxmlformats.org/presentationml/2006/main">
-  <p:cSld>
-    <p:spTree>
-      <p:nvGrpSpPr>
-        <p:cNvPr id="1" name=""/>
-        <p:cNvGrpSpPr/>
-        <p:nvPr/>
-      </p:nvGrpSpPr>
-      <p:grpSpPr>
-        <a:xfrm>
-          <a:off x="0" y="0"/>
-          <a:ext cx="0" cy="0"/>
-          <a:chOff x="0" y="0"/>
-          <a:chExt cx="0" cy="0"/>
-        </a:xfrm>
-      </p:grpSpPr>
-      <p:sp>
-        <p:nvSpPr>
-          <p:cNvPr id="4" name="Título 1">
-            <a:extLst>
-              <a:ext uri="{FF2B5EF4-FFF2-40B4-BE49-F238E27FC236}">
-                <a16:creationId xmlns:a16="http://schemas.microsoft.com/office/drawing/2014/main" id="{32666AC8-2E17-4DB4-B0F5-60C640CCFD2E}"/>
-              </a:ext>
-            </a:extLst>
-          </p:cNvPr>
-          <p:cNvSpPr txBox="1">
-            <a:spLocks/>
-          </p:cNvSpPr>
-          <p:nvPr/>
-        </p:nvSpPr>
-        <p:spPr>
-          <a:xfrm>
-            <a:off x="1431533" y="2720526"/>
-            <a:ext cx="9144000" cy="1029541"/>
-          </a:xfrm>
-          <a:prstGeom prst="rect">
-            <a:avLst/>
-          </a:prstGeom>
-        </p:spPr>
-        <p:txBody>
-          <a:bodyPr vert="horz" lIns="91440" tIns="45720" rIns="91440" bIns="45720" rtlCol="0" anchor="ctr">
-            <a:normAutofit/>
-          </a:bodyPr>
-          <a:lstStyle>
-            <a:lvl1pPr algn="l" defTabSz="914400" rtl="0" eaLnBrk="1" latinLnBrk="0" hangingPunct="1">
-              <a:lnSpc>
-                <a:spcPct val="90000"/>
-              </a:lnSpc>
-              <a:spcBef>
-                <a:spcPct val="0"/>
-              </a:spcBef>
-              <a:buNone/>
-              <a:defRPr sz="4400" kern="1200">
-                <a:solidFill>
-                  <a:schemeClr val="tx1"/>
-                </a:solidFill>
-                <a:latin typeface="+mj-lt"/>
-                <a:ea typeface="+mj-ea"/>
-                <a:cs typeface="+mj-cs"/>
-              </a:defRPr>
-            </a:lvl1pPr>
-          </a:lstStyle>
-          <a:p>
-            <a:pPr algn="ctr"/>
-            <a:r>
-              <a:rPr lang="pt-BR" sz="6600" dirty="0"/>
-              <a:t>Obrigado!</a:t>
-            </a:r>
-          </a:p>
-        </p:txBody>
-      </p:sp>
-    </p:spTree>
-    <p:extLst>
-      <p:ext uri="{BB962C8B-B14F-4D97-AF65-F5344CB8AC3E}">
-        <p14:creationId xmlns:p14="http://schemas.microsoft.com/office/powerpoint/2010/main" val="668771460"/>
-      </p:ext>
-    </p:extLst>
-  </p:cSld>
-  <p:clrMapOvr>
-    <a:masterClrMapping/>
-  </p:clrMapOvr>
-</p:sld>
-</file>
-
-<file path=ppt/slides/slide15.xml><?xml version="1.0" encoding="utf-8"?>
-<p:sld xmlns:a="http://schemas.openxmlformats.org/drawingml/2006/main" xmlns:r="http://schemas.openxmlformats.org/officeDocument/2006/relationships" xmlns:p="http://schemas.openxmlformats.org/presentationml/2006/main">
-  <p:cSld>
-    <p:spTree>
-      <p:nvGrpSpPr>
-        <p:cNvPr id="1" name=""/>
-        <p:cNvGrpSpPr/>
-        <p:nvPr/>
-      </p:nvGrpSpPr>
-      <p:grpSpPr>
-        <a:xfrm>
-          <a:off x="0" y="0"/>
-          <a:ext cx="0" cy="0"/>
-          <a:chOff x="0" y="0"/>
-          <a:chExt cx="0" cy="0"/>
-        </a:xfrm>
-      </p:grpSpPr>
-      <p:pic>
-        <p:nvPicPr>
-          <p:cNvPr id="6146" name="Picture 2" descr="FREE DIVING INTO K-MEANS. Content Contributors: Shray Khanna… | by Honghui  wang | SFU Professional Computer Science | Medium"/>
-          <p:cNvPicPr>
-            <a:picLocks noChangeAspect="1" noChangeArrowheads="1"/>
-          </p:cNvPicPr>
-          <p:nvPr/>
-        </p:nvPicPr>
-        <p:blipFill>
-          <a:blip r:embed="rId2">
-            <a:extLst>
-              <a:ext uri="{28A0092B-C50C-407E-A947-70E740481C1C}">
-                <a14:useLocalDpi xmlns:a14="http://schemas.microsoft.com/office/drawing/2010/main" val="0"/>
-              </a:ext>
-            </a:extLst>
-          </a:blip>
-          <a:srcRect/>
-          <a:stretch>
-            <a:fillRect/>
-          </a:stretch>
-        </p:blipFill>
-        <p:spPr bwMode="auto">
-          <a:xfrm>
-            <a:off x="529647" y="415635"/>
-            <a:ext cx="2656609" cy="2656609"/>
-          </a:xfrm>
-          <a:prstGeom prst="rect">
-            <a:avLst/>
-          </a:prstGeom>
-          <a:noFill/>
-          <a:extLst>
-            <a:ext uri="{909E8E84-426E-40DD-AFC4-6F175D3DCCD1}">
-              <a14:hiddenFill xmlns:a14="http://schemas.microsoft.com/office/drawing/2010/main">
-                <a:solidFill>
-                  <a:srgbClr val="FFFFFF"/>
-                </a:solidFill>
-              </a14:hiddenFill>
-            </a:ext>
-          </a:extLst>
-        </p:spPr>
-      </p:pic>
-      <p:pic>
-        <p:nvPicPr>
-          <p:cNvPr id="6148" name="Picture 4" descr="openAlchemy no Twitter: &quot;Sunday Funday! Pool day with some mean algorithms,  K? #machinelearning #deeplearning #kmeans #sundayfunday #ml #ai  #artificialintelligence #memes #meme #memesdaily #openalchemy #nlp #cv  #aimemes #funny #math #statistics https ..."/>
-          <p:cNvPicPr>
-            <a:picLocks noChangeAspect="1" noChangeArrowheads="1"/>
-          </p:cNvPicPr>
-          <p:nvPr/>
-        </p:nvPicPr>
-        <p:blipFill rotWithShape="1">
-          <a:blip r:embed="rId3">
-            <a:extLst>
-              <a:ext uri="{28A0092B-C50C-407E-A947-70E740481C1C}">
-                <a14:useLocalDpi xmlns:a14="http://schemas.microsoft.com/office/drawing/2010/main" val="0"/>
-              </a:ext>
-            </a:extLst>
-          </a:blip>
-          <a:srcRect l="21838" r="22192"/>
-          <a:stretch/>
-        </p:blipFill>
-        <p:spPr bwMode="auto">
-          <a:xfrm>
-            <a:off x="4732121" y="1225261"/>
-            <a:ext cx="2358736" cy="4214236"/>
-          </a:xfrm>
-          <a:prstGeom prst="rect">
-            <a:avLst/>
-          </a:prstGeom>
-          <a:noFill/>
-          <a:extLst>
-            <a:ext uri="{909E8E84-426E-40DD-AFC4-6F175D3DCCD1}">
-              <a14:hiddenFill xmlns:a14="http://schemas.microsoft.com/office/drawing/2010/main">
-                <a:solidFill>
-                  <a:srgbClr val="FFFFFF"/>
-                </a:solidFill>
-              </a14:hiddenFill>
-            </a:ext>
-          </a:extLst>
-        </p:spPr>
-      </p:pic>
-      <p:pic>
-        <p:nvPicPr>
-          <p:cNvPr id="6150" name="Picture 6" descr="Meme Creator - Funny K-Means Cluster All the things Meme Generator at  MemeCreator.org!"/>
-          <p:cNvPicPr>
-            <a:picLocks noChangeAspect="1" noChangeArrowheads="1"/>
-          </p:cNvPicPr>
-          <p:nvPr/>
-        </p:nvPicPr>
-        <p:blipFill>
-          <a:blip r:embed="rId4">
-            <a:extLst>
-              <a:ext uri="{28A0092B-C50C-407E-A947-70E740481C1C}">
-                <a14:useLocalDpi xmlns:a14="http://schemas.microsoft.com/office/drawing/2010/main" val="0"/>
-              </a:ext>
-            </a:extLst>
-          </a:blip>
-          <a:srcRect/>
-          <a:stretch>
-            <a:fillRect/>
-          </a:stretch>
-        </p:blipFill>
-        <p:spPr bwMode="auto">
-          <a:xfrm>
-            <a:off x="7949045" y="186170"/>
-            <a:ext cx="3239366" cy="3239366"/>
-          </a:xfrm>
-          <a:prstGeom prst="rect">
-            <a:avLst/>
-          </a:prstGeom>
-          <a:noFill/>
-          <a:extLst>
-            <a:ext uri="{909E8E84-426E-40DD-AFC4-6F175D3DCCD1}">
-              <a14:hiddenFill xmlns:a14="http://schemas.microsoft.com/office/drawing/2010/main">
-                <a:solidFill>
-                  <a:srgbClr val="FFFFFF"/>
-                </a:solidFill>
-              </a14:hiddenFill>
-            </a:ext>
-          </a:extLst>
-        </p:spPr>
-      </p:pic>
-      <p:pic>
-        <p:nvPicPr>
-          <p:cNvPr id="6152" name="Picture 8" descr="Brace yourself K-Means is coming - Brace Yourself - Game of Thrones Meme |  Make a Meme"/>
-          <p:cNvPicPr>
-            <a:picLocks noChangeAspect="1" noChangeArrowheads="1"/>
-          </p:cNvPicPr>
-          <p:nvPr/>
-        </p:nvPicPr>
-        <p:blipFill>
-          <a:blip r:embed="rId5">
-            <a:extLst>
-              <a:ext uri="{28A0092B-C50C-407E-A947-70E740481C1C}">
-                <a14:useLocalDpi xmlns:a14="http://schemas.microsoft.com/office/drawing/2010/main" val="0"/>
-              </a:ext>
-            </a:extLst>
-          </a:blip>
-          <a:srcRect/>
-          <a:stretch>
-            <a:fillRect/>
-          </a:stretch>
-        </p:blipFill>
-        <p:spPr bwMode="auto">
-          <a:xfrm>
-            <a:off x="8780319" y="3805080"/>
-            <a:ext cx="3166340" cy="2897201"/>
-          </a:xfrm>
-          <a:prstGeom prst="rect">
-            <a:avLst/>
-          </a:prstGeom>
-          <a:noFill/>
-          <a:extLst>
-            <a:ext uri="{909E8E84-426E-40DD-AFC4-6F175D3DCCD1}">
-              <a14:hiddenFill xmlns:a14="http://schemas.microsoft.com/office/drawing/2010/main">
-                <a:solidFill>
-                  <a:srgbClr val="FFFFFF"/>
-                </a:solidFill>
-              </a14:hiddenFill>
-            </a:ext>
-          </a:extLst>
-        </p:spPr>
-      </p:pic>
-      <p:pic>
-        <p:nvPicPr>
-          <p:cNvPr id="6154" name="Picture 10" descr="Still running... first K-means iteration - Skeleton computer | Meme  Generator"/>
-          <p:cNvPicPr>
-            <a:picLocks noChangeAspect="1" noChangeArrowheads="1"/>
-          </p:cNvPicPr>
-          <p:nvPr/>
-        </p:nvPicPr>
-        <p:blipFill>
-          <a:blip r:embed="rId6">
-            <a:extLst>
-              <a:ext uri="{28A0092B-C50C-407E-A947-70E740481C1C}">
-                <a14:useLocalDpi xmlns:a14="http://schemas.microsoft.com/office/drawing/2010/main" val="0"/>
-              </a:ext>
-            </a:extLst>
-          </a:blip>
-          <a:srcRect/>
-          <a:stretch>
-            <a:fillRect/>
-          </a:stretch>
-        </p:blipFill>
-        <p:spPr bwMode="auto">
-          <a:xfrm>
-            <a:off x="765462" y="3425536"/>
-            <a:ext cx="3108471" cy="3108471"/>
-          </a:xfrm>
-          <a:prstGeom prst="rect">
-            <a:avLst/>
-          </a:prstGeom>
-          <a:noFill/>
-          <a:extLst>
-            <a:ext uri="{909E8E84-426E-40DD-AFC4-6F175D3DCCD1}">
-              <a14:hiddenFill xmlns:a14="http://schemas.microsoft.com/office/drawing/2010/main">
-                <a:solidFill>
-                  <a:srgbClr val="FFFFFF"/>
-                </a:solidFill>
-              </a14:hiddenFill>
-            </a:ext>
-          </a:extLst>
-        </p:spPr>
-      </p:pic>
-    </p:spTree>
-    <p:extLst>
-      <p:ext uri="{BB962C8B-B14F-4D97-AF65-F5344CB8AC3E}">
-        <p14:creationId xmlns:p14="http://schemas.microsoft.com/office/powerpoint/2010/main" val="3996790408"/>
-      </p:ext>
-    </p:extLst>
-  </p:cSld>
-  <p:clrMapOvr>
-    <a:masterClrMapping/>
-  </p:clrMapOvr>
-</p:sld>
-</file>
-
-<file path=ppt/slides/slide16.xml><?xml version="1.0" encoding="utf-8"?>
-<p:sld xmlns:a="http://schemas.openxmlformats.org/drawingml/2006/main" xmlns:r="http://schemas.openxmlformats.org/officeDocument/2006/relationships" xmlns:p="http://schemas.openxmlformats.org/presentationml/2006/main">
-  <p:cSld>
-    <p:spTree>
-      <p:nvGrpSpPr>
-        <p:cNvPr id="1" name=""/>
-        <p:cNvGrpSpPr/>
-        <p:nvPr/>
-      </p:nvGrpSpPr>
-      <p:grpSpPr>
-        <a:xfrm>
-          <a:off x="0" y="0"/>
-          <a:ext cx="0" cy="0"/>
-          <a:chOff x="0" y="0"/>
-          <a:chExt cx="0" cy="0"/>
-        </a:xfrm>
-      </p:grpSpPr>
-      <p:sp>
-        <p:nvSpPr>
-          <p:cNvPr id="4" name="Título 1">
-            <a:extLst>
-              <a:ext uri="{FF2B5EF4-FFF2-40B4-BE49-F238E27FC236}">
-                <a16:creationId xmlns:a16="http://schemas.microsoft.com/office/drawing/2014/main" id="{32666AC8-2E17-4DB4-B0F5-60C640CCFD2E}"/>
-              </a:ext>
-            </a:extLst>
-          </p:cNvPr>
-          <p:cNvSpPr txBox="1">
-            <a:spLocks/>
-          </p:cNvSpPr>
-          <p:nvPr/>
-        </p:nvSpPr>
-        <p:spPr>
-          <a:xfrm>
-            <a:off x="1431533" y="2720526"/>
-            <a:ext cx="9144000" cy="1029541"/>
-          </a:xfrm>
-          <a:prstGeom prst="rect">
-            <a:avLst/>
-          </a:prstGeom>
-        </p:spPr>
-        <p:txBody>
-          <a:bodyPr vert="horz" lIns="91440" tIns="45720" rIns="91440" bIns="45720" rtlCol="0" anchor="ctr">
-            <a:normAutofit/>
-          </a:bodyPr>
-          <a:lstStyle>
-            <a:lvl1pPr algn="l" defTabSz="914400" rtl="0" eaLnBrk="1" latinLnBrk="0" hangingPunct="1">
-              <a:lnSpc>
-                <a:spcPct val="90000"/>
-              </a:lnSpc>
-              <a:spcBef>
-                <a:spcPct val="0"/>
-              </a:spcBef>
-              <a:buNone/>
-              <a:defRPr sz="4400" kern="1200">
-                <a:solidFill>
-                  <a:schemeClr val="tx1"/>
-                </a:solidFill>
-                <a:latin typeface="+mj-lt"/>
-                <a:ea typeface="+mj-ea"/>
-                <a:cs typeface="+mj-cs"/>
-              </a:defRPr>
-            </a:lvl1pPr>
-          </a:lstStyle>
-          <a:p>
-            <a:pPr algn="ctr"/>
-            <a:r>
-              <a:rPr lang="pt-BR" sz="6600" dirty="0"/>
-              <a:t>Figuras</a:t>
-            </a:r>
-          </a:p>
-        </p:txBody>
-      </p:sp>
-    </p:spTree>
-    <p:extLst>
-      <p:ext uri="{BB962C8B-B14F-4D97-AF65-F5344CB8AC3E}">
-        <p14:creationId xmlns:p14="http://schemas.microsoft.com/office/powerpoint/2010/main" val="712819235"/>
-      </p:ext>
-    </p:extLst>
-  </p:cSld>
-  <p:clrMapOvr>
-    <a:masterClrMapping/>
-  </p:clrMapOvr>
-</p:sld>
-</file>
-
-<file path=ppt/slides/slide2.xml><?xml version="1.0" encoding="utf-8"?>
-<p:sld xmlns:a="http://schemas.openxmlformats.org/drawingml/2006/main" xmlns:r="http://schemas.openxmlformats.org/officeDocument/2006/relationships" xmlns:p="http://schemas.openxmlformats.org/presentationml/2006/main">
-  <p:cSld>
-    <p:spTree>
-      <p:nvGrpSpPr>
-        <p:cNvPr id="1" name=""/>
-        <p:cNvGrpSpPr/>
-        <p:nvPr/>
-      </p:nvGrpSpPr>
-      <p:grpSpPr>
-        <a:xfrm>
-          <a:off x="0" y="0"/>
-          <a:ext cx="0" cy="0"/>
-          <a:chOff x="0" y="0"/>
-          <a:chExt cx="0" cy="0"/>
-        </a:xfrm>
-      </p:grpSpPr>
-      <p:sp>
-        <p:nvSpPr>
-          <p:cNvPr id="2" name="Título 1"/>
-          <p:cNvSpPr>
-            <a:spLocks noGrp="1"/>
-          </p:cNvSpPr>
-          <p:nvPr>
-            <p:ph type="title"/>
-          </p:nvPr>
-        </p:nvSpPr>
-        <p:spPr/>
-        <p:txBody>
-          <a:bodyPr/>
-          <a:lstStyle/>
-          <a:p>
-            <a:r>
-              <a:rPr lang="pt-BR" dirty="0"/>
-              <a:t>Recapitulando</a:t>
-            </a:r>
-            <a:endParaRPr lang="en-US" dirty="0"/>
-          </a:p>
-        </p:txBody>
-      </p:sp>
-      <p:sp>
-        <p:nvSpPr>
-          <p:cNvPr id="3" name="Espaço Reservado para Conteúdo 2"/>
-          <p:cNvSpPr>
-            <a:spLocks noGrp="1"/>
-          </p:cNvSpPr>
-          <p:nvPr>
-            <p:ph idx="1"/>
-          </p:nvPr>
-        </p:nvSpPr>
-        <p:spPr>
-          <a:xfrm>
-            <a:off x="838199" y="1825624"/>
-            <a:ext cx="11204865" cy="4803775"/>
-          </a:xfrm>
-        </p:spPr>
-        <p:txBody>
-          <a:bodyPr>
-            <a:normAutofit/>
-          </a:bodyPr>
-          <a:lstStyle/>
-          <a:p>
-            <a:r>
-              <a:rPr lang="pt-BR" dirty="0"/>
-              <a:t>Até o momento, todos os algoritmos que aprendemos seguiam o paradigma do aprendizado supervisionado.</a:t>
-            </a:r>
-          </a:p>
-          <a:p>
-            <a:r>
-              <a:rPr lang="pt-BR" dirty="0"/>
-              <a:t>Hoje, falaremos sobre </a:t>
-            </a:r>
-            <a:r>
-              <a:rPr lang="pt-BR" b="1" i="1" dirty="0" err="1"/>
-              <a:t>clustering</a:t>
-            </a:r>
-            <a:r>
-              <a:rPr lang="pt-BR" dirty="0"/>
-              <a:t>, que são algoritmos de </a:t>
-            </a:r>
-            <a:r>
-              <a:rPr lang="pt-BR" b="1" i="1" dirty="0"/>
-              <a:t>aprendizado não-supervisionado</a:t>
-            </a:r>
-            <a:r>
-              <a:rPr lang="pt-BR" dirty="0"/>
-              <a:t> que visam criar agrupamentos de dados (chamados de </a:t>
-            </a:r>
-            <a:r>
-              <a:rPr lang="pt-BR" b="1" i="1" dirty="0"/>
-              <a:t>clusters </a:t>
-            </a:r>
-            <a:r>
-              <a:rPr lang="pt-BR" dirty="0"/>
-              <a:t>ou</a:t>
-            </a:r>
-            <a:r>
-              <a:rPr lang="pt-BR" b="1" i="1" dirty="0"/>
-              <a:t> grupos</a:t>
-            </a:r>
-            <a:r>
-              <a:rPr lang="pt-BR" dirty="0"/>
-              <a:t>) segundo seu grau de semelhança. </a:t>
-            </a:r>
-          </a:p>
-          <a:p>
-            <a:r>
-              <a:rPr lang="pt-BR" dirty="0"/>
-              <a:t>Em seguida, aprenderemos sobre o algoritmo chamado de </a:t>
-            </a:r>
-            <a:r>
-              <a:rPr lang="pt-BR" b="1" i="1" dirty="0"/>
-              <a:t>k-Médias</a:t>
-            </a:r>
-            <a:r>
-              <a:rPr lang="pt-BR" dirty="0"/>
-              <a:t> (ou </a:t>
-            </a:r>
-            <a:r>
-              <a:rPr lang="pt-BR" b="1" i="1" dirty="0"/>
-              <a:t>k-</a:t>
-            </a:r>
-            <a:r>
-              <a:rPr lang="pt-BR" b="1" i="1" dirty="0" err="1"/>
-              <a:t>Means</a:t>
-            </a:r>
-            <a:r>
-              <a:rPr lang="pt-BR" dirty="0"/>
-              <a:t>, em inglês) que é um dos algoritmos mais simples de </a:t>
-            </a:r>
-            <a:r>
-              <a:rPr lang="pt-BR" b="1" i="1" dirty="0" err="1"/>
-              <a:t>clustering</a:t>
-            </a:r>
-            <a:r>
-              <a:rPr lang="pt-BR" dirty="0"/>
-              <a:t>.</a:t>
-            </a:r>
-          </a:p>
-        </p:txBody>
-      </p:sp>
-    </p:spTree>
-    <p:extLst>
-      <p:ext uri="{BB962C8B-B14F-4D97-AF65-F5344CB8AC3E}">
-        <p14:creationId xmlns:p14="http://schemas.microsoft.com/office/powerpoint/2010/main" val="2127415881"/>
-      </p:ext>
-    </p:extLst>
-  </p:cSld>
-  <p:clrMapOvr>
-    <a:masterClrMapping/>
-  </p:clrMapOvr>
-</p:sld>
-</file>
-
-<file path=ppt/slides/slide3.xml><?xml version="1.0" encoding="utf-8"?>
-<p:sld xmlns:a="http://schemas.openxmlformats.org/drawingml/2006/main" xmlns:r="http://schemas.openxmlformats.org/officeDocument/2006/relationships" xmlns:p="http://schemas.openxmlformats.org/presentationml/2006/main">
-  <p:cSld>
-    <p:spTree>
-      <p:nvGrpSpPr>
-        <p:cNvPr id="1" name=""/>
-        <p:cNvGrpSpPr/>
-        <p:nvPr/>
-      </p:nvGrpSpPr>
-      <p:grpSpPr>
-        <a:xfrm>
-          <a:off x="0" y="0"/>
-          <a:ext cx="0" cy="0"/>
-          <a:chOff x="0" y="0"/>
-          <a:chExt cx="0" cy="0"/>
-        </a:xfrm>
-      </p:grpSpPr>
-      <p:sp>
-        <p:nvSpPr>
-          <p:cNvPr id="2" name="Title 1"/>
-          <p:cNvSpPr>
-            <a:spLocks noGrp="1"/>
-          </p:cNvSpPr>
-          <p:nvPr>
-            <p:ph type="title"/>
-          </p:nvPr>
-        </p:nvSpPr>
-        <p:spPr/>
-        <p:txBody>
-          <a:bodyPr/>
-          <a:lstStyle/>
-          <a:p>
-            <a:r>
-              <a:rPr lang="pt-BR" dirty="0"/>
-              <a:t>Motivação</a:t>
-            </a:r>
-          </a:p>
-        </p:txBody>
-      </p:sp>
-      <p:sp>
-        <p:nvSpPr>
-          <p:cNvPr id="7" name="Content Placeholder 2"/>
-          <p:cNvSpPr>
-            <a:spLocks noGrp="1"/>
-          </p:cNvSpPr>
-          <p:nvPr>
-            <p:ph idx="1"/>
-          </p:nvPr>
-        </p:nvSpPr>
-        <p:spPr>
-          <a:xfrm>
-            <a:off x="838199" y="3636818"/>
-            <a:ext cx="11204865" cy="3090553"/>
-          </a:xfrm>
-        </p:spPr>
-        <p:txBody>
-          <a:bodyPr>
-            <a:normAutofit/>
-          </a:bodyPr>
-          <a:lstStyle/>
-          <a:p>
-            <a:r>
-              <a:rPr lang="pt-BR" dirty="0"/>
-              <a:t>O que podemos fazer se não tivermos informações sobre as classes (i.e., rótulos) a que pertencem os exemplos de entrada?</a:t>
-            </a:r>
-          </a:p>
-          <a:p>
-            <a:r>
-              <a:rPr lang="pt-BR" dirty="0"/>
-              <a:t>Veremos que informações úteis podem ser obtidas mesmo de exemplos cujas classes não são conhecidas.</a:t>
-            </a:r>
-          </a:p>
-          <a:p>
-            <a:r>
-              <a:rPr lang="pt-BR" dirty="0"/>
-              <a:t>Enquanto o </a:t>
-            </a:r>
-            <a:r>
-              <a:rPr lang="pt-BR" b="1" i="1" dirty="0"/>
-              <a:t>aprendizado supervisionado </a:t>
-            </a:r>
-            <a:r>
-              <a:rPr lang="pt-BR" dirty="0"/>
-              <a:t>se concentra na </a:t>
-            </a:r>
-            <a:r>
-              <a:rPr lang="pt-BR" b="1" i="1" dirty="0"/>
-              <a:t>indução de classificadores</a:t>
-            </a:r>
-            <a:r>
-              <a:rPr lang="pt-BR" dirty="0"/>
-              <a:t>, o </a:t>
-            </a:r>
-            <a:r>
-              <a:rPr lang="pt-BR" b="1" i="1" dirty="0"/>
-              <a:t>aprendizado não-supervisionado </a:t>
-            </a:r>
-            <a:r>
-              <a:rPr lang="pt-BR" dirty="0"/>
-              <a:t>está interessado em </a:t>
-            </a:r>
-            <a:r>
-              <a:rPr lang="pt-BR" b="1" i="1" dirty="0"/>
-              <a:t>descobrir propriedades úteis </a:t>
-            </a:r>
-            <a:r>
-              <a:rPr lang="pt-BR" dirty="0"/>
-              <a:t>dos dados disponíveis.</a:t>
-            </a:r>
-            <a:endParaRPr lang="en-US" dirty="0"/>
-          </a:p>
-          <a:p>
-            <a:endParaRPr lang="pt-BR" dirty="0"/>
-          </a:p>
-        </p:txBody>
-      </p:sp>
-      <p:grpSp>
-        <p:nvGrpSpPr>
-          <p:cNvPr id="5" name="Grupo 4"/>
-          <p:cNvGrpSpPr/>
-          <p:nvPr/>
-        </p:nvGrpSpPr>
-        <p:grpSpPr>
-          <a:xfrm>
-            <a:off x="3115576" y="1347873"/>
-            <a:ext cx="5960847" cy="2029172"/>
-            <a:chOff x="3186691" y="4631401"/>
-            <a:chExt cx="5960847" cy="2029172"/>
-          </a:xfrm>
-        </p:grpSpPr>
-        <p:pic>
-          <p:nvPicPr>
-            <p:cNvPr id="6" name="Picture 2" descr="K-Means Clustering using Python. Welcome back guys! Hope you had a great… |  by Luigi Fiori | Medium"/>
-            <p:cNvPicPr>
-              <a:picLocks noChangeAspect="1" noChangeArrowheads="1"/>
-            </p:cNvPicPr>
-            <p:nvPr/>
-          </p:nvPicPr>
-          <p:blipFill rotWithShape="1">
-            <a:blip r:embed="rId3">
-              <a:extLst>
-                <a:ext uri="{28A0092B-C50C-407E-A947-70E740481C1C}">
-                  <a14:useLocalDpi xmlns:a14="http://schemas.microsoft.com/office/drawing/2010/main" val="0"/>
-                </a:ext>
-              </a:extLst>
-            </a:blip>
-            <a:srcRect l="1639" t="3709" r="55246" b="11854"/>
-            <a:stretch/>
-          </p:blipFill>
-          <p:spPr bwMode="auto">
-            <a:xfrm>
-              <a:off x="3186691" y="4631401"/>
-              <a:ext cx="2486746" cy="2029172"/>
-            </a:xfrm>
-            <a:prstGeom prst="rect">
-              <a:avLst/>
-            </a:prstGeom>
-            <a:noFill/>
-            <a:extLst>
-              <a:ext uri="{909E8E84-426E-40DD-AFC4-6F175D3DCCD1}">
-                <a14:hiddenFill xmlns:a14="http://schemas.microsoft.com/office/drawing/2010/main">
-                  <a:solidFill>
-                    <a:srgbClr val="FFFFFF"/>
-                  </a:solidFill>
-                </a14:hiddenFill>
-              </a:ext>
-            </a:extLst>
-          </p:spPr>
-        </p:pic>
-        <p:sp>
-          <p:nvSpPr>
-            <p:cNvPr id="8" name="CaixaDeTexto 7"/>
-            <p:cNvSpPr txBox="1"/>
-            <p:nvPr/>
-          </p:nvSpPr>
-          <p:spPr>
-            <a:xfrm>
-              <a:off x="5584396" y="5199404"/>
-              <a:ext cx="1130804" cy="307777"/>
-            </a:xfrm>
-            <a:prstGeom prst="rect">
-              <a:avLst/>
-            </a:prstGeom>
-            <a:noFill/>
-          </p:spPr>
-          <p:txBody>
-            <a:bodyPr wrap="square" rtlCol="0">
-              <a:spAutoFit/>
-            </a:bodyPr>
-            <a:lstStyle/>
-            <a:p>
-              <a:pPr algn="ctr"/>
-              <a:r>
-                <a:rPr lang="pt-BR" sz="1400" b="1" dirty="0" err="1"/>
-                <a:t>clustering</a:t>
-              </a:r>
-              <a:endParaRPr lang="en-US" sz="1400" b="1" dirty="0"/>
-            </a:p>
-          </p:txBody>
-        </p:sp>
-        <p:pic>
-          <p:nvPicPr>
-            <p:cNvPr id="9" name="Picture 2" descr="K-Means Clustering using Python. Welcome back guys! Hope you had a great… |  by Luigi Fiori | Medium"/>
-            <p:cNvPicPr>
-              <a:picLocks noChangeAspect="1" noChangeArrowheads="1"/>
-            </p:cNvPicPr>
-            <p:nvPr/>
-          </p:nvPicPr>
-          <p:blipFill rotWithShape="1">
-            <a:blip r:embed="rId3">
-              <a:extLst>
-                <a:ext uri="{28A0092B-C50C-407E-A947-70E740481C1C}">
-                  <a14:useLocalDpi xmlns:a14="http://schemas.microsoft.com/office/drawing/2010/main" val="0"/>
-                </a:ext>
-              </a:extLst>
-            </a:blip>
-            <a:srcRect l="56284" t="3709" b="11854"/>
-            <a:stretch/>
-          </p:blipFill>
-          <p:spPr bwMode="auto">
-            <a:xfrm>
-              <a:off x="6626158" y="4631401"/>
-              <a:ext cx="2521380" cy="2029172"/>
-            </a:xfrm>
-            <a:prstGeom prst="rect">
-              <a:avLst/>
-            </a:prstGeom>
-            <a:noFill/>
-            <a:extLst>
-              <a:ext uri="{909E8E84-426E-40DD-AFC4-6F175D3DCCD1}">
-                <a14:hiddenFill xmlns:a14="http://schemas.microsoft.com/office/drawing/2010/main">
-                  <a:solidFill>
-                    <a:srgbClr val="FFFFFF"/>
-                  </a:solidFill>
-                </a14:hiddenFill>
-              </a:ext>
-            </a:extLst>
-          </p:spPr>
-        </p:pic>
-        <p:sp>
-          <p:nvSpPr>
-            <p:cNvPr id="10" name="Seta para a direita 9"/>
-            <p:cNvSpPr/>
-            <p:nvPr/>
-          </p:nvSpPr>
-          <p:spPr>
-            <a:xfrm>
-              <a:off x="5802135" y="5507181"/>
-              <a:ext cx="695325" cy="581891"/>
-            </a:xfrm>
-            <a:prstGeom prst="rightArrow">
-              <a:avLst/>
-            </a:prstGeom>
-            <a:solidFill>
-              <a:srgbClr val="7030A0"/>
-            </a:solidFill>
-          </p:spPr>
-          <p:style>
-            <a:lnRef idx="2">
-              <a:schemeClr val="accent1">
-                <a:shade val="50000"/>
-              </a:schemeClr>
-            </a:lnRef>
-            <a:fillRef idx="1">
-              <a:schemeClr val="accent1"/>
-            </a:fillRef>
-            <a:effectRef idx="0">
-              <a:schemeClr val="accent1"/>
-            </a:effectRef>
-            <a:fontRef idx="minor">
-              <a:schemeClr val="lt1"/>
-            </a:fontRef>
-          </p:style>
-          <p:txBody>
-            <a:bodyPr rtlCol="0" anchor="ctr"/>
-            <a:lstStyle/>
-            <a:p>
-              <a:pPr algn="ctr"/>
-              <a:endParaRPr lang="en-US"/>
-            </a:p>
-          </p:txBody>
-        </p:sp>
-      </p:grpSp>
-    </p:spTree>
-    <p:extLst>
-      <p:ext uri="{BB962C8B-B14F-4D97-AF65-F5344CB8AC3E}">
-        <p14:creationId xmlns:p14="http://schemas.microsoft.com/office/powerpoint/2010/main" val="1021130030"/>
-      </p:ext>
-    </p:extLst>
-  </p:cSld>
-  <p:clrMapOvr>
-    <a:masterClrMapping/>
-  </p:clrMapOvr>
-</p:sld>
-</file>
-
-<file path=ppt/slides/slide4.xml><?xml version="1.0" encoding="utf-8"?>
-<p:sld xmlns:a="http://schemas.openxmlformats.org/drawingml/2006/main" xmlns:r="http://schemas.openxmlformats.org/officeDocument/2006/relationships" xmlns:p="http://schemas.openxmlformats.org/presentationml/2006/main">
-  <p:cSld>
-    <p:spTree>
-      <p:nvGrpSpPr>
-        <p:cNvPr id="1" name=""/>
-        <p:cNvGrpSpPr/>
-        <p:nvPr/>
-      </p:nvGrpSpPr>
-      <p:grpSpPr>
-        <a:xfrm>
-          <a:off x="0" y="0"/>
-          <a:ext cx="0" cy="0"/>
-          <a:chOff x="0" y="0"/>
-          <a:chExt cx="0" cy="0"/>
-        </a:xfrm>
-      </p:grpSpPr>
-      <p:sp>
-        <p:nvSpPr>
-          <p:cNvPr id="2" name="Title 1"/>
-          <p:cNvSpPr>
-            <a:spLocks noGrp="1"/>
-          </p:cNvSpPr>
-          <p:nvPr>
-            <p:ph type="title"/>
-          </p:nvPr>
-        </p:nvSpPr>
-        <p:spPr/>
-        <p:txBody>
-          <a:bodyPr/>
-          <a:lstStyle/>
-          <a:p>
-            <a:r>
-              <a:rPr lang="pt-BR" dirty="0"/>
-              <a:t>Motivação</a:t>
-            </a:r>
-          </a:p>
-        </p:txBody>
-      </p:sp>
-      <p:sp>
-        <p:nvSpPr>
-          <p:cNvPr id="7" name="Content Placeholder 2"/>
-          <p:cNvSpPr>
-            <a:spLocks noGrp="1"/>
-          </p:cNvSpPr>
-          <p:nvPr>
-            <p:ph idx="1"/>
-          </p:nvPr>
-        </p:nvSpPr>
-        <p:spPr>
-          <a:xfrm>
-            <a:off x="838199" y="4104409"/>
-            <a:ext cx="11204865" cy="2753590"/>
-          </a:xfrm>
-        </p:spPr>
-        <p:txBody>
-          <a:bodyPr>
-            <a:normAutofit lnSpcReduction="10000"/>
-          </a:bodyPr>
-          <a:lstStyle/>
-          <a:p>
-            <a:r>
-              <a:rPr lang="pt-BR" dirty="0"/>
-              <a:t>Talvez a tarefa mais popular dos algoritmos deste paradigma seja a procura por </a:t>
-            </a:r>
-            <a:r>
-              <a:rPr lang="pt-BR" b="1" i="1" dirty="0"/>
-              <a:t>grupos</a:t>
-            </a:r>
-            <a:r>
-              <a:rPr lang="pt-BR" dirty="0"/>
-              <a:t> (chamados </a:t>
-            </a:r>
-            <a:r>
-              <a:rPr lang="pt-BR" b="1" i="1" dirty="0"/>
-              <a:t>clusters</a:t>
-            </a:r>
-            <a:r>
-              <a:rPr lang="pt-BR" dirty="0"/>
-              <a:t>) de </a:t>
-            </a:r>
-            <a:r>
-              <a:rPr lang="pt-BR" b="1" i="1" dirty="0"/>
-              <a:t>exemplos semelhantes</a:t>
-            </a:r>
-            <a:r>
-              <a:rPr lang="pt-BR" dirty="0"/>
-              <a:t>. </a:t>
-            </a:r>
-          </a:p>
-          <a:p>
-            <a:r>
-              <a:rPr lang="pt-BR" dirty="0"/>
-              <a:t>Os </a:t>
-            </a:r>
-            <a:r>
-              <a:rPr lang="pt-BR" b="1" i="1" dirty="0"/>
-              <a:t>centroides</a:t>
-            </a:r>
-            <a:r>
-              <a:rPr lang="pt-BR" dirty="0"/>
-              <a:t> desses </a:t>
-            </a:r>
-            <a:r>
-              <a:rPr lang="pt-BR" b="1" i="1" dirty="0"/>
-              <a:t>clusters</a:t>
-            </a:r>
-            <a:r>
-              <a:rPr lang="pt-BR" dirty="0"/>
-              <a:t> podem então ser usados ​​como </a:t>
-            </a:r>
-          </a:p>
-          <a:p>
-            <a:pPr lvl="1">
-              <a:buFont typeface="Wingdings" panose="05000000000000000000" pitchFamily="2" charset="2"/>
-              <a:buChar char="§"/>
-            </a:pPr>
-            <a:r>
-              <a:rPr lang="pt-BR" dirty="0"/>
-              <a:t>centros para redes Bayesianas ou de </a:t>
-            </a:r>
-            <a:r>
               <a:rPr lang="en-US" dirty="0" err="1"/>
-              <a:t>Função</a:t>
-            </a:r>
-            <a:r>
-              <a:rPr lang="en-US" dirty="0"/>
-              <a:t> de base radial (</a:t>
-            </a:r>
-            <a:r>
-              <a:rPr lang="pt-BR" dirty="0"/>
-              <a:t>RBF), </a:t>
-            </a:r>
-          </a:p>
-          <a:p>
-            <a:pPr lvl="1">
-              <a:buFont typeface="Wingdings" panose="05000000000000000000" pitchFamily="2" charset="2"/>
-              <a:buChar char="§"/>
-            </a:pPr>
-            <a:r>
-              <a:rPr lang="pt-BR" dirty="0"/>
-              <a:t>estimativas de valores de atributos desconhecidos (ou ausentes),</a:t>
-            </a:r>
-          </a:p>
-          <a:p>
-            <a:pPr lvl="1">
-              <a:buFont typeface="Wingdings" panose="05000000000000000000" pitchFamily="2" charset="2"/>
-              <a:buChar char="§"/>
-            </a:pPr>
-            <a:r>
-              <a:rPr lang="pt-BR" dirty="0"/>
-              <a:t>ferramentas de visualização de dados multidimensionais,</a:t>
-            </a:r>
-          </a:p>
-          <a:p>
-            <a:pPr lvl="1">
-              <a:buFont typeface="Wingdings" panose="05000000000000000000" pitchFamily="2" charset="2"/>
-              <a:buChar char="§"/>
-            </a:pPr>
-            <a:r>
-              <a:rPr lang="pt-BR" dirty="0"/>
-              <a:t>auxiliares para criação de classificadores mais simples.</a:t>
-            </a:r>
-          </a:p>
-        </p:txBody>
-      </p:sp>
-      <p:pic>
-        <p:nvPicPr>
-          <p:cNvPr id="2050" name="Picture 2" descr="K-means clustering on the digits dataset (PCA-reduced data) Centroids are marked with white cross"/>
-          <p:cNvPicPr>
-            <a:picLocks noChangeAspect="1" noChangeArrowheads="1"/>
-          </p:cNvPicPr>
-          <p:nvPr/>
-        </p:nvPicPr>
-        <p:blipFill rotWithShape="1">
-          <a:blip r:embed="rId3">
-            <a:extLst>
-              <a:ext uri="{28A0092B-C50C-407E-A947-70E740481C1C}">
-                <a14:useLocalDpi xmlns:a14="http://schemas.microsoft.com/office/drawing/2010/main" val="0"/>
-              </a:ext>
-            </a:extLst>
-          </a:blip>
-          <a:srcRect l="12278" t="11622" r="9484" b="10196"/>
-          <a:stretch/>
-        </p:blipFill>
-        <p:spPr bwMode="auto">
-          <a:xfrm>
-            <a:off x="4205603" y="1270875"/>
-            <a:ext cx="3780793" cy="2833534"/>
-          </a:xfrm>
-          <a:prstGeom prst="rect">
-            <a:avLst/>
-          </a:prstGeom>
-          <a:noFill/>
-          <a:extLst>
-            <a:ext uri="{909E8E84-426E-40DD-AFC4-6F175D3DCCD1}">
-              <a14:hiddenFill xmlns:a14="http://schemas.microsoft.com/office/drawing/2010/main">
-                <a:solidFill>
-                  <a:srgbClr val="FFFFFF"/>
-                </a:solidFill>
-              </a14:hiddenFill>
-            </a:ext>
-          </a:extLst>
-        </p:spPr>
-      </p:pic>
-    </p:spTree>
-    <p:extLst>
-      <p:ext uri="{BB962C8B-B14F-4D97-AF65-F5344CB8AC3E}">
-        <p14:creationId xmlns:p14="http://schemas.microsoft.com/office/powerpoint/2010/main" val="794970236"/>
-      </p:ext>
-    </p:extLst>
-  </p:cSld>
-  <p:clrMapOvr>
-    <a:masterClrMapping/>
-  </p:clrMapOvr>
-</p:sld>
-</file>
-
-<file path=ppt/slides/slide5.xml><?xml version="1.0" encoding="utf-8"?>
-<p:sld xmlns:a="http://schemas.openxmlformats.org/drawingml/2006/main" xmlns:r="http://schemas.openxmlformats.org/officeDocument/2006/relationships" xmlns:p="http://schemas.openxmlformats.org/presentationml/2006/main">
-  <p:cSld>
-    <p:spTree>
-      <p:nvGrpSpPr>
-        <p:cNvPr id="1" name=""/>
-        <p:cNvGrpSpPr/>
-        <p:nvPr/>
-      </p:nvGrpSpPr>
-      <p:grpSpPr>
-        <a:xfrm>
-          <a:off x="0" y="0"/>
-          <a:ext cx="0" cy="0"/>
-          <a:chOff x="0" y="0"/>
-          <a:chExt cx="0" cy="0"/>
-        </a:xfrm>
-      </p:grpSpPr>
-      <p:sp>
-        <p:nvSpPr>
-          <p:cNvPr id="2" name="Título 1"/>
-          <p:cNvSpPr>
-            <a:spLocks noGrp="1"/>
-          </p:cNvSpPr>
-          <p:nvPr>
-            <p:ph type="title"/>
-          </p:nvPr>
-        </p:nvSpPr>
-        <p:spPr/>
-        <p:txBody>
-          <a:bodyPr/>
-          <a:lstStyle/>
-          <a:p>
-            <a:r>
-              <a:rPr lang="en-US" dirty="0" err="1"/>
-              <a:t>Identificação</a:t>
-            </a:r>
-            <a:r>
-              <a:rPr lang="en-US" dirty="0"/>
-              <a:t> de clusters</a:t>
-            </a:r>
-          </a:p>
-        </p:txBody>
-      </p:sp>
-      <p:sp>
-        <p:nvSpPr>
-          <p:cNvPr id="3" name="Espaço Reservado para Conteúdo 2"/>
-          <p:cNvSpPr>
-            <a:spLocks noGrp="1"/>
-          </p:cNvSpPr>
-          <p:nvPr>
-            <p:ph idx="1"/>
-          </p:nvPr>
-        </p:nvSpPr>
-        <p:spPr>
-          <a:xfrm>
-            <a:off x="838199" y="1825625"/>
-            <a:ext cx="11194473" cy="5032376"/>
-          </a:xfrm>
-        </p:spPr>
-        <p:txBody>
-          <a:bodyPr/>
-          <a:lstStyle/>
-          <a:p>
-            <a:r>
-              <a:rPr lang="pt-BR" dirty="0"/>
-              <a:t>A tarefa fundamental do </a:t>
-            </a:r>
-            <a:r>
-              <a:rPr lang="pt-BR" b="1" i="1" dirty="0"/>
-              <a:t>aprendizado não-supervisionado </a:t>
-            </a:r>
-            <a:r>
-              <a:rPr lang="pt-BR" dirty="0"/>
-              <a:t>é a </a:t>
-            </a:r>
-            <a:r>
-              <a:rPr lang="pt-BR" b="1" i="1" dirty="0"/>
-              <a:t>identificação de clusters</a:t>
-            </a:r>
-            <a:r>
-              <a:rPr lang="pt-BR" dirty="0"/>
-              <a:t>. </a:t>
-            </a:r>
-          </a:p>
-          <a:p>
-            <a:r>
-              <a:rPr lang="pt-BR" dirty="0"/>
-              <a:t>Nessa tarefa, a entrada é um conjunto de vetores de atributo (i.e., exemplos), </a:t>
-            </a:r>
-            <a:r>
-              <a:rPr lang="pt-BR" b="1" i="1" dirty="0"/>
-              <a:t>mas sem rótulos</a:t>
-            </a:r>
-            <a:r>
-              <a:rPr lang="pt-BR" dirty="0"/>
-              <a:t>. </a:t>
-            </a:r>
-          </a:p>
-          <a:p>
-            <a:r>
-              <a:rPr lang="pt-BR" dirty="0"/>
-              <a:t>A saída é um conjunto com os </a:t>
-            </a:r>
-            <a:r>
-              <a:rPr lang="pt-BR" b="1" i="1" dirty="0"/>
-              <a:t>clusters</a:t>
-            </a:r>
-            <a:r>
-              <a:rPr lang="pt-BR" dirty="0"/>
-              <a:t> a que pertencem cada um dos exemplos.</a:t>
-            </a:r>
-          </a:p>
-        </p:txBody>
-      </p:sp>
-      <p:grpSp>
-        <p:nvGrpSpPr>
-          <p:cNvPr id="8" name="Grupo 7"/>
-          <p:cNvGrpSpPr/>
-          <p:nvPr/>
-        </p:nvGrpSpPr>
-        <p:grpSpPr>
-          <a:xfrm>
-            <a:off x="1078958" y="4579446"/>
-            <a:ext cx="5960847" cy="2029172"/>
-            <a:chOff x="3186691" y="4631401"/>
-            <a:chExt cx="5960847" cy="2029172"/>
-          </a:xfrm>
-        </p:grpSpPr>
-        <p:pic>
-          <p:nvPicPr>
-            <p:cNvPr id="4" name="Picture 2" descr="K-Means Clustering using Python. Welcome back guys! Hope you had a great… |  by Luigi Fiori | Medium"/>
-            <p:cNvPicPr>
-              <a:picLocks noChangeAspect="1" noChangeArrowheads="1"/>
-            </p:cNvPicPr>
-            <p:nvPr/>
-          </p:nvPicPr>
-          <p:blipFill rotWithShape="1">
-            <a:blip r:embed="rId2">
-              <a:extLst>
-                <a:ext uri="{28A0092B-C50C-407E-A947-70E740481C1C}">
-                  <a14:useLocalDpi xmlns:a14="http://schemas.microsoft.com/office/drawing/2010/main" val="0"/>
-                </a:ext>
-              </a:extLst>
-            </a:blip>
-            <a:srcRect l="1639" t="3709" r="55246" b="11854"/>
-            <a:stretch/>
-          </p:blipFill>
-          <p:spPr bwMode="auto">
-            <a:xfrm>
-              <a:off x="3186691" y="4631401"/>
-              <a:ext cx="2486746" cy="2029172"/>
-            </a:xfrm>
-            <a:prstGeom prst="rect">
-              <a:avLst/>
-            </a:prstGeom>
-            <a:noFill/>
-            <a:extLst>
-              <a:ext uri="{909E8E84-426E-40DD-AFC4-6F175D3DCCD1}">
-                <a14:hiddenFill xmlns:a14="http://schemas.microsoft.com/office/drawing/2010/main">
-                  <a:solidFill>
-                    <a:srgbClr val="FFFFFF"/>
-                  </a:solidFill>
-                </a14:hiddenFill>
-              </a:ext>
-            </a:extLst>
-          </p:spPr>
-        </p:pic>
-        <p:sp>
-          <p:nvSpPr>
-            <p:cNvPr id="5" name="CaixaDeTexto 4"/>
-            <p:cNvSpPr txBox="1"/>
-            <p:nvPr/>
-          </p:nvSpPr>
-          <p:spPr>
-            <a:xfrm>
-              <a:off x="5584396" y="5199404"/>
-              <a:ext cx="1130804" cy="307777"/>
-            </a:xfrm>
-            <a:prstGeom prst="rect">
-              <a:avLst/>
-            </a:prstGeom>
-            <a:noFill/>
-          </p:spPr>
-          <p:txBody>
-            <a:bodyPr wrap="square" rtlCol="0">
-              <a:spAutoFit/>
-            </a:bodyPr>
-            <a:lstStyle/>
-            <a:p>
-              <a:pPr algn="ctr"/>
-              <a:r>
-                <a:rPr lang="pt-BR" sz="1400" b="1" dirty="0" err="1"/>
-                <a:t>clustering</a:t>
-              </a:r>
-              <a:endParaRPr lang="en-US" sz="1400" b="1" dirty="0"/>
-            </a:p>
-          </p:txBody>
-        </p:sp>
-        <p:pic>
-          <p:nvPicPr>
-            <p:cNvPr id="6" name="Picture 2" descr="K-Means Clustering using Python. Welcome back guys! Hope you had a great… |  by Luigi Fiori | Medium"/>
-            <p:cNvPicPr>
-              <a:picLocks noChangeAspect="1" noChangeArrowheads="1"/>
-            </p:cNvPicPr>
-            <p:nvPr/>
-          </p:nvPicPr>
-          <p:blipFill rotWithShape="1">
-            <a:blip r:embed="rId2">
-              <a:extLst>
-                <a:ext uri="{28A0092B-C50C-407E-A947-70E740481C1C}">
-                  <a14:useLocalDpi xmlns:a14="http://schemas.microsoft.com/office/drawing/2010/main" val="0"/>
-                </a:ext>
-              </a:extLst>
-            </a:blip>
-            <a:srcRect l="56284" t="3709" b="11854"/>
-            <a:stretch/>
-          </p:blipFill>
-          <p:spPr bwMode="auto">
-            <a:xfrm>
-              <a:off x="6626158" y="4631401"/>
-              <a:ext cx="2521380" cy="2029172"/>
-            </a:xfrm>
-            <a:prstGeom prst="rect">
-              <a:avLst/>
-            </a:prstGeom>
-            <a:noFill/>
-            <a:extLst>
-              <a:ext uri="{909E8E84-426E-40DD-AFC4-6F175D3DCCD1}">
-                <a14:hiddenFill xmlns:a14="http://schemas.microsoft.com/office/drawing/2010/main">
-                  <a:solidFill>
-                    <a:srgbClr val="FFFFFF"/>
-                  </a:solidFill>
-                </a14:hiddenFill>
-              </a:ext>
-            </a:extLst>
-          </p:spPr>
-        </p:pic>
-        <p:sp>
-          <p:nvSpPr>
-            <p:cNvPr id="7" name="Seta para a direita 6"/>
-            <p:cNvSpPr/>
-            <p:nvPr/>
-          </p:nvSpPr>
-          <p:spPr>
-            <a:xfrm>
-              <a:off x="5802135" y="5507181"/>
-              <a:ext cx="695325" cy="581891"/>
-            </a:xfrm>
-            <a:prstGeom prst="rightArrow">
-              <a:avLst/>
-            </a:prstGeom>
-            <a:solidFill>
-              <a:srgbClr val="7030A0"/>
-            </a:solidFill>
-          </p:spPr>
-          <p:style>
-            <a:lnRef idx="2">
-              <a:schemeClr val="accent1">
-                <a:shade val="50000"/>
-              </a:schemeClr>
-            </a:lnRef>
-            <a:fillRef idx="1">
-              <a:schemeClr val="accent1"/>
-            </a:fillRef>
-            <a:effectRef idx="0">
-              <a:schemeClr val="accent1"/>
-            </a:effectRef>
-            <a:fontRef idx="minor">
-              <a:schemeClr val="lt1"/>
-            </a:fontRef>
-          </p:style>
-          <p:txBody>
-            <a:bodyPr rtlCol="0" anchor="ctr"/>
-            <a:lstStyle/>
-            <a:p>
-              <a:pPr algn="ctr"/>
-              <a:endParaRPr lang="en-US"/>
-            </a:p>
-          </p:txBody>
-        </p:sp>
-      </p:grpSp>
-      <p:sp>
-        <p:nvSpPr>
-          <p:cNvPr id="9" name="Retângulo 8"/>
-          <p:cNvSpPr/>
-          <p:nvPr/>
-        </p:nvSpPr>
-        <p:spPr>
-          <a:xfrm>
-            <a:off x="7168503" y="4854292"/>
-            <a:ext cx="4839707" cy="1477328"/>
-          </a:xfrm>
-          <a:prstGeom prst="rect">
-            <a:avLst/>
-          </a:prstGeom>
-        </p:spPr>
-        <p:txBody>
-          <a:bodyPr wrap="square">
-            <a:spAutoFit/>
-          </a:bodyPr>
-          <a:lstStyle/>
-          <a:p>
-            <a:pPr algn="ctr"/>
-            <a:r>
-              <a:rPr lang="pt-BR" b="1" dirty="0"/>
-              <a:t>OBS</a:t>
-            </a:r>
-            <a:r>
-              <a:rPr lang="pt-BR" dirty="0"/>
-              <a:t>.: A identificação visual de clusters em um espaço bidimensional é fácil, mas em quatro ou mais dimensões isso já não é mais possível. Nesses casos, apenas algoritmos de identificação de clusters conseguem agrupar os dados. </a:t>
-            </a:r>
-          </a:p>
-        </p:txBody>
-      </p:sp>
-    </p:spTree>
-    <p:extLst>
-      <p:ext uri="{BB962C8B-B14F-4D97-AF65-F5344CB8AC3E}">
-        <p14:creationId xmlns:p14="http://schemas.microsoft.com/office/powerpoint/2010/main" val="1498689549"/>
-      </p:ext>
-    </p:extLst>
-  </p:cSld>
-  <p:clrMapOvr>
-    <a:masterClrMapping/>
-  </p:clrMapOvr>
-</p:sld>
-</file>
-
-<file path=ppt/slides/slide6.xml><?xml version="1.0" encoding="utf-8"?>
-<p:sld xmlns:a="http://schemas.openxmlformats.org/drawingml/2006/main" xmlns:r="http://schemas.openxmlformats.org/officeDocument/2006/relationships" xmlns:p="http://schemas.openxmlformats.org/presentationml/2006/main">
-  <p:cSld>
-    <p:spTree>
-      <p:nvGrpSpPr>
-        <p:cNvPr id="1" name=""/>
-        <p:cNvGrpSpPr/>
-        <p:nvPr/>
-      </p:nvGrpSpPr>
-      <p:grpSpPr>
-        <a:xfrm>
-          <a:off x="0" y="0"/>
-          <a:ext cx="0" cy="0"/>
-          <a:chOff x="0" y="0"/>
-          <a:chExt cx="0" cy="0"/>
-        </a:xfrm>
-      </p:grpSpPr>
-      <p:sp>
-        <p:nvSpPr>
-          <p:cNvPr id="2" name="Título 1"/>
-          <p:cNvSpPr>
-            <a:spLocks noGrp="1"/>
-          </p:cNvSpPr>
-          <p:nvPr>
-            <p:ph type="title"/>
-          </p:nvPr>
-        </p:nvSpPr>
-        <p:spPr/>
-        <p:txBody>
-          <a:bodyPr/>
-          <a:lstStyle/>
-          <a:p>
-            <a:r>
-              <a:rPr lang="en-US" dirty="0"/>
-              <a:t>Como </a:t>
-            </a:r>
-            <a:r>
-              <a:rPr lang="en-US" dirty="0" err="1"/>
-              <a:t>representar</a:t>
+              <a:t>Medindo</a:t>
             </a:r>
             <a:r>
               <a:rPr lang="en-US" dirty="0"/>
@@ -6773,17 +6392,14 @@
             </a:r>
             <a:r>
               <a:rPr lang="en-US" dirty="0" err="1"/>
-              <a:t>os</a:t>
-            </a:r>
-            <a:r>
-              <a:rPr lang="en-US" dirty="0"/>
-              <a:t> clusters?</a:t>
-            </a:r>
-          </a:p>
-        </p:txBody>
-      </p:sp>
-      <mc:AlternateContent xmlns:mc="http://schemas.openxmlformats.org/markup-compatibility/2006" xmlns:a14="http://schemas.microsoft.com/office/drawing/2010/main">
-        <mc:Choice Requires="a14">
+              <a:t>distâncias</a:t>
+            </a:r>
+            <a:endParaRPr lang="en-US" dirty="0"/>
+          </a:p>
+        </p:txBody>
+      </p:sp>
+      <mc:AlternateContent xmlns:mc="http://schemas.openxmlformats.org/markup-compatibility/2006">
+        <mc:Choice xmlns:a14="http://schemas.microsoft.com/office/drawing/2010/main" Requires="a14">
           <p:sp>
             <p:nvSpPr>
               <p:cNvPr id="3" name="Espaço Reservado para Conteúdo 2"/>
@@ -6796,574 +6412,19 @@
             </p:nvSpPr>
             <p:spPr>
               <a:xfrm>
-                <a:off x="838199" y="1825624"/>
-                <a:ext cx="11132127" cy="5032375"/>
+                <a:off x="5246914" y="1825624"/>
+                <a:ext cx="6785759" cy="5032375"/>
               </a:xfrm>
             </p:spPr>
             <p:txBody>
               <a:bodyPr>
-                <a:normAutofit fontScale="92500" lnSpcReduction="10000"/>
+                <a:normAutofit lnSpcReduction="10000"/>
               </a:bodyPr>
               <a:lstStyle/>
               <a:p>
                 <a:r>
                   <a:rPr lang="pt-BR" dirty="0"/>
-                  <a:t>Para realizar a identificação, temos que decidir como os </a:t>
-                </a:r>
-                <a:r>
-                  <a:rPr lang="pt-BR" b="1" i="1" dirty="0"/>
-                  <a:t>clusters</a:t>
-                </a:r>
-                <a:r>
-                  <a:rPr lang="pt-BR" dirty="0"/>
-                  <a:t> serão representados.</a:t>
-                </a:r>
-              </a:p>
-              <a:p>
-                <a:r>
-                  <a:rPr lang="pt-BR" dirty="0"/>
-                  <a:t>Existem algumas opções como a localização dos clusters, tamanhos, limites, etc.</a:t>
-                </a:r>
-              </a:p>
-              <a:p>
-                <a:r>
-                  <a:rPr lang="pt-BR" dirty="0"/>
-                  <a:t>Porém, a abordagem mais simples usa os </a:t>
-                </a:r>
-                <a:r>
-                  <a:rPr lang="pt-BR" b="1" i="1" dirty="0"/>
-                  <a:t>centroides </a:t>
-                </a:r>
-                <a:r>
-                  <a:rPr lang="pt-BR" dirty="0"/>
-                  <a:t>(i.e., centros) dos clusters.</a:t>
-                </a:r>
-              </a:p>
-              <a:p>
-                <a:r>
-                  <a:rPr lang="pt-BR" dirty="0"/>
-                  <a:t>Se os atributos forem numéricos, o </a:t>
-                </a:r>
-                <a:r>
-                  <a:rPr lang="pt-BR" b="1" i="1" dirty="0"/>
-                  <a:t>centroide</a:t>
-                </a:r>
-                <a:r>
-                  <a:rPr lang="pt-BR" dirty="0"/>
-                  <a:t> é obtido através das </a:t>
-                </a:r>
-                <a:r>
-                  <a:rPr lang="pt-BR" b="1" i="1" dirty="0"/>
-                  <a:t>médias individuais dos atributos</a:t>
-                </a:r>
-                <a:r>
-                  <a:rPr lang="pt-BR" dirty="0"/>
-                  <a:t>.</a:t>
-                </a:r>
-              </a:p>
-              <a:p>
-                <a:r>
-                  <a:rPr lang="pt-BR" dirty="0"/>
-                  <a:t>Por exemplo, suponhamos os seguintes </a:t>
-                </a:r>
-                <a:r>
-                  <a:rPr lang="pt-BR" b="1" i="1" dirty="0"/>
-                  <a:t>vetores de atributos </a:t>
-                </a:r>
-                <a:r>
-                  <a:rPr lang="pt-BR" dirty="0"/>
-                  <a:t>em um espaço bidimensional: (2, 5), (1, 4), (3, 6).</a:t>
-                </a:r>
-              </a:p>
-              <a:p>
-                <a:r>
-                  <a:rPr lang="pt-BR" dirty="0"/>
-                  <a:t>Nesse caso, o </a:t>
-                </a:r>
-                <a:r>
-                  <a:rPr lang="pt-BR" b="1" i="1" dirty="0"/>
-                  <a:t>centroide</a:t>
-                </a:r>
-                <a:r>
-                  <a:rPr lang="pt-BR" dirty="0"/>
-                  <a:t> é representado pelo vetor (2, 5), pois</a:t>
-                </a:r>
-                <a:endParaRPr lang="en-US" dirty="0"/>
-              </a:p>
-              <a:p>
-                <a:pPr lvl="1">
-                  <a:buFont typeface="Wingdings" panose="05000000000000000000" pitchFamily="2" charset="2"/>
-                  <a:buChar char="§"/>
-                </a:pPr>
-                <a:r>
-                  <a:rPr lang="pt-BR" dirty="0"/>
-                  <a:t>A média do primeiro atributo é  </a:t>
-                </a:r>
-                <a14:m>
-                  <m:oMath xmlns:m="http://schemas.openxmlformats.org/officeDocument/2006/math">
-                    <m:f>
-                      <m:fPr>
-                        <m:ctrlPr>
-                          <a:rPr lang="pt-BR" i="1" smtClean="0">
-                            <a:latin typeface="Cambria Math" panose="02040503050406030204" pitchFamily="18" charset="0"/>
-                          </a:rPr>
-                        </m:ctrlPr>
-                      </m:fPr>
-                      <m:num>
-                        <m:r>
-                          <a:rPr lang="pt-BR" b="0" i="1" smtClean="0">
-                            <a:latin typeface="Cambria Math" panose="02040503050406030204" pitchFamily="18" charset="0"/>
-                          </a:rPr>
-                          <m:t>2+1+3</m:t>
-                        </m:r>
-                      </m:num>
-                      <m:den>
-                        <m:r>
-                          <a:rPr lang="pt-BR" b="0" i="1" smtClean="0">
-                            <a:latin typeface="Cambria Math" panose="02040503050406030204" pitchFamily="18" charset="0"/>
-                          </a:rPr>
-                          <m:t>3</m:t>
-                        </m:r>
-                      </m:den>
-                    </m:f>
-                    <m:r>
-                      <a:rPr lang="pt-BR" b="0" i="1" smtClean="0">
-                        <a:latin typeface="Cambria Math" panose="02040503050406030204" pitchFamily="18" charset="0"/>
-                      </a:rPr>
-                      <m:t>=2</m:t>
-                    </m:r>
-                  </m:oMath>
-                </a14:m>
-                <a:r>
-                  <a:rPr lang="pt-BR" b="0" dirty="0"/>
-                  <a:t>.</a:t>
-                </a:r>
-              </a:p>
-              <a:p>
-                <a:pPr lvl="1">
-                  <a:buFont typeface="Wingdings" panose="05000000000000000000" pitchFamily="2" charset="2"/>
-                  <a:buChar char="§"/>
-                </a:pPr>
-                <a:r>
-                  <a:rPr lang="pt-BR" dirty="0"/>
-                  <a:t>A média do segundo atributo é </a:t>
-                </a:r>
-                <a14:m>
-                  <m:oMath xmlns:m="http://schemas.openxmlformats.org/officeDocument/2006/math">
-                    <m:f>
-                      <m:fPr>
-                        <m:ctrlPr>
-                          <a:rPr lang="pt-BR" i="1">
-                            <a:latin typeface="Cambria Math" panose="02040503050406030204" pitchFamily="18" charset="0"/>
-                          </a:rPr>
-                        </m:ctrlPr>
-                      </m:fPr>
-                      <m:num>
-                        <m:r>
-                          <a:rPr lang="pt-BR" b="0" i="1" smtClean="0">
-                            <a:latin typeface="Cambria Math" panose="02040503050406030204" pitchFamily="18" charset="0"/>
-                          </a:rPr>
-                          <m:t>5</m:t>
-                        </m:r>
-                        <m:r>
-                          <a:rPr lang="pt-BR" i="1">
-                            <a:latin typeface="Cambria Math" panose="02040503050406030204" pitchFamily="18" charset="0"/>
-                          </a:rPr>
-                          <m:t>+</m:t>
-                        </m:r>
-                        <m:r>
-                          <a:rPr lang="pt-BR" b="0" i="1" smtClean="0">
-                            <a:latin typeface="Cambria Math" panose="02040503050406030204" pitchFamily="18" charset="0"/>
-                          </a:rPr>
-                          <m:t>4</m:t>
-                        </m:r>
-                        <m:r>
-                          <a:rPr lang="pt-BR" i="1">
-                            <a:latin typeface="Cambria Math" panose="02040503050406030204" pitchFamily="18" charset="0"/>
-                          </a:rPr>
-                          <m:t>+</m:t>
-                        </m:r>
-                        <m:r>
-                          <a:rPr lang="pt-BR" b="0" i="1" smtClean="0">
-                            <a:latin typeface="Cambria Math" panose="02040503050406030204" pitchFamily="18" charset="0"/>
-                          </a:rPr>
-                          <m:t>6</m:t>
-                        </m:r>
-                      </m:num>
-                      <m:den>
-                        <m:r>
-                          <a:rPr lang="pt-BR" i="1">
-                            <a:latin typeface="Cambria Math" panose="02040503050406030204" pitchFamily="18" charset="0"/>
-                          </a:rPr>
-                          <m:t>3</m:t>
-                        </m:r>
-                      </m:den>
-                    </m:f>
-                    <m:r>
-                      <a:rPr lang="pt-BR" i="1">
-                        <a:latin typeface="Cambria Math" panose="02040503050406030204" pitchFamily="18" charset="0"/>
-                      </a:rPr>
-                      <m:t>=</m:t>
-                    </m:r>
-                    <m:r>
-                      <a:rPr lang="pt-BR" b="0" i="1" smtClean="0">
-                        <a:latin typeface="Cambria Math" panose="02040503050406030204" pitchFamily="18" charset="0"/>
-                      </a:rPr>
-                      <m:t>5</m:t>
-                    </m:r>
-                  </m:oMath>
-                </a14:m>
-                <a:r>
-                  <a:rPr lang="pt-BR" dirty="0"/>
-                  <a:t>.</a:t>
-                </a:r>
-              </a:p>
-              <a:p>
-                <a:r>
-                  <a:rPr lang="pt-BR" dirty="0"/>
-                  <a:t>Se os atributos não forem numéricos, devemos transformá-los em numéricos.</a:t>
-                </a:r>
-              </a:p>
-            </p:txBody>
-          </p:sp>
-        </mc:Choice>
-        <mc:Fallback xmlns="">
-          <p:sp>
-            <p:nvSpPr>
-              <p:cNvPr id="3" name="Espaço Reservado para Conteúdo 2"/>
-              <p:cNvSpPr>
-                <a:spLocks noGrp="1" noRot="1" noChangeAspect="1" noMove="1" noResize="1" noEditPoints="1" noAdjustHandles="1" noChangeArrowheads="1" noChangeShapeType="1" noTextEdit="1"/>
-              </p:cNvSpPr>
-              <p:nvPr>
-                <p:ph idx="1"/>
-              </p:nvPr>
-            </p:nvSpPr>
-            <p:spPr>
-              <a:xfrm>
-                <a:off x="838199" y="1825624"/>
-                <a:ext cx="11132127" cy="5032375"/>
-              </a:xfrm>
-              <a:blipFill rotWithShape="0">
-                <a:blip r:embed="rId3"/>
-                <a:stretch>
-                  <a:fillRect l="-821" t="-2421" r="-657" b="-969"/>
-                </a:stretch>
-              </a:blipFill>
-            </p:spPr>
-            <p:txBody>
-              <a:bodyPr/>
-              <a:lstStyle/>
-              <a:p>
-                <a:r>
-                  <a:rPr lang="en-US">
-                    <a:noFill/>
-                  </a:rPr>
-                  <a:t> </a:t>
-                </a:r>
-              </a:p>
-            </p:txBody>
-          </p:sp>
-        </mc:Fallback>
-      </mc:AlternateContent>
-    </p:spTree>
-    <p:extLst>
-      <p:ext uri="{BB962C8B-B14F-4D97-AF65-F5344CB8AC3E}">
-        <p14:creationId xmlns:p14="http://schemas.microsoft.com/office/powerpoint/2010/main" val="4003545077"/>
-      </p:ext>
-    </p:extLst>
-  </p:cSld>
-  <p:clrMapOvr>
-    <a:masterClrMapping/>
-  </p:clrMapOvr>
-</p:sld>
-</file>
-
-<file path=ppt/slides/slide7.xml><?xml version="1.0" encoding="utf-8"?>
-<p:sld xmlns:a="http://schemas.openxmlformats.org/drawingml/2006/main" xmlns:r="http://schemas.openxmlformats.org/officeDocument/2006/relationships" xmlns:p="http://schemas.openxmlformats.org/presentationml/2006/main">
-  <p:cSld>
-    <p:spTree>
-      <p:nvGrpSpPr>
-        <p:cNvPr id="1" name=""/>
-        <p:cNvGrpSpPr/>
-        <p:nvPr/>
-      </p:nvGrpSpPr>
-      <p:grpSpPr>
-        <a:xfrm>
-          <a:off x="0" y="0"/>
-          <a:ext cx="0" cy="0"/>
-          <a:chOff x="0" y="0"/>
-          <a:chExt cx="0" cy="0"/>
-        </a:xfrm>
-      </p:grpSpPr>
-      <p:sp>
-        <p:nvSpPr>
-          <p:cNvPr id="2" name="Título 1"/>
-          <p:cNvSpPr>
-            <a:spLocks noGrp="1"/>
-          </p:cNvSpPr>
-          <p:nvPr>
-            <p:ph type="title"/>
-          </p:nvPr>
-        </p:nvSpPr>
-        <p:spPr/>
-        <p:txBody>
-          <a:bodyPr/>
-          <a:lstStyle/>
-          <a:p>
-            <a:r>
-              <a:rPr lang="pt-BR" dirty="0"/>
-              <a:t>Como devem ser os clusters?</a:t>
-            </a:r>
-            <a:endParaRPr lang="en-US" dirty="0"/>
-          </a:p>
-        </p:txBody>
-      </p:sp>
-      <p:sp>
-        <p:nvSpPr>
-          <p:cNvPr id="3" name="Espaço Reservado para Conteúdo 2"/>
-          <p:cNvSpPr>
-            <a:spLocks noGrp="1"/>
-          </p:cNvSpPr>
-          <p:nvPr>
-            <p:ph idx="1"/>
-          </p:nvPr>
-        </p:nvSpPr>
-        <p:spPr>
-          <a:xfrm>
-            <a:off x="838199" y="1690688"/>
-            <a:ext cx="11225646" cy="5167311"/>
-          </a:xfrm>
-        </p:spPr>
-        <p:txBody>
-          <a:bodyPr>
-            <a:normAutofit fontScale="92500" lnSpcReduction="10000"/>
-          </a:bodyPr>
-          <a:lstStyle/>
-          <a:p>
-            <a:r>
-              <a:rPr lang="pt-BR" dirty="0"/>
-              <a:t>Os clusters </a:t>
-            </a:r>
-            <a:r>
-              <a:rPr lang="pt-BR" b="1" i="1" dirty="0"/>
-              <a:t>não devem se sobrepor</a:t>
-            </a:r>
-            <a:r>
-              <a:rPr lang="pt-BR" dirty="0"/>
-              <a:t>: cada exemplo deve pertencer a um e apenas a um cluster. </a:t>
-            </a:r>
-          </a:p>
-          <a:p>
-            <a:r>
-              <a:rPr lang="pt-BR" dirty="0"/>
-              <a:t>Porém, dentro do mesmo cluster, os exemplos devem estar relativamente próximos uns dos outros e distantes dos exemplos dos outros clusters.</a:t>
-            </a:r>
-          </a:p>
-          <a:p>
-            <a:r>
-              <a:rPr lang="pt-BR" dirty="0"/>
-              <a:t>Aí surge uma dúvida. Quantos clusters um conjunto de exemplos contém?</a:t>
-            </a:r>
-          </a:p>
-          <a:p>
-            <a:r>
-              <a:rPr lang="pt-BR" dirty="0"/>
-              <a:t>Na figura acima conseguimos identificar três clusters. </a:t>
-            </a:r>
-          </a:p>
-          <a:p>
-            <a:r>
-              <a:rPr lang="pt-BR" dirty="0"/>
-              <a:t>No entanto, o número de opções existentes não se limita a essa única possibilidade: </a:t>
-            </a:r>
-          </a:p>
-          <a:p>
-            <a:pPr lvl="1">
-              <a:buFont typeface="Wingdings" panose="05000000000000000000" pitchFamily="2" charset="2"/>
-              <a:buChar char="§"/>
-            </a:pPr>
-            <a:r>
-              <a:rPr lang="pt-BR" dirty="0"/>
-              <a:t>em um extremo, todo o conjunto de dados pode ser pensado como formando um grande cluster; </a:t>
-            </a:r>
-          </a:p>
-          <a:p>
-            <a:pPr lvl="1">
-              <a:buFont typeface="Wingdings" panose="05000000000000000000" pitchFamily="2" charset="2"/>
-              <a:buChar char="§"/>
-            </a:pPr>
-            <a:r>
-              <a:rPr lang="pt-BR" dirty="0"/>
-              <a:t>no outro, cada exemplo pode ser visto como representando seu próprio cluster de um único exemplo.</a:t>
-            </a:r>
-          </a:p>
-          <a:p>
-            <a:pPr>
-              <a:buFont typeface="Wingdings" panose="05000000000000000000" pitchFamily="2" charset="2"/>
-              <a:buChar char="§"/>
-            </a:pPr>
-            <a:r>
-              <a:rPr lang="pt-BR" dirty="0"/>
-              <a:t>Implementações práticas geralmente evitam esse problema pedindo ao usuário que forneça o número de clusters.</a:t>
-            </a:r>
-          </a:p>
-        </p:txBody>
-      </p:sp>
-      <p:pic>
-        <p:nvPicPr>
-          <p:cNvPr id="5" name="Picture 2" descr="K-Means Clustering using Python. Welcome back guys! Hope you had a great… |  by Luigi Fiori | Medium"/>
-          <p:cNvPicPr>
-            <a:picLocks noChangeAspect="1" noChangeArrowheads="1"/>
-          </p:cNvPicPr>
-          <p:nvPr/>
-        </p:nvPicPr>
-        <p:blipFill rotWithShape="1">
-          <a:blip r:embed="rId2">
-            <a:extLst>
-              <a:ext uri="{28A0092B-C50C-407E-A947-70E740481C1C}">
-                <a14:useLocalDpi xmlns:a14="http://schemas.microsoft.com/office/drawing/2010/main" val="0"/>
-              </a:ext>
-            </a:extLst>
-          </a:blip>
-          <a:srcRect l="1639" t="12047" r="55246" b="11854"/>
-          <a:stretch/>
-        </p:blipFill>
-        <p:spPr bwMode="auto">
-          <a:xfrm>
-            <a:off x="8821878" y="86417"/>
-            <a:ext cx="2178627" cy="1602204"/>
-          </a:xfrm>
-          <a:prstGeom prst="rect">
-            <a:avLst/>
-          </a:prstGeom>
-          <a:noFill/>
-          <a:extLst>
-            <a:ext uri="{909E8E84-426E-40DD-AFC4-6F175D3DCCD1}">
-              <a14:hiddenFill xmlns:a14="http://schemas.microsoft.com/office/drawing/2010/main">
-                <a:solidFill>
-                  <a:srgbClr val="FFFFFF"/>
-                </a:solidFill>
-              </a14:hiddenFill>
-            </a:ext>
-          </a:extLst>
-        </p:spPr>
-      </p:pic>
-    </p:spTree>
-    <p:extLst>
-      <p:ext uri="{BB962C8B-B14F-4D97-AF65-F5344CB8AC3E}">
-        <p14:creationId xmlns:p14="http://schemas.microsoft.com/office/powerpoint/2010/main" val="506141761"/>
-      </p:ext>
-    </p:extLst>
-  </p:cSld>
-  <p:clrMapOvr>
-    <a:masterClrMapping/>
-  </p:clrMapOvr>
-</p:sld>
-</file>
-
-<file path=ppt/slides/slide8.xml><?xml version="1.0" encoding="utf-8"?>
-<p:sld xmlns:a="http://schemas.openxmlformats.org/drawingml/2006/main" xmlns:r="http://schemas.openxmlformats.org/officeDocument/2006/relationships" xmlns:p="http://schemas.openxmlformats.org/presentationml/2006/main">
-  <p:cSld>
-    <p:spTree>
-      <p:nvGrpSpPr>
-        <p:cNvPr id="1" name=""/>
-        <p:cNvGrpSpPr/>
-        <p:nvPr/>
-      </p:nvGrpSpPr>
-      <p:grpSpPr>
-        <a:xfrm>
-          <a:off x="0" y="0"/>
-          <a:ext cx="0" cy="0"/>
-          <a:chOff x="0" y="0"/>
-          <a:chExt cx="0" cy="0"/>
-        </a:xfrm>
-      </p:grpSpPr>
-      <p:sp>
-        <p:nvSpPr>
-          <p:cNvPr id="2" name="Título 1"/>
-          <p:cNvSpPr>
-            <a:spLocks noGrp="1"/>
-          </p:cNvSpPr>
-          <p:nvPr>
-            <p:ph type="title"/>
-          </p:nvPr>
-        </p:nvSpPr>
-        <p:spPr/>
-        <p:txBody>
-          <a:bodyPr/>
-          <a:lstStyle/>
-          <a:p>
-            <a:r>
-              <a:rPr lang="en-US" dirty="0" err="1"/>
-              <a:t>Medindo</a:t>
-            </a:r>
-            <a:r>
-              <a:rPr lang="en-US" dirty="0"/>
-              <a:t> </a:t>
-            </a:r>
-            <a:r>
-              <a:rPr lang="en-US" dirty="0" err="1"/>
-              <a:t>distâncias</a:t>
-            </a:r>
-            <a:endParaRPr lang="en-US" dirty="0"/>
-          </a:p>
-        </p:txBody>
-      </p:sp>
-      <mc:AlternateContent xmlns:mc="http://schemas.openxmlformats.org/markup-compatibility/2006" xmlns:a14="http://schemas.microsoft.com/office/drawing/2010/main">
-        <mc:Choice Requires="a14">
-          <p:sp>
-            <p:nvSpPr>
-              <p:cNvPr id="3" name="Espaço Reservado para Conteúdo 2"/>
-              <p:cNvSpPr>
-                <a:spLocks noGrp="1"/>
-              </p:cNvSpPr>
-              <p:nvPr>
-                <p:ph idx="1"/>
-              </p:nvPr>
-            </p:nvSpPr>
-            <p:spPr>
-              <a:xfrm>
-                <a:off x="838199" y="1825624"/>
-                <a:ext cx="11194474" cy="5032375"/>
-              </a:xfrm>
-            </p:spPr>
-            <p:txBody>
-              <a:bodyPr>
-                <a:normAutofit fontScale="92500"/>
-              </a:bodyPr>
-              <a:lstStyle/>
-              <a:p>
-                <a:r>
-                  <a:rPr lang="pt-BR" dirty="0"/>
-                  <a:t>Algoritmos para identificação de clusters geralmente precisam de um mecanismo para </a:t>
-                </a:r>
-                <a:r>
-                  <a:rPr lang="pt-BR" b="1" i="1" dirty="0"/>
-                  <a:t>avaliar a distância </a:t>
-                </a:r>
-                <a:r>
-                  <a:rPr lang="pt-BR" dirty="0"/>
-                  <a:t>entre um exemplo e o centroide de um cluster. </a:t>
-                </a:r>
-              </a:p>
-              <a:p>
-                <a:r>
-                  <a:rPr lang="pt-BR" dirty="0"/>
-                  <a:t>Uma forma de fazer isso quando os atributos são contínuos é usar a </a:t>
-                </a:r>
-                <a:r>
-                  <a:rPr lang="pt-BR" b="1" i="1" dirty="0"/>
-                  <a:t>distância euclidiana </a:t>
-                </a:r>
-                <a:r>
-                  <a:rPr lang="pt-BR" dirty="0"/>
-                  <a:t>entre os dois vetores.</a:t>
-                </a:r>
-              </a:p>
-              <a:p>
-                <a:r>
-                  <a:rPr lang="pt-BR" dirty="0"/>
-                  <a:t>Para exemplos com atributos discretos ou uma mistura de ambos, usamos uma equação mais geral para calcular as distâncias:</a:t>
+                  <a:t>Para exemplos com atributos contínuos e discretos ou uma mistura com categóricos, usamos uma equação mais geral para calcular as distâncias:</a:t>
                 </a:r>
               </a:p>
               <a:p>
@@ -7782,7 +6843,7 @@
                 </a14:m>
                 <a:r>
                   <a:rPr lang="pt-BR" dirty="0"/>
-                  <a:t> para atributos contínuos e </a:t>
+                  <a:t> para atributos contínuos e discretos e </a:t>
                 </a:r>
                 <a14:m>
                   <m:oMath xmlns:m="http://schemas.openxmlformats.org/officeDocument/2006/math">
@@ -8156,13 +7217,21 @@
                 </a14:m>
                 <a:r>
                   <a:rPr lang="pt-BR" dirty="0"/>
-                  <a:t> para atributos discretos.</a:t>
+                  <a:t> para atributos categóricos, mas transformados em </a:t>
+                </a:r>
+                <a:r>
+                  <a:rPr lang="pt-BR" dirty="0" err="1"/>
+                  <a:t>numércos</a:t>
+                </a:r>
+                <a:r>
+                  <a:rPr lang="pt-BR" dirty="0"/>
+                  <a:t>.</a:t>
                 </a:r>
               </a:p>
             </p:txBody>
           </p:sp>
         </mc:Choice>
-        <mc:Fallback xmlns="">
+        <mc:Fallback>
           <p:sp>
             <p:nvSpPr>
               <p:cNvPr id="3" name="Espaço Reservado para Conteúdo 2"/>
@@ -8175,13 +7244,13 @@
             </p:nvSpPr>
             <p:spPr>
               <a:xfrm>
-                <a:off x="838199" y="1825624"/>
-                <a:ext cx="11194474" cy="5032375"/>
+                <a:off x="5246914" y="1825624"/>
+                <a:ext cx="6785759" cy="5032375"/>
               </a:xfrm>
-              <a:blipFill rotWithShape="0">
+              <a:blipFill>
                 <a:blip r:embed="rId2"/>
                 <a:stretch>
-                  <a:fillRect l="-925" t="-1816" r="-1143" b="-1816"/>
+                  <a:fillRect l="-1887" t="-2663" r="-1797" b="-3269"/>
                 </a:stretch>
               </a:blipFill>
             </p:spPr>
@@ -8190,7 +7259,7 @@
               <a:lstStyle/>
               <a:p>
                 <a:r>
-                  <a:rPr lang="en-US">
+                  <a:rPr lang="pt-BR">
                     <a:noFill/>
                   </a:rPr>
                   <a:t> </a:t>
@@ -8200,6 +7269,51 @@
           </p:sp>
         </mc:Fallback>
       </mc:AlternateContent>
+      <p:pic>
+        <p:nvPicPr>
+          <p:cNvPr id="4" name="Picture 2" descr="Quantum machine learning: distance estimation for k-means clustering | by  Sashwat Anagolum | Towards Data Science">
+            <a:extLst>
+              <a:ext uri="{FF2B5EF4-FFF2-40B4-BE49-F238E27FC236}">
+                <a16:creationId xmlns:a16="http://schemas.microsoft.com/office/drawing/2014/main" id="{22ACC8D3-8B80-BBE4-31ED-C31E6E11B17D}"/>
+              </a:ext>
+            </a:extLst>
+          </p:cNvPr>
+          <p:cNvPicPr>
+            <a:picLocks noChangeAspect="1" noChangeArrowheads="1"/>
+          </p:cNvPicPr>
+          <p:nvPr/>
+        </p:nvPicPr>
+        <p:blipFill rotWithShape="1">
+          <a:blip r:embed="rId3">
+            <a:extLst>
+              <a:ext uri="{28A0092B-C50C-407E-A947-70E740481C1C}">
+                <a14:useLocalDpi xmlns:a14="http://schemas.microsoft.com/office/drawing/2010/main" val="0"/>
+              </a:ext>
+            </a:extLst>
+          </a:blip>
+          <a:srcRect l="3750" t="11979" r="8929"/>
+          <a:stretch/>
+        </p:blipFill>
+        <p:spPr bwMode="auto">
+          <a:xfrm>
+            <a:off x="511629" y="2202317"/>
+            <a:ext cx="4487974" cy="3392940"/>
+          </a:xfrm>
+          <a:prstGeom prst="rect">
+            <a:avLst/>
+          </a:prstGeom>
+          <a:noFill/>
+          <a:extLst>
+            <a:ext uri="{909E8E84-426E-40DD-AFC4-6F175D3DCCD1}">
+              <a14:hiddenFill xmlns:a14="http://schemas.microsoft.com/office/drawing/2010/main">
+                <a:solidFill>
+                  <a:srgbClr val="FFFFFF"/>
+                </a:solidFill>
+              </a14:hiddenFill>
+            </a:ext>
+          </a:extLst>
+        </p:spPr>
+      </p:pic>
     </p:spTree>
     <p:extLst>
       <p:ext uri="{BB962C8B-B14F-4D97-AF65-F5344CB8AC3E}">
@@ -8213,7 +7327,7 @@
 </p:sld>
 </file>
 
-<file path=ppt/slides/slide9.xml><?xml version="1.0" encoding="utf-8"?>
+<file path=ppt/slides/slide13.xml><?xml version="1.0" encoding="utf-8"?>
 <p:sld xmlns:a="http://schemas.openxmlformats.org/drawingml/2006/main" xmlns:r="http://schemas.openxmlformats.org/officeDocument/2006/relationships" xmlns:p="http://schemas.openxmlformats.org/presentationml/2006/main">
   <p:cSld>
     <p:spTree>
@@ -8253,8 +7367,8 @@
           </a:p>
         </p:txBody>
       </p:sp>
-      <mc:AlternateContent xmlns:mc="http://schemas.openxmlformats.org/markup-compatibility/2006" xmlns:a14="http://schemas.microsoft.com/office/drawing/2010/main">
-        <mc:Choice Requires="a14">
+      <mc:AlternateContent xmlns:mc="http://schemas.openxmlformats.org/markup-compatibility/2006">
+        <mc:Choice xmlns:a14="http://schemas.microsoft.com/office/drawing/2010/main" Requires="a14">
           <p:sp>
             <p:nvSpPr>
               <p:cNvPr id="3" name="Espaço Reservado para Conteúdo 2"/>
@@ -8293,7 +7407,7 @@
                 </a14:m>
                 <a:r>
                   <a:rPr lang="pt-BR" dirty="0"/>
-                  <a:t> clusters cujos centroides são denotados por </a:t>
+                  <a:t> clusters cujos centroides são denotados pelo vetor, </a:t>
                 </a:r>
                 <a14:m>
                   <m:oMath xmlns:m="http://schemas.openxmlformats.org/officeDocument/2006/math">
@@ -8605,18 +7719,48 @@
                   <a:t>Portanto, escolhemos a </a:t>
                 </a:r>
                 <a:r>
-                  <a:rPr lang="pt-BR" b="1" i="1" dirty="0"/>
+                  <a:rPr lang="pt-BR" b="1" i="1" dirty="0">
+                    <a:solidFill>
+                      <a:schemeClr val="accent5"/>
+                    </a:solidFill>
+                  </a:rPr>
                   <a:t>menor distância </a:t>
                 </a:r>
                 <a:r>
                   <a:rPr lang="pt-BR" dirty="0"/>
-                  <a:t>para definir a qual cluster um exemplo pertence.</a:t>
+                  <a:t>para </a:t>
+                </a:r>
+                <a:r>
+                  <a:rPr lang="pt-BR" b="1" i="1" dirty="0">
+                    <a:solidFill>
+                      <a:schemeClr val="accent5"/>
+                    </a:solidFill>
+                  </a:rPr>
+                  <a:t>definir a qual cluster um exemplo pertence</a:t>
+                </a:r>
+                <a:r>
+                  <a:rPr lang="pt-BR" dirty="0"/>
+                  <a:t>.</a:t>
+                </a:r>
+              </a:p>
+              <a:p>
+                <a:r>
+                  <a:rPr lang="pt-BR" dirty="0"/>
+                  <a:t>Agora, veremos como funciona o k-</a:t>
+                </a:r>
+                <a:r>
+                  <a:rPr lang="pt-BR" dirty="0" err="1"/>
+                  <a:t>Means</a:t>
+                </a:r>
+                <a:r>
+                  <a:rPr lang="pt-BR" dirty="0"/>
+                  <a:t>, um dos algoritmos de clusterização (i.e., identificação de clusters) mais simples.</a:t>
                 </a:r>
               </a:p>
             </p:txBody>
           </p:sp>
         </mc:Choice>
-        <mc:Fallback xmlns="">
+        <mc:Fallback>
           <p:sp>
             <p:nvSpPr>
               <p:cNvPr id="3" name="Espaço Reservado para Conteúdo 2"/>
@@ -8632,10 +7776,10 @@
                 <a:off x="838199" y="1825624"/>
                 <a:ext cx="10924309" cy="4710257"/>
               </a:xfrm>
-              <a:blipFill rotWithShape="0">
+              <a:blipFill>
                 <a:blip r:embed="rId2"/>
                 <a:stretch>
-                  <a:fillRect l="-948" t="-2070" r="-1171"/>
+                  <a:fillRect l="-948" t="-2070"/>
                 </a:stretch>
               </a:blipFill>
             </p:spPr>
@@ -8644,7 +7788,7 @@
               <a:lstStyle/>
               <a:p>
                 <a:r>
-                  <a:rPr lang="en-US">
+                  <a:rPr lang="pt-BR">
                     <a:noFill/>
                   </a:rPr>
                   <a:t> </a:t>
@@ -8658,6 +7802,3858 @@
     <p:extLst>
       <p:ext uri="{BB962C8B-B14F-4D97-AF65-F5344CB8AC3E}">
         <p14:creationId xmlns:p14="http://schemas.microsoft.com/office/powerpoint/2010/main" val="2179787447"/>
+      </p:ext>
+    </p:extLst>
+  </p:cSld>
+  <p:clrMapOvr>
+    <a:masterClrMapping/>
+  </p:clrMapOvr>
+</p:sld>
+</file>
+
+<file path=ppt/slides/slide14.xml><?xml version="1.0" encoding="utf-8"?>
+<p:sld xmlns:a="http://schemas.openxmlformats.org/drawingml/2006/main" xmlns:r="http://schemas.openxmlformats.org/officeDocument/2006/relationships" xmlns:p="http://schemas.openxmlformats.org/presentationml/2006/main">
+  <p:cSld>
+    <p:spTree>
+      <p:nvGrpSpPr>
+        <p:cNvPr id="1" name=""/>
+        <p:cNvGrpSpPr/>
+        <p:nvPr/>
+      </p:nvGrpSpPr>
+      <p:grpSpPr>
+        <a:xfrm>
+          <a:off x="0" y="0"/>
+          <a:ext cx="0" cy="0"/>
+          <a:chOff x="0" y="0"/>
+          <a:chExt cx="0" cy="0"/>
+        </a:xfrm>
+      </p:grpSpPr>
+      <p:sp>
+        <p:nvSpPr>
+          <p:cNvPr id="2" name="Título 1"/>
+          <p:cNvSpPr>
+            <a:spLocks noGrp="1"/>
+          </p:cNvSpPr>
+          <p:nvPr>
+            <p:ph type="title"/>
+          </p:nvPr>
+        </p:nvSpPr>
+        <p:spPr/>
+        <p:txBody>
+          <a:bodyPr/>
+          <a:lstStyle/>
+          <a:p>
+            <a:r>
+              <a:rPr lang="pt-BR" dirty="0"/>
+              <a:t>k-</a:t>
+            </a:r>
+            <a:r>
+              <a:rPr lang="pt-BR" dirty="0" err="1"/>
+              <a:t>Means</a:t>
+            </a:r>
+            <a:endParaRPr lang="en-US" dirty="0"/>
+          </a:p>
+        </p:txBody>
+      </p:sp>
+      <mc:AlternateContent xmlns:mc="http://schemas.openxmlformats.org/markup-compatibility/2006">
+        <mc:Choice xmlns:a14="http://schemas.microsoft.com/office/drawing/2010/main" Requires="a14">
+          <p:sp>
+            <p:nvSpPr>
+              <p:cNvPr id="3" name="Espaço Reservado para Conteúdo 2"/>
+              <p:cNvSpPr>
+                <a:spLocks noGrp="1"/>
+              </p:cNvSpPr>
+              <p:nvPr>
+                <p:ph idx="1"/>
+              </p:nvPr>
+            </p:nvSpPr>
+            <p:spPr>
+              <a:xfrm>
+                <a:off x="838199" y="1825624"/>
+                <a:ext cx="11152909" cy="5032375"/>
+              </a:xfrm>
+            </p:spPr>
+            <p:txBody>
+              <a:bodyPr>
+                <a:normAutofit/>
+              </a:bodyPr>
+              <a:lstStyle/>
+              <a:p>
+                <a:r>
+                  <a:rPr lang="pt-BR" dirty="0"/>
+                  <a:t>O </a:t>
+                </a:r>
+                <a14:m>
+                  <m:oMath xmlns:m="http://schemas.openxmlformats.org/officeDocument/2006/math">
+                    <m:r>
+                      <a:rPr lang="pt-BR">
+                        <a:latin typeface="Cambria Math" panose="02040503050406030204" pitchFamily="18" charset="0"/>
+                      </a:rPr>
+                      <m:t>"</m:t>
+                    </m:r>
+                    <m:r>
+                      <a:rPr lang="pt-BR" b="0" i="1" smtClean="0">
+                        <a:latin typeface="Cambria Math" panose="02040503050406030204" pitchFamily="18" charset="0"/>
+                      </a:rPr>
+                      <m:t>𝑘</m:t>
+                    </m:r>
+                    <m:r>
+                      <a:rPr lang="pt-BR" b="0" i="1" smtClean="0">
+                        <a:latin typeface="Cambria Math" panose="02040503050406030204" pitchFamily="18" charset="0"/>
+                      </a:rPr>
+                      <m:t>"</m:t>
+                    </m:r>
+                  </m:oMath>
+                </a14:m>
+                <a:r>
+                  <a:rPr lang="pt-BR" dirty="0"/>
+                  <a:t> no nome denota o número </a:t>
+                </a:r>
+                <a:r>
+                  <a:rPr lang="pt-BR" b="1" i="1" dirty="0"/>
+                  <a:t>pré-definido</a:t>
+                </a:r>
+                <a:r>
+                  <a:rPr lang="pt-BR" dirty="0"/>
+                  <a:t> de clusters, i.e., o número de clusters é um parâmetro definido pelo usuário.</a:t>
+                </a:r>
+              </a:p>
+              <a:p>
+                <a:r>
+                  <a:rPr lang="pt-BR" dirty="0"/>
+                  <a:t>O pseudocódigo do algoritmo é mostrado abaixo.</a:t>
+                </a:r>
+              </a:p>
+              <a:p>
+                <a:endParaRPr lang="pt-BR" dirty="0"/>
+              </a:p>
+              <a:p>
+                <a:endParaRPr lang="pt-BR" dirty="0"/>
+              </a:p>
+              <a:p>
+                <a:endParaRPr lang="pt-BR" dirty="0"/>
+              </a:p>
+              <a:p>
+                <a:pPr marL="0" indent="0">
+                  <a:buNone/>
+                </a:pPr>
+                <a:endParaRPr lang="pt-BR" dirty="0"/>
+              </a:p>
+              <a:p>
+                <a:r>
+                  <a:rPr lang="pt-BR" dirty="0"/>
+                  <a:t>O algoritmo garantidamente chega a uma situação em que cada exemplo se encontra no cluster mais próximo, de modo que, a partir deste momento, os centroides não mudem mais.</a:t>
+                </a:r>
+              </a:p>
+            </p:txBody>
+          </p:sp>
+        </mc:Choice>
+        <mc:Fallback>
+          <p:sp>
+            <p:nvSpPr>
+              <p:cNvPr id="3" name="Espaço Reservado para Conteúdo 2"/>
+              <p:cNvSpPr>
+                <a:spLocks noGrp="1" noRot="1" noChangeAspect="1" noMove="1" noResize="1" noEditPoints="1" noAdjustHandles="1" noChangeArrowheads="1" noChangeShapeType="1" noTextEdit="1"/>
+              </p:cNvSpPr>
+              <p:nvPr>
+                <p:ph idx="1"/>
+              </p:nvPr>
+            </p:nvSpPr>
+            <p:spPr>
+              <a:xfrm>
+                <a:off x="838199" y="1825624"/>
+                <a:ext cx="11152909" cy="5032375"/>
+              </a:xfrm>
+              <a:blipFill>
+                <a:blip r:embed="rId3"/>
+                <a:stretch>
+                  <a:fillRect l="-929" t="-1937"/>
+                </a:stretch>
+              </a:blipFill>
+            </p:spPr>
+            <p:txBody>
+              <a:bodyPr/>
+              <a:lstStyle/>
+              <a:p>
+                <a:r>
+                  <a:rPr lang="pt-BR">
+                    <a:noFill/>
+                  </a:rPr>
+                  <a:t> </a:t>
+                </a:r>
+              </a:p>
+            </p:txBody>
+          </p:sp>
+        </mc:Fallback>
+      </mc:AlternateContent>
+      <mc:AlternateContent xmlns:mc="http://schemas.openxmlformats.org/markup-compatibility/2006">
+        <mc:Choice xmlns:a14="http://schemas.microsoft.com/office/drawing/2010/main" Requires="a14">
+          <p:sp>
+            <p:nvSpPr>
+              <p:cNvPr id="4" name="TextBox 4"/>
+              <p:cNvSpPr txBox="1"/>
+              <p:nvPr/>
+            </p:nvSpPr>
+            <p:spPr>
+              <a:xfrm>
+                <a:off x="2079214" y="3325262"/>
+                <a:ext cx="8670878" cy="1815882"/>
+              </a:xfrm>
+              <a:prstGeom prst="rect">
+                <a:avLst/>
+              </a:prstGeom>
+              <a:noFill/>
+              <a:ln>
+                <a:solidFill>
+                  <a:schemeClr val="tx1"/>
+                </a:solidFill>
+              </a:ln>
+            </p:spPr>
+            <p:txBody>
+              <a:bodyPr wrap="square" rtlCol="0">
+                <a:spAutoFit/>
+              </a:bodyPr>
+              <a:lstStyle/>
+              <a:p>
+                <a:r>
+                  <a:rPr lang="pt-BR" sz="1600" b="1" dirty="0"/>
+                  <a:t>Entradas</a:t>
+                </a:r>
+                <a:r>
+                  <a:rPr lang="pt-BR" sz="1600" dirty="0"/>
+                  <a:t>: conjunto de exemplos e número de clusters, </a:t>
+                </a:r>
+                <a14:m>
+                  <m:oMath xmlns:m="http://schemas.openxmlformats.org/officeDocument/2006/math">
+                    <m:r>
+                      <a:rPr lang="pt-BR" sz="1600" i="1">
+                        <a:latin typeface="Cambria Math" panose="02040503050406030204" pitchFamily="18" charset="0"/>
+                      </a:rPr>
+                      <m:t>𝑘</m:t>
+                    </m:r>
+                  </m:oMath>
+                </a14:m>
+                <a:r>
+                  <a:rPr lang="pt-BR" sz="1600" dirty="0"/>
+                  <a:t>. </a:t>
+                </a:r>
+                <a:endParaRPr lang="pt-BR" sz="1600" b="1" dirty="0"/>
+              </a:p>
+              <a:p>
+                <a:pPr marL="342900" indent="-342900">
+                  <a:buFont typeface="+mj-lt"/>
+                  <a:buAutoNum type="arabicPeriod"/>
+                </a:pPr>
+                <a:r>
+                  <a:rPr lang="pt-BR" sz="1600" b="1" dirty="0"/>
+                  <a:t>Defina</a:t>
+                </a:r>
+                <a:r>
+                  <a:rPr lang="pt-BR" sz="1600" dirty="0"/>
+                  <a:t> </a:t>
+                </a:r>
+                <a14:m>
+                  <m:oMath xmlns:m="http://schemas.openxmlformats.org/officeDocument/2006/math">
+                    <m:r>
+                      <a:rPr lang="pt-BR" sz="1600" i="1">
+                        <a:latin typeface="Cambria Math" panose="02040503050406030204" pitchFamily="18" charset="0"/>
+                      </a:rPr>
+                      <m:t>𝑘</m:t>
+                    </m:r>
+                  </m:oMath>
+                </a14:m>
+                <a:r>
+                  <a:rPr lang="pt-BR" sz="1600" dirty="0"/>
+                  <a:t> centroides iniciais (geralmente, feito de forma aleatória).</a:t>
+                </a:r>
+              </a:p>
+              <a:p>
+                <a:pPr marL="342900" indent="-342900">
+                  <a:buFont typeface="+mj-lt"/>
+                  <a:buAutoNum type="arabicPeriod"/>
+                </a:pPr>
+                <a:r>
+                  <a:rPr lang="pt-BR" sz="1600" b="1" dirty="0"/>
+                  <a:t>Repita</a:t>
+                </a:r>
+              </a:p>
+              <a:p>
+                <a:pPr marL="800100" lvl="1" indent="-342900">
+                  <a:buFont typeface="+mj-lt"/>
+                  <a:buAutoNum type="alphaLcParenR"/>
+                </a:pPr>
+                <a:r>
+                  <a:rPr lang="pt-BR" sz="1600" dirty="0"/>
+                  <a:t>Calcule a distância de cada exemplo, </a:t>
+                </a:r>
+                <a14:m>
+                  <m:oMath xmlns:m="http://schemas.openxmlformats.org/officeDocument/2006/math">
+                    <m:r>
+                      <a:rPr lang="pt-BR" sz="1600" b="1" i="1">
+                        <a:latin typeface="Cambria Math" panose="02040503050406030204" pitchFamily="18" charset="0"/>
+                      </a:rPr>
+                      <m:t>𝒙</m:t>
+                    </m:r>
+                    <m:r>
+                      <a:rPr lang="pt-BR" sz="1600" b="1" i="1" smtClean="0">
+                        <a:latin typeface="Cambria Math" panose="02040503050406030204" pitchFamily="18" charset="0"/>
+                      </a:rPr>
+                      <m:t>,</m:t>
+                    </m:r>
+                    <m:r>
+                      <a:rPr lang="pt-BR" sz="1600" b="1" i="1">
+                        <a:latin typeface="Cambria Math" panose="02040503050406030204" pitchFamily="18" charset="0"/>
+                      </a:rPr>
+                      <m:t> </m:t>
+                    </m:r>
+                  </m:oMath>
+                </a14:m>
+                <a:r>
+                  <a:rPr lang="pt-BR" sz="1600" dirty="0"/>
+                  <a:t>para cada um dos </a:t>
+                </a:r>
+                <a14:m>
+                  <m:oMath xmlns:m="http://schemas.openxmlformats.org/officeDocument/2006/math">
+                    <m:r>
+                      <a:rPr lang="pt-BR" sz="1600" i="1">
+                        <a:latin typeface="Cambria Math" panose="02040503050406030204" pitchFamily="18" charset="0"/>
+                      </a:rPr>
+                      <m:t>𝑘</m:t>
+                    </m:r>
+                  </m:oMath>
+                </a14:m>
+                <a:r>
+                  <a:rPr lang="pt-BR" sz="1600" dirty="0"/>
+                  <a:t> centroides e atribua cada exemplo ao cluster mais próximo.</a:t>
+                </a:r>
+              </a:p>
+              <a:p>
+                <a:pPr marL="800100" lvl="1" indent="-342900">
+                  <a:buFont typeface="+mj-lt"/>
+                  <a:buAutoNum type="alphaLcParenR"/>
+                </a:pPr>
+                <a:r>
+                  <a:rPr lang="pt-BR" sz="1600" dirty="0"/>
+                  <a:t>Calcule o novo centroide de cada cluster.</a:t>
+                </a:r>
+              </a:p>
+              <a:p>
+                <a:pPr marL="342900" indent="-342900">
+                  <a:buFont typeface="+mj-lt"/>
+                  <a:buAutoNum type="arabicPeriod"/>
+                </a:pPr>
+                <a:r>
+                  <a:rPr lang="pt-BR" sz="1600" b="1" dirty="0"/>
+                  <a:t>Enquanto </a:t>
+                </a:r>
+                <a:r>
+                  <a:rPr lang="pt-BR" sz="1600" dirty="0"/>
+                  <a:t>as posições dos centroides continuarem mudando.</a:t>
+                </a:r>
+              </a:p>
+            </p:txBody>
+          </p:sp>
+        </mc:Choice>
+        <mc:Fallback>
+          <p:sp>
+            <p:nvSpPr>
+              <p:cNvPr id="4" name="TextBox 4"/>
+              <p:cNvSpPr txBox="1">
+                <a:spLocks noRot="1" noChangeAspect="1" noMove="1" noResize="1" noEditPoints="1" noAdjustHandles="1" noChangeArrowheads="1" noChangeShapeType="1" noTextEdit="1"/>
+              </p:cNvSpPr>
+              <p:nvPr/>
+            </p:nvSpPr>
+            <p:spPr>
+              <a:xfrm>
+                <a:off x="2079214" y="3325262"/>
+                <a:ext cx="8670878" cy="1815882"/>
+              </a:xfrm>
+              <a:prstGeom prst="rect">
+                <a:avLst/>
+              </a:prstGeom>
+              <a:blipFill>
+                <a:blip r:embed="rId4"/>
+                <a:stretch>
+                  <a:fillRect l="-281" t="-667" b="-3000"/>
+                </a:stretch>
+              </a:blipFill>
+              <a:ln>
+                <a:solidFill>
+                  <a:schemeClr val="tx1"/>
+                </a:solidFill>
+              </a:ln>
+            </p:spPr>
+            <p:txBody>
+              <a:bodyPr/>
+              <a:lstStyle/>
+              <a:p>
+                <a:r>
+                  <a:rPr lang="pt-BR">
+                    <a:noFill/>
+                  </a:rPr>
+                  <a:t> </a:t>
+                </a:r>
+              </a:p>
+            </p:txBody>
+          </p:sp>
+        </mc:Fallback>
+      </mc:AlternateContent>
+    </p:spTree>
+    <p:extLst>
+      <p:ext uri="{BB962C8B-B14F-4D97-AF65-F5344CB8AC3E}">
+        <p14:creationId xmlns:p14="http://schemas.microsoft.com/office/powerpoint/2010/main" val="2317123538"/>
+      </p:ext>
+    </p:extLst>
+  </p:cSld>
+  <p:clrMapOvr>
+    <a:masterClrMapping/>
+  </p:clrMapOvr>
+</p:sld>
+</file>
+
+<file path=ppt/slides/slide15.xml><?xml version="1.0" encoding="utf-8"?>
+<p:sld xmlns:a="http://schemas.openxmlformats.org/drawingml/2006/main" xmlns:r="http://schemas.openxmlformats.org/officeDocument/2006/relationships" xmlns:p="http://schemas.openxmlformats.org/presentationml/2006/main">
+  <p:cSld>
+    <p:spTree>
+      <p:nvGrpSpPr>
+        <p:cNvPr id="1" name=""/>
+        <p:cNvGrpSpPr/>
+        <p:nvPr/>
+      </p:nvGrpSpPr>
+      <p:grpSpPr>
+        <a:xfrm>
+          <a:off x="0" y="0"/>
+          <a:ext cx="0" cy="0"/>
+          <a:chOff x="0" y="0"/>
+          <a:chExt cx="0" cy="0"/>
+        </a:xfrm>
+      </p:grpSpPr>
+      <p:sp>
+        <p:nvSpPr>
+          <p:cNvPr id="2" name="Título 1"/>
+          <p:cNvSpPr>
+            <a:spLocks noGrp="1"/>
+          </p:cNvSpPr>
+          <p:nvPr>
+            <p:ph type="title"/>
+          </p:nvPr>
+        </p:nvSpPr>
+        <p:spPr/>
+        <p:txBody>
+          <a:bodyPr/>
+          <a:lstStyle/>
+          <a:p>
+            <a:r>
+              <a:rPr lang="pt-BR" dirty="0"/>
+              <a:t>Como inicializar os centroides? </a:t>
+            </a:r>
+            <a:endParaRPr lang="en-US" dirty="0"/>
+          </a:p>
+        </p:txBody>
+      </p:sp>
+      <mc:AlternateContent xmlns:mc="http://schemas.openxmlformats.org/markup-compatibility/2006">
+        <mc:Choice xmlns:a14="http://schemas.microsoft.com/office/drawing/2010/main" Requires="a14">
+          <p:sp>
+            <p:nvSpPr>
+              <p:cNvPr id="3" name="Espaço Reservado para Conteúdo 2"/>
+              <p:cNvSpPr>
+                <a:spLocks noGrp="1"/>
+              </p:cNvSpPr>
+              <p:nvPr>
+                <p:ph idx="1"/>
+              </p:nvPr>
+            </p:nvSpPr>
+            <p:spPr>
+              <a:xfrm>
+                <a:off x="5214257" y="1825624"/>
+                <a:ext cx="6776851" cy="5032375"/>
+              </a:xfrm>
+            </p:spPr>
+            <p:txBody>
+              <a:bodyPr>
+                <a:normAutofit/>
+              </a:bodyPr>
+              <a:lstStyle/>
+              <a:p>
+                <a:r>
+                  <a:rPr lang="pt-BR" dirty="0"/>
+                  <a:t>O procedimento mais simples para inicializar os centroides é </a:t>
+                </a:r>
+                <a:r>
+                  <a:rPr lang="pt-BR" b="1" i="1" dirty="0">
+                    <a:solidFill>
+                      <a:schemeClr val="accent5"/>
+                    </a:solidFill>
+                  </a:rPr>
+                  <a:t>escolher </a:t>
+                </a:r>
+                <a14:m>
+                  <m:oMath xmlns:m="http://schemas.openxmlformats.org/officeDocument/2006/math">
+                    <m:r>
+                      <a:rPr lang="pt-BR" b="1" i="1">
+                        <a:solidFill>
+                          <a:schemeClr val="accent5"/>
+                        </a:solidFill>
+                        <a:latin typeface="Cambria Math" panose="02040503050406030204" pitchFamily="18" charset="0"/>
+                      </a:rPr>
+                      <m:t>𝒌</m:t>
+                    </m:r>
+                  </m:oMath>
+                </a14:m>
+                <a:r>
+                  <a:rPr lang="pt-BR" b="1" i="1" dirty="0">
+                    <a:solidFill>
+                      <a:schemeClr val="accent5"/>
+                    </a:solidFill>
+                  </a:rPr>
+                  <a:t> exemplos de treinamento aleatórios</a:t>
+                </a:r>
+                <a:r>
+                  <a:rPr lang="pt-BR" dirty="0"/>
+                  <a:t> e os considerar como os centroides iniciais.</a:t>
+                </a:r>
+              </a:p>
+              <a:p>
+                <a:r>
+                  <a:rPr lang="pt-BR" dirty="0"/>
+                  <a:t>Os </a:t>
+                </a:r>
+                <a:r>
+                  <a:rPr lang="pt-BR" b="1" i="1" dirty="0">
+                    <a:solidFill>
+                      <a:srgbClr val="7030A0"/>
+                    </a:solidFill>
+                  </a:rPr>
+                  <a:t>clusters iniciais </a:t>
+                </a:r>
+                <a:r>
+                  <a:rPr lang="pt-BR" dirty="0"/>
+                  <a:t>são então criados associando cada um dos exemplos ao seu </a:t>
+                </a:r>
+                <a:r>
+                  <a:rPr lang="pt-BR" b="1" i="1" dirty="0">
+                    <a:solidFill>
+                      <a:srgbClr val="00B050"/>
+                    </a:solidFill>
+                  </a:rPr>
+                  <a:t>centroide mais próximo</a:t>
+                </a:r>
+                <a:r>
+                  <a:rPr lang="pt-BR" dirty="0"/>
+                  <a:t>.</a:t>
+                </a:r>
+              </a:p>
+              <a:p>
+                <a:r>
+                  <a:rPr lang="pt-BR" dirty="0"/>
+                  <a:t>O número de </a:t>
+                </a:r>
+                <a:r>
+                  <a:rPr lang="pt-BR" b="1" i="1" dirty="0">
+                    <a:solidFill>
+                      <a:schemeClr val="accent2"/>
+                    </a:solidFill>
+                  </a:rPr>
+                  <a:t>transferências</a:t>
+                </a:r>
+                <a:r>
+                  <a:rPr lang="pt-BR" dirty="0"/>
+                  <a:t> de um exemplo </a:t>
+                </a:r>
+                <a:r>
+                  <a:rPr lang="pt-BR" b="1" i="1" dirty="0">
+                    <a:solidFill>
+                      <a:schemeClr val="accent2"/>
+                    </a:solidFill>
+                  </a:rPr>
+                  <a:t>de um cluster para outro depende dos centroides iniciais</a:t>
+                </a:r>
+                <a:r>
+                  <a:rPr lang="pt-BR" dirty="0"/>
+                  <a:t>.</a:t>
+                </a:r>
+              </a:p>
+            </p:txBody>
+          </p:sp>
+        </mc:Choice>
+        <mc:Fallback>
+          <p:sp>
+            <p:nvSpPr>
+              <p:cNvPr id="3" name="Espaço Reservado para Conteúdo 2"/>
+              <p:cNvSpPr>
+                <a:spLocks noGrp="1" noRot="1" noChangeAspect="1" noMove="1" noResize="1" noEditPoints="1" noAdjustHandles="1" noChangeArrowheads="1" noChangeShapeType="1" noTextEdit="1"/>
+              </p:cNvSpPr>
+              <p:nvPr>
+                <p:ph idx="1"/>
+              </p:nvPr>
+            </p:nvSpPr>
+            <p:spPr>
+              <a:xfrm>
+                <a:off x="5214257" y="1825624"/>
+                <a:ext cx="6776851" cy="5032375"/>
+              </a:xfrm>
+              <a:blipFill>
+                <a:blip r:embed="rId2"/>
+                <a:stretch>
+                  <a:fillRect l="-1619" t="-1937" r="-2158"/>
+                </a:stretch>
+              </a:blipFill>
+            </p:spPr>
+            <p:txBody>
+              <a:bodyPr/>
+              <a:lstStyle/>
+              <a:p>
+                <a:r>
+                  <a:rPr lang="pt-BR">
+                    <a:noFill/>
+                  </a:rPr>
+                  <a:t> </a:t>
+                </a:r>
+              </a:p>
+            </p:txBody>
+          </p:sp>
+        </mc:Fallback>
+      </mc:AlternateContent>
+      <p:pic>
+        <p:nvPicPr>
+          <p:cNvPr id="4" name="Picture 2" descr="Quantum machine learning: distance estimation for k-means clustering | by  Sashwat Anagolum | Towards Data Science">
+            <a:extLst>
+              <a:ext uri="{FF2B5EF4-FFF2-40B4-BE49-F238E27FC236}">
+                <a16:creationId xmlns:a16="http://schemas.microsoft.com/office/drawing/2014/main" id="{3663CA52-EDD8-4A35-5A6A-3A247A7891B7}"/>
+              </a:ext>
+            </a:extLst>
+          </p:cNvPr>
+          <p:cNvPicPr>
+            <a:picLocks noChangeAspect="1" noChangeArrowheads="1"/>
+          </p:cNvPicPr>
+          <p:nvPr/>
+        </p:nvPicPr>
+        <p:blipFill rotWithShape="1">
+          <a:blip r:embed="rId3">
+            <a:extLst>
+              <a:ext uri="{28A0092B-C50C-407E-A947-70E740481C1C}">
+                <a14:useLocalDpi xmlns:a14="http://schemas.microsoft.com/office/drawing/2010/main" val="0"/>
+              </a:ext>
+            </a:extLst>
+          </a:blip>
+          <a:srcRect l="3750" t="11979" r="8929"/>
+          <a:stretch/>
+        </p:blipFill>
+        <p:spPr bwMode="auto">
+          <a:xfrm>
+            <a:off x="511629" y="2202317"/>
+            <a:ext cx="4487974" cy="3392940"/>
+          </a:xfrm>
+          <a:prstGeom prst="rect">
+            <a:avLst/>
+          </a:prstGeom>
+          <a:noFill/>
+          <a:extLst>
+            <a:ext uri="{909E8E84-426E-40DD-AFC4-6F175D3DCCD1}">
+              <a14:hiddenFill xmlns:a14="http://schemas.microsoft.com/office/drawing/2010/main">
+                <a:solidFill>
+                  <a:srgbClr val="FFFFFF"/>
+                </a:solidFill>
+              </a14:hiddenFill>
+            </a:ext>
+          </a:extLst>
+        </p:spPr>
+      </p:pic>
+    </p:spTree>
+    <p:extLst>
+      <p:ext uri="{BB962C8B-B14F-4D97-AF65-F5344CB8AC3E}">
+        <p14:creationId xmlns:p14="http://schemas.microsoft.com/office/powerpoint/2010/main" val="3945627550"/>
+      </p:ext>
+    </p:extLst>
+  </p:cSld>
+  <p:clrMapOvr>
+    <a:masterClrMapping/>
+  </p:clrMapOvr>
+</p:sld>
+</file>
+
+<file path=ppt/slides/slide16.xml><?xml version="1.0" encoding="utf-8"?>
+<p:sld xmlns:a="http://schemas.openxmlformats.org/drawingml/2006/main" xmlns:r="http://schemas.openxmlformats.org/officeDocument/2006/relationships" xmlns:p="http://schemas.openxmlformats.org/presentationml/2006/main">
+  <p:cSld>
+    <p:spTree>
+      <p:nvGrpSpPr>
+        <p:cNvPr id="1" name="">
+          <a:extLst>
+            <a:ext uri="{FF2B5EF4-FFF2-40B4-BE49-F238E27FC236}">
+              <a16:creationId xmlns:a16="http://schemas.microsoft.com/office/drawing/2014/main" id="{17B1A926-A8C8-946A-0DCB-7DA6EAEC80E3}"/>
+            </a:ext>
+          </a:extLst>
+        </p:cNvPr>
+        <p:cNvGrpSpPr/>
+        <p:nvPr/>
+      </p:nvGrpSpPr>
+      <p:grpSpPr>
+        <a:xfrm>
+          <a:off x="0" y="0"/>
+          <a:ext cx="0" cy="0"/>
+          <a:chOff x="0" y="0"/>
+          <a:chExt cx="0" cy="0"/>
+        </a:xfrm>
+      </p:grpSpPr>
+      <p:sp>
+        <p:nvSpPr>
+          <p:cNvPr id="2" name="Título 1">
+            <a:extLst>
+              <a:ext uri="{FF2B5EF4-FFF2-40B4-BE49-F238E27FC236}">
+                <a16:creationId xmlns:a16="http://schemas.microsoft.com/office/drawing/2014/main" id="{602E24AF-FE6E-7B0A-D179-EB49A1DEB2F8}"/>
+              </a:ext>
+            </a:extLst>
+          </p:cNvPr>
+          <p:cNvSpPr>
+            <a:spLocks noGrp="1"/>
+          </p:cNvSpPr>
+          <p:nvPr>
+            <p:ph type="title"/>
+          </p:nvPr>
+        </p:nvSpPr>
+        <p:spPr/>
+        <p:txBody>
+          <a:bodyPr/>
+          <a:lstStyle/>
+          <a:p>
+            <a:r>
+              <a:rPr lang="pt-BR" dirty="0"/>
+              <a:t>Como inicializar os centroides? </a:t>
+            </a:r>
+            <a:endParaRPr lang="en-US" dirty="0"/>
+          </a:p>
+        </p:txBody>
+      </p:sp>
+      <p:sp>
+        <p:nvSpPr>
+          <p:cNvPr id="3" name="Espaço Reservado para Conteúdo 2">
+            <a:extLst>
+              <a:ext uri="{FF2B5EF4-FFF2-40B4-BE49-F238E27FC236}">
+                <a16:creationId xmlns:a16="http://schemas.microsoft.com/office/drawing/2014/main" id="{4E35406F-F929-EFBE-0B16-7CF919C6F311}"/>
+              </a:ext>
+            </a:extLst>
+          </p:cNvPr>
+          <p:cNvSpPr>
+            <a:spLocks noGrp="1"/>
+          </p:cNvSpPr>
+          <p:nvPr>
+            <p:ph idx="1"/>
+          </p:nvPr>
+        </p:nvSpPr>
+        <p:spPr>
+          <a:xfrm>
+            <a:off x="5421086" y="1825624"/>
+            <a:ext cx="6570022" cy="5032375"/>
+          </a:xfrm>
+        </p:spPr>
+        <p:txBody>
+          <a:bodyPr>
+            <a:normAutofit/>
+          </a:bodyPr>
+          <a:lstStyle/>
+          <a:p>
+            <a:r>
+              <a:rPr lang="pt-BR" dirty="0"/>
+              <a:t>Se os </a:t>
+            </a:r>
+            <a:r>
+              <a:rPr lang="pt-BR" b="1" i="1" dirty="0">
+                <a:solidFill>
+                  <a:srgbClr val="7030A0"/>
+                </a:solidFill>
+              </a:rPr>
+              <a:t>centroides iniciais </a:t>
+            </a:r>
+            <a:r>
+              <a:rPr lang="pt-BR" dirty="0"/>
+              <a:t>já forem </a:t>
+            </a:r>
+            <a:r>
+              <a:rPr lang="pt-BR" b="1" i="1" dirty="0">
+                <a:solidFill>
+                  <a:srgbClr val="7030A0"/>
+                </a:solidFill>
+              </a:rPr>
+              <a:t>perfeitos</a:t>
+            </a:r>
+            <a:r>
+              <a:rPr lang="pt-BR" dirty="0"/>
+              <a:t>, </a:t>
+            </a:r>
+            <a:r>
+              <a:rPr lang="pt-BR" b="1" i="1" dirty="0">
+                <a:solidFill>
+                  <a:srgbClr val="7030A0"/>
+                </a:solidFill>
+              </a:rPr>
+              <a:t>nenhum exemplo precisa ser atribuído a outro cluster</a:t>
+            </a:r>
+            <a:r>
+              <a:rPr lang="pt-BR" dirty="0"/>
+              <a:t> e o algoritmo é encerado.</a:t>
+            </a:r>
+          </a:p>
+          <a:p>
+            <a:r>
+              <a:rPr lang="pt-BR" dirty="0"/>
+              <a:t>Portanto, a </a:t>
+            </a:r>
+            <a:r>
+              <a:rPr lang="pt-BR" b="1" i="1" dirty="0">
+                <a:solidFill>
+                  <a:srgbClr val="00B050"/>
+                </a:solidFill>
+              </a:rPr>
+              <a:t>inicialização é importante </a:t>
+            </a:r>
+            <a:r>
+              <a:rPr lang="pt-BR" dirty="0"/>
+              <a:t>no sentido de que </a:t>
+            </a:r>
+            <a:r>
+              <a:rPr lang="pt-BR" b="1" i="1" dirty="0">
+                <a:solidFill>
+                  <a:srgbClr val="00B050"/>
+                </a:solidFill>
+              </a:rPr>
+              <a:t>um ponto de partida melhor</a:t>
+            </a:r>
+            <a:r>
+              <a:rPr lang="pt-BR" dirty="0"/>
+              <a:t> garante que a </a:t>
+            </a:r>
+            <a:r>
+              <a:rPr lang="pt-BR" b="1" i="1" dirty="0">
+                <a:solidFill>
+                  <a:srgbClr val="00B050"/>
+                </a:solidFill>
+              </a:rPr>
+              <a:t>solução seja encontrada mais rápido</a:t>
+            </a:r>
+            <a:r>
+              <a:rPr lang="pt-BR" dirty="0"/>
+              <a:t>.</a:t>
+            </a:r>
+          </a:p>
+          <a:p>
+            <a:r>
+              <a:rPr lang="pt-BR" dirty="0"/>
+              <a:t>Ou seja, o </a:t>
+            </a:r>
+            <a:r>
+              <a:rPr lang="pt-BR" b="1" i="1" dirty="0">
+                <a:solidFill>
+                  <a:srgbClr val="FF0000"/>
+                </a:solidFill>
+              </a:rPr>
+              <a:t>tempo de convergência </a:t>
+            </a:r>
+            <a:r>
+              <a:rPr lang="pt-BR" dirty="0"/>
+              <a:t>do algoritmo </a:t>
+            </a:r>
+            <a:r>
+              <a:rPr lang="pt-BR" b="1" i="1" dirty="0">
+                <a:solidFill>
+                  <a:srgbClr val="FF0000"/>
+                </a:solidFill>
+              </a:rPr>
+              <a:t>depende da inicialização</a:t>
+            </a:r>
+            <a:r>
+              <a:rPr lang="pt-BR" dirty="0"/>
+              <a:t>.</a:t>
+            </a:r>
+          </a:p>
+        </p:txBody>
+      </p:sp>
+      <p:pic>
+        <p:nvPicPr>
+          <p:cNvPr id="4" name="Picture 2" descr="Quantum machine learning: distance estimation for k-means clustering | by  Sashwat Anagolum | Towards Data Science">
+            <a:extLst>
+              <a:ext uri="{FF2B5EF4-FFF2-40B4-BE49-F238E27FC236}">
+                <a16:creationId xmlns:a16="http://schemas.microsoft.com/office/drawing/2014/main" id="{375C1022-A6C8-5B17-2FC3-13794270B208}"/>
+              </a:ext>
+            </a:extLst>
+          </p:cNvPr>
+          <p:cNvPicPr>
+            <a:picLocks noChangeAspect="1" noChangeArrowheads="1"/>
+          </p:cNvPicPr>
+          <p:nvPr/>
+        </p:nvPicPr>
+        <p:blipFill rotWithShape="1">
+          <a:blip r:embed="rId2">
+            <a:extLst>
+              <a:ext uri="{28A0092B-C50C-407E-A947-70E740481C1C}">
+                <a14:useLocalDpi xmlns:a14="http://schemas.microsoft.com/office/drawing/2010/main" val="0"/>
+              </a:ext>
+            </a:extLst>
+          </a:blip>
+          <a:srcRect l="3750" t="11979" r="8929"/>
+          <a:stretch/>
+        </p:blipFill>
+        <p:spPr bwMode="auto">
+          <a:xfrm>
+            <a:off x="511629" y="2202317"/>
+            <a:ext cx="4487974" cy="3392940"/>
+          </a:xfrm>
+          <a:prstGeom prst="rect">
+            <a:avLst/>
+          </a:prstGeom>
+          <a:noFill/>
+          <a:extLst>
+            <a:ext uri="{909E8E84-426E-40DD-AFC4-6F175D3DCCD1}">
+              <a14:hiddenFill xmlns:a14="http://schemas.microsoft.com/office/drawing/2010/main">
+                <a:solidFill>
+                  <a:srgbClr val="FFFFFF"/>
+                </a:solidFill>
+              </a14:hiddenFill>
+            </a:ext>
+          </a:extLst>
+        </p:spPr>
+      </p:pic>
+    </p:spTree>
+    <p:extLst>
+      <p:ext uri="{BB962C8B-B14F-4D97-AF65-F5344CB8AC3E}">
+        <p14:creationId xmlns:p14="http://schemas.microsoft.com/office/powerpoint/2010/main" val="2772848034"/>
+      </p:ext>
+    </p:extLst>
+  </p:cSld>
+  <p:clrMapOvr>
+    <a:masterClrMapping/>
+  </p:clrMapOvr>
+</p:sld>
+</file>
+
+<file path=ppt/slides/slide17.xml><?xml version="1.0" encoding="utf-8"?>
+<p:sld xmlns:a="http://schemas.openxmlformats.org/drawingml/2006/main" xmlns:r="http://schemas.openxmlformats.org/officeDocument/2006/relationships" xmlns:p="http://schemas.openxmlformats.org/presentationml/2006/main">
+  <p:cSld>
+    <p:spTree>
+      <p:nvGrpSpPr>
+        <p:cNvPr id="1" name=""/>
+        <p:cNvGrpSpPr/>
+        <p:nvPr/>
+      </p:nvGrpSpPr>
+      <p:grpSpPr>
+        <a:xfrm>
+          <a:off x="0" y="0"/>
+          <a:ext cx="0" cy="0"/>
+          <a:chOff x="0" y="0"/>
+          <a:chExt cx="0" cy="0"/>
+        </a:xfrm>
+      </p:grpSpPr>
+      <p:sp>
+        <p:nvSpPr>
+          <p:cNvPr id="2" name="Título 1"/>
+          <p:cNvSpPr>
+            <a:spLocks noGrp="1"/>
+          </p:cNvSpPr>
+          <p:nvPr>
+            <p:ph type="title"/>
+          </p:nvPr>
+        </p:nvSpPr>
+        <p:spPr/>
+        <p:txBody>
+          <a:bodyPr/>
+          <a:lstStyle/>
+          <a:p>
+            <a:r>
+              <a:rPr lang="pt-BR" dirty="0" err="1"/>
+              <a:t>SciKit-Learn</a:t>
+            </a:r>
+            <a:r>
+              <a:rPr lang="pt-BR" dirty="0"/>
+              <a:t>: k-</a:t>
+            </a:r>
+            <a:r>
+              <a:rPr lang="pt-BR" dirty="0" err="1"/>
+              <a:t>Means</a:t>
+            </a:r>
+            <a:endParaRPr lang="en-US" dirty="0"/>
+          </a:p>
+        </p:txBody>
+      </p:sp>
+      <p:pic>
+        <p:nvPicPr>
+          <p:cNvPr id="6" name="Imagem 5"/>
+          <p:cNvPicPr>
+            <a:picLocks noChangeAspect="1"/>
+          </p:cNvPicPr>
+          <p:nvPr/>
+        </p:nvPicPr>
+        <p:blipFill rotWithShape="1">
+          <a:blip r:embed="rId3">
+            <a:extLst>
+              <a:ext uri="{28A0092B-C50C-407E-A947-70E740481C1C}">
+                <a14:useLocalDpi xmlns:a14="http://schemas.microsoft.com/office/drawing/2010/main" val="0"/>
+              </a:ext>
+            </a:extLst>
+          </a:blip>
+          <a:srcRect t="11075" r="9212"/>
+          <a:stretch/>
+        </p:blipFill>
+        <p:spPr>
+          <a:xfrm>
+            <a:off x="645742" y="2410691"/>
+            <a:ext cx="4248376" cy="2774144"/>
+          </a:xfrm>
+          <a:prstGeom prst="rect">
+            <a:avLst/>
+          </a:prstGeom>
+        </p:spPr>
+      </p:pic>
+      <p:pic>
+        <p:nvPicPr>
+          <p:cNvPr id="7" name="Imagem 6"/>
+          <p:cNvPicPr>
+            <a:picLocks noChangeAspect="1"/>
+          </p:cNvPicPr>
+          <p:nvPr/>
+        </p:nvPicPr>
+        <p:blipFill rotWithShape="1">
+          <a:blip r:embed="rId4">
+            <a:extLst>
+              <a:ext uri="{28A0092B-C50C-407E-A947-70E740481C1C}">
+                <a14:useLocalDpi xmlns:a14="http://schemas.microsoft.com/office/drawing/2010/main" val="0"/>
+              </a:ext>
+            </a:extLst>
+          </a:blip>
+          <a:srcRect t="11359" r="9402"/>
+          <a:stretch/>
+        </p:blipFill>
+        <p:spPr>
+          <a:xfrm>
+            <a:off x="6722898" y="2410691"/>
+            <a:ext cx="4239511" cy="2765280"/>
+          </a:xfrm>
+          <a:prstGeom prst="rect">
+            <a:avLst/>
+          </a:prstGeom>
+        </p:spPr>
+      </p:pic>
+      <p:sp>
+        <p:nvSpPr>
+          <p:cNvPr id="8" name="CaixaDeTexto 7"/>
+          <p:cNvSpPr txBox="1"/>
+          <p:nvPr/>
+        </p:nvSpPr>
+        <p:spPr>
+          <a:xfrm>
+            <a:off x="5091120" y="2905640"/>
+            <a:ext cx="1573319" cy="400110"/>
+          </a:xfrm>
+          <a:prstGeom prst="rect">
+            <a:avLst/>
+          </a:prstGeom>
+          <a:noFill/>
+        </p:spPr>
+        <p:txBody>
+          <a:bodyPr wrap="square" rtlCol="0">
+            <a:spAutoFit/>
+          </a:bodyPr>
+          <a:lstStyle/>
+          <a:p>
+            <a:pPr algn="ctr"/>
+            <a:r>
+              <a:rPr lang="pt-BR" sz="2000" b="1" dirty="0"/>
+              <a:t>k-</a:t>
+            </a:r>
+            <a:r>
+              <a:rPr lang="pt-BR" sz="2000" b="1" dirty="0" err="1"/>
+              <a:t>Means</a:t>
+            </a:r>
+            <a:endParaRPr lang="en-US" sz="2000" b="1" dirty="0"/>
+          </a:p>
+        </p:txBody>
+      </p:sp>
+      <p:sp>
+        <p:nvSpPr>
+          <p:cNvPr id="9" name="Seta para a direita 8"/>
+          <p:cNvSpPr/>
+          <p:nvPr/>
+        </p:nvSpPr>
+        <p:spPr>
+          <a:xfrm>
+            <a:off x="5416920" y="3305750"/>
+            <a:ext cx="921721" cy="623453"/>
+          </a:xfrm>
+          <a:prstGeom prst="rightArrow">
+            <a:avLst/>
+          </a:prstGeom>
+          <a:solidFill>
+            <a:srgbClr val="7030A0"/>
+          </a:solidFill>
+        </p:spPr>
+        <p:style>
+          <a:lnRef idx="2">
+            <a:schemeClr val="accent1">
+              <a:shade val="50000"/>
+            </a:schemeClr>
+          </a:lnRef>
+          <a:fillRef idx="1">
+            <a:schemeClr val="accent1"/>
+          </a:fillRef>
+          <a:effectRef idx="0">
+            <a:schemeClr val="accent1"/>
+          </a:effectRef>
+          <a:fontRef idx="minor">
+            <a:schemeClr val="lt1"/>
+          </a:fontRef>
+        </p:style>
+        <p:txBody>
+          <a:bodyPr rtlCol="0" anchor="ctr"/>
+          <a:lstStyle/>
+          <a:p>
+            <a:pPr algn="ctr"/>
+            <a:endParaRPr lang="en-US"/>
+          </a:p>
+        </p:txBody>
+      </p:sp>
+      <p:sp>
+        <p:nvSpPr>
+          <p:cNvPr id="10" name="Retângulo 9"/>
+          <p:cNvSpPr/>
+          <p:nvPr/>
+        </p:nvSpPr>
+        <p:spPr>
+          <a:xfrm>
+            <a:off x="4312228" y="5711308"/>
+            <a:ext cx="3314882" cy="369332"/>
+          </a:xfrm>
+          <a:prstGeom prst="rect">
+            <a:avLst/>
+          </a:prstGeom>
+        </p:spPr>
+        <p:txBody>
+          <a:bodyPr wrap="none">
+            <a:spAutoFit/>
+          </a:bodyPr>
+          <a:lstStyle/>
+          <a:p>
+            <a:pPr lvl="0">
+              <a:defRPr/>
+            </a:pPr>
+            <a:r>
+              <a:rPr lang="pt-BR" dirty="0">
+                <a:hlinkClick r:id="rId5"/>
+              </a:rPr>
+              <a:t>Exemplo: </a:t>
+            </a:r>
+            <a:r>
+              <a:rPr lang="pt-BR" dirty="0" err="1">
+                <a:hlinkClick r:id="rId5"/>
+              </a:rPr>
+              <a:t>kmeans_example.ipynb</a:t>
+            </a:r>
+            <a:endParaRPr lang="pt-BR" dirty="0">
+              <a:solidFill>
+                <a:srgbClr val="00B0F0"/>
+              </a:solidFill>
+            </a:endParaRPr>
+          </a:p>
+        </p:txBody>
+      </p:sp>
+    </p:spTree>
+    <p:extLst>
+      <p:ext uri="{BB962C8B-B14F-4D97-AF65-F5344CB8AC3E}">
+        <p14:creationId xmlns:p14="http://schemas.microsoft.com/office/powerpoint/2010/main" val="1312467314"/>
+      </p:ext>
+    </p:extLst>
+  </p:cSld>
+  <p:clrMapOvr>
+    <a:masterClrMapping/>
+  </p:clrMapOvr>
+</p:sld>
+</file>
+
+<file path=ppt/slides/slide18.xml><?xml version="1.0" encoding="utf-8"?>
+<p:sld xmlns:a="http://schemas.openxmlformats.org/drawingml/2006/main" xmlns:r="http://schemas.openxmlformats.org/officeDocument/2006/relationships" xmlns:p="http://schemas.openxmlformats.org/presentationml/2006/main">
+  <p:cSld>
+    <p:spTree>
+      <p:nvGrpSpPr>
+        <p:cNvPr id="1" name=""/>
+        <p:cNvGrpSpPr/>
+        <p:nvPr/>
+      </p:nvGrpSpPr>
+      <p:grpSpPr>
+        <a:xfrm>
+          <a:off x="0" y="0"/>
+          <a:ext cx="0" cy="0"/>
+          <a:chOff x="0" y="0"/>
+          <a:chExt cx="0" cy="0"/>
+        </a:xfrm>
+      </p:grpSpPr>
+      <p:sp>
+        <p:nvSpPr>
+          <p:cNvPr id="2" name="Title 1"/>
+          <p:cNvSpPr>
+            <a:spLocks noGrp="1"/>
+          </p:cNvSpPr>
+          <p:nvPr>
+            <p:ph type="title"/>
+          </p:nvPr>
+        </p:nvSpPr>
+        <p:spPr/>
+        <p:txBody>
+          <a:bodyPr/>
+          <a:lstStyle/>
+          <a:p>
+            <a:r>
+              <a:rPr lang="pt-BR" dirty="0"/>
+              <a:t>Tarefa</a:t>
+            </a:r>
+          </a:p>
+        </p:txBody>
+      </p:sp>
+      <p:sp>
+        <p:nvSpPr>
+          <p:cNvPr id="3" name="Content Placeholder 2"/>
+          <p:cNvSpPr>
+            <a:spLocks noGrp="1"/>
+          </p:cNvSpPr>
+          <p:nvPr>
+            <p:ph idx="1"/>
+          </p:nvPr>
+        </p:nvSpPr>
+        <p:spPr/>
+        <p:txBody>
+          <a:bodyPr/>
+          <a:lstStyle/>
+          <a:p>
+            <a:r>
+              <a:rPr lang="pt-BR" b="1" dirty="0"/>
+              <a:t>Quiz</a:t>
+            </a:r>
+            <a:r>
+              <a:rPr lang="pt-BR" dirty="0"/>
+              <a:t>: “</a:t>
+            </a:r>
+            <a:r>
+              <a:rPr lang="pt-BR" i="1" dirty="0"/>
+              <a:t>T320 - Quiz - Clustering</a:t>
+            </a:r>
+            <a:r>
+              <a:rPr lang="pt-BR" dirty="0"/>
+              <a:t>” que se encontra no MS Teams.</a:t>
+            </a:r>
+          </a:p>
+          <a:p>
+            <a:r>
+              <a:rPr lang="pt-BR" dirty="0"/>
+              <a:t>Essa atividade é </a:t>
+            </a:r>
+            <a:r>
+              <a:rPr lang="pt-BR" b="1" i="1" dirty="0">
+                <a:solidFill>
+                  <a:srgbClr val="7030A0"/>
+                </a:solidFill>
+              </a:rPr>
+              <a:t>opcional</a:t>
+            </a:r>
+            <a:r>
+              <a:rPr lang="pt-BR" dirty="0"/>
+              <a:t>.</a:t>
+            </a:r>
+          </a:p>
+        </p:txBody>
+      </p:sp>
+    </p:spTree>
+    <p:extLst>
+      <p:ext uri="{BB962C8B-B14F-4D97-AF65-F5344CB8AC3E}">
+        <p14:creationId xmlns:p14="http://schemas.microsoft.com/office/powerpoint/2010/main" val="1713161608"/>
+      </p:ext>
+    </p:extLst>
+  </p:cSld>
+  <p:clrMapOvr>
+    <a:masterClrMapping/>
+  </p:clrMapOvr>
+</p:sld>
+</file>
+
+<file path=ppt/slides/slide19.xml><?xml version="1.0" encoding="utf-8"?>
+<p:sld xmlns:a="http://schemas.openxmlformats.org/drawingml/2006/main" xmlns:r="http://schemas.openxmlformats.org/officeDocument/2006/relationships" xmlns:p="http://schemas.openxmlformats.org/presentationml/2006/main">
+  <p:cSld>
+    <p:spTree>
+      <p:nvGrpSpPr>
+        <p:cNvPr id="1" name=""/>
+        <p:cNvGrpSpPr/>
+        <p:nvPr/>
+      </p:nvGrpSpPr>
+      <p:grpSpPr>
+        <a:xfrm>
+          <a:off x="0" y="0"/>
+          <a:ext cx="0" cy="0"/>
+          <a:chOff x="0" y="0"/>
+          <a:chExt cx="0" cy="0"/>
+        </a:xfrm>
+      </p:grpSpPr>
+      <p:sp>
+        <p:nvSpPr>
+          <p:cNvPr id="4" name="Título 1">
+            <a:extLst>
+              <a:ext uri="{FF2B5EF4-FFF2-40B4-BE49-F238E27FC236}">
+                <a16:creationId xmlns:a16="http://schemas.microsoft.com/office/drawing/2014/main" id="{32666AC8-2E17-4DB4-B0F5-60C640CCFD2E}"/>
+              </a:ext>
+            </a:extLst>
+          </p:cNvPr>
+          <p:cNvSpPr txBox="1">
+            <a:spLocks/>
+          </p:cNvSpPr>
+          <p:nvPr/>
+        </p:nvSpPr>
+        <p:spPr>
+          <a:xfrm>
+            <a:off x="1431533" y="2720526"/>
+            <a:ext cx="9144000" cy="1029541"/>
+          </a:xfrm>
+          <a:prstGeom prst="rect">
+            <a:avLst/>
+          </a:prstGeom>
+        </p:spPr>
+        <p:txBody>
+          <a:bodyPr vert="horz" lIns="91440" tIns="45720" rIns="91440" bIns="45720" rtlCol="0" anchor="ctr">
+            <a:normAutofit/>
+          </a:bodyPr>
+          <a:lstStyle>
+            <a:lvl1pPr algn="l" defTabSz="914400" rtl="0" eaLnBrk="1" latinLnBrk="0" hangingPunct="1">
+              <a:lnSpc>
+                <a:spcPct val="90000"/>
+              </a:lnSpc>
+              <a:spcBef>
+                <a:spcPct val="0"/>
+              </a:spcBef>
+              <a:buNone/>
+              <a:defRPr sz="4400" kern="1200">
+                <a:solidFill>
+                  <a:schemeClr val="tx1"/>
+                </a:solidFill>
+                <a:latin typeface="+mj-lt"/>
+                <a:ea typeface="+mj-ea"/>
+                <a:cs typeface="+mj-cs"/>
+              </a:defRPr>
+            </a:lvl1pPr>
+          </a:lstStyle>
+          <a:p>
+            <a:pPr algn="ctr"/>
+            <a:r>
+              <a:rPr lang="pt-BR" sz="6600" dirty="0"/>
+              <a:t>Obrigado!</a:t>
+            </a:r>
+          </a:p>
+        </p:txBody>
+      </p:sp>
+    </p:spTree>
+    <p:extLst>
+      <p:ext uri="{BB962C8B-B14F-4D97-AF65-F5344CB8AC3E}">
+        <p14:creationId xmlns:p14="http://schemas.microsoft.com/office/powerpoint/2010/main" val="668771460"/>
+      </p:ext>
+    </p:extLst>
+  </p:cSld>
+  <p:clrMapOvr>
+    <a:masterClrMapping/>
+  </p:clrMapOvr>
+</p:sld>
+</file>
+
+<file path=ppt/slides/slide2.xml><?xml version="1.0" encoding="utf-8"?>
+<p:sld xmlns:a="http://schemas.openxmlformats.org/drawingml/2006/main" xmlns:r="http://schemas.openxmlformats.org/officeDocument/2006/relationships" xmlns:p="http://schemas.openxmlformats.org/presentationml/2006/main">
+  <p:cSld>
+    <p:spTree>
+      <p:nvGrpSpPr>
+        <p:cNvPr id="1" name=""/>
+        <p:cNvGrpSpPr/>
+        <p:nvPr/>
+      </p:nvGrpSpPr>
+      <p:grpSpPr>
+        <a:xfrm>
+          <a:off x="0" y="0"/>
+          <a:ext cx="0" cy="0"/>
+          <a:chOff x="0" y="0"/>
+          <a:chExt cx="0" cy="0"/>
+        </a:xfrm>
+      </p:grpSpPr>
+      <p:sp>
+        <p:nvSpPr>
+          <p:cNvPr id="2" name="Título 1"/>
+          <p:cNvSpPr>
+            <a:spLocks noGrp="1"/>
+          </p:cNvSpPr>
+          <p:nvPr>
+            <p:ph type="title"/>
+          </p:nvPr>
+        </p:nvSpPr>
+        <p:spPr/>
+        <p:txBody>
+          <a:bodyPr/>
+          <a:lstStyle/>
+          <a:p>
+            <a:r>
+              <a:rPr lang="pt-BR" dirty="0"/>
+              <a:t>Recapitulando</a:t>
+            </a:r>
+            <a:endParaRPr lang="en-US" dirty="0"/>
+          </a:p>
+        </p:txBody>
+      </p:sp>
+      <p:sp>
+        <p:nvSpPr>
+          <p:cNvPr id="3" name="Espaço Reservado para Conteúdo 2"/>
+          <p:cNvSpPr>
+            <a:spLocks noGrp="1"/>
+          </p:cNvSpPr>
+          <p:nvPr>
+            <p:ph idx="1"/>
+          </p:nvPr>
+        </p:nvSpPr>
+        <p:spPr>
+          <a:xfrm>
+            <a:off x="838199" y="1825624"/>
+            <a:ext cx="11204865" cy="5032376"/>
+          </a:xfrm>
+        </p:spPr>
+        <p:txBody>
+          <a:bodyPr>
+            <a:normAutofit/>
+          </a:bodyPr>
+          <a:lstStyle/>
+          <a:p>
+            <a:r>
+              <a:rPr lang="pt-BR" dirty="0"/>
+              <a:t>Até o momento, todos os algoritmos que aprendemos seguiam o paradigma do aprendizado supervisionado.</a:t>
+            </a:r>
+          </a:p>
+          <a:p>
+            <a:r>
+              <a:rPr lang="pt-BR" dirty="0"/>
+              <a:t>Hoje, falaremos sobre </a:t>
+            </a:r>
+            <a:r>
+              <a:rPr lang="pt-BR" b="1" i="1" dirty="0" err="1"/>
+              <a:t>clustering</a:t>
+            </a:r>
+            <a:r>
+              <a:rPr lang="pt-BR" dirty="0"/>
+              <a:t>, que são algoritmos de </a:t>
+            </a:r>
+            <a:r>
+              <a:rPr lang="pt-BR" b="1" i="1" dirty="0"/>
+              <a:t>aprendizado não-supervisionado</a:t>
+            </a:r>
+            <a:r>
+              <a:rPr lang="pt-BR" dirty="0"/>
+              <a:t> que visam criar agrupamentos de dados (chamados de </a:t>
+            </a:r>
+            <a:r>
+              <a:rPr lang="pt-BR" b="1" i="1" dirty="0"/>
+              <a:t>clusters </a:t>
+            </a:r>
+            <a:r>
+              <a:rPr lang="pt-BR" dirty="0"/>
+              <a:t>ou</a:t>
+            </a:r>
+            <a:r>
+              <a:rPr lang="pt-BR" b="1" i="1" dirty="0"/>
+              <a:t> grupos</a:t>
+            </a:r>
+            <a:r>
+              <a:rPr lang="pt-BR" dirty="0"/>
+              <a:t>) segundo seu </a:t>
+            </a:r>
+            <a:r>
+              <a:rPr lang="pt-BR" b="1" i="1" dirty="0">
+                <a:solidFill>
+                  <a:srgbClr val="00B050"/>
+                </a:solidFill>
+              </a:rPr>
+              <a:t>grau de semelhança</a:t>
+            </a:r>
+            <a:r>
+              <a:rPr lang="pt-BR" dirty="0"/>
+              <a:t>. </a:t>
+            </a:r>
+          </a:p>
+          <a:p>
+            <a:r>
+              <a:rPr lang="pt-BR" dirty="0"/>
+              <a:t>Em seguida, aprenderemos sobre o algoritmo chamado de </a:t>
+            </a:r>
+            <a:r>
+              <a:rPr lang="pt-BR" b="1" i="1" dirty="0"/>
+              <a:t>k-Médias</a:t>
+            </a:r>
+            <a:r>
+              <a:rPr lang="pt-BR" dirty="0"/>
+              <a:t> (ou </a:t>
+            </a:r>
+            <a:r>
+              <a:rPr lang="pt-BR" b="1" i="1" dirty="0"/>
+              <a:t>k-</a:t>
+            </a:r>
+            <a:r>
+              <a:rPr lang="pt-BR" b="1" i="1" dirty="0" err="1"/>
+              <a:t>Means</a:t>
+            </a:r>
+            <a:r>
+              <a:rPr lang="pt-BR" dirty="0"/>
+              <a:t>, em inglês) que é um dos algoritmos mais simples de </a:t>
+            </a:r>
+            <a:r>
+              <a:rPr lang="pt-BR" b="1" i="1" dirty="0" err="1"/>
+              <a:t>clustering</a:t>
+            </a:r>
+            <a:r>
+              <a:rPr lang="pt-BR" dirty="0"/>
+              <a:t>.</a:t>
+            </a:r>
+          </a:p>
+        </p:txBody>
+      </p:sp>
+    </p:spTree>
+    <p:extLst>
+      <p:ext uri="{BB962C8B-B14F-4D97-AF65-F5344CB8AC3E}">
+        <p14:creationId xmlns:p14="http://schemas.microsoft.com/office/powerpoint/2010/main" val="2127415881"/>
+      </p:ext>
+    </p:extLst>
+  </p:cSld>
+  <p:clrMapOvr>
+    <a:masterClrMapping/>
+  </p:clrMapOvr>
+</p:sld>
+</file>
+
+<file path=ppt/slides/slide20.xml><?xml version="1.0" encoding="utf-8"?>
+<p:sld xmlns:a="http://schemas.openxmlformats.org/drawingml/2006/main" xmlns:r="http://schemas.openxmlformats.org/officeDocument/2006/relationships" xmlns:p="http://schemas.openxmlformats.org/presentationml/2006/main">
+  <p:cSld>
+    <p:spTree>
+      <p:nvGrpSpPr>
+        <p:cNvPr id="1" name=""/>
+        <p:cNvGrpSpPr/>
+        <p:nvPr/>
+      </p:nvGrpSpPr>
+      <p:grpSpPr>
+        <a:xfrm>
+          <a:off x="0" y="0"/>
+          <a:ext cx="0" cy="0"/>
+          <a:chOff x="0" y="0"/>
+          <a:chExt cx="0" cy="0"/>
+        </a:xfrm>
+      </p:grpSpPr>
+      <p:pic>
+        <p:nvPicPr>
+          <p:cNvPr id="6146" name="Picture 2" descr="FREE DIVING INTO K-MEANS. Content Contributors: Shray Khanna… | by Honghui  wang | SFU Professional Computer Science | Medium"/>
+          <p:cNvPicPr>
+            <a:picLocks noChangeAspect="1" noChangeArrowheads="1"/>
+          </p:cNvPicPr>
+          <p:nvPr/>
+        </p:nvPicPr>
+        <p:blipFill>
+          <a:blip r:embed="rId2">
+            <a:extLst>
+              <a:ext uri="{28A0092B-C50C-407E-A947-70E740481C1C}">
+                <a14:useLocalDpi xmlns:a14="http://schemas.microsoft.com/office/drawing/2010/main" val="0"/>
+              </a:ext>
+            </a:extLst>
+          </a:blip>
+          <a:srcRect/>
+          <a:stretch>
+            <a:fillRect/>
+          </a:stretch>
+        </p:blipFill>
+        <p:spPr bwMode="auto">
+          <a:xfrm>
+            <a:off x="529647" y="415635"/>
+            <a:ext cx="2656609" cy="2656609"/>
+          </a:xfrm>
+          <a:prstGeom prst="rect">
+            <a:avLst/>
+          </a:prstGeom>
+          <a:noFill/>
+          <a:extLst>
+            <a:ext uri="{909E8E84-426E-40DD-AFC4-6F175D3DCCD1}">
+              <a14:hiddenFill xmlns:a14="http://schemas.microsoft.com/office/drawing/2010/main">
+                <a:solidFill>
+                  <a:srgbClr val="FFFFFF"/>
+                </a:solidFill>
+              </a14:hiddenFill>
+            </a:ext>
+          </a:extLst>
+        </p:spPr>
+      </p:pic>
+      <p:pic>
+        <p:nvPicPr>
+          <p:cNvPr id="6148" name="Picture 4" descr="openAlchemy no Twitter: &quot;Sunday Funday! Pool day with some mean algorithms,  K? #machinelearning #deeplearning #kmeans #sundayfunday #ml #ai  #artificialintelligence #memes #meme #memesdaily #openalchemy #nlp #cv  #aimemes #funny #math #statistics https ..."/>
+          <p:cNvPicPr>
+            <a:picLocks noChangeAspect="1" noChangeArrowheads="1"/>
+          </p:cNvPicPr>
+          <p:nvPr/>
+        </p:nvPicPr>
+        <p:blipFill rotWithShape="1">
+          <a:blip r:embed="rId3">
+            <a:extLst>
+              <a:ext uri="{28A0092B-C50C-407E-A947-70E740481C1C}">
+                <a14:useLocalDpi xmlns:a14="http://schemas.microsoft.com/office/drawing/2010/main" val="0"/>
+              </a:ext>
+            </a:extLst>
+          </a:blip>
+          <a:srcRect l="21838" r="22192"/>
+          <a:stretch/>
+        </p:blipFill>
+        <p:spPr bwMode="auto">
+          <a:xfrm>
+            <a:off x="4732121" y="1225261"/>
+            <a:ext cx="2358736" cy="4214236"/>
+          </a:xfrm>
+          <a:prstGeom prst="rect">
+            <a:avLst/>
+          </a:prstGeom>
+          <a:noFill/>
+          <a:extLst>
+            <a:ext uri="{909E8E84-426E-40DD-AFC4-6F175D3DCCD1}">
+              <a14:hiddenFill xmlns:a14="http://schemas.microsoft.com/office/drawing/2010/main">
+                <a:solidFill>
+                  <a:srgbClr val="FFFFFF"/>
+                </a:solidFill>
+              </a14:hiddenFill>
+            </a:ext>
+          </a:extLst>
+        </p:spPr>
+      </p:pic>
+      <p:pic>
+        <p:nvPicPr>
+          <p:cNvPr id="6150" name="Picture 6" descr="Meme Creator - Funny K-Means Cluster All the things Meme Generator at  MemeCreator.org!"/>
+          <p:cNvPicPr>
+            <a:picLocks noChangeAspect="1" noChangeArrowheads="1"/>
+          </p:cNvPicPr>
+          <p:nvPr/>
+        </p:nvPicPr>
+        <p:blipFill>
+          <a:blip r:embed="rId4">
+            <a:extLst>
+              <a:ext uri="{28A0092B-C50C-407E-A947-70E740481C1C}">
+                <a14:useLocalDpi xmlns:a14="http://schemas.microsoft.com/office/drawing/2010/main" val="0"/>
+              </a:ext>
+            </a:extLst>
+          </a:blip>
+          <a:srcRect/>
+          <a:stretch>
+            <a:fillRect/>
+          </a:stretch>
+        </p:blipFill>
+        <p:spPr bwMode="auto">
+          <a:xfrm>
+            <a:off x="7949045" y="186170"/>
+            <a:ext cx="3239366" cy="3239366"/>
+          </a:xfrm>
+          <a:prstGeom prst="rect">
+            <a:avLst/>
+          </a:prstGeom>
+          <a:noFill/>
+          <a:extLst>
+            <a:ext uri="{909E8E84-426E-40DD-AFC4-6F175D3DCCD1}">
+              <a14:hiddenFill xmlns:a14="http://schemas.microsoft.com/office/drawing/2010/main">
+                <a:solidFill>
+                  <a:srgbClr val="FFFFFF"/>
+                </a:solidFill>
+              </a14:hiddenFill>
+            </a:ext>
+          </a:extLst>
+        </p:spPr>
+      </p:pic>
+      <p:pic>
+        <p:nvPicPr>
+          <p:cNvPr id="6152" name="Picture 8" descr="Brace yourself K-Means is coming - Brace Yourself - Game of Thrones Meme |  Make a Meme"/>
+          <p:cNvPicPr>
+            <a:picLocks noChangeAspect="1" noChangeArrowheads="1"/>
+          </p:cNvPicPr>
+          <p:nvPr/>
+        </p:nvPicPr>
+        <p:blipFill>
+          <a:blip r:embed="rId5">
+            <a:extLst>
+              <a:ext uri="{28A0092B-C50C-407E-A947-70E740481C1C}">
+                <a14:useLocalDpi xmlns:a14="http://schemas.microsoft.com/office/drawing/2010/main" val="0"/>
+              </a:ext>
+            </a:extLst>
+          </a:blip>
+          <a:srcRect/>
+          <a:stretch>
+            <a:fillRect/>
+          </a:stretch>
+        </p:blipFill>
+        <p:spPr bwMode="auto">
+          <a:xfrm>
+            <a:off x="8780319" y="3805080"/>
+            <a:ext cx="3166340" cy="2897201"/>
+          </a:xfrm>
+          <a:prstGeom prst="rect">
+            <a:avLst/>
+          </a:prstGeom>
+          <a:noFill/>
+          <a:extLst>
+            <a:ext uri="{909E8E84-426E-40DD-AFC4-6F175D3DCCD1}">
+              <a14:hiddenFill xmlns:a14="http://schemas.microsoft.com/office/drawing/2010/main">
+                <a:solidFill>
+                  <a:srgbClr val="FFFFFF"/>
+                </a:solidFill>
+              </a14:hiddenFill>
+            </a:ext>
+          </a:extLst>
+        </p:spPr>
+      </p:pic>
+      <p:pic>
+        <p:nvPicPr>
+          <p:cNvPr id="6154" name="Picture 10" descr="Still running... first K-means iteration - Skeleton computer | Meme  Generator"/>
+          <p:cNvPicPr>
+            <a:picLocks noChangeAspect="1" noChangeArrowheads="1"/>
+          </p:cNvPicPr>
+          <p:nvPr/>
+        </p:nvPicPr>
+        <p:blipFill>
+          <a:blip r:embed="rId6">
+            <a:extLst>
+              <a:ext uri="{28A0092B-C50C-407E-A947-70E740481C1C}">
+                <a14:useLocalDpi xmlns:a14="http://schemas.microsoft.com/office/drawing/2010/main" val="0"/>
+              </a:ext>
+            </a:extLst>
+          </a:blip>
+          <a:srcRect/>
+          <a:stretch>
+            <a:fillRect/>
+          </a:stretch>
+        </p:blipFill>
+        <p:spPr bwMode="auto">
+          <a:xfrm>
+            <a:off x="765462" y="3425536"/>
+            <a:ext cx="3108471" cy="3108471"/>
+          </a:xfrm>
+          <a:prstGeom prst="rect">
+            <a:avLst/>
+          </a:prstGeom>
+          <a:noFill/>
+          <a:extLst>
+            <a:ext uri="{909E8E84-426E-40DD-AFC4-6F175D3DCCD1}">
+              <a14:hiddenFill xmlns:a14="http://schemas.microsoft.com/office/drawing/2010/main">
+                <a:solidFill>
+                  <a:srgbClr val="FFFFFF"/>
+                </a:solidFill>
+              </a14:hiddenFill>
+            </a:ext>
+          </a:extLst>
+        </p:spPr>
+      </p:pic>
+    </p:spTree>
+    <p:extLst>
+      <p:ext uri="{BB962C8B-B14F-4D97-AF65-F5344CB8AC3E}">
+        <p14:creationId xmlns:p14="http://schemas.microsoft.com/office/powerpoint/2010/main" val="3996790408"/>
+      </p:ext>
+    </p:extLst>
+  </p:cSld>
+  <p:clrMapOvr>
+    <a:masterClrMapping/>
+  </p:clrMapOvr>
+</p:sld>
+</file>
+
+<file path=ppt/slides/slide21.xml><?xml version="1.0" encoding="utf-8"?>
+<p:sld xmlns:a="http://schemas.openxmlformats.org/drawingml/2006/main" xmlns:r="http://schemas.openxmlformats.org/officeDocument/2006/relationships" xmlns:p="http://schemas.openxmlformats.org/presentationml/2006/main">
+  <p:cSld>
+    <p:spTree>
+      <p:nvGrpSpPr>
+        <p:cNvPr id="1" name=""/>
+        <p:cNvGrpSpPr/>
+        <p:nvPr/>
+      </p:nvGrpSpPr>
+      <p:grpSpPr>
+        <a:xfrm>
+          <a:off x="0" y="0"/>
+          <a:ext cx="0" cy="0"/>
+          <a:chOff x="0" y="0"/>
+          <a:chExt cx="0" cy="0"/>
+        </a:xfrm>
+      </p:grpSpPr>
+      <p:sp>
+        <p:nvSpPr>
+          <p:cNvPr id="4" name="Título 1">
+            <a:extLst>
+              <a:ext uri="{FF2B5EF4-FFF2-40B4-BE49-F238E27FC236}">
+                <a16:creationId xmlns:a16="http://schemas.microsoft.com/office/drawing/2014/main" id="{32666AC8-2E17-4DB4-B0F5-60C640CCFD2E}"/>
+              </a:ext>
+            </a:extLst>
+          </p:cNvPr>
+          <p:cNvSpPr txBox="1">
+            <a:spLocks/>
+          </p:cNvSpPr>
+          <p:nvPr/>
+        </p:nvSpPr>
+        <p:spPr>
+          <a:xfrm>
+            <a:off x="1431533" y="2720526"/>
+            <a:ext cx="9144000" cy="1029541"/>
+          </a:xfrm>
+          <a:prstGeom prst="rect">
+            <a:avLst/>
+          </a:prstGeom>
+        </p:spPr>
+        <p:txBody>
+          <a:bodyPr vert="horz" lIns="91440" tIns="45720" rIns="91440" bIns="45720" rtlCol="0" anchor="ctr">
+            <a:normAutofit/>
+          </a:bodyPr>
+          <a:lstStyle>
+            <a:lvl1pPr algn="l" defTabSz="914400" rtl="0" eaLnBrk="1" latinLnBrk="0" hangingPunct="1">
+              <a:lnSpc>
+                <a:spcPct val="90000"/>
+              </a:lnSpc>
+              <a:spcBef>
+                <a:spcPct val="0"/>
+              </a:spcBef>
+              <a:buNone/>
+              <a:defRPr sz="4400" kern="1200">
+                <a:solidFill>
+                  <a:schemeClr val="tx1"/>
+                </a:solidFill>
+                <a:latin typeface="+mj-lt"/>
+                <a:ea typeface="+mj-ea"/>
+                <a:cs typeface="+mj-cs"/>
+              </a:defRPr>
+            </a:lvl1pPr>
+          </a:lstStyle>
+          <a:p>
+            <a:pPr algn="ctr"/>
+            <a:r>
+              <a:rPr lang="pt-BR" sz="6600" dirty="0"/>
+              <a:t>Figuras</a:t>
+            </a:r>
+          </a:p>
+        </p:txBody>
+      </p:sp>
+    </p:spTree>
+    <p:extLst>
+      <p:ext uri="{BB962C8B-B14F-4D97-AF65-F5344CB8AC3E}">
+        <p14:creationId xmlns:p14="http://schemas.microsoft.com/office/powerpoint/2010/main" val="712819235"/>
+      </p:ext>
+    </p:extLst>
+  </p:cSld>
+  <p:clrMapOvr>
+    <a:masterClrMapping/>
+  </p:clrMapOvr>
+</p:sld>
+</file>
+
+<file path=ppt/slides/slide3.xml><?xml version="1.0" encoding="utf-8"?>
+<p:sld xmlns:a="http://schemas.openxmlformats.org/drawingml/2006/main" xmlns:r="http://schemas.openxmlformats.org/officeDocument/2006/relationships" xmlns:p="http://schemas.openxmlformats.org/presentationml/2006/main">
+  <p:cSld>
+    <p:spTree>
+      <p:nvGrpSpPr>
+        <p:cNvPr id="1" name=""/>
+        <p:cNvGrpSpPr/>
+        <p:nvPr/>
+      </p:nvGrpSpPr>
+      <p:grpSpPr>
+        <a:xfrm>
+          <a:off x="0" y="0"/>
+          <a:ext cx="0" cy="0"/>
+          <a:chOff x="0" y="0"/>
+          <a:chExt cx="0" cy="0"/>
+        </a:xfrm>
+      </p:grpSpPr>
+      <p:sp>
+        <p:nvSpPr>
+          <p:cNvPr id="2" name="Title 1"/>
+          <p:cNvSpPr>
+            <a:spLocks noGrp="1"/>
+          </p:cNvSpPr>
+          <p:nvPr>
+            <p:ph type="title"/>
+          </p:nvPr>
+        </p:nvSpPr>
+        <p:spPr/>
+        <p:txBody>
+          <a:bodyPr/>
+          <a:lstStyle/>
+          <a:p>
+            <a:r>
+              <a:rPr lang="pt-BR" dirty="0"/>
+              <a:t>Motivação</a:t>
+            </a:r>
+          </a:p>
+        </p:txBody>
+      </p:sp>
+      <p:sp>
+        <p:nvSpPr>
+          <p:cNvPr id="7" name="Content Placeholder 2"/>
+          <p:cNvSpPr>
+            <a:spLocks noGrp="1"/>
+          </p:cNvSpPr>
+          <p:nvPr>
+            <p:ph idx="1"/>
+          </p:nvPr>
+        </p:nvSpPr>
+        <p:spPr>
+          <a:xfrm>
+            <a:off x="5802087" y="1690688"/>
+            <a:ext cx="6240978" cy="5036683"/>
+          </a:xfrm>
+        </p:spPr>
+        <p:txBody>
+          <a:bodyPr>
+            <a:normAutofit/>
+          </a:bodyPr>
+          <a:lstStyle/>
+          <a:p>
+            <a:r>
+              <a:rPr lang="pt-BR" dirty="0"/>
+              <a:t>O que podemos fazer se não tivermos informações sobre as classes (i.e., rótulos) a que pertencem os exemplos de entrada?</a:t>
+            </a:r>
+          </a:p>
+        </p:txBody>
+      </p:sp>
+      <p:pic>
+        <p:nvPicPr>
+          <p:cNvPr id="6" name="Picture 2" descr="K-Means Clustering using Python. Welcome back guys! Hope you had a great… |  by Luigi Fiori | Medium"/>
+          <p:cNvPicPr>
+            <a:picLocks noChangeAspect="1" noChangeArrowheads="1"/>
+          </p:cNvPicPr>
+          <p:nvPr/>
+        </p:nvPicPr>
+        <p:blipFill rotWithShape="1">
+          <a:blip r:embed="rId3">
+            <a:extLst>
+              <a:ext uri="{28A0092B-C50C-407E-A947-70E740481C1C}">
+                <a14:useLocalDpi xmlns:a14="http://schemas.microsoft.com/office/drawing/2010/main" val="0"/>
+              </a:ext>
+            </a:extLst>
+          </a:blip>
+          <a:srcRect l="1639" t="3709" r="55246" b="11854"/>
+          <a:stretch/>
+        </p:blipFill>
+        <p:spPr bwMode="auto">
+          <a:xfrm>
+            <a:off x="1090832" y="2101933"/>
+            <a:ext cx="3894188" cy="3177638"/>
+          </a:xfrm>
+          <a:prstGeom prst="rect">
+            <a:avLst/>
+          </a:prstGeom>
+          <a:noFill/>
+          <a:extLst>
+            <a:ext uri="{909E8E84-426E-40DD-AFC4-6F175D3DCCD1}">
+              <a14:hiddenFill xmlns:a14="http://schemas.microsoft.com/office/drawing/2010/main">
+                <a:solidFill>
+                  <a:srgbClr val="FFFFFF"/>
+                </a:solidFill>
+              </a14:hiddenFill>
+            </a:ext>
+          </a:extLst>
+        </p:spPr>
+      </p:pic>
+    </p:spTree>
+    <p:extLst>
+      <p:ext uri="{BB962C8B-B14F-4D97-AF65-F5344CB8AC3E}">
+        <p14:creationId xmlns:p14="http://schemas.microsoft.com/office/powerpoint/2010/main" val="1021130030"/>
+      </p:ext>
+    </p:extLst>
+  </p:cSld>
+  <p:clrMapOvr>
+    <a:masterClrMapping/>
+  </p:clrMapOvr>
+</p:sld>
+</file>
+
+<file path=ppt/slides/slide4.xml><?xml version="1.0" encoding="utf-8"?>
+<p:sld xmlns:a="http://schemas.openxmlformats.org/drawingml/2006/main" xmlns:r="http://schemas.openxmlformats.org/officeDocument/2006/relationships" xmlns:p="http://schemas.openxmlformats.org/presentationml/2006/main">
+  <p:cSld>
+    <p:spTree>
+      <p:nvGrpSpPr>
+        <p:cNvPr id="1" name="">
+          <a:extLst>
+            <a:ext uri="{FF2B5EF4-FFF2-40B4-BE49-F238E27FC236}">
+              <a16:creationId xmlns:a16="http://schemas.microsoft.com/office/drawing/2014/main" id="{E5F23F1A-965B-E657-4F46-B48EB78CFF12}"/>
+            </a:ext>
+          </a:extLst>
+        </p:cNvPr>
+        <p:cNvGrpSpPr/>
+        <p:nvPr/>
+      </p:nvGrpSpPr>
+      <p:grpSpPr>
+        <a:xfrm>
+          <a:off x="0" y="0"/>
+          <a:ext cx="0" cy="0"/>
+          <a:chOff x="0" y="0"/>
+          <a:chExt cx="0" cy="0"/>
+        </a:xfrm>
+      </p:grpSpPr>
+      <p:sp>
+        <p:nvSpPr>
+          <p:cNvPr id="2" name="Title 1">
+            <a:extLst>
+              <a:ext uri="{FF2B5EF4-FFF2-40B4-BE49-F238E27FC236}">
+                <a16:creationId xmlns:a16="http://schemas.microsoft.com/office/drawing/2014/main" id="{1D2CEC37-D651-72A5-0293-3FB911F60F37}"/>
+              </a:ext>
+            </a:extLst>
+          </p:cNvPr>
+          <p:cNvSpPr>
+            <a:spLocks noGrp="1"/>
+          </p:cNvSpPr>
+          <p:nvPr>
+            <p:ph type="title"/>
+          </p:nvPr>
+        </p:nvSpPr>
+        <p:spPr/>
+        <p:txBody>
+          <a:bodyPr/>
+          <a:lstStyle/>
+          <a:p>
+            <a:r>
+              <a:rPr lang="pt-BR" dirty="0"/>
+              <a:t>Motivação</a:t>
+            </a:r>
+          </a:p>
+        </p:txBody>
+      </p:sp>
+      <p:sp>
+        <p:nvSpPr>
+          <p:cNvPr id="7" name="Content Placeholder 2">
+            <a:extLst>
+              <a:ext uri="{FF2B5EF4-FFF2-40B4-BE49-F238E27FC236}">
+                <a16:creationId xmlns:a16="http://schemas.microsoft.com/office/drawing/2014/main" id="{B3C1A135-4B52-F54B-5BDE-7C6DA1069706}"/>
+              </a:ext>
+            </a:extLst>
+          </p:cNvPr>
+          <p:cNvSpPr>
+            <a:spLocks noGrp="1"/>
+          </p:cNvSpPr>
+          <p:nvPr>
+            <p:ph idx="1"/>
+          </p:nvPr>
+        </p:nvSpPr>
+        <p:spPr>
+          <a:xfrm>
+            <a:off x="838199" y="4052457"/>
+            <a:ext cx="11204865" cy="2674914"/>
+          </a:xfrm>
+        </p:spPr>
+        <p:txBody>
+          <a:bodyPr>
+            <a:normAutofit/>
+          </a:bodyPr>
+          <a:lstStyle/>
+          <a:p>
+            <a:r>
+              <a:rPr lang="pt-BR" dirty="0"/>
+              <a:t>Veremos que informações úteis podem ser obtidas mesmo de exemplos cujas classes não são conhecidas.</a:t>
+            </a:r>
+          </a:p>
+          <a:p>
+            <a:r>
+              <a:rPr lang="pt-BR" dirty="0"/>
+              <a:t>Enquanto o </a:t>
+            </a:r>
+            <a:r>
+              <a:rPr lang="pt-BR" b="1" i="1" dirty="0"/>
+              <a:t>aprendizado supervisionado </a:t>
+            </a:r>
+            <a:r>
+              <a:rPr lang="pt-BR" dirty="0"/>
+              <a:t>se concentra na </a:t>
+            </a:r>
+            <a:r>
+              <a:rPr lang="pt-BR" b="1" i="1" dirty="0">
+                <a:solidFill>
+                  <a:srgbClr val="00B050"/>
+                </a:solidFill>
+              </a:rPr>
+              <a:t>indução de classificadores</a:t>
+            </a:r>
+            <a:r>
+              <a:rPr lang="pt-BR" dirty="0"/>
+              <a:t>, o </a:t>
+            </a:r>
+            <a:r>
+              <a:rPr lang="pt-BR" b="1" i="1" dirty="0"/>
+              <a:t>aprendizado não-supervisionado </a:t>
+            </a:r>
+            <a:r>
+              <a:rPr lang="pt-BR" dirty="0"/>
+              <a:t>está interessado em </a:t>
+            </a:r>
+            <a:r>
+              <a:rPr lang="pt-BR" b="1" i="1" dirty="0">
+                <a:solidFill>
+                  <a:srgbClr val="7030A0"/>
+                </a:solidFill>
+              </a:rPr>
+              <a:t>descobrir propriedades úteis dos dados disponíveis</a:t>
+            </a:r>
+            <a:r>
+              <a:rPr lang="pt-BR" dirty="0"/>
+              <a:t>.</a:t>
+            </a:r>
+            <a:endParaRPr lang="en-US" dirty="0"/>
+          </a:p>
+          <a:p>
+            <a:endParaRPr lang="pt-BR" dirty="0"/>
+          </a:p>
+        </p:txBody>
+      </p:sp>
+      <p:grpSp>
+        <p:nvGrpSpPr>
+          <p:cNvPr id="5" name="Grupo 4">
+            <a:extLst>
+              <a:ext uri="{FF2B5EF4-FFF2-40B4-BE49-F238E27FC236}">
+                <a16:creationId xmlns:a16="http://schemas.microsoft.com/office/drawing/2014/main" id="{FD3AFEA6-16E8-D562-210E-DDE126CC469D}"/>
+              </a:ext>
+            </a:extLst>
+          </p:cNvPr>
+          <p:cNvGrpSpPr/>
+          <p:nvPr/>
+        </p:nvGrpSpPr>
+        <p:grpSpPr>
+          <a:xfrm>
+            <a:off x="3115576" y="1690688"/>
+            <a:ext cx="5960847" cy="2029172"/>
+            <a:chOff x="3186691" y="4631401"/>
+            <a:chExt cx="5960847" cy="2029172"/>
+          </a:xfrm>
+        </p:grpSpPr>
+        <p:pic>
+          <p:nvPicPr>
+            <p:cNvPr id="6" name="Picture 2" descr="K-Means Clustering using Python. Welcome back guys! Hope you had a great… |  by Luigi Fiori | Medium">
+              <a:extLst>
+                <a:ext uri="{FF2B5EF4-FFF2-40B4-BE49-F238E27FC236}">
+                  <a16:creationId xmlns:a16="http://schemas.microsoft.com/office/drawing/2014/main" id="{5EE61C46-3856-780A-E6BB-BC8EBB4234F4}"/>
+                </a:ext>
+              </a:extLst>
+            </p:cNvPr>
+            <p:cNvPicPr>
+              <a:picLocks noChangeAspect="1" noChangeArrowheads="1"/>
+            </p:cNvPicPr>
+            <p:nvPr/>
+          </p:nvPicPr>
+          <p:blipFill rotWithShape="1">
+            <a:blip r:embed="rId3">
+              <a:extLst>
+                <a:ext uri="{28A0092B-C50C-407E-A947-70E740481C1C}">
+                  <a14:useLocalDpi xmlns:a14="http://schemas.microsoft.com/office/drawing/2010/main" val="0"/>
+                </a:ext>
+              </a:extLst>
+            </a:blip>
+            <a:srcRect l="1639" t="3709" r="55246" b="11854"/>
+            <a:stretch/>
+          </p:blipFill>
+          <p:spPr bwMode="auto">
+            <a:xfrm>
+              <a:off x="3186691" y="4631401"/>
+              <a:ext cx="2486746" cy="2029172"/>
+            </a:xfrm>
+            <a:prstGeom prst="rect">
+              <a:avLst/>
+            </a:prstGeom>
+            <a:noFill/>
+            <a:extLst>
+              <a:ext uri="{909E8E84-426E-40DD-AFC4-6F175D3DCCD1}">
+                <a14:hiddenFill xmlns:a14="http://schemas.microsoft.com/office/drawing/2010/main">
+                  <a:solidFill>
+                    <a:srgbClr val="FFFFFF"/>
+                  </a:solidFill>
+                </a14:hiddenFill>
+              </a:ext>
+            </a:extLst>
+          </p:spPr>
+        </p:pic>
+        <p:sp>
+          <p:nvSpPr>
+            <p:cNvPr id="8" name="CaixaDeTexto 7">
+              <a:extLst>
+                <a:ext uri="{FF2B5EF4-FFF2-40B4-BE49-F238E27FC236}">
+                  <a16:creationId xmlns:a16="http://schemas.microsoft.com/office/drawing/2014/main" id="{843AD3E7-A8FE-599D-36F8-EA8BA9682F1B}"/>
+                </a:ext>
+              </a:extLst>
+            </p:cNvPr>
+            <p:cNvSpPr txBox="1"/>
+            <p:nvPr/>
+          </p:nvSpPr>
+          <p:spPr>
+            <a:xfrm>
+              <a:off x="5584396" y="5199404"/>
+              <a:ext cx="1130804" cy="307777"/>
+            </a:xfrm>
+            <a:prstGeom prst="rect">
+              <a:avLst/>
+            </a:prstGeom>
+            <a:noFill/>
+          </p:spPr>
+          <p:txBody>
+            <a:bodyPr wrap="square" rtlCol="0">
+              <a:spAutoFit/>
+            </a:bodyPr>
+            <a:lstStyle/>
+            <a:p>
+              <a:pPr algn="ctr"/>
+              <a:r>
+                <a:rPr lang="pt-BR" sz="1400" b="1" dirty="0" err="1"/>
+                <a:t>clustering</a:t>
+              </a:r>
+              <a:endParaRPr lang="en-US" sz="1400" b="1" dirty="0"/>
+            </a:p>
+          </p:txBody>
+        </p:sp>
+        <p:pic>
+          <p:nvPicPr>
+            <p:cNvPr id="9" name="Picture 2" descr="K-Means Clustering using Python. Welcome back guys! Hope you had a great… |  by Luigi Fiori | Medium">
+              <a:extLst>
+                <a:ext uri="{FF2B5EF4-FFF2-40B4-BE49-F238E27FC236}">
+                  <a16:creationId xmlns:a16="http://schemas.microsoft.com/office/drawing/2014/main" id="{E7C74A0F-F2DD-912F-E092-3530D068D40B}"/>
+                </a:ext>
+              </a:extLst>
+            </p:cNvPr>
+            <p:cNvPicPr>
+              <a:picLocks noChangeAspect="1" noChangeArrowheads="1"/>
+            </p:cNvPicPr>
+            <p:nvPr/>
+          </p:nvPicPr>
+          <p:blipFill rotWithShape="1">
+            <a:blip r:embed="rId3">
+              <a:extLst>
+                <a:ext uri="{28A0092B-C50C-407E-A947-70E740481C1C}">
+                  <a14:useLocalDpi xmlns:a14="http://schemas.microsoft.com/office/drawing/2010/main" val="0"/>
+                </a:ext>
+              </a:extLst>
+            </a:blip>
+            <a:srcRect l="56284" t="3709" b="11854"/>
+            <a:stretch/>
+          </p:blipFill>
+          <p:spPr bwMode="auto">
+            <a:xfrm>
+              <a:off x="6626158" y="4631401"/>
+              <a:ext cx="2521380" cy="2029172"/>
+            </a:xfrm>
+            <a:prstGeom prst="rect">
+              <a:avLst/>
+            </a:prstGeom>
+            <a:noFill/>
+            <a:extLst>
+              <a:ext uri="{909E8E84-426E-40DD-AFC4-6F175D3DCCD1}">
+                <a14:hiddenFill xmlns:a14="http://schemas.microsoft.com/office/drawing/2010/main">
+                  <a:solidFill>
+                    <a:srgbClr val="FFFFFF"/>
+                  </a:solidFill>
+                </a14:hiddenFill>
+              </a:ext>
+            </a:extLst>
+          </p:spPr>
+        </p:pic>
+        <p:sp>
+          <p:nvSpPr>
+            <p:cNvPr id="10" name="Seta para a direita 9">
+              <a:extLst>
+                <a:ext uri="{FF2B5EF4-FFF2-40B4-BE49-F238E27FC236}">
+                  <a16:creationId xmlns:a16="http://schemas.microsoft.com/office/drawing/2014/main" id="{88A77E2D-B8CF-1AE8-8196-DD8F94371FF0}"/>
+                </a:ext>
+              </a:extLst>
+            </p:cNvPr>
+            <p:cNvSpPr/>
+            <p:nvPr/>
+          </p:nvSpPr>
+          <p:spPr>
+            <a:xfrm>
+              <a:off x="5802135" y="5507181"/>
+              <a:ext cx="695325" cy="581891"/>
+            </a:xfrm>
+            <a:prstGeom prst="rightArrow">
+              <a:avLst/>
+            </a:prstGeom>
+            <a:solidFill>
+              <a:srgbClr val="7030A0"/>
+            </a:solidFill>
+          </p:spPr>
+          <p:style>
+            <a:lnRef idx="2">
+              <a:schemeClr val="accent1">
+                <a:shade val="50000"/>
+              </a:schemeClr>
+            </a:lnRef>
+            <a:fillRef idx="1">
+              <a:schemeClr val="accent1"/>
+            </a:fillRef>
+            <a:effectRef idx="0">
+              <a:schemeClr val="accent1"/>
+            </a:effectRef>
+            <a:fontRef idx="minor">
+              <a:schemeClr val="lt1"/>
+            </a:fontRef>
+          </p:style>
+          <p:txBody>
+            <a:bodyPr rtlCol="0" anchor="ctr"/>
+            <a:lstStyle/>
+            <a:p>
+              <a:pPr algn="ctr"/>
+              <a:endParaRPr lang="en-US"/>
+            </a:p>
+          </p:txBody>
+        </p:sp>
+      </p:grpSp>
+    </p:spTree>
+    <p:extLst>
+      <p:ext uri="{BB962C8B-B14F-4D97-AF65-F5344CB8AC3E}">
+        <p14:creationId xmlns:p14="http://schemas.microsoft.com/office/powerpoint/2010/main" val="1065167084"/>
+      </p:ext>
+    </p:extLst>
+  </p:cSld>
+  <p:clrMapOvr>
+    <a:masterClrMapping/>
+  </p:clrMapOvr>
+</p:sld>
+</file>
+
+<file path=ppt/slides/slide5.xml><?xml version="1.0" encoding="utf-8"?>
+<p:sld xmlns:a="http://schemas.openxmlformats.org/drawingml/2006/main" xmlns:r="http://schemas.openxmlformats.org/officeDocument/2006/relationships" xmlns:p="http://schemas.openxmlformats.org/presentationml/2006/main">
+  <p:cSld>
+    <p:spTree>
+      <p:nvGrpSpPr>
+        <p:cNvPr id="1" name=""/>
+        <p:cNvGrpSpPr/>
+        <p:nvPr/>
+      </p:nvGrpSpPr>
+      <p:grpSpPr>
+        <a:xfrm>
+          <a:off x="0" y="0"/>
+          <a:ext cx="0" cy="0"/>
+          <a:chOff x="0" y="0"/>
+          <a:chExt cx="0" cy="0"/>
+        </a:xfrm>
+      </p:grpSpPr>
+      <p:sp>
+        <p:nvSpPr>
+          <p:cNvPr id="2" name="Title 1"/>
+          <p:cNvSpPr>
+            <a:spLocks noGrp="1"/>
+          </p:cNvSpPr>
+          <p:nvPr>
+            <p:ph type="title"/>
+          </p:nvPr>
+        </p:nvSpPr>
+        <p:spPr/>
+        <p:txBody>
+          <a:bodyPr/>
+          <a:lstStyle/>
+          <a:p>
+            <a:r>
+              <a:rPr lang="pt-BR" dirty="0"/>
+              <a:t>Motivação</a:t>
+            </a:r>
+          </a:p>
+        </p:txBody>
+      </p:sp>
+      <p:sp>
+        <p:nvSpPr>
+          <p:cNvPr id="7" name="Content Placeholder 2"/>
+          <p:cNvSpPr>
+            <a:spLocks noGrp="1"/>
+          </p:cNvSpPr>
+          <p:nvPr>
+            <p:ph idx="1"/>
+          </p:nvPr>
+        </p:nvSpPr>
+        <p:spPr>
+          <a:xfrm>
+            <a:off x="4996543" y="1690688"/>
+            <a:ext cx="7046521" cy="5167311"/>
+          </a:xfrm>
+        </p:spPr>
+        <p:txBody>
+          <a:bodyPr>
+            <a:normAutofit/>
+          </a:bodyPr>
+          <a:lstStyle/>
+          <a:p>
+            <a:r>
+              <a:rPr lang="pt-BR" dirty="0"/>
+              <a:t>A tarefa mais popular dos algoritmos deste paradigma é a procura por </a:t>
+            </a:r>
+            <a:r>
+              <a:rPr lang="pt-BR" b="1" i="1" dirty="0"/>
+              <a:t>grupos</a:t>
+            </a:r>
+            <a:r>
+              <a:rPr lang="pt-BR" dirty="0"/>
+              <a:t> (chamados </a:t>
+            </a:r>
+            <a:r>
+              <a:rPr lang="pt-BR" b="1" i="1" dirty="0">
+                <a:solidFill>
+                  <a:srgbClr val="7030A0"/>
+                </a:solidFill>
+              </a:rPr>
+              <a:t>clusters</a:t>
+            </a:r>
+            <a:r>
+              <a:rPr lang="pt-BR" dirty="0"/>
+              <a:t>) de </a:t>
+            </a:r>
+            <a:r>
+              <a:rPr lang="pt-BR" b="1" i="1" dirty="0">
+                <a:solidFill>
+                  <a:srgbClr val="7030A0"/>
+                </a:solidFill>
+              </a:rPr>
+              <a:t>exemplos semelhantes</a:t>
+            </a:r>
+            <a:r>
+              <a:rPr lang="pt-BR" dirty="0"/>
+              <a:t>. </a:t>
+            </a:r>
+          </a:p>
+          <a:p>
+            <a:r>
+              <a:rPr lang="pt-BR" dirty="0"/>
+              <a:t>Os </a:t>
+            </a:r>
+            <a:r>
+              <a:rPr lang="pt-BR" b="1" i="1" dirty="0">
+                <a:solidFill>
+                  <a:schemeClr val="accent2"/>
+                </a:solidFill>
+              </a:rPr>
+              <a:t>centroides</a:t>
+            </a:r>
+            <a:r>
+              <a:rPr lang="pt-BR" dirty="0"/>
+              <a:t> desses </a:t>
+            </a:r>
+            <a:r>
+              <a:rPr lang="pt-BR" b="1" i="1" dirty="0"/>
+              <a:t>clusters</a:t>
+            </a:r>
+            <a:r>
+              <a:rPr lang="pt-BR" dirty="0"/>
+              <a:t> podem então ser usados ​​como </a:t>
+            </a:r>
+          </a:p>
+          <a:p>
+            <a:pPr lvl="1">
+              <a:buFont typeface="Wingdings" panose="05000000000000000000" pitchFamily="2" charset="2"/>
+              <a:buChar char="§"/>
+            </a:pPr>
+            <a:r>
+              <a:rPr lang="pt-BR" dirty="0"/>
+              <a:t>centros para redes Bayesianas ou de </a:t>
+            </a:r>
+            <a:r>
+              <a:rPr lang="en-US" dirty="0" err="1"/>
+              <a:t>Função</a:t>
+            </a:r>
+            <a:r>
+              <a:rPr lang="en-US" dirty="0"/>
+              <a:t> de base radial (</a:t>
+            </a:r>
+            <a:r>
+              <a:rPr lang="pt-BR" dirty="0"/>
+              <a:t>RBF), </a:t>
+            </a:r>
+          </a:p>
+          <a:p>
+            <a:pPr lvl="1">
+              <a:buFont typeface="Wingdings" panose="05000000000000000000" pitchFamily="2" charset="2"/>
+              <a:buChar char="§"/>
+            </a:pPr>
+            <a:r>
+              <a:rPr lang="pt-BR" dirty="0"/>
+              <a:t>estimativas de valores de atributos desconhecidos (ou ausentes),</a:t>
+            </a:r>
+          </a:p>
+          <a:p>
+            <a:pPr lvl="1">
+              <a:buFont typeface="Wingdings" panose="05000000000000000000" pitchFamily="2" charset="2"/>
+              <a:buChar char="§"/>
+            </a:pPr>
+            <a:r>
+              <a:rPr lang="pt-BR" dirty="0"/>
+              <a:t>ferramentas de visualização de dados multidimensionais,</a:t>
+            </a:r>
+          </a:p>
+          <a:p>
+            <a:pPr lvl="1">
+              <a:buFont typeface="Wingdings" panose="05000000000000000000" pitchFamily="2" charset="2"/>
+              <a:buChar char="§"/>
+            </a:pPr>
+            <a:r>
+              <a:rPr lang="pt-BR" dirty="0"/>
+              <a:t>auxiliares para criação de classificadores mais simples.</a:t>
+            </a:r>
+          </a:p>
+        </p:txBody>
+      </p:sp>
+      <p:pic>
+        <p:nvPicPr>
+          <p:cNvPr id="2050" name="Picture 2" descr="K-means clustering on the digits dataset (PCA-reduced data) Centroids are marked with white cross"/>
+          <p:cNvPicPr>
+            <a:picLocks noChangeAspect="1" noChangeArrowheads="1"/>
+          </p:cNvPicPr>
+          <p:nvPr/>
+        </p:nvPicPr>
+        <p:blipFill rotWithShape="1">
+          <a:blip r:embed="rId3">
+            <a:extLst>
+              <a:ext uri="{28A0092B-C50C-407E-A947-70E740481C1C}">
+                <a14:useLocalDpi xmlns:a14="http://schemas.microsoft.com/office/drawing/2010/main" val="0"/>
+              </a:ext>
+            </a:extLst>
+          </a:blip>
+          <a:srcRect l="12278" t="11622" r="9484" b="10196"/>
+          <a:stretch/>
+        </p:blipFill>
+        <p:spPr bwMode="auto">
+          <a:xfrm>
+            <a:off x="838200" y="2471058"/>
+            <a:ext cx="3780793" cy="2833534"/>
+          </a:xfrm>
+          <a:prstGeom prst="rect">
+            <a:avLst/>
+          </a:prstGeom>
+          <a:noFill/>
+          <a:extLst>
+            <a:ext uri="{909E8E84-426E-40DD-AFC4-6F175D3DCCD1}">
+              <a14:hiddenFill xmlns:a14="http://schemas.microsoft.com/office/drawing/2010/main">
+                <a:solidFill>
+                  <a:srgbClr val="FFFFFF"/>
+                </a:solidFill>
+              </a14:hiddenFill>
+            </a:ext>
+          </a:extLst>
+        </p:spPr>
+      </p:pic>
+      <p:sp>
+        <p:nvSpPr>
+          <p:cNvPr id="4" name="CaixaDeTexto 3">
+            <a:extLst>
+              <a:ext uri="{FF2B5EF4-FFF2-40B4-BE49-F238E27FC236}">
+                <a16:creationId xmlns:a16="http://schemas.microsoft.com/office/drawing/2014/main" id="{8983938C-72D4-9E58-2CE8-D43E36E7012F}"/>
+              </a:ext>
+            </a:extLst>
+          </p:cNvPr>
+          <p:cNvSpPr txBox="1"/>
+          <p:nvPr/>
+        </p:nvSpPr>
+        <p:spPr>
+          <a:xfrm>
+            <a:off x="838200" y="5292546"/>
+            <a:ext cx="3780793" cy="1200329"/>
+          </a:xfrm>
+          <a:prstGeom prst="rect">
+            <a:avLst/>
+          </a:prstGeom>
+          <a:noFill/>
+        </p:spPr>
+        <p:txBody>
+          <a:bodyPr wrap="square">
+            <a:spAutoFit/>
+          </a:bodyPr>
+          <a:lstStyle/>
+          <a:p>
+            <a:pPr algn="ctr"/>
+            <a:r>
+              <a:rPr lang="pt-BR" b="1" dirty="0"/>
+              <a:t>centroide</a:t>
+            </a:r>
+            <a:r>
+              <a:rPr lang="pt-BR" dirty="0"/>
+              <a:t> é o ponto central de um cluster de dados. Representa a "média" das amostras dentro do cluster.</a:t>
+            </a:r>
+          </a:p>
+        </p:txBody>
+      </p:sp>
+    </p:spTree>
+    <p:extLst>
+      <p:ext uri="{BB962C8B-B14F-4D97-AF65-F5344CB8AC3E}">
+        <p14:creationId xmlns:p14="http://schemas.microsoft.com/office/powerpoint/2010/main" val="794970236"/>
+      </p:ext>
+    </p:extLst>
+  </p:cSld>
+  <p:clrMapOvr>
+    <a:masterClrMapping/>
+  </p:clrMapOvr>
+</p:sld>
+</file>
+
+<file path=ppt/slides/slide6.xml><?xml version="1.0" encoding="utf-8"?>
+<p:sld xmlns:a="http://schemas.openxmlformats.org/drawingml/2006/main" xmlns:r="http://schemas.openxmlformats.org/officeDocument/2006/relationships" xmlns:p="http://schemas.openxmlformats.org/presentationml/2006/main">
+  <p:cSld>
+    <p:spTree>
+      <p:nvGrpSpPr>
+        <p:cNvPr id="1" name=""/>
+        <p:cNvGrpSpPr/>
+        <p:nvPr/>
+      </p:nvGrpSpPr>
+      <p:grpSpPr>
+        <a:xfrm>
+          <a:off x="0" y="0"/>
+          <a:ext cx="0" cy="0"/>
+          <a:chOff x="0" y="0"/>
+          <a:chExt cx="0" cy="0"/>
+        </a:xfrm>
+      </p:grpSpPr>
+      <p:sp>
+        <p:nvSpPr>
+          <p:cNvPr id="2" name="Título 1"/>
+          <p:cNvSpPr>
+            <a:spLocks noGrp="1"/>
+          </p:cNvSpPr>
+          <p:nvPr>
+            <p:ph type="title"/>
+          </p:nvPr>
+        </p:nvSpPr>
+        <p:spPr/>
+        <p:txBody>
+          <a:bodyPr/>
+          <a:lstStyle/>
+          <a:p>
+            <a:r>
+              <a:rPr lang="en-US" dirty="0" err="1"/>
+              <a:t>Identificação</a:t>
+            </a:r>
+            <a:r>
+              <a:rPr lang="en-US" dirty="0"/>
+              <a:t> de clusters</a:t>
+            </a:r>
+          </a:p>
+        </p:txBody>
+      </p:sp>
+      <p:sp>
+        <p:nvSpPr>
+          <p:cNvPr id="3" name="Espaço Reservado para Conteúdo 2"/>
+          <p:cNvSpPr>
+            <a:spLocks noGrp="1"/>
+          </p:cNvSpPr>
+          <p:nvPr>
+            <p:ph idx="1"/>
+          </p:nvPr>
+        </p:nvSpPr>
+        <p:spPr>
+          <a:xfrm>
+            <a:off x="838199" y="1825625"/>
+            <a:ext cx="11194473" cy="5032376"/>
+          </a:xfrm>
+        </p:spPr>
+        <p:txBody>
+          <a:bodyPr/>
+          <a:lstStyle/>
+          <a:p>
+            <a:r>
+              <a:rPr lang="pt-BR" dirty="0"/>
+              <a:t>A </a:t>
+            </a:r>
+            <a:r>
+              <a:rPr lang="pt-BR" b="1" i="1" dirty="0">
+                <a:solidFill>
+                  <a:schemeClr val="accent2"/>
+                </a:solidFill>
+              </a:rPr>
+              <a:t>tarefa fundamental </a:t>
+            </a:r>
+            <a:r>
+              <a:rPr lang="pt-BR" dirty="0"/>
+              <a:t>do </a:t>
+            </a:r>
+            <a:r>
+              <a:rPr lang="pt-BR" b="1" i="1" dirty="0"/>
+              <a:t>aprendizado não-supervisionado </a:t>
+            </a:r>
+            <a:r>
+              <a:rPr lang="pt-BR" dirty="0"/>
+              <a:t>é a </a:t>
+            </a:r>
+            <a:r>
+              <a:rPr lang="pt-BR" b="1" i="1" dirty="0">
+                <a:solidFill>
+                  <a:srgbClr val="7030A0"/>
+                </a:solidFill>
+              </a:rPr>
+              <a:t>identificação de clusters</a:t>
+            </a:r>
+            <a:r>
+              <a:rPr lang="pt-BR" dirty="0"/>
+              <a:t>. </a:t>
+            </a:r>
+          </a:p>
+          <a:p>
+            <a:r>
+              <a:rPr lang="pt-BR" dirty="0"/>
+              <a:t>Nessa tarefa, a </a:t>
+            </a:r>
+            <a:r>
+              <a:rPr lang="pt-BR" b="1" i="1" dirty="0">
+                <a:solidFill>
+                  <a:srgbClr val="00B050"/>
+                </a:solidFill>
+              </a:rPr>
+              <a:t>entrada</a:t>
+            </a:r>
+            <a:r>
+              <a:rPr lang="pt-BR" dirty="0"/>
+              <a:t> é um conjunto de </a:t>
+            </a:r>
+            <a:r>
+              <a:rPr lang="pt-BR" b="1" i="1" dirty="0">
+                <a:solidFill>
+                  <a:srgbClr val="00B050"/>
+                </a:solidFill>
+              </a:rPr>
+              <a:t>vetores de atributo </a:t>
+            </a:r>
+            <a:r>
+              <a:rPr lang="pt-BR" dirty="0"/>
+              <a:t>(i.e., exemplos), </a:t>
+            </a:r>
+            <a:r>
+              <a:rPr lang="pt-BR" b="1" i="1" dirty="0">
+                <a:solidFill>
+                  <a:srgbClr val="FF0000"/>
+                </a:solidFill>
+              </a:rPr>
+              <a:t>mas sem rótulos</a:t>
+            </a:r>
+            <a:r>
+              <a:rPr lang="pt-BR" dirty="0"/>
+              <a:t>. </a:t>
+            </a:r>
+          </a:p>
+          <a:p>
+            <a:r>
+              <a:rPr lang="pt-BR" dirty="0"/>
+              <a:t>A </a:t>
+            </a:r>
+            <a:r>
+              <a:rPr lang="pt-BR" b="1" i="1" dirty="0">
+                <a:solidFill>
+                  <a:srgbClr val="00B050"/>
+                </a:solidFill>
+              </a:rPr>
+              <a:t>saída</a:t>
+            </a:r>
+            <a:r>
+              <a:rPr lang="pt-BR" dirty="0"/>
+              <a:t> é um conjunto com os </a:t>
+            </a:r>
+            <a:r>
+              <a:rPr lang="pt-BR" b="1" i="1" dirty="0">
+                <a:solidFill>
+                  <a:srgbClr val="00B050"/>
+                </a:solidFill>
+              </a:rPr>
+              <a:t>clusters</a:t>
+            </a:r>
+            <a:r>
+              <a:rPr lang="pt-BR" dirty="0"/>
+              <a:t> a que pertencem cada um dos exemplos.</a:t>
+            </a:r>
+          </a:p>
+        </p:txBody>
+      </p:sp>
+      <p:grpSp>
+        <p:nvGrpSpPr>
+          <p:cNvPr id="8" name="Grupo 7"/>
+          <p:cNvGrpSpPr/>
+          <p:nvPr/>
+        </p:nvGrpSpPr>
+        <p:grpSpPr>
+          <a:xfrm>
+            <a:off x="1078958" y="4579446"/>
+            <a:ext cx="5960847" cy="2029172"/>
+            <a:chOff x="3186691" y="4631401"/>
+            <a:chExt cx="5960847" cy="2029172"/>
+          </a:xfrm>
+        </p:grpSpPr>
+        <p:pic>
+          <p:nvPicPr>
+            <p:cNvPr id="4" name="Picture 2" descr="K-Means Clustering using Python. Welcome back guys! Hope you had a great… |  by Luigi Fiori | Medium"/>
+            <p:cNvPicPr>
+              <a:picLocks noChangeAspect="1" noChangeArrowheads="1"/>
+            </p:cNvPicPr>
+            <p:nvPr/>
+          </p:nvPicPr>
+          <p:blipFill rotWithShape="1">
+            <a:blip r:embed="rId2">
+              <a:extLst>
+                <a:ext uri="{28A0092B-C50C-407E-A947-70E740481C1C}">
+                  <a14:useLocalDpi xmlns:a14="http://schemas.microsoft.com/office/drawing/2010/main" val="0"/>
+                </a:ext>
+              </a:extLst>
+            </a:blip>
+            <a:srcRect l="1639" t="3709" r="55246" b="11854"/>
+            <a:stretch/>
+          </p:blipFill>
+          <p:spPr bwMode="auto">
+            <a:xfrm>
+              <a:off x="3186691" y="4631401"/>
+              <a:ext cx="2486746" cy="2029172"/>
+            </a:xfrm>
+            <a:prstGeom prst="rect">
+              <a:avLst/>
+            </a:prstGeom>
+            <a:noFill/>
+            <a:extLst>
+              <a:ext uri="{909E8E84-426E-40DD-AFC4-6F175D3DCCD1}">
+                <a14:hiddenFill xmlns:a14="http://schemas.microsoft.com/office/drawing/2010/main">
+                  <a:solidFill>
+                    <a:srgbClr val="FFFFFF"/>
+                  </a:solidFill>
+                </a14:hiddenFill>
+              </a:ext>
+            </a:extLst>
+          </p:spPr>
+        </p:pic>
+        <p:sp>
+          <p:nvSpPr>
+            <p:cNvPr id="5" name="CaixaDeTexto 4"/>
+            <p:cNvSpPr txBox="1"/>
+            <p:nvPr/>
+          </p:nvSpPr>
+          <p:spPr>
+            <a:xfrm>
+              <a:off x="5584396" y="5199404"/>
+              <a:ext cx="1130804" cy="307777"/>
+            </a:xfrm>
+            <a:prstGeom prst="rect">
+              <a:avLst/>
+            </a:prstGeom>
+            <a:noFill/>
+          </p:spPr>
+          <p:txBody>
+            <a:bodyPr wrap="square" rtlCol="0">
+              <a:spAutoFit/>
+            </a:bodyPr>
+            <a:lstStyle/>
+            <a:p>
+              <a:pPr algn="ctr"/>
+              <a:r>
+                <a:rPr lang="pt-BR" sz="1400" b="1" dirty="0" err="1"/>
+                <a:t>clustering</a:t>
+              </a:r>
+              <a:endParaRPr lang="en-US" sz="1400" b="1" dirty="0"/>
+            </a:p>
+          </p:txBody>
+        </p:sp>
+        <p:pic>
+          <p:nvPicPr>
+            <p:cNvPr id="6" name="Picture 2" descr="K-Means Clustering using Python. Welcome back guys! Hope you had a great… |  by Luigi Fiori | Medium"/>
+            <p:cNvPicPr>
+              <a:picLocks noChangeAspect="1" noChangeArrowheads="1"/>
+            </p:cNvPicPr>
+            <p:nvPr/>
+          </p:nvPicPr>
+          <p:blipFill rotWithShape="1">
+            <a:blip r:embed="rId2">
+              <a:extLst>
+                <a:ext uri="{28A0092B-C50C-407E-A947-70E740481C1C}">
+                  <a14:useLocalDpi xmlns:a14="http://schemas.microsoft.com/office/drawing/2010/main" val="0"/>
+                </a:ext>
+              </a:extLst>
+            </a:blip>
+            <a:srcRect l="56284" t="3709" b="11854"/>
+            <a:stretch/>
+          </p:blipFill>
+          <p:spPr bwMode="auto">
+            <a:xfrm>
+              <a:off x="6626158" y="4631401"/>
+              <a:ext cx="2521380" cy="2029172"/>
+            </a:xfrm>
+            <a:prstGeom prst="rect">
+              <a:avLst/>
+            </a:prstGeom>
+            <a:noFill/>
+            <a:extLst>
+              <a:ext uri="{909E8E84-426E-40DD-AFC4-6F175D3DCCD1}">
+                <a14:hiddenFill xmlns:a14="http://schemas.microsoft.com/office/drawing/2010/main">
+                  <a:solidFill>
+                    <a:srgbClr val="FFFFFF"/>
+                  </a:solidFill>
+                </a14:hiddenFill>
+              </a:ext>
+            </a:extLst>
+          </p:spPr>
+        </p:pic>
+        <p:sp>
+          <p:nvSpPr>
+            <p:cNvPr id="7" name="Seta para a direita 6"/>
+            <p:cNvSpPr/>
+            <p:nvPr/>
+          </p:nvSpPr>
+          <p:spPr>
+            <a:xfrm>
+              <a:off x="5802135" y="5507181"/>
+              <a:ext cx="695325" cy="581891"/>
+            </a:xfrm>
+            <a:prstGeom prst="rightArrow">
+              <a:avLst/>
+            </a:prstGeom>
+            <a:solidFill>
+              <a:srgbClr val="7030A0"/>
+            </a:solidFill>
+          </p:spPr>
+          <p:style>
+            <a:lnRef idx="2">
+              <a:schemeClr val="accent1">
+                <a:shade val="50000"/>
+              </a:schemeClr>
+            </a:lnRef>
+            <a:fillRef idx="1">
+              <a:schemeClr val="accent1"/>
+            </a:fillRef>
+            <a:effectRef idx="0">
+              <a:schemeClr val="accent1"/>
+            </a:effectRef>
+            <a:fontRef idx="minor">
+              <a:schemeClr val="lt1"/>
+            </a:fontRef>
+          </p:style>
+          <p:txBody>
+            <a:bodyPr rtlCol="0" anchor="ctr"/>
+            <a:lstStyle/>
+            <a:p>
+              <a:pPr algn="ctr"/>
+              <a:endParaRPr lang="en-US"/>
+            </a:p>
+          </p:txBody>
+        </p:sp>
+      </p:grpSp>
+      <p:sp>
+        <p:nvSpPr>
+          <p:cNvPr id="9" name="Retângulo 8"/>
+          <p:cNvSpPr/>
+          <p:nvPr/>
+        </p:nvSpPr>
+        <p:spPr>
+          <a:xfrm>
+            <a:off x="7168503" y="4854292"/>
+            <a:ext cx="4839707" cy="1477328"/>
+          </a:xfrm>
+          <a:prstGeom prst="rect">
+            <a:avLst/>
+          </a:prstGeom>
+        </p:spPr>
+        <p:txBody>
+          <a:bodyPr wrap="square">
+            <a:spAutoFit/>
+          </a:bodyPr>
+          <a:lstStyle/>
+          <a:p>
+            <a:pPr algn="ctr"/>
+            <a:r>
+              <a:rPr lang="pt-BR" b="1" dirty="0"/>
+              <a:t>OBS</a:t>
+            </a:r>
+            <a:r>
+              <a:rPr lang="pt-BR" dirty="0"/>
+              <a:t>.: A identificação visual de clusters em um espaço bidimensional é fácil, mas em quatro ou mais dimensões isso já não é mais possível. Nesses casos, apenas algoritmos de identificação de clusters conseguem agrupar os dados. </a:t>
+            </a:r>
+          </a:p>
+        </p:txBody>
+      </p:sp>
+    </p:spTree>
+    <p:extLst>
+      <p:ext uri="{BB962C8B-B14F-4D97-AF65-F5344CB8AC3E}">
+        <p14:creationId xmlns:p14="http://schemas.microsoft.com/office/powerpoint/2010/main" val="1498689549"/>
+      </p:ext>
+    </p:extLst>
+  </p:cSld>
+  <p:clrMapOvr>
+    <a:masterClrMapping/>
+  </p:clrMapOvr>
+</p:sld>
+</file>
+
+<file path=ppt/slides/slide7.xml><?xml version="1.0" encoding="utf-8"?>
+<p:sld xmlns:a="http://schemas.openxmlformats.org/drawingml/2006/main" xmlns:r="http://schemas.openxmlformats.org/officeDocument/2006/relationships" xmlns:p="http://schemas.openxmlformats.org/presentationml/2006/main">
+  <p:cSld>
+    <p:spTree>
+      <p:nvGrpSpPr>
+        <p:cNvPr id="1" name=""/>
+        <p:cNvGrpSpPr/>
+        <p:nvPr/>
+      </p:nvGrpSpPr>
+      <p:grpSpPr>
+        <a:xfrm>
+          <a:off x="0" y="0"/>
+          <a:ext cx="0" cy="0"/>
+          <a:chOff x="0" y="0"/>
+          <a:chExt cx="0" cy="0"/>
+        </a:xfrm>
+      </p:grpSpPr>
+      <p:sp>
+        <p:nvSpPr>
+          <p:cNvPr id="2" name="Título 1"/>
+          <p:cNvSpPr>
+            <a:spLocks noGrp="1"/>
+          </p:cNvSpPr>
+          <p:nvPr>
+            <p:ph type="title"/>
+          </p:nvPr>
+        </p:nvSpPr>
+        <p:spPr/>
+        <p:txBody>
+          <a:bodyPr/>
+          <a:lstStyle/>
+          <a:p>
+            <a:r>
+              <a:rPr lang="en-US" dirty="0"/>
+              <a:t>Como </a:t>
+            </a:r>
+            <a:r>
+              <a:rPr lang="en-US" dirty="0" err="1"/>
+              <a:t>representar</a:t>
+            </a:r>
+            <a:r>
+              <a:rPr lang="en-US" dirty="0"/>
+              <a:t> </a:t>
+            </a:r>
+            <a:r>
+              <a:rPr lang="en-US" dirty="0" err="1"/>
+              <a:t>os</a:t>
+            </a:r>
+            <a:r>
+              <a:rPr lang="en-US" dirty="0"/>
+              <a:t> clusters?</a:t>
+            </a:r>
+          </a:p>
+        </p:txBody>
+      </p:sp>
+      <p:sp>
+        <p:nvSpPr>
+          <p:cNvPr id="3" name="Espaço Reservado para Conteúdo 2"/>
+          <p:cNvSpPr>
+            <a:spLocks noGrp="1"/>
+          </p:cNvSpPr>
+          <p:nvPr>
+            <p:ph idx="1"/>
+          </p:nvPr>
+        </p:nvSpPr>
+        <p:spPr>
+          <a:xfrm>
+            <a:off x="5257800" y="1825624"/>
+            <a:ext cx="6712526" cy="5032375"/>
+          </a:xfrm>
+        </p:spPr>
+        <p:txBody>
+          <a:bodyPr>
+            <a:normAutofit/>
+          </a:bodyPr>
+          <a:lstStyle/>
+          <a:p>
+            <a:r>
+              <a:rPr lang="pt-BR" dirty="0"/>
+              <a:t>Para realizar a identificação, temos que </a:t>
+            </a:r>
+            <a:r>
+              <a:rPr lang="pt-BR" b="1" i="1" dirty="0">
+                <a:solidFill>
+                  <a:srgbClr val="00B050"/>
+                </a:solidFill>
+              </a:rPr>
+              <a:t>decidir como os clusters serão representados</a:t>
+            </a:r>
+            <a:r>
+              <a:rPr lang="pt-BR" dirty="0"/>
+              <a:t>.</a:t>
+            </a:r>
+          </a:p>
+          <a:p>
+            <a:r>
+              <a:rPr lang="pt-BR" dirty="0"/>
+              <a:t>Existem algumas opções como a densidade, distribuição, hierarquia, etc.</a:t>
+            </a:r>
+          </a:p>
+          <a:p>
+            <a:r>
+              <a:rPr lang="pt-BR" dirty="0"/>
+              <a:t>Porém, a abordagem mais simples usa os </a:t>
+            </a:r>
+            <a:r>
+              <a:rPr lang="pt-BR" b="1" i="1" dirty="0"/>
+              <a:t>centroides </a:t>
+            </a:r>
+            <a:r>
+              <a:rPr lang="pt-BR" dirty="0"/>
+              <a:t>(i.e., centros) dos clusters.</a:t>
+            </a:r>
+          </a:p>
+          <a:p>
+            <a:r>
+              <a:rPr lang="pt-BR" dirty="0"/>
+              <a:t>Se os atributos forem numéricos, o </a:t>
+            </a:r>
+            <a:r>
+              <a:rPr lang="pt-BR" b="1" i="1" dirty="0">
+                <a:solidFill>
+                  <a:srgbClr val="7030A0"/>
+                </a:solidFill>
+              </a:rPr>
+              <a:t>centroide</a:t>
+            </a:r>
+            <a:r>
+              <a:rPr lang="pt-BR" dirty="0"/>
+              <a:t> é obtido através das </a:t>
+            </a:r>
+            <a:r>
+              <a:rPr lang="pt-BR" b="1" i="1" dirty="0">
+                <a:solidFill>
+                  <a:srgbClr val="00B050"/>
+                </a:solidFill>
+              </a:rPr>
+              <a:t>médias individuais dos atributos</a:t>
+            </a:r>
+            <a:r>
+              <a:rPr lang="pt-BR" dirty="0"/>
+              <a:t>.</a:t>
+            </a:r>
+          </a:p>
+        </p:txBody>
+      </p:sp>
+      <p:pic>
+        <p:nvPicPr>
+          <p:cNvPr id="1028" name="Picture 4" descr="K Means Clustering no Aprendizado de Máquinas — Aprendizado de Máquina —  DATA SCIENCE">
+            <a:extLst>
+              <a:ext uri="{FF2B5EF4-FFF2-40B4-BE49-F238E27FC236}">
+                <a16:creationId xmlns:a16="http://schemas.microsoft.com/office/drawing/2014/main" id="{D99905E1-3749-BAAD-E01A-C9B3686C4770}"/>
+              </a:ext>
+            </a:extLst>
+          </p:cNvPr>
+          <p:cNvPicPr>
+            <a:picLocks noChangeAspect="1" noChangeArrowheads="1"/>
+          </p:cNvPicPr>
+          <p:nvPr/>
+        </p:nvPicPr>
+        <p:blipFill rotWithShape="1">
+          <a:blip r:embed="rId3">
+            <a:extLst>
+              <a:ext uri="{28A0092B-C50C-407E-A947-70E740481C1C}">
+                <a14:useLocalDpi xmlns:a14="http://schemas.microsoft.com/office/drawing/2010/main" val="0"/>
+              </a:ext>
+            </a:extLst>
+          </a:blip>
+          <a:srcRect t="18889" r="58743" b="36825"/>
+          <a:stretch/>
+        </p:blipFill>
+        <p:spPr bwMode="auto">
+          <a:xfrm>
+            <a:off x="838200" y="2253343"/>
+            <a:ext cx="3951287" cy="3037114"/>
+          </a:xfrm>
+          <a:prstGeom prst="rect">
+            <a:avLst/>
+          </a:prstGeom>
+          <a:noFill/>
+          <a:extLst>
+            <a:ext uri="{909E8E84-426E-40DD-AFC4-6F175D3DCCD1}">
+              <a14:hiddenFill xmlns:a14="http://schemas.microsoft.com/office/drawing/2010/main">
+                <a:solidFill>
+                  <a:srgbClr val="FFFFFF"/>
+                </a:solidFill>
+              </a14:hiddenFill>
+            </a:ext>
+          </a:extLst>
+        </p:spPr>
+      </p:pic>
+    </p:spTree>
+    <p:extLst>
+      <p:ext uri="{BB962C8B-B14F-4D97-AF65-F5344CB8AC3E}">
+        <p14:creationId xmlns:p14="http://schemas.microsoft.com/office/powerpoint/2010/main" val="4003545077"/>
+      </p:ext>
+    </p:extLst>
+  </p:cSld>
+  <p:clrMapOvr>
+    <a:masterClrMapping/>
+  </p:clrMapOvr>
+</p:sld>
+</file>
+
+<file path=ppt/slides/slide8.xml><?xml version="1.0" encoding="utf-8"?>
+<p:sld xmlns:a="http://schemas.openxmlformats.org/drawingml/2006/main" xmlns:r="http://schemas.openxmlformats.org/officeDocument/2006/relationships" xmlns:p="http://schemas.openxmlformats.org/presentationml/2006/main">
+  <p:cSld>
+    <p:spTree>
+      <p:nvGrpSpPr>
+        <p:cNvPr id="1" name="">
+          <a:extLst>
+            <a:ext uri="{FF2B5EF4-FFF2-40B4-BE49-F238E27FC236}">
+              <a16:creationId xmlns:a16="http://schemas.microsoft.com/office/drawing/2014/main" id="{5B00F73A-8390-7530-E708-9D3EBFB35B37}"/>
+            </a:ext>
+          </a:extLst>
+        </p:cNvPr>
+        <p:cNvGrpSpPr/>
+        <p:nvPr/>
+      </p:nvGrpSpPr>
+      <p:grpSpPr>
+        <a:xfrm>
+          <a:off x="0" y="0"/>
+          <a:ext cx="0" cy="0"/>
+          <a:chOff x="0" y="0"/>
+          <a:chExt cx="0" cy="0"/>
+        </a:xfrm>
+      </p:grpSpPr>
+      <p:sp>
+        <p:nvSpPr>
+          <p:cNvPr id="2" name="Título 1">
+            <a:extLst>
+              <a:ext uri="{FF2B5EF4-FFF2-40B4-BE49-F238E27FC236}">
+                <a16:creationId xmlns:a16="http://schemas.microsoft.com/office/drawing/2014/main" id="{A7779880-5E02-1DB8-EA94-C86330794A8C}"/>
+              </a:ext>
+            </a:extLst>
+          </p:cNvPr>
+          <p:cNvSpPr>
+            <a:spLocks noGrp="1"/>
+          </p:cNvSpPr>
+          <p:nvPr>
+            <p:ph type="title"/>
+          </p:nvPr>
+        </p:nvSpPr>
+        <p:spPr/>
+        <p:txBody>
+          <a:bodyPr/>
+          <a:lstStyle/>
+          <a:p>
+            <a:r>
+              <a:rPr lang="en-US" dirty="0"/>
+              <a:t>Como </a:t>
+            </a:r>
+            <a:r>
+              <a:rPr lang="en-US" dirty="0" err="1"/>
+              <a:t>representar</a:t>
+            </a:r>
+            <a:r>
+              <a:rPr lang="en-US" dirty="0"/>
+              <a:t> </a:t>
+            </a:r>
+            <a:r>
+              <a:rPr lang="en-US" dirty="0" err="1"/>
+              <a:t>os</a:t>
+            </a:r>
+            <a:r>
+              <a:rPr lang="en-US" dirty="0"/>
+              <a:t> clusters?</a:t>
+            </a:r>
+          </a:p>
+        </p:txBody>
+      </p:sp>
+      <mc:AlternateContent xmlns:mc="http://schemas.openxmlformats.org/markup-compatibility/2006">
+        <mc:Choice xmlns:a14="http://schemas.microsoft.com/office/drawing/2010/main" Requires="a14">
+          <p:sp>
+            <p:nvSpPr>
+              <p:cNvPr id="3" name="Espaço Reservado para Conteúdo 2">
+                <a:extLst>
+                  <a:ext uri="{FF2B5EF4-FFF2-40B4-BE49-F238E27FC236}">
+                    <a16:creationId xmlns:a16="http://schemas.microsoft.com/office/drawing/2014/main" id="{A72472E5-6211-3EFD-BA89-06782640C939}"/>
+                  </a:ext>
+                </a:extLst>
+              </p:cNvPr>
+              <p:cNvSpPr>
+                <a:spLocks noGrp="1"/>
+              </p:cNvSpPr>
+              <p:nvPr>
+                <p:ph idx="1"/>
+              </p:nvPr>
+            </p:nvSpPr>
+            <p:spPr>
+              <a:xfrm>
+                <a:off x="5072743" y="1825624"/>
+                <a:ext cx="6897583" cy="5032375"/>
+              </a:xfrm>
+            </p:spPr>
+            <p:txBody>
+              <a:bodyPr>
+                <a:normAutofit/>
+              </a:bodyPr>
+              <a:lstStyle/>
+              <a:p>
+                <a:r>
+                  <a:rPr lang="pt-BR" dirty="0"/>
+                  <a:t>Por exemplo, suponhamos os seguintes </a:t>
+                </a:r>
+                <a:r>
+                  <a:rPr lang="pt-BR" b="1" i="1" dirty="0"/>
+                  <a:t>vetores de atributos </a:t>
+                </a:r>
+                <a:r>
+                  <a:rPr lang="pt-BR" dirty="0"/>
+                  <a:t>em um espaço bidimensional, </a:t>
+                </a:r>
+                <a14:m>
+                  <m:oMath xmlns:m="http://schemas.openxmlformats.org/officeDocument/2006/math">
+                    <m:sSub>
+                      <m:sSubPr>
+                        <m:ctrlPr>
+                          <a:rPr lang="pt-BR" i="1" smtClean="0">
+                            <a:latin typeface="Cambria Math" panose="02040503050406030204" pitchFamily="18" charset="0"/>
+                          </a:rPr>
+                        </m:ctrlPr>
+                      </m:sSubPr>
+                      <m:e>
+                        <m:r>
+                          <a:rPr lang="pt-BR" b="0" i="1" smtClean="0">
+                            <a:latin typeface="Cambria Math" panose="02040503050406030204" pitchFamily="18" charset="0"/>
+                          </a:rPr>
+                          <m:t>𝑥</m:t>
+                        </m:r>
+                      </m:e>
+                      <m:sub>
+                        <m:r>
+                          <a:rPr lang="pt-BR" b="0" i="1" smtClean="0">
+                            <a:latin typeface="Cambria Math" panose="02040503050406030204" pitchFamily="18" charset="0"/>
+                          </a:rPr>
+                          <m:t>1</m:t>
+                        </m:r>
+                      </m:sub>
+                    </m:sSub>
+                  </m:oMath>
+                </a14:m>
+                <a:r>
+                  <a:rPr lang="pt-BR" dirty="0"/>
+                  <a:t> e </a:t>
+                </a:r>
+                <a14:m>
+                  <m:oMath xmlns:m="http://schemas.openxmlformats.org/officeDocument/2006/math">
+                    <m:sSub>
+                      <m:sSubPr>
+                        <m:ctrlPr>
+                          <a:rPr lang="pt-BR" i="1">
+                            <a:latin typeface="Cambria Math" panose="02040503050406030204" pitchFamily="18" charset="0"/>
+                          </a:rPr>
+                        </m:ctrlPr>
+                      </m:sSubPr>
+                      <m:e>
+                        <m:r>
+                          <a:rPr lang="pt-BR" i="1">
+                            <a:latin typeface="Cambria Math" panose="02040503050406030204" pitchFamily="18" charset="0"/>
+                          </a:rPr>
+                          <m:t>𝑥</m:t>
+                        </m:r>
+                      </m:e>
+                      <m:sub>
+                        <m:r>
+                          <a:rPr lang="pt-BR" b="0" i="1" smtClean="0">
+                            <a:latin typeface="Cambria Math" panose="02040503050406030204" pitchFamily="18" charset="0"/>
+                          </a:rPr>
+                          <m:t>2</m:t>
+                        </m:r>
+                      </m:sub>
+                    </m:sSub>
+                  </m:oMath>
+                </a14:m>
+                <a:r>
+                  <a:rPr lang="pt-BR" dirty="0"/>
+                  <a:t>: (2, 5), (1, 4), (3, 6).</a:t>
+                </a:r>
+              </a:p>
+              <a:p>
+                <a:r>
+                  <a:rPr lang="pt-BR" dirty="0"/>
+                  <a:t>Nesse caso, o </a:t>
+                </a:r>
+                <a:r>
+                  <a:rPr lang="pt-BR" b="1" i="1" dirty="0"/>
+                  <a:t>centroide</a:t>
+                </a:r>
+                <a:r>
+                  <a:rPr lang="pt-BR" dirty="0"/>
+                  <a:t> é representado pelo vetor (2, 5), pois</a:t>
+                </a:r>
+                <a:endParaRPr lang="en-US" dirty="0"/>
+              </a:p>
+              <a:p>
+                <a:pPr lvl="1">
+                  <a:buFont typeface="Wingdings" panose="05000000000000000000" pitchFamily="2" charset="2"/>
+                  <a:buChar char="§"/>
+                </a:pPr>
+                <a:r>
+                  <a:rPr lang="pt-BR" dirty="0"/>
+                  <a:t>A média do primeiro atributo é  </a:t>
+                </a:r>
+                <a14:m>
+                  <m:oMath xmlns:m="http://schemas.openxmlformats.org/officeDocument/2006/math">
+                    <m:f>
+                      <m:fPr>
+                        <m:ctrlPr>
+                          <a:rPr lang="pt-BR" i="1" smtClean="0">
+                            <a:latin typeface="Cambria Math" panose="02040503050406030204" pitchFamily="18" charset="0"/>
+                          </a:rPr>
+                        </m:ctrlPr>
+                      </m:fPr>
+                      <m:num>
+                        <m:r>
+                          <a:rPr lang="pt-BR" b="0" i="1" smtClean="0">
+                            <a:latin typeface="Cambria Math" panose="02040503050406030204" pitchFamily="18" charset="0"/>
+                          </a:rPr>
+                          <m:t>2+1+3</m:t>
+                        </m:r>
+                      </m:num>
+                      <m:den>
+                        <m:r>
+                          <a:rPr lang="pt-BR" b="0" i="1" smtClean="0">
+                            <a:latin typeface="Cambria Math" panose="02040503050406030204" pitchFamily="18" charset="0"/>
+                          </a:rPr>
+                          <m:t>3</m:t>
+                        </m:r>
+                      </m:den>
+                    </m:f>
+                    <m:r>
+                      <a:rPr lang="pt-BR" b="0" i="1" smtClean="0">
+                        <a:latin typeface="Cambria Math" panose="02040503050406030204" pitchFamily="18" charset="0"/>
+                      </a:rPr>
+                      <m:t>=2</m:t>
+                    </m:r>
+                  </m:oMath>
+                </a14:m>
+                <a:r>
+                  <a:rPr lang="pt-BR" b="0" dirty="0"/>
+                  <a:t>.</a:t>
+                </a:r>
+              </a:p>
+              <a:p>
+                <a:pPr lvl="1">
+                  <a:buFont typeface="Wingdings" panose="05000000000000000000" pitchFamily="2" charset="2"/>
+                  <a:buChar char="§"/>
+                </a:pPr>
+                <a:r>
+                  <a:rPr lang="pt-BR" dirty="0"/>
+                  <a:t>A média do segundo atributo é </a:t>
+                </a:r>
+                <a14:m>
+                  <m:oMath xmlns:m="http://schemas.openxmlformats.org/officeDocument/2006/math">
+                    <m:f>
+                      <m:fPr>
+                        <m:ctrlPr>
+                          <a:rPr lang="pt-BR" i="1">
+                            <a:latin typeface="Cambria Math" panose="02040503050406030204" pitchFamily="18" charset="0"/>
+                          </a:rPr>
+                        </m:ctrlPr>
+                      </m:fPr>
+                      <m:num>
+                        <m:r>
+                          <a:rPr lang="pt-BR" b="0" i="1" smtClean="0">
+                            <a:latin typeface="Cambria Math" panose="02040503050406030204" pitchFamily="18" charset="0"/>
+                          </a:rPr>
+                          <m:t>5</m:t>
+                        </m:r>
+                        <m:r>
+                          <a:rPr lang="pt-BR" i="1">
+                            <a:latin typeface="Cambria Math" panose="02040503050406030204" pitchFamily="18" charset="0"/>
+                          </a:rPr>
+                          <m:t>+</m:t>
+                        </m:r>
+                        <m:r>
+                          <a:rPr lang="pt-BR" b="0" i="1" smtClean="0">
+                            <a:latin typeface="Cambria Math" panose="02040503050406030204" pitchFamily="18" charset="0"/>
+                          </a:rPr>
+                          <m:t>4</m:t>
+                        </m:r>
+                        <m:r>
+                          <a:rPr lang="pt-BR" i="1">
+                            <a:latin typeface="Cambria Math" panose="02040503050406030204" pitchFamily="18" charset="0"/>
+                          </a:rPr>
+                          <m:t>+</m:t>
+                        </m:r>
+                        <m:r>
+                          <a:rPr lang="pt-BR" b="0" i="1" smtClean="0">
+                            <a:latin typeface="Cambria Math" panose="02040503050406030204" pitchFamily="18" charset="0"/>
+                          </a:rPr>
+                          <m:t>6</m:t>
+                        </m:r>
+                      </m:num>
+                      <m:den>
+                        <m:r>
+                          <a:rPr lang="pt-BR" i="1">
+                            <a:latin typeface="Cambria Math" panose="02040503050406030204" pitchFamily="18" charset="0"/>
+                          </a:rPr>
+                          <m:t>3</m:t>
+                        </m:r>
+                      </m:den>
+                    </m:f>
+                    <m:r>
+                      <a:rPr lang="pt-BR" i="1">
+                        <a:latin typeface="Cambria Math" panose="02040503050406030204" pitchFamily="18" charset="0"/>
+                      </a:rPr>
+                      <m:t>=</m:t>
+                    </m:r>
+                    <m:r>
+                      <a:rPr lang="pt-BR" b="0" i="1" smtClean="0">
+                        <a:latin typeface="Cambria Math" panose="02040503050406030204" pitchFamily="18" charset="0"/>
+                      </a:rPr>
+                      <m:t>5</m:t>
+                    </m:r>
+                  </m:oMath>
+                </a14:m>
+                <a:r>
+                  <a:rPr lang="pt-BR" dirty="0"/>
+                  <a:t>.</a:t>
+                </a:r>
+              </a:p>
+              <a:p>
+                <a:r>
+                  <a:rPr lang="pt-BR" dirty="0"/>
+                  <a:t>Se os atributos </a:t>
+                </a:r>
+                <a:r>
+                  <a:rPr lang="pt-BR" b="1" i="1" dirty="0">
+                    <a:solidFill>
+                      <a:srgbClr val="7030A0"/>
+                    </a:solidFill>
+                  </a:rPr>
+                  <a:t>não forem numéricos</a:t>
+                </a:r>
+                <a:r>
+                  <a:rPr lang="pt-BR" dirty="0"/>
+                  <a:t>, devemos </a:t>
+                </a:r>
+                <a:r>
+                  <a:rPr lang="pt-BR" b="1" i="1" dirty="0">
+                    <a:solidFill>
+                      <a:srgbClr val="00B050"/>
+                    </a:solidFill>
+                  </a:rPr>
+                  <a:t>transformá-los em numéricos</a:t>
+                </a:r>
+                <a:r>
+                  <a:rPr lang="pt-BR" dirty="0"/>
+                  <a:t>.</a:t>
+                </a:r>
+              </a:p>
+            </p:txBody>
+          </p:sp>
+        </mc:Choice>
+        <mc:Fallback>
+          <p:sp>
+            <p:nvSpPr>
+              <p:cNvPr id="3" name="Espaço Reservado para Conteúdo 2">
+                <a:extLst>
+                  <a:ext uri="{FF2B5EF4-FFF2-40B4-BE49-F238E27FC236}">
+                    <a16:creationId xmlns:a16="http://schemas.microsoft.com/office/drawing/2014/main" id="{A72472E5-6211-3EFD-BA89-06782640C939}"/>
+                  </a:ext>
+                </a:extLst>
+              </p:cNvPr>
+              <p:cNvSpPr>
+                <a:spLocks noGrp="1" noRot="1" noChangeAspect="1" noMove="1" noResize="1" noEditPoints="1" noAdjustHandles="1" noChangeArrowheads="1" noChangeShapeType="1" noTextEdit="1"/>
+              </p:cNvSpPr>
+              <p:nvPr>
+                <p:ph idx="1"/>
+              </p:nvPr>
+            </p:nvSpPr>
+            <p:spPr>
+              <a:xfrm>
+                <a:off x="5072743" y="1825624"/>
+                <a:ext cx="6897583" cy="5032375"/>
+              </a:xfrm>
+              <a:blipFill>
+                <a:blip r:embed="rId3"/>
+                <a:stretch>
+                  <a:fillRect l="-1590" t="-1937" r="-1678"/>
+                </a:stretch>
+              </a:blipFill>
+            </p:spPr>
+            <p:txBody>
+              <a:bodyPr/>
+              <a:lstStyle/>
+              <a:p>
+                <a:r>
+                  <a:rPr lang="pt-BR">
+                    <a:noFill/>
+                  </a:rPr>
+                  <a:t> </a:t>
+                </a:r>
+              </a:p>
+            </p:txBody>
+          </p:sp>
+        </mc:Fallback>
+      </mc:AlternateContent>
+      <p:pic>
+        <p:nvPicPr>
+          <p:cNvPr id="5" name="Picture 4" descr="K Means Clustering no Aprendizado de Máquinas — Aprendizado de Máquina —  DATA SCIENCE">
+            <a:extLst>
+              <a:ext uri="{FF2B5EF4-FFF2-40B4-BE49-F238E27FC236}">
+                <a16:creationId xmlns:a16="http://schemas.microsoft.com/office/drawing/2014/main" id="{1340B874-C37C-46C8-FA71-6364C1463C13}"/>
+              </a:ext>
+            </a:extLst>
+          </p:cNvPr>
+          <p:cNvPicPr>
+            <a:picLocks noChangeAspect="1" noChangeArrowheads="1"/>
+          </p:cNvPicPr>
+          <p:nvPr/>
+        </p:nvPicPr>
+        <p:blipFill rotWithShape="1">
+          <a:blip r:embed="rId4">
+            <a:extLst>
+              <a:ext uri="{28A0092B-C50C-407E-A947-70E740481C1C}">
+                <a14:useLocalDpi xmlns:a14="http://schemas.microsoft.com/office/drawing/2010/main" val="0"/>
+              </a:ext>
+            </a:extLst>
+          </a:blip>
+          <a:srcRect l="56603" t="18889" r="3388" b="36825"/>
+          <a:stretch/>
+        </p:blipFill>
+        <p:spPr bwMode="auto">
+          <a:xfrm>
+            <a:off x="838200" y="2111829"/>
+            <a:ext cx="3831771" cy="3037114"/>
+          </a:xfrm>
+          <a:prstGeom prst="rect">
+            <a:avLst/>
+          </a:prstGeom>
+          <a:noFill/>
+          <a:extLst>
+            <a:ext uri="{909E8E84-426E-40DD-AFC4-6F175D3DCCD1}">
+              <a14:hiddenFill xmlns:a14="http://schemas.microsoft.com/office/drawing/2010/main">
+                <a:solidFill>
+                  <a:srgbClr val="FFFFFF"/>
+                </a:solidFill>
+              </a14:hiddenFill>
+            </a:ext>
+          </a:extLst>
+        </p:spPr>
+      </p:pic>
+    </p:spTree>
+    <p:extLst>
+      <p:ext uri="{BB962C8B-B14F-4D97-AF65-F5344CB8AC3E}">
+        <p14:creationId xmlns:p14="http://schemas.microsoft.com/office/powerpoint/2010/main" val="3453578561"/>
+      </p:ext>
+    </p:extLst>
+  </p:cSld>
+  <p:clrMapOvr>
+    <a:masterClrMapping/>
+  </p:clrMapOvr>
+</p:sld>
+</file>
+
+<file path=ppt/slides/slide9.xml><?xml version="1.0" encoding="utf-8"?>
+<p:sld xmlns:a="http://schemas.openxmlformats.org/drawingml/2006/main" xmlns:r="http://schemas.openxmlformats.org/officeDocument/2006/relationships" xmlns:p="http://schemas.openxmlformats.org/presentationml/2006/main">
+  <p:cSld>
+    <p:spTree>
+      <p:nvGrpSpPr>
+        <p:cNvPr id="1" name=""/>
+        <p:cNvGrpSpPr/>
+        <p:nvPr/>
+      </p:nvGrpSpPr>
+      <p:grpSpPr>
+        <a:xfrm>
+          <a:off x="0" y="0"/>
+          <a:ext cx="0" cy="0"/>
+          <a:chOff x="0" y="0"/>
+          <a:chExt cx="0" cy="0"/>
+        </a:xfrm>
+      </p:grpSpPr>
+      <p:sp>
+        <p:nvSpPr>
+          <p:cNvPr id="2" name="Título 1"/>
+          <p:cNvSpPr>
+            <a:spLocks noGrp="1"/>
+          </p:cNvSpPr>
+          <p:nvPr>
+            <p:ph type="title"/>
+          </p:nvPr>
+        </p:nvSpPr>
+        <p:spPr/>
+        <p:txBody>
+          <a:bodyPr/>
+          <a:lstStyle/>
+          <a:p>
+            <a:r>
+              <a:rPr lang="pt-BR" dirty="0"/>
+              <a:t>Quantos devem ser os clusters?</a:t>
+            </a:r>
+            <a:endParaRPr lang="en-US" dirty="0"/>
+          </a:p>
+        </p:txBody>
+      </p:sp>
+      <p:sp>
+        <p:nvSpPr>
+          <p:cNvPr id="3" name="Espaço Reservado para Conteúdo 2"/>
+          <p:cNvSpPr>
+            <a:spLocks noGrp="1"/>
+          </p:cNvSpPr>
+          <p:nvPr>
+            <p:ph idx="1"/>
+          </p:nvPr>
+        </p:nvSpPr>
+        <p:spPr>
+          <a:xfrm>
+            <a:off x="5334000" y="1690688"/>
+            <a:ext cx="6729845" cy="5167311"/>
+          </a:xfrm>
+        </p:spPr>
+        <p:txBody>
+          <a:bodyPr>
+            <a:normAutofit/>
+          </a:bodyPr>
+          <a:lstStyle/>
+          <a:p>
+            <a:r>
+              <a:rPr lang="pt-BR" dirty="0"/>
+              <a:t>Os clusters </a:t>
+            </a:r>
+            <a:r>
+              <a:rPr lang="pt-BR" b="1" i="1" dirty="0"/>
+              <a:t>não devem se sobrepor</a:t>
+            </a:r>
+            <a:r>
+              <a:rPr lang="pt-BR" dirty="0"/>
+              <a:t>: </a:t>
+            </a:r>
+            <a:r>
+              <a:rPr lang="pt-BR" b="1" i="1" dirty="0">
+                <a:solidFill>
+                  <a:srgbClr val="00B050"/>
+                </a:solidFill>
+              </a:rPr>
+              <a:t>cada exemplo</a:t>
+            </a:r>
+            <a:r>
+              <a:rPr lang="pt-BR" dirty="0"/>
+              <a:t> deve </a:t>
+            </a:r>
+            <a:r>
+              <a:rPr lang="pt-BR" b="1" i="1" dirty="0">
+                <a:solidFill>
+                  <a:srgbClr val="00B050"/>
+                </a:solidFill>
+              </a:rPr>
+              <a:t>pertencer</a:t>
+            </a:r>
+            <a:r>
+              <a:rPr lang="pt-BR" dirty="0"/>
+              <a:t> a </a:t>
+            </a:r>
+            <a:r>
+              <a:rPr lang="pt-BR" b="1" i="1" dirty="0">
+                <a:solidFill>
+                  <a:srgbClr val="00B050"/>
+                </a:solidFill>
+              </a:rPr>
+              <a:t>um e apenas a um cluster</a:t>
+            </a:r>
+            <a:r>
+              <a:rPr lang="pt-BR" dirty="0"/>
+              <a:t>. </a:t>
+            </a:r>
+          </a:p>
+          <a:p>
+            <a:r>
+              <a:rPr lang="pt-BR" dirty="0"/>
+              <a:t>Porém, </a:t>
+            </a:r>
+            <a:r>
+              <a:rPr lang="pt-BR" b="1" i="1" dirty="0">
+                <a:solidFill>
+                  <a:srgbClr val="0070C0"/>
+                </a:solidFill>
+              </a:rPr>
+              <a:t>dentro do mesmo cluster</a:t>
+            </a:r>
+            <a:r>
+              <a:rPr lang="pt-BR" dirty="0"/>
+              <a:t>, os </a:t>
+            </a:r>
+            <a:r>
+              <a:rPr lang="pt-BR" b="1" i="1" dirty="0">
+                <a:solidFill>
+                  <a:srgbClr val="0070C0"/>
+                </a:solidFill>
+              </a:rPr>
+              <a:t>exemplos</a:t>
+            </a:r>
+            <a:r>
+              <a:rPr lang="pt-BR" dirty="0"/>
+              <a:t> devem estar relativamente </a:t>
+            </a:r>
+            <a:r>
+              <a:rPr lang="pt-BR" b="1" i="1" dirty="0">
+                <a:solidFill>
+                  <a:srgbClr val="0070C0"/>
+                </a:solidFill>
+              </a:rPr>
+              <a:t>próximos</a:t>
+            </a:r>
+            <a:r>
+              <a:rPr lang="pt-BR" dirty="0"/>
+              <a:t> uns dos outros e </a:t>
+            </a:r>
+            <a:r>
+              <a:rPr lang="pt-BR" b="1" i="1" dirty="0">
+                <a:solidFill>
+                  <a:srgbClr val="7030A0"/>
+                </a:solidFill>
+              </a:rPr>
+              <a:t>distantes</a:t>
+            </a:r>
+            <a:r>
+              <a:rPr lang="pt-BR" dirty="0"/>
+              <a:t> dos </a:t>
+            </a:r>
+            <a:r>
+              <a:rPr lang="pt-BR" b="1" i="1" dirty="0">
+                <a:solidFill>
+                  <a:srgbClr val="7030A0"/>
+                </a:solidFill>
+              </a:rPr>
+              <a:t>exemplos dos outros clusters</a:t>
+            </a:r>
+            <a:r>
+              <a:rPr lang="pt-BR" dirty="0"/>
+              <a:t>.</a:t>
+            </a:r>
+          </a:p>
+          <a:p>
+            <a:r>
+              <a:rPr lang="pt-BR" dirty="0"/>
+              <a:t>Aí surge uma dúvida. </a:t>
+            </a:r>
+          </a:p>
+          <a:p>
+            <a:r>
+              <a:rPr lang="pt-BR" dirty="0"/>
+              <a:t>Quantos clusters um conjunto de exemplos contém?</a:t>
+            </a:r>
+          </a:p>
+        </p:txBody>
+      </p:sp>
+      <p:pic>
+        <p:nvPicPr>
+          <p:cNvPr id="5" name="Picture 2" descr="K-Means Clustering using Python. Welcome back guys! Hope you had a great… |  by Luigi Fiori | Medium"/>
+          <p:cNvPicPr>
+            <a:picLocks noChangeAspect="1" noChangeArrowheads="1"/>
+          </p:cNvPicPr>
+          <p:nvPr/>
+        </p:nvPicPr>
+        <p:blipFill rotWithShape="1">
+          <a:blip r:embed="rId2">
+            <a:extLst>
+              <a:ext uri="{28A0092B-C50C-407E-A947-70E740481C1C}">
+                <a14:useLocalDpi xmlns:a14="http://schemas.microsoft.com/office/drawing/2010/main" val="0"/>
+              </a:ext>
+            </a:extLst>
+          </a:blip>
+          <a:srcRect l="1639" t="12047" r="55246" b="11854"/>
+          <a:stretch/>
+        </p:blipFill>
+        <p:spPr bwMode="auto">
+          <a:xfrm>
+            <a:off x="1045029" y="2388412"/>
+            <a:ext cx="3798090" cy="2793188"/>
+          </a:xfrm>
+          <a:prstGeom prst="rect">
+            <a:avLst/>
+          </a:prstGeom>
+          <a:noFill/>
+          <a:extLst>
+            <a:ext uri="{909E8E84-426E-40DD-AFC4-6F175D3DCCD1}">
+              <a14:hiddenFill xmlns:a14="http://schemas.microsoft.com/office/drawing/2010/main">
+                <a:solidFill>
+                  <a:srgbClr val="FFFFFF"/>
+                </a:solidFill>
+              </a14:hiddenFill>
+            </a:ext>
+          </a:extLst>
+        </p:spPr>
+      </p:pic>
+    </p:spTree>
+    <p:extLst>
+      <p:ext uri="{BB962C8B-B14F-4D97-AF65-F5344CB8AC3E}">
+        <p14:creationId xmlns:p14="http://schemas.microsoft.com/office/powerpoint/2010/main" val="506141761"/>
       </p:ext>
     </p:extLst>
   </p:cSld>

--- a/slides/T320_kMeans.pptx
+++ b/slides/T320_kMeans.pptx
@@ -5,7 +5,7 @@
     <p:sldMasterId id="2147483648" r:id="rId1"/>
   </p:sldMasterIdLst>
   <p:notesMasterIdLst>
-    <p:notesMasterId r:id="rId23"/>
+    <p:notesMasterId r:id="rId24"/>
   </p:notesMasterIdLst>
   <p:sldIdLst>
     <p:sldId id="257" r:id="rId2"/>
@@ -25,10 +25,11 @@
     <p:sldId id="292" r:id="rId16"/>
     <p:sldId id="299" r:id="rId17"/>
     <p:sldId id="293" r:id="rId18"/>
-    <p:sldId id="283" r:id="rId19"/>
-    <p:sldId id="269" r:id="rId20"/>
-    <p:sldId id="265" r:id="rId21"/>
-    <p:sldId id="271" r:id="rId22"/>
+    <p:sldId id="300" r:id="rId19"/>
+    <p:sldId id="283" r:id="rId20"/>
+    <p:sldId id="269" r:id="rId21"/>
+    <p:sldId id="265" r:id="rId22"/>
+    <p:sldId id="271" r:id="rId23"/>
   </p:sldIdLst>
   <p:sldSz cx="12192000" cy="6858000"/>
   <p:notesSz cx="6858000" cy="9144000"/>
@@ -2876,7 +2877,7 @@
           <a:p>
             <a:fld id="{6FC8D850-966F-45A6-8DE7-15B891E7D40D}" type="slidenum">
               <a:rPr lang="pt-BR" smtClean="0"/>
-              <a:t>18</a:t>
+              <a:t>19</a:t>
             </a:fld>
             <a:endParaRPr lang="pt-BR"/>
           </a:p>
@@ -6398,8 +6399,8 @@
           </a:p>
         </p:txBody>
       </p:sp>
-      <mc:AlternateContent xmlns:mc="http://schemas.openxmlformats.org/markup-compatibility/2006">
-        <mc:Choice xmlns:a14="http://schemas.microsoft.com/office/drawing/2010/main" Requires="a14">
+      <mc:AlternateContent xmlns:mc="http://schemas.openxmlformats.org/markup-compatibility/2006" xmlns:a14="http://schemas.microsoft.com/office/drawing/2010/main">
+        <mc:Choice Requires="a14">
           <p:sp>
             <p:nvSpPr>
               <p:cNvPr id="3" name="Espaço Reservado para Conteúdo 2"/>
@@ -7231,7 +7232,7 @@
             </p:txBody>
           </p:sp>
         </mc:Choice>
-        <mc:Fallback>
+        <mc:Fallback xmlns="">
           <p:sp>
             <p:nvSpPr>
               <p:cNvPr id="3" name="Espaço Reservado para Conteúdo 2"/>
@@ -7367,8 +7368,8 @@
           </a:p>
         </p:txBody>
       </p:sp>
-      <mc:AlternateContent xmlns:mc="http://schemas.openxmlformats.org/markup-compatibility/2006">
-        <mc:Choice xmlns:a14="http://schemas.microsoft.com/office/drawing/2010/main" Requires="a14">
+      <mc:AlternateContent xmlns:mc="http://schemas.openxmlformats.org/markup-compatibility/2006" xmlns:a14="http://schemas.microsoft.com/office/drawing/2010/main">
+        <mc:Choice Requires="a14">
           <p:sp>
             <p:nvSpPr>
               <p:cNvPr id="3" name="Espaço Reservado para Conteúdo 2"/>
@@ -7760,7 +7761,7 @@
             </p:txBody>
           </p:sp>
         </mc:Choice>
-        <mc:Fallback>
+        <mc:Fallback xmlns="">
           <p:sp>
             <p:nvSpPr>
               <p:cNvPr id="3" name="Espaço Reservado para Conteúdo 2"/>
@@ -7855,8 +7856,8 @@
           </a:p>
         </p:txBody>
       </p:sp>
-      <mc:AlternateContent xmlns:mc="http://schemas.openxmlformats.org/markup-compatibility/2006">
-        <mc:Choice xmlns:a14="http://schemas.microsoft.com/office/drawing/2010/main" Requires="a14">
+      <mc:AlternateContent xmlns:mc="http://schemas.openxmlformats.org/markup-compatibility/2006" xmlns:a14="http://schemas.microsoft.com/office/drawing/2010/main">
+        <mc:Choice Requires="a14">
           <p:sp>
             <p:nvSpPr>
               <p:cNvPr id="3" name="Espaço Reservado para Conteúdo 2"/>
@@ -7948,7 +7949,7 @@
             </p:txBody>
           </p:sp>
         </mc:Choice>
-        <mc:Fallback>
+        <mc:Fallback xmlns="">
           <p:sp>
             <p:nvSpPr>
               <p:cNvPr id="3" name="Espaço Reservado para Conteúdo 2"/>
@@ -7986,8 +7987,8 @@
           </p:sp>
         </mc:Fallback>
       </mc:AlternateContent>
-      <mc:AlternateContent xmlns:mc="http://schemas.openxmlformats.org/markup-compatibility/2006">
-        <mc:Choice xmlns:a14="http://schemas.microsoft.com/office/drawing/2010/main" Requires="a14">
+      <mc:AlternateContent xmlns:mc="http://schemas.openxmlformats.org/markup-compatibility/2006" xmlns:a14="http://schemas.microsoft.com/office/drawing/2010/main">
+        <mc:Choice Requires="a14">
           <p:sp>
             <p:nvSpPr>
               <p:cNvPr id="4" name="TextBox 4"/>
@@ -8154,7 +8155,7 @@
             </p:txBody>
           </p:sp>
         </mc:Choice>
-        <mc:Fallback>
+        <mc:Fallback xmlns="">
           <p:sp>
             <p:nvSpPr>
               <p:cNvPr id="4" name="TextBox 4"/>
@@ -8251,8 +8252,8 @@
           </a:p>
         </p:txBody>
       </p:sp>
-      <mc:AlternateContent xmlns:mc="http://schemas.openxmlformats.org/markup-compatibility/2006">
-        <mc:Choice xmlns:a14="http://schemas.microsoft.com/office/drawing/2010/main" Requires="a14">
+      <mc:AlternateContent xmlns:mc="http://schemas.openxmlformats.org/markup-compatibility/2006" xmlns:a14="http://schemas.microsoft.com/office/drawing/2010/main">
+        <mc:Choice Requires="a14">
           <p:sp>
             <p:nvSpPr>
               <p:cNvPr id="3" name="Espaço Reservado para Conteúdo 2"/>
@@ -8376,7 +8377,7 @@
             </p:txBody>
           </p:sp>
         </mc:Choice>
-        <mc:Fallback>
+        <mc:Fallback xmlns="">
           <p:sp>
             <p:nvSpPr>
               <p:cNvPr id="3" name="Espaço Reservado para Conteúdo 2"/>
@@ -8985,6 +8986,225 @@
       </p:grpSpPr>
       <p:sp>
         <p:nvSpPr>
+          <p:cNvPr id="2" name="Título 1">
+            <a:extLst>
+              <a:ext uri="{FF2B5EF4-FFF2-40B4-BE49-F238E27FC236}">
+                <a16:creationId xmlns:a16="http://schemas.microsoft.com/office/drawing/2014/main" id="{654EC41E-A91F-2BE6-4481-EFFD64DC2B91}"/>
+              </a:ext>
+            </a:extLst>
+          </p:cNvPr>
+          <p:cNvSpPr>
+            <a:spLocks noGrp="1"/>
+          </p:cNvSpPr>
+          <p:nvPr>
+            <p:ph type="title"/>
+          </p:nvPr>
+        </p:nvSpPr>
+        <p:spPr/>
+        <p:txBody>
+          <a:bodyPr/>
+          <a:lstStyle/>
+          <a:p>
+            <a:r>
+              <a:rPr lang="pt-BR" dirty="0"/>
+              <a:t>Como escolher o número ideal de clusters?</a:t>
+            </a:r>
+          </a:p>
+        </p:txBody>
+      </p:sp>
+      <mc:AlternateContent xmlns:mc="http://schemas.openxmlformats.org/markup-compatibility/2006">
+        <mc:Choice xmlns:a14="http://schemas.microsoft.com/office/drawing/2010/main" Requires="a14">
+          <p:sp>
+            <p:nvSpPr>
+              <p:cNvPr id="3" name="Espaço Reservado para Conteúdo 2">
+                <a:extLst>
+                  <a:ext uri="{FF2B5EF4-FFF2-40B4-BE49-F238E27FC236}">
+                    <a16:creationId xmlns:a16="http://schemas.microsoft.com/office/drawing/2014/main" id="{7C91871B-A0D0-6F26-D59B-6230818E6267}"/>
+                  </a:ext>
+                </a:extLst>
+              </p:cNvPr>
+              <p:cNvSpPr>
+                <a:spLocks noGrp="1"/>
+              </p:cNvSpPr>
+              <p:nvPr>
+                <p:ph idx="1"/>
+              </p:nvPr>
+            </p:nvSpPr>
+            <p:spPr>
+              <a:xfrm>
+                <a:off x="838200" y="1825625"/>
+                <a:ext cx="11049000" cy="4351338"/>
+              </a:xfrm>
+            </p:spPr>
+            <p:txBody>
+              <a:bodyPr>
+                <a:normAutofit/>
+              </a:bodyPr>
+              <a:lstStyle/>
+              <a:p>
+                <a:r>
+                  <a:rPr lang="pt-BR" dirty="0"/>
+                  <a:t>Existem várias abordagens para determinar o valor ideal de </a:t>
+                </a:r>
+                <a14:m>
+                  <m:oMath xmlns:m="http://schemas.openxmlformats.org/officeDocument/2006/math">
+                    <m:r>
+                      <a:rPr lang="pt-BR" b="0" i="1" smtClean="0">
+                        <a:latin typeface="Cambria Math" panose="02040503050406030204" pitchFamily="18" charset="0"/>
+                      </a:rPr>
+                      <m:t>𝑘</m:t>
+                    </m:r>
+                  </m:oMath>
+                </a14:m>
+                <a:r>
+                  <a:rPr lang="pt-BR" dirty="0"/>
+                  <a:t>. </a:t>
+                </a:r>
+              </a:p>
+              <a:p>
+                <a:r>
+                  <a:rPr lang="pt-BR" dirty="0"/>
+                  <a:t>A mais comum é o método da silhueta.</a:t>
+                </a:r>
+              </a:p>
+              <a:p>
+                <a:r>
+                  <a:rPr lang="pt-BR" dirty="0"/>
+                  <a:t>O coeficiente de silhueta avalia a </a:t>
+                </a:r>
+                <a:r>
+                  <a:rPr lang="pt-BR" b="1" dirty="0"/>
+                  <a:t>qualidade da clusterização</a:t>
+                </a:r>
+                <a:r>
+                  <a:rPr lang="pt-BR" dirty="0"/>
+                  <a:t>, considerando a </a:t>
+                </a:r>
+                <a:r>
+                  <a:rPr lang="pt-BR" b="1" i="1" dirty="0">
+                    <a:solidFill>
+                      <a:schemeClr val="accent5"/>
+                    </a:solidFill>
+                  </a:rPr>
+                  <a:t>coesão dentro dos clusters e a separação entre eles</a:t>
+                </a:r>
+                <a:r>
+                  <a:rPr lang="pt-BR" dirty="0"/>
+                  <a:t>.</a:t>
+                </a:r>
+              </a:p>
+              <a:p>
+                <a:r>
+                  <a:rPr lang="pt-BR" dirty="0"/>
+                  <a:t>Escolhemos o número de clusters que maximiza o coeficiente.</a:t>
+                </a:r>
+              </a:p>
+              <a:p>
+                <a:r>
+                  <a:rPr lang="pt-BR" dirty="0"/>
+                  <a:t>A documentação da biblioteca </a:t>
+                </a:r>
+                <a:r>
+                  <a:rPr lang="pt-BR" dirty="0" err="1"/>
+                  <a:t>SciKit-Learn</a:t>
+                </a:r>
+                <a:r>
+                  <a:rPr lang="pt-BR" dirty="0"/>
+                  <a:t> contém um exemplo de como usar a coeficiente de silhueta para definir o melhor número de clusters.</a:t>
+                </a:r>
+              </a:p>
+              <a:p>
+                <a:pPr lvl="1">
+                  <a:buFont typeface="Wingdings" panose="05000000000000000000" pitchFamily="2" charset="2"/>
+                  <a:buChar char="§"/>
+                </a:pPr>
+                <a:r>
+                  <a:rPr lang="pt-BR" dirty="0">
+                    <a:hlinkClick r:id="rId2"/>
+                  </a:rPr>
+                  <a:t>https://scikit-learn.org/1.5/auto_examples/cluster/plot_kmeans_silhouette_analysis.html</a:t>
+                </a:r>
+                <a:endParaRPr lang="pt-BR" dirty="0"/>
+              </a:p>
+            </p:txBody>
+          </p:sp>
+        </mc:Choice>
+        <mc:Fallback>
+          <p:sp>
+            <p:nvSpPr>
+              <p:cNvPr id="3" name="Espaço Reservado para Conteúdo 2">
+                <a:extLst>
+                  <a:ext uri="{FF2B5EF4-FFF2-40B4-BE49-F238E27FC236}">
+                    <a16:creationId xmlns:a16="http://schemas.microsoft.com/office/drawing/2014/main" id="{7C91871B-A0D0-6F26-D59B-6230818E6267}"/>
+                  </a:ext>
+                </a:extLst>
+              </p:cNvPr>
+              <p:cNvSpPr>
+                <a:spLocks noGrp="1" noRot="1" noChangeAspect="1" noMove="1" noResize="1" noEditPoints="1" noAdjustHandles="1" noChangeArrowheads="1" noChangeShapeType="1" noTextEdit="1"/>
+              </p:cNvSpPr>
+              <p:nvPr>
+                <p:ph idx="1"/>
+              </p:nvPr>
+            </p:nvSpPr>
+            <p:spPr>
+              <a:xfrm>
+                <a:off x="838200" y="1825625"/>
+                <a:ext cx="11049000" cy="4351338"/>
+              </a:xfrm>
+              <a:blipFill>
+                <a:blip r:embed="rId3"/>
+                <a:stretch>
+                  <a:fillRect l="-993" t="-2241" r="-773"/>
+                </a:stretch>
+              </a:blipFill>
+            </p:spPr>
+            <p:txBody>
+              <a:bodyPr/>
+              <a:lstStyle/>
+              <a:p>
+                <a:r>
+                  <a:rPr lang="pt-BR">
+                    <a:noFill/>
+                  </a:rPr>
+                  <a:t> </a:t>
+                </a:r>
+              </a:p>
+            </p:txBody>
+          </p:sp>
+        </mc:Fallback>
+      </mc:AlternateContent>
+    </p:spTree>
+    <p:extLst>
+      <p:ext uri="{BB962C8B-B14F-4D97-AF65-F5344CB8AC3E}">
+        <p14:creationId xmlns:p14="http://schemas.microsoft.com/office/powerpoint/2010/main" val="2565590634"/>
+      </p:ext>
+    </p:extLst>
+  </p:cSld>
+  <p:clrMapOvr>
+    <a:masterClrMapping/>
+  </p:clrMapOvr>
+</p:sld>
+</file>
+
+<file path=ppt/slides/slide19.xml><?xml version="1.0" encoding="utf-8"?>
+<p:sld xmlns:a="http://schemas.openxmlformats.org/drawingml/2006/main" xmlns:r="http://schemas.openxmlformats.org/officeDocument/2006/relationships" xmlns:p="http://schemas.openxmlformats.org/presentationml/2006/main">
+  <p:cSld>
+    <p:spTree>
+      <p:nvGrpSpPr>
+        <p:cNvPr id="1" name=""/>
+        <p:cNvGrpSpPr/>
+        <p:nvPr/>
+      </p:nvGrpSpPr>
+      <p:grpSpPr>
+        <a:xfrm>
+          <a:off x="0" y="0"/>
+          <a:ext cx="0" cy="0"/>
+          <a:chOff x="0" y="0"/>
+          <a:chExt cx="0" cy="0"/>
+        </a:xfrm>
+      </p:grpSpPr>
+      <p:sp>
+        <p:nvSpPr>
           <p:cNvPr id="2" name="Title 1"/>
           <p:cNvSpPr>
             <a:spLocks noGrp="1"/>
@@ -9070,7 +9290,173 @@
 </p:sld>
 </file>
 
-<file path=ppt/slides/slide19.xml><?xml version="1.0" encoding="utf-8"?>
+<file path=ppt/slides/slide2.xml><?xml version="1.0" encoding="utf-8"?>
+<p:sld xmlns:a="http://schemas.openxmlformats.org/drawingml/2006/main" xmlns:r="http://schemas.openxmlformats.org/officeDocument/2006/relationships" xmlns:p="http://schemas.openxmlformats.org/presentationml/2006/main">
+  <p:cSld>
+    <p:spTree>
+      <p:nvGrpSpPr>
+        <p:cNvPr id="1" name=""/>
+        <p:cNvGrpSpPr/>
+        <p:nvPr/>
+      </p:nvGrpSpPr>
+      <p:grpSpPr>
+        <a:xfrm>
+          <a:off x="0" y="0"/>
+          <a:ext cx="0" cy="0"/>
+          <a:chOff x="0" y="0"/>
+          <a:chExt cx="0" cy="0"/>
+        </a:xfrm>
+      </p:grpSpPr>
+      <p:sp>
+        <p:nvSpPr>
+          <p:cNvPr id="2" name="Título 1"/>
+          <p:cNvSpPr>
+            <a:spLocks noGrp="1"/>
+          </p:cNvSpPr>
+          <p:nvPr>
+            <p:ph type="title"/>
+          </p:nvPr>
+        </p:nvSpPr>
+        <p:spPr/>
+        <p:txBody>
+          <a:bodyPr/>
+          <a:lstStyle/>
+          <a:p>
+            <a:r>
+              <a:rPr lang="pt-BR" dirty="0"/>
+              <a:t>Recapitulando</a:t>
+            </a:r>
+            <a:endParaRPr lang="en-US" dirty="0"/>
+          </a:p>
+        </p:txBody>
+      </p:sp>
+      <p:sp>
+        <p:nvSpPr>
+          <p:cNvPr id="3" name="Espaço Reservado para Conteúdo 2"/>
+          <p:cNvSpPr>
+            <a:spLocks noGrp="1"/>
+          </p:cNvSpPr>
+          <p:nvPr>
+            <p:ph idx="1"/>
+          </p:nvPr>
+        </p:nvSpPr>
+        <p:spPr>
+          <a:xfrm>
+            <a:off x="838199" y="1825624"/>
+            <a:ext cx="11204865" cy="5032376"/>
+          </a:xfrm>
+        </p:spPr>
+        <p:txBody>
+          <a:bodyPr>
+            <a:normAutofit/>
+          </a:bodyPr>
+          <a:lstStyle/>
+          <a:p>
+            <a:r>
+              <a:rPr lang="pt-BR" dirty="0"/>
+              <a:t>Até o momento, todos os algoritmos que aprendemos seguiam o paradigma do aprendizado supervisionado.</a:t>
+            </a:r>
+          </a:p>
+          <a:p>
+            <a:r>
+              <a:rPr lang="pt-BR" dirty="0"/>
+              <a:t>Hoje, falaremos sobre </a:t>
+            </a:r>
+            <a:r>
+              <a:rPr lang="pt-BR" b="1" i="1" dirty="0" err="1"/>
+              <a:t>clustering</a:t>
+            </a:r>
+            <a:r>
+              <a:rPr lang="pt-BR" dirty="0"/>
+              <a:t>, que são algoritmos de </a:t>
+            </a:r>
+            <a:r>
+              <a:rPr lang="pt-BR" b="1" i="1" dirty="0"/>
+              <a:t>aprendizado não-supervisionado</a:t>
+            </a:r>
+            <a:r>
+              <a:rPr lang="pt-BR" dirty="0"/>
+              <a:t> que visam criar agrupamentos de dados (chamados de </a:t>
+            </a:r>
+            <a:r>
+              <a:rPr lang="pt-BR" b="1" i="1" dirty="0"/>
+              <a:t>clusters </a:t>
+            </a:r>
+            <a:r>
+              <a:rPr lang="pt-BR" dirty="0"/>
+              <a:t>ou</a:t>
+            </a:r>
+            <a:r>
+              <a:rPr lang="pt-BR" b="1" i="1" dirty="0"/>
+              <a:t> grupos</a:t>
+            </a:r>
+            <a:r>
+              <a:rPr lang="pt-BR" dirty="0"/>
+              <a:t>) segundo seu </a:t>
+            </a:r>
+            <a:r>
+              <a:rPr lang="pt-BR" b="1" i="1" dirty="0">
+                <a:solidFill>
+                  <a:srgbClr val="00B050"/>
+                </a:solidFill>
+              </a:rPr>
+              <a:t>grau de semelhança</a:t>
+            </a:r>
+            <a:r>
+              <a:rPr lang="pt-BR" dirty="0"/>
+              <a:t>. </a:t>
+            </a:r>
+          </a:p>
+          <a:p>
+            <a:r>
+              <a:rPr lang="pt-BR" dirty="0"/>
+              <a:t>Em seguida, aprenderemos sobre o algoritmo chamado de </a:t>
+            </a:r>
+            <a:r>
+              <a:rPr lang="pt-BR" b="1" i="1" dirty="0"/>
+              <a:t>k-Médias</a:t>
+            </a:r>
+            <a:r>
+              <a:rPr lang="pt-BR" dirty="0"/>
+              <a:t> (ou </a:t>
+            </a:r>
+            <a:r>
+              <a:rPr lang="pt-BR" b="1" i="1" dirty="0"/>
+              <a:t>k-</a:t>
+            </a:r>
+            <a:r>
+              <a:rPr lang="pt-BR" b="1" i="1" dirty="0" err="1"/>
+              <a:t>Means</a:t>
+            </a:r>
+            <a:r>
+              <a:rPr lang="pt-BR" dirty="0"/>
+              <a:t>, em inglês) que é um dos algoritmos mais simples de </a:t>
+            </a:r>
+            <a:r>
+              <a:rPr lang="pt-BR" b="1" i="1" dirty="0" err="1"/>
+              <a:t>clustering</a:t>
+            </a:r>
+            <a:r>
+              <a:rPr lang="pt-BR" dirty="0"/>
+              <a:t>.</a:t>
+            </a:r>
+          </a:p>
+        </p:txBody>
+      </p:sp>
+    </p:spTree>
+    <p:extLst>
+      <p:ext uri="{BB962C8B-B14F-4D97-AF65-F5344CB8AC3E}">
+        <p14:creationId xmlns:p14="http://schemas.microsoft.com/office/powerpoint/2010/main" val="2127415881"/>
+      </p:ext>
+    </p:extLst>
+  </p:cSld>
+  <p:clrMapOvr>
+    <a:masterClrMapping/>
+  </p:clrMapOvr>
+</p:sld>
+</file>
+
+<file path=ppt/slides/slide20.xml><?xml version="1.0" encoding="utf-8"?>
 <p:sld xmlns:a="http://schemas.openxmlformats.org/drawingml/2006/main" xmlns:r="http://schemas.openxmlformats.org/officeDocument/2006/relationships" xmlns:p="http://schemas.openxmlformats.org/presentationml/2006/main">
   <p:cSld>
     <p:spTree>
@@ -9155,173 +9541,7 @@
 </p:sld>
 </file>
 
-<file path=ppt/slides/slide2.xml><?xml version="1.0" encoding="utf-8"?>
-<p:sld xmlns:a="http://schemas.openxmlformats.org/drawingml/2006/main" xmlns:r="http://schemas.openxmlformats.org/officeDocument/2006/relationships" xmlns:p="http://schemas.openxmlformats.org/presentationml/2006/main">
-  <p:cSld>
-    <p:spTree>
-      <p:nvGrpSpPr>
-        <p:cNvPr id="1" name=""/>
-        <p:cNvGrpSpPr/>
-        <p:nvPr/>
-      </p:nvGrpSpPr>
-      <p:grpSpPr>
-        <a:xfrm>
-          <a:off x="0" y="0"/>
-          <a:ext cx="0" cy="0"/>
-          <a:chOff x="0" y="0"/>
-          <a:chExt cx="0" cy="0"/>
-        </a:xfrm>
-      </p:grpSpPr>
-      <p:sp>
-        <p:nvSpPr>
-          <p:cNvPr id="2" name="Título 1"/>
-          <p:cNvSpPr>
-            <a:spLocks noGrp="1"/>
-          </p:cNvSpPr>
-          <p:nvPr>
-            <p:ph type="title"/>
-          </p:nvPr>
-        </p:nvSpPr>
-        <p:spPr/>
-        <p:txBody>
-          <a:bodyPr/>
-          <a:lstStyle/>
-          <a:p>
-            <a:r>
-              <a:rPr lang="pt-BR" dirty="0"/>
-              <a:t>Recapitulando</a:t>
-            </a:r>
-            <a:endParaRPr lang="en-US" dirty="0"/>
-          </a:p>
-        </p:txBody>
-      </p:sp>
-      <p:sp>
-        <p:nvSpPr>
-          <p:cNvPr id="3" name="Espaço Reservado para Conteúdo 2"/>
-          <p:cNvSpPr>
-            <a:spLocks noGrp="1"/>
-          </p:cNvSpPr>
-          <p:nvPr>
-            <p:ph idx="1"/>
-          </p:nvPr>
-        </p:nvSpPr>
-        <p:spPr>
-          <a:xfrm>
-            <a:off x="838199" y="1825624"/>
-            <a:ext cx="11204865" cy="5032376"/>
-          </a:xfrm>
-        </p:spPr>
-        <p:txBody>
-          <a:bodyPr>
-            <a:normAutofit/>
-          </a:bodyPr>
-          <a:lstStyle/>
-          <a:p>
-            <a:r>
-              <a:rPr lang="pt-BR" dirty="0"/>
-              <a:t>Até o momento, todos os algoritmos que aprendemos seguiam o paradigma do aprendizado supervisionado.</a:t>
-            </a:r>
-          </a:p>
-          <a:p>
-            <a:r>
-              <a:rPr lang="pt-BR" dirty="0"/>
-              <a:t>Hoje, falaremos sobre </a:t>
-            </a:r>
-            <a:r>
-              <a:rPr lang="pt-BR" b="1" i="1" dirty="0" err="1"/>
-              <a:t>clustering</a:t>
-            </a:r>
-            <a:r>
-              <a:rPr lang="pt-BR" dirty="0"/>
-              <a:t>, que são algoritmos de </a:t>
-            </a:r>
-            <a:r>
-              <a:rPr lang="pt-BR" b="1" i="1" dirty="0"/>
-              <a:t>aprendizado não-supervisionado</a:t>
-            </a:r>
-            <a:r>
-              <a:rPr lang="pt-BR" dirty="0"/>
-              <a:t> que visam criar agrupamentos de dados (chamados de </a:t>
-            </a:r>
-            <a:r>
-              <a:rPr lang="pt-BR" b="1" i="1" dirty="0"/>
-              <a:t>clusters </a:t>
-            </a:r>
-            <a:r>
-              <a:rPr lang="pt-BR" dirty="0"/>
-              <a:t>ou</a:t>
-            </a:r>
-            <a:r>
-              <a:rPr lang="pt-BR" b="1" i="1" dirty="0"/>
-              <a:t> grupos</a:t>
-            </a:r>
-            <a:r>
-              <a:rPr lang="pt-BR" dirty="0"/>
-              <a:t>) segundo seu </a:t>
-            </a:r>
-            <a:r>
-              <a:rPr lang="pt-BR" b="1" i="1" dirty="0">
-                <a:solidFill>
-                  <a:srgbClr val="00B050"/>
-                </a:solidFill>
-              </a:rPr>
-              <a:t>grau de semelhança</a:t>
-            </a:r>
-            <a:r>
-              <a:rPr lang="pt-BR" dirty="0"/>
-              <a:t>. </a:t>
-            </a:r>
-          </a:p>
-          <a:p>
-            <a:r>
-              <a:rPr lang="pt-BR" dirty="0"/>
-              <a:t>Em seguida, aprenderemos sobre o algoritmo chamado de </a:t>
-            </a:r>
-            <a:r>
-              <a:rPr lang="pt-BR" b="1" i="1" dirty="0"/>
-              <a:t>k-Médias</a:t>
-            </a:r>
-            <a:r>
-              <a:rPr lang="pt-BR" dirty="0"/>
-              <a:t> (ou </a:t>
-            </a:r>
-            <a:r>
-              <a:rPr lang="pt-BR" b="1" i="1" dirty="0"/>
-              <a:t>k-</a:t>
-            </a:r>
-            <a:r>
-              <a:rPr lang="pt-BR" b="1" i="1" dirty="0" err="1"/>
-              <a:t>Means</a:t>
-            </a:r>
-            <a:r>
-              <a:rPr lang="pt-BR" dirty="0"/>
-              <a:t>, em inglês) que é um dos algoritmos mais simples de </a:t>
-            </a:r>
-            <a:r>
-              <a:rPr lang="pt-BR" b="1" i="1" dirty="0" err="1"/>
-              <a:t>clustering</a:t>
-            </a:r>
-            <a:r>
-              <a:rPr lang="pt-BR" dirty="0"/>
-              <a:t>.</a:t>
-            </a:r>
-          </a:p>
-        </p:txBody>
-      </p:sp>
-    </p:spTree>
-    <p:extLst>
-      <p:ext uri="{BB962C8B-B14F-4D97-AF65-F5344CB8AC3E}">
-        <p14:creationId xmlns:p14="http://schemas.microsoft.com/office/powerpoint/2010/main" val="2127415881"/>
-      </p:ext>
-    </p:extLst>
-  </p:cSld>
-  <p:clrMapOvr>
-    <a:masterClrMapping/>
-  </p:clrMapOvr>
-</p:sld>
-</file>
-
-<file path=ppt/slides/slide20.xml><?xml version="1.0" encoding="utf-8"?>
+<file path=ppt/slides/slide21.xml><?xml version="1.0" encoding="utf-8"?>
 <p:sld xmlns:a="http://schemas.openxmlformats.org/drawingml/2006/main" xmlns:r="http://schemas.openxmlformats.org/officeDocument/2006/relationships" xmlns:p="http://schemas.openxmlformats.org/presentationml/2006/main">
   <p:cSld>
     <p:spTree>
@@ -9554,7 +9774,7 @@
 </p:sld>
 </file>
 
-<file path=ppt/slides/slide21.xml><?xml version="1.0" encoding="utf-8"?>
+<file path=ppt/slides/slide22.xml><?xml version="1.0" encoding="utf-8"?>
 <p:sld xmlns:a="http://schemas.openxmlformats.org/drawingml/2006/main" xmlns:r="http://schemas.openxmlformats.org/officeDocument/2006/relationships" xmlns:p="http://schemas.openxmlformats.org/presentationml/2006/main">
   <p:cSld>
     <p:spTree>
@@ -11033,8 +11253,8 @@
           </a:p>
         </p:txBody>
       </p:sp>
-      <mc:AlternateContent xmlns:mc="http://schemas.openxmlformats.org/markup-compatibility/2006">
-        <mc:Choice xmlns:a14="http://schemas.microsoft.com/office/drawing/2010/main" Requires="a14">
+      <mc:AlternateContent xmlns:mc="http://schemas.openxmlformats.org/markup-compatibility/2006" xmlns:a14="http://schemas.microsoft.com/office/drawing/2010/main">
+        <mc:Choice Requires="a14">
           <p:sp>
             <p:nvSpPr>
               <p:cNvPr id="3" name="Espaço Reservado para Conteúdo 2">
@@ -11318,7 +11538,7 @@
             </p:txBody>
           </p:sp>
         </mc:Choice>
-        <mc:Fallback>
+        <mc:Fallback xmlns="">
           <p:sp>
             <p:nvSpPr>
               <p:cNvPr id="3" name="Espaço Reservado para Conteúdo 2">
